--- a/오픈소스 기획서ver.1.pptx
+++ b/오픈소스 기획서ver.1.pptx
@@ -2,10 +2,10 @@
 <file path=ppt/presentation.xml><?xml version="1.0" encoding="utf-8"?>
 <p:presentation xmlns:r="http://schemas.openxmlformats.org/officeDocument/2006/relationships" xmlns:c="http://schemas.openxmlformats.org/drawingml/2006/chart" xmlns:a="http://schemas.openxmlformats.org/drawingml/2006/main" xmlns:dgm="http://schemas.openxmlformats.org/drawingml/2006/diagram" xmlns:dsp="http://schemas.microsoft.com/office/drawing/2008/diagram" xmlns:p="http://schemas.openxmlformats.org/presentationml/2006/main" saveSubsetFonts="1">
   <p:sldMasterIdLst>
-    <p:sldMasterId id="2147483660" r:id="rId20"/>
+    <p:sldMasterId id="2147484296" r:id="rId16"/>
   </p:sldMasterIdLst>
   <p:notesMasterIdLst>
-    <p:notesMasterId r:id="rId22"/>
+    <p:notesMasterId r:id="rId18"/>
   </p:notesMasterIdLst>
   <p:sldIdLst>
     <p:sldId id="257" r:id="rId1"/>
@@ -21,10 +21,6 @@
     <p:sldId id="267" r:id="rId11"/>
     <p:sldId id="268" r:id="rId12"/>
     <p:sldId id="269" r:id="rId13"/>
-    <p:sldId id="270" r:id="rId14"/>
-    <p:sldId id="271" r:id="rId15"/>
-    <p:sldId id="272" r:id="rId16"/>
-    <p:sldId id="273" r:id="rId17"/>
   </p:sldIdLst>
   <p:sldSz cx="12192000" cy="6858000"/>
   <p:notesSz cx="6858000" cy="9144000"/>
@@ -215,7 +211,7 @@
             <a:fld id="{1632D124-7EB0-4F6F-A17D-6FE99DC1A9C4}" type="datetimeFigureOut">
               <a:rPr lang="ko-KR" altLang="en-US"/>
               <a:pPr/>
-              <a:t>2018-09-16</a:t>
+              <a:t>2018-09-18</a:t>
             </a:fld>
             <a:endParaRPr lang="ko-KR" altLang="en-US"/>
           </a:p>
@@ -510,24 +506,12 @@
       </p:grpSpPr>
       <p:sp>
         <p:nvSpPr>
-          <p:cNvPr id="2" name="슬라이드 이미지 개체 틀 1"/>
+          <p:cNvPr id="2" name="직사각형 1"/>
           <p:cNvSpPr>
             <a:spLocks noGrp="1" noRot="1" noChangeAspect="1" noTextEdit="1"/>
           </p:cNvSpPr>
           <p:nvPr>
-            <p:ph type="sldImg" idx="0"/>
-          </p:nvPr>
-        </p:nvSpPr>
-        <p:spPr/>
-      </p:sp>
-      <p:sp>
-        <p:nvSpPr>
-          <p:cNvPr id="3" name="슬라이드 노트 개체 틀 2"/>
-          <p:cNvSpPr>
-            <a:spLocks noGrp="1"/>
-          </p:cNvSpPr>
-          <p:nvPr>
-            <p:ph type="body" idx="1"/>
+            <p:ph type="sldImg" idx="2"/>
           </p:nvPr>
         </p:nvSpPr>
         <p:spPr/>
@@ -536,34 +520,845 @@
           <a:lstStyle/>
           <a:p>
             <a:pPr/>
-            <a:r>
-              <a:rPr lang="ko-KR" altLang="en-US"/>
-              <a:t/>
-            </a:r>
-            <a:endParaRPr lang="ko-KR" altLang="en-US"/>
-          </a:p>
-        </p:txBody>
-      </p:sp>
-      <p:sp>
-        <p:nvSpPr>
-          <p:cNvPr id="4" name="슬라이드 번호 개체 틀 3"/>
-          <p:cNvSpPr>
-            <a:spLocks noGrp="1"/>
-          </p:cNvSpPr>
+            <a:endParaRPr lang="ko-KR" altLang="en-US"/>
+          </a:p>
+        </p:txBody>
+      </p:sp>
+      <p:sp>
+        <p:nvSpPr>
+          <p:cNvPr id="3" name="직사각형 2"/>
+          <p:cNvSpPr/>
           <p:nvPr>
-            <p:ph type="sldNum" sz="quarter" idx="10"/>
+            <p:ph type="body" sz="quarter" idx="3"/>
           </p:nvPr>
         </p:nvSpPr>
         <p:spPr/>
         <p:txBody>
           <a:bodyPr/>
           <a:lstStyle/>
+          <a:p>
+            <a:pPr/>
+            <a:r>
+              <a:rPr lang="ko-KR" altLang="en-US"/>
+              <a:t>오픈 소스</a:t>
+            </a:r>
+            <a:endParaRPr lang="ko-KR" altLang="en-US"/>
+          </a:p>
+          <a:p>
+            <a:pPr/>
+            <a:r>
+              <a:rPr lang="ko-KR" altLang="en-US"/>
+              <a:t>react-native: google</a:t>
+            </a:r>
+            <a:endParaRPr lang="ko-KR" altLang="en-US"/>
+          </a:p>
+          <a:p>
+            <a:pPr/>
+            <a:r>
+              <a:rPr lang="ko-KR" altLang="en-US"/>
+              <a:t>firebase:facebook</a:t>
+            </a:r>
+            <a:endParaRPr lang="ko-KR" altLang="en-US"/>
+          </a:p>
+          <a:p>
+            <a:pPr/>
+            <a:r>
+              <a:rPr lang="ko-KR" altLang="en-US"/>
+              <a:t>chat-bubble</a:t>
+            </a:r>
+            <a:endParaRPr lang="ko-KR" altLang="en-US"/>
+          </a:p>
+          <a:p>
+            <a:pPr/>
+            <a:endParaRPr lang="ko-KR" altLang="en-US"/>
+          </a:p>
+          <a:p>
+            <a:pPr/>
+            <a:r>
+              <a:rPr lang="ko-KR" altLang="en-US"/>
+              <a:t>구현하는 기능</a:t>
+            </a:r>
+            <a:endParaRPr lang="ko-KR" altLang="en-US"/>
+          </a:p>
+          <a:p>
+            <a:pPr/>
+            <a:r>
+              <a:rPr lang="ko-KR" altLang="en-US"/>
+              <a:t>1) 날씨: api</a:t>
+            </a:r>
+            <a:endParaRPr lang="ko-KR" altLang="en-US"/>
+          </a:p>
+          <a:p>
+            <a:pPr/>
+            <a:r>
+              <a:rPr lang="ko-KR" altLang="en-US"/>
+              <a:t>2) 학식: 파싱</a:t>
+            </a:r>
+            <a:endParaRPr lang="ko-KR" altLang="en-US"/>
+          </a:p>
+          <a:p>
+            <a:pPr/>
+            <a:r>
+              <a:rPr lang="ko-KR" altLang="en-US"/>
+              <a:t>3) 프린터 위치: 파싱</a:t>
+            </a:r>
+            <a:endParaRPr lang="ko-KR" altLang="en-US"/>
+          </a:p>
+          <a:p>
+            <a:pPr/>
+            <a:r>
+              <a:rPr lang="ko-KR" altLang="en-US"/>
+              <a:t>4) 열람실 자리: 파싱</a:t>
+            </a:r>
+            <a:endParaRPr lang="ko-KR" altLang="en-US"/>
+          </a:p>
+          <a:p>
+            <a:pPr/>
+            <a:r>
+              <a:rPr lang="ko-KR" altLang="en-US"/>
+              <a:t>5) 메모-과제,시험,약속,모임(날짜): </a:t>
+            </a:r>
+            <a:endParaRPr lang="ko-KR" altLang="en-US"/>
+          </a:p>
+          <a:p>
+            <a:pPr/>
+            <a:r>
+              <a:rPr lang="ko-KR" altLang="en-US"/>
+              <a:t>    사용자입력(firebase)</a:t>
+            </a:r>
+            <a:endParaRPr lang="ko-KR" altLang="en-US"/>
+          </a:p>
+        </p:txBody>
+      </p:sp>
+      <p:sp>
+        <p:nvSpPr>
+          <p:cNvPr id="4" name="직사각형 3"/>
+          <p:cNvSpPr/>
+          <p:nvPr>
+            <p:ph type="sldNum" sz="quarter" idx="5"/>
+          </p:nvPr>
+        </p:nvSpPr>
+        <p:spPr/>
+        <p:txBody>
+          <a:bodyPr vert="horz" lIns="91440" tIns="45720" rIns="91440" bIns="45720" anchor="b"/>
+          <a:lstStyle>
+            <a:lvl1pPr algn="r">
+              <a:defRPr sz="1200"/>
+            </a:lvl1pPr>
+          </a:lstStyle>
           <a:p>
             <a:pPr/>
             <a:fld id="{DF7022B6-66A8-4229-9D22-D2C61F5063F2}" type="slidenum">
               <a:rPr lang="en-US" altLang="en-US"/>
               <a:pPr/>
-              <a:t>14</a:t>
+              <a:t>6</a:t>
+            </a:fld>
+            <a:endParaRPr lang="en-US" altLang="en-US"/>
+          </a:p>
+        </p:txBody>
+      </p:sp>
+    </p:spTree>
+  </p:cSld>
+</p:notes>
+</file>
+
+<file path=ppt/notesSlides/notesSlide2.xml><?xml version="1.0" encoding="utf-8"?>
+<p:notes xmlns:r="http://schemas.openxmlformats.org/officeDocument/2006/relationships" xmlns:c="http://schemas.openxmlformats.org/drawingml/2006/chart" xmlns:a="http://schemas.openxmlformats.org/drawingml/2006/main" xmlns:dgm="http://schemas.openxmlformats.org/drawingml/2006/diagram" xmlns:dsp="http://schemas.microsoft.com/office/drawing/2008/diagram" xmlns:p="http://schemas.openxmlformats.org/presentationml/2006/main">
+  <p:cSld>
+    <p:spTree>
+      <p:nvGrpSpPr>
+        <p:cNvPr id="1" name=""/>
+        <p:cNvGrpSpPr/>
+        <p:nvPr/>
+      </p:nvGrpSpPr>
+      <p:grpSpPr>
+        <a:xfrm>
+          <a:off x="0" y="0"/>
+          <a:ext cx="0" cy="0"/>
+          <a:chOff x="0" y="0"/>
+          <a:chExt cx="0" cy="0"/>
+        </a:xfrm>
+      </p:grpSpPr>
+      <p:sp>
+        <p:nvSpPr>
+          <p:cNvPr id="2" name="직사각형 1"/>
+          <p:cNvSpPr>
+            <a:spLocks noGrp="1" noRot="1" noChangeAspect="1" noTextEdit="1"/>
+          </p:cNvSpPr>
+          <p:nvPr>
+            <p:ph type="sldImg" idx="2"/>
+          </p:nvPr>
+        </p:nvSpPr>
+        <p:spPr/>
+        <p:txBody>
+          <a:bodyPr/>
+          <a:lstStyle/>
+          <a:p>
+            <a:pPr/>
+            <a:endParaRPr lang="ko-KR" altLang="en-US"/>
+          </a:p>
+        </p:txBody>
+      </p:sp>
+      <p:sp>
+        <p:nvSpPr>
+          <p:cNvPr id="3" name="직사각형 2"/>
+          <p:cNvSpPr/>
+          <p:nvPr>
+            <p:ph type="body" sz="quarter" idx="3"/>
+          </p:nvPr>
+        </p:nvSpPr>
+        <p:spPr/>
+        <p:txBody>
+          <a:bodyPr/>
+          <a:lstStyle/>
+          <a:p>
+            <a:pPr/>
+            <a:r>
+              <a:rPr lang="ko-KR" altLang="en-US"/>
+              <a:t>오픈 소스</a:t>
+            </a:r>
+            <a:endParaRPr lang="ko-KR" altLang="en-US"/>
+          </a:p>
+          <a:p>
+            <a:pPr/>
+            <a:r>
+              <a:rPr lang="ko-KR" altLang="en-US"/>
+              <a:t>react-native: google</a:t>
+            </a:r>
+            <a:endParaRPr lang="ko-KR" altLang="en-US"/>
+          </a:p>
+          <a:p>
+            <a:pPr/>
+            <a:r>
+              <a:rPr lang="ko-KR" altLang="en-US"/>
+              <a:t>firebase:facebook</a:t>
+            </a:r>
+            <a:endParaRPr lang="ko-KR" altLang="en-US"/>
+          </a:p>
+          <a:p>
+            <a:pPr/>
+            <a:r>
+              <a:rPr lang="ko-KR" altLang="en-US"/>
+              <a:t>chat-bubble</a:t>
+            </a:r>
+            <a:endParaRPr lang="ko-KR" altLang="en-US"/>
+          </a:p>
+          <a:p>
+            <a:pPr/>
+            <a:endParaRPr lang="ko-KR" altLang="en-US"/>
+          </a:p>
+          <a:p>
+            <a:pPr/>
+            <a:r>
+              <a:rPr lang="ko-KR" altLang="en-US"/>
+              <a:t>구현하는 기능</a:t>
+            </a:r>
+            <a:endParaRPr lang="ko-KR" altLang="en-US"/>
+          </a:p>
+          <a:p>
+            <a:pPr/>
+            <a:r>
+              <a:rPr lang="ko-KR" altLang="en-US"/>
+              <a:t>1) 날씨: api</a:t>
+            </a:r>
+            <a:endParaRPr lang="ko-KR" altLang="en-US"/>
+          </a:p>
+          <a:p>
+            <a:pPr/>
+            <a:r>
+              <a:rPr lang="ko-KR" altLang="en-US"/>
+              <a:t>2) 학식: 파싱</a:t>
+            </a:r>
+            <a:endParaRPr lang="ko-KR" altLang="en-US"/>
+          </a:p>
+          <a:p>
+            <a:pPr/>
+            <a:r>
+              <a:rPr lang="ko-KR" altLang="en-US"/>
+              <a:t>3) 프린터 위치: 파싱</a:t>
+            </a:r>
+            <a:endParaRPr lang="ko-KR" altLang="en-US"/>
+          </a:p>
+          <a:p>
+            <a:pPr/>
+            <a:r>
+              <a:rPr lang="ko-KR" altLang="en-US"/>
+              <a:t>4) 열람실 자리: 파싱</a:t>
+            </a:r>
+            <a:endParaRPr lang="ko-KR" altLang="en-US"/>
+          </a:p>
+          <a:p>
+            <a:pPr/>
+            <a:r>
+              <a:rPr lang="ko-KR" altLang="en-US"/>
+              <a:t>5) 메모-과제,시험,약속,모임(날짜): </a:t>
+            </a:r>
+            <a:endParaRPr lang="ko-KR" altLang="en-US"/>
+          </a:p>
+          <a:p>
+            <a:pPr/>
+            <a:r>
+              <a:rPr lang="ko-KR" altLang="en-US"/>
+              <a:t>    사용자입력(firebase)</a:t>
+            </a:r>
+            <a:endParaRPr lang="ko-KR" altLang="en-US"/>
+          </a:p>
+        </p:txBody>
+      </p:sp>
+      <p:sp>
+        <p:nvSpPr>
+          <p:cNvPr id="4" name="직사각형 3"/>
+          <p:cNvSpPr/>
+          <p:nvPr>
+            <p:ph type="sldNum" sz="quarter" idx="5"/>
+          </p:nvPr>
+        </p:nvSpPr>
+        <p:spPr/>
+        <p:txBody>
+          <a:bodyPr vert="horz" lIns="91440" tIns="45720" rIns="91440" bIns="45720" anchor="b"/>
+          <a:lstStyle>
+            <a:lvl1pPr algn="r">
+              <a:defRPr sz="1200"/>
+            </a:lvl1pPr>
+          </a:lstStyle>
+          <a:p>
+            <a:pPr/>
+            <a:fld id="{DF7022B6-66A8-4229-9D22-D2C61F5063F2}" type="slidenum">
+              <a:rPr lang="en-US" altLang="en-US"/>
+              <a:pPr/>
+              <a:t>9</a:t>
+            </a:fld>
+            <a:endParaRPr lang="en-US" altLang="en-US"/>
+          </a:p>
+        </p:txBody>
+      </p:sp>
+    </p:spTree>
+  </p:cSld>
+</p:notes>
+</file>
+
+<file path=ppt/notesSlides/notesSlide3.xml><?xml version="1.0" encoding="utf-8"?>
+<p:notes xmlns:r="http://schemas.openxmlformats.org/officeDocument/2006/relationships" xmlns:c="http://schemas.openxmlformats.org/drawingml/2006/chart" xmlns:a="http://schemas.openxmlformats.org/drawingml/2006/main" xmlns:dgm="http://schemas.openxmlformats.org/drawingml/2006/diagram" xmlns:dsp="http://schemas.microsoft.com/office/drawing/2008/diagram" xmlns:p="http://schemas.openxmlformats.org/presentationml/2006/main">
+  <p:cSld>
+    <p:spTree>
+      <p:nvGrpSpPr>
+        <p:cNvPr id="1" name=""/>
+        <p:cNvGrpSpPr/>
+        <p:nvPr/>
+      </p:nvGrpSpPr>
+      <p:grpSpPr>
+        <a:xfrm>
+          <a:off x="0" y="0"/>
+          <a:ext cx="0" cy="0"/>
+          <a:chOff x="0" y="0"/>
+          <a:chExt cx="0" cy="0"/>
+        </a:xfrm>
+      </p:grpSpPr>
+      <p:sp>
+        <p:nvSpPr>
+          <p:cNvPr id="2" name="직사각형 1"/>
+          <p:cNvSpPr>
+            <a:spLocks noGrp="1" noRot="1" noChangeAspect="1" noTextEdit="1"/>
+          </p:cNvSpPr>
+          <p:nvPr>
+            <p:ph type="sldImg" idx="2"/>
+          </p:nvPr>
+        </p:nvSpPr>
+        <p:spPr/>
+        <p:txBody>
+          <a:bodyPr/>
+          <a:lstStyle/>
+          <a:p>
+            <a:pPr/>
+            <a:endParaRPr lang="ko-KR" altLang="en-US"/>
+          </a:p>
+        </p:txBody>
+      </p:sp>
+      <p:sp>
+        <p:nvSpPr>
+          <p:cNvPr id="3" name="직사각형 2"/>
+          <p:cNvSpPr/>
+          <p:nvPr>
+            <p:ph type="body" sz="quarter" idx="3"/>
+          </p:nvPr>
+        </p:nvSpPr>
+        <p:spPr/>
+        <p:txBody>
+          <a:bodyPr/>
+          <a:lstStyle/>
+          <a:p>
+            <a:pPr/>
+            <a:r>
+              <a:rPr lang="ko-KR" altLang="en-US"/>
+              <a:t>오픈 소스</a:t>
+            </a:r>
+            <a:endParaRPr lang="ko-KR" altLang="en-US"/>
+          </a:p>
+          <a:p>
+            <a:pPr/>
+            <a:r>
+              <a:rPr lang="ko-KR" altLang="en-US"/>
+              <a:t>react-native: google</a:t>
+            </a:r>
+            <a:endParaRPr lang="ko-KR" altLang="en-US"/>
+          </a:p>
+          <a:p>
+            <a:pPr/>
+            <a:r>
+              <a:rPr lang="ko-KR" altLang="en-US"/>
+              <a:t>firebase:facebook</a:t>
+            </a:r>
+            <a:endParaRPr lang="ko-KR" altLang="en-US"/>
+          </a:p>
+          <a:p>
+            <a:pPr/>
+            <a:r>
+              <a:rPr lang="ko-KR" altLang="en-US"/>
+              <a:t>chat-bubble</a:t>
+            </a:r>
+            <a:endParaRPr lang="ko-KR" altLang="en-US"/>
+          </a:p>
+          <a:p>
+            <a:pPr/>
+            <a:endParaRPr lang="ko-KR" altLang="en-US"/>
+          </a:p>
+          <a:p>
+            <a:pPr/>
+            <a:r>
+              <a:rPr lang="ko-KR" altLang="en-US"/>
+              <a:t>구현하는 기능</a:t>
+            </a:r>
+            <a:endParaRPr lang="ko-KR" altLang="en-US"/>
+          </a:p>
+          <a:p>
+            <a:pPr/>
+            <a:r>
+              <a:rPr lang="ko-KR" altLang="en-US"/>
+              <a:t>1) 날씨: api</a:t>
+            </a:r>
+            <a:endParaRPr lang="ko-KR" altLang="en-US"/>
+          </a:p>
+          <a:p>
+            <a:pPr/>
+            <a:r>
+              <a:rPr lang="ko-KR" altLang="en-US"/>
+              <a:t>2) 학식: 파싱</a:t>
+            </a:r>
+            <a:endParaRPr lang="ko-KR" altLang="en-US"/>
+          </a:p>
+          <a:p>
+            <a:pPr/>
+            <a:r>
+              <a:rPr lang="ko-KR" altLang="en-US"/>
+              <a:t>3) 프린터 위치: 파싱</a:t>
+            </a:r>
+            <a:endParaRPr lang="ko-KR" altLang="en-US"/>
+          </a:p>
+          <a:p>
+            <a:pPr/>
+            <a:r>
+              <a:rPr lang="ko-KR" altLang="en-US"/>
+              <a:t>4) 열람실 자리: 파싱</a:t>
+            </a:r>
+            <a:endParaRPr lang="ko-KR" altLang="en-US"/>
+          </a:p>
+          <a:p>
+            <a:pPr/>
+            <a:r>
+              <a:rPr lang="ko-KR" altLang="en-US"/>
+              <a:t>5) 메모-과제,시험,약속,모임(날짜): </a:t>
+            </a:r>
+            <a:endParaRPr lang="ko-KR" altLang="en-US"/>
+          </a:p>
+          <a:p>
+            <a:pPr/>
+            <a:r>
+              <a:rPr lang="ko-KR" altLang="en-US"/>
+              <a:t>    사용자입력(firebase)</a:t>
+            </a:r>
+            <a:endParaRPr lang="ko-KR" altLang="en-US"/>
+          </a:p>
+        </p:txBody>
+      </p:sp>
+      <p:sp>
+        <p:nvSpPr>
+          <p:cNvPr id="4" name="직사각형 3"/>
+          <p:cNvSpPr/>
+          <p:nvPr>
+            <p:ph type="sldNum" sz="quarter" idx="5"/>
+          </p:nvPr>
+        </p:nvSpPr>
+        <p:spPr/>
+        <p:txBody>
+          <a:bodyPr vert="horz" lIns="91440" tIns="45720" rIns="91440" bIns="45720" anchor="b"/>
+          <a:lstStyle>
+            <a:lvl1pPr algn="r">
+              <a:defRPr sz="1200"/>
+            </a:lvl1pPr>
+          </a:lstStyle>
+          <a:p>
+            <a:pPr/>
+            <a:fld id="{DF7022B6-66A8-4229-9D22-D2C61F5063F2}" type="slidenum">
+              <a:rPr lang="en-US" altLang="en-US"/>
+              <a:pPr/>
+              <a:t>10</a:t>
+            </a:fld>
+            <a:endParaRPr lang="en-US" altLang="en-US"/>
+          </a:p>
+        </p:txBody>
+      </p:sp>
+    </p:spTree>
+  </p:cSld>
+</p:notes>
+</file>
+
+<file path=ppt/notesSlides/notesSlide4.xml><?xml version="1.0" encoding="utf-8"?>
+<p:notes xmlns:r="http://schemas.openxmlformats.org/officeDocument/2006/relationships" xmlns:c="http://schemas.openxmlformats.org/drawingml/2006/chart" xmlns:a="http://schemas.openxmlformats.org/drawingml/2006/main" xmlns:dgm="http://schemas.openxmlformats.org/drawingml/2006/diagram" xmlns:dsp="http://schemas.microsoft.com/office/drawing/2008/diagram" xmlns:p="http://schemas.openxmlformats.org/presentationml/2006/main">
+  <p:cSld>
+    <p:spTree>
+      <p:nvGrpSpPr>
+        <p:cNvPr id="1" name=""/>
+        <p:cNvGrpSpPr/>
+        <p:nvPr/>
+      </p:nvGrpSpPr>
+      <p:grpSpPr>
+        <a:xfrm>
+          <a:off x="0" y="0"/>
+          <a:ext cx="0" cy="0"/>
+          <a:chOff x="0" y="0"/>
+          <a:chExt cx="0" cy="0"/>
+        </a:xfrm>
+      </p:grpSpPr>
+      <p:sp>
+        <p:nvSpPr>
+          <p:cNvPr id="2" name="직사각형 1"/>
+          <p:cNvSpPr>
+            <a:spLocks noGrp="1" noRot="1" noChangeAspect="1" noTextEdit="1"/>
+          </p:cNvSpPr>
+          <p:nvPr>
+            <p:ph type="sldImg" idx="2"/>
+          </p:nvPr>
+        </p:nvSpPr>
+        <p:spPr/>
+        <p:txBody>
+          <a:bodyPr/>
+          <a:lstStyle/>
+          <a:p>
+            <a:pPr/>
+            <a:endParaRPr lang="ko-KR" altLang="en-US"/>
+          </a:p>
+        </p:txBody>
+      </p:sp>
+      <p:sp>
+        <p:nvSpPr>
+          <p:cNvPr id="3" name="직사각형 2"/>
+          <p:cNvSpPr/>
+          <p:nvPr>
+            <p:ph type="body" sz="quarter" idx="3"/>
+          </p:nvPr>
+        </p:nvSpPr>
+        <p:spPr/>
+        <p:txBody>
+          <a:bodyPr/>
+          <a:lstStyle/>
+          <a:p>
+            <a:pPr/>
+            <a:r>
+              <a:rPr lang="ko-KR" altLang="en-US"/>
+              <a:t/>
+            </a:r>
+            <a:endParaRPr lang="ko-KR" altLang="en-US"/>
+          </a:p>
+        </p:txBody>
+      </p:sp>
+      <p:sp>
+        <p:nvSpPr>
+          <p:cNvPr id="4" name="직사각형 3"/>
+          <p:cNvSpPr/>
+          <p:nvPr>
+            <p:ph type="sldNum" sz="quarter" idx="5"/>
+          </p:nvPr>
+        </p:nvSpPr>
+        <p:spPr/>
+        <p:txBody>
+          <a:bodyPr vert="horz" lIns="91440" tIns="45720" rIns="91440" bIns="45720" anchor="b"/>
+          <a:lstStyle>
+            <a:lvl1pPr algn="r">
+              <a:defRPr sz="1200"/>
+            </a:lvl1pPr>
+          </a:lstStyle>
+          <a:p>
+            <a:pPr/>
+            <a:fld id="{DF7022B6-66A8-4229-9D22-D2C61F5063F2}" type="slidenum">
+              <a:rPr lang="en-US" altLang="en-US"/>
+              <a:pPr/>
+              <a:t>11</a:t>
+            </a:fld>
+            <a:endParaRPr lang="en-US" altLang="en-US"/>
+          </a:p>
+        </p:txBody>
+      </p:sp>
+    </p:spTree>
+  </p:cSld>
+</p:notes>
+</file>
+
+<file path=ppt/notesSlides/notesSlide5.xml><?xml version="1.0" encoding="utf-8"?>
+<p:notes xmlns:r="http://schemas.openxmlformats.org/officeDocument/2006/relationships" xmlns:c="http://schemas.openxmlformats.org/drawingml/2006/chart" xmlns:a="http://schemas.openxmlformats.org/drawingml/2006/main" xmlns:dgm="http://schemas.openxmlformats.org/drawingml/2006/diagram" xmlns:dsp="http://schemas.microsoft.com/office/drawing/2008/diagram" xmlns:p="http://schemas.openxmlformats.org/presentationml/2006/main">
+  <p:cSld>
+    <p:spTree>
+      <p:nvGrpSpPr>
+        <p:cNvPr id="1" name=""/>
+        <p:cNvGrpSpPr/>
+        <p:nvPr/>
+      </p:nvGrpSpPr>
+      <p:grpSpPr>
+        <a:xfrm>
+          <a:off x="0" y="0"/>
+          <a:ext cx="0" cy="0"/>
+          <a:chOff x="0" y="0"/>
+          <a:chExt cx="0" cy="0"/>
+        </a:xfrm>
+      </p:grpSpPr>
+      <p:sp>
+        <p:nvSpPr>
+          <p:cNvPr id="2" name="직사각형 1"/>
+          <p:cNvSpPr>
+            <a:spLocks noGrp="1" noRot="1" noChangeAspect="1" noTextEdit="1"/>
+          </p:cNvSpPr>
+          <p:nvPr>
+            <p:ph type="sldImg" idx="2"/>
+          </p:nvPr>
+        </p:nvSpPr>
+        <p:spPr/>
+        <p:txBody>
+          <a:bodyPr/>
+          <a:lstStyle/>
+          <a:p>
+            <a:pPr/>
+            <a:endParaRPr lang="ko-KR" altLang="en-US"/>
+          </a:p>
+        </p:txBody>
+      </p:sp>
+      <p:sp>
+        <p:nvSpPr>
+          <p:cNvPr id="3" name="직사각형 2"/>
+          <p:cNvSpPr/>
+          <p:nvPr>
+            <p:ph type="body" sz="quarter" idx="3"/>
+          </p:nvPr>
+        </p:nvSpPr>
+        <p:spPr/>
+        <p:txBody>
+          <a:bodyPr/>
+          <a:lstStyle/>
+          <a:p>
+            <a:pPr/>
+            <a:r>
+              <a:rPr lang="ko-KR" altLang="en-US"/>
+              <a:t/>
+            </a:r>
+            <a:endParaRPr lang="ko-KR" altLang="en-US"/>
+          </a:p>
+        </p:txBody>
+      </p:sp>
+      <p:sp>
+        <p:nvSpPr>
+          <p:cNvPr id="4" name="직사각형 3"/>
+          <p:cNvSpPr/>
+          <p:nvPr>
+            <p:ph type="sldNum" sz="quarter" idx="5"/>
+          </p:nvPr>
+        </p:nvSpPr>
+        <p:spPr/>
+        <p:txBody>
+          <a:bodyPr vert="horz" lIns="91440" tIns="45720" rIns="91440" bIns="45720" anchor="b"/>
+          <a:lstStyle>
+            <a:lvl1pPr algn="r">
+              <a:defRPr sz="1200"/>
+            </a:lvl1pPr>
+          </a:lstStyle>
+          <a:p>
+            <a:pPr/>
+            <a:fld id="{DF7022B6-66A8-4229-9D22-D2C61F5063F2}" type="slidenum">
+              <a:rPr lang="en-US" altLang="en-US"/>
+              <a:pPr/>
+              <a:t>12</a:t>
+            </a:fld>
+            <a:endParaRPr lang="en-US" altLang="en-US"/>
+          </a:p>
+        </p:txBody>
+      </p:sp>
+    </p:spTree>
+  </p:cSld>
+</p:notes>
+</file>
+
+<file path=ppt/notesSlides/notesSlide6.xml><?xml version="1.0" encoding="utf-8"?>
+<p:notes xmlns:r="http://schemas.openxmlformats.org/officeDocument/2006/relationships" xmlns:c="http://schemas.openxmlformats.org/drawingml/2006/chart" xmlns:a="http://schemas.openxmlformats.org/drawingml/2006/main" xmlns:dgm="http://schemas.openxmlformats.org/drawingml/2006/diagram" xmlns:dsp="http://schemas.microsoft.com/office/drawing/2008/diagram" xmlns:p="http://schemas.openxmlformats.org/presentationml/2006/main">
+  <p:cSld>
+    <p:spTree>
+      <p:nvGrpSpPr>
+        <p:cNvPr id="1" name=""/>
+        <p:cNvGrpSpPr/>
+        <p:nvPr/>
+      </p:nvGrpSpPr>
+      <p:grpSpPr>
+        <a:xfrm>
+          <a:off x="0" y="0"/>
+          <a:ext cx="0" cy="0"/>
+          <a:chOff x="0" y="0"/>
+          <a:chExt cx="0" cy="0"/>
+        </a:xfrm>
+      </p:grpSpPr>
+      <p:sp>
+        <p:nvSpPr>
+          <p:cNvPr id="2" name="직사각형 1"/>
+          <p:cNvSpPr>
+            <a:spLocks noGrp="1" noRot="1" noChangeAspect="1" noTextEdit="1"/>
+          </p:cNvSpPr>
+          <p:nvPr>
+            <p:ph type="sldImg" idx="2"/>
+          </p:nvPr>
+        </p:nvSpPr>
+        <p:spPr/>
+        <p:txBody>
+          <a:bodyPr/>
+          <a:lstStyle/>
+          <a:p>
+            <a:pPr/>
+            <a:endParaRPr lang="ko-KR" altLang="en-US"/>
+          </a:p>
+        </p:txBody>
+      </p:sp>
+      <p:sp>
+        <p:nvSpPr>
+          <p:cNvPr id="3" name="직사각형 2"/>
+          <p:cNvSpPr/>
+          <p:nvPr>
+            <p:ph type="body" sz="quarter" idx="3"/>
+          </p:nvPr>
+        </p:nvSpPr>
+        <p:spPr/>
+        <p:txBody>
+          <a:bodyPr/>
+          <a:lstStyle/>
+          <a:p>
+            <a:pPr/>
+            <a:r>
+              <a:rPr lang="ko-KR" altLang="en-US"/>
+              <a:t>오픈 소스</a:t>
+            </a:r>
+            <a:endParaRPr lang="ko-KR" altLang="en-US"/>
+          </a:p>
+          <a:p>
+            <a:pPr/>
+            <a:r>
+              <a:rPr lang="ko-KR" altLang="en-US"/>
+              <a:t>react-native: google</a:t>
+            </a:r>
+            <a:endParaRPr lang="ko-KR" altLang="en-US"/>
+          </a:p>
+          <a:p>
+            <a:pPr/>
+            <a:r>
+              <a:rPr lang="ko-KR" altLang="en-US"/>
+              <a:t>firebase:facebook</a:t>
+            </a:r>
+            <a:endParaRPr lang="ko-KR" altLang="en-US"/>
+          </a:p>
+          <a:p>
+            <a:pPr/>
+            <a:r>
+              <a:rPr lang="ko-KR" altLang="en-US"/>
+              <a:t>chat-bubble</a:t>
+            </a:r>
+            <a:endParaRPr lang="ko-KR" altLang="en-US"/>
+          </a:p>
+          <a:p>
+            <a:pPr/>
+            <a:endParaRPr lang="ko-KR" altLang="en-US"/>
+          </a:p>
+          <a:p>
+            <a:pPr/>
+            <a:r>
+              <a:rPr lang="ko-KR" altLang="en-US"/>
+              <a:t>구현하는 기능</a:t>
+            </a:r>
+            <a:endParaRPr lang="ko-KR" altLang="en-US"/>
+          </a:p>
+          <a:p>
+            <a:pPr/>
+            <a:r>
+              <a:rPr lang="ko-KR" altLang="en-US"/>
+              <a:t>1) 날씨: api</a:t>
+            </a:r>
+            <a:endParaRPr lang="ko-KR" altLang="en-US"/>
+          </a:p>
+          <a:p>
+            <a:pPr/>
+            <a:r>
+              <a:rPr lang="ko-KR" altLang="en-US"/>
+              <a:t>2) 학식: 파싱</a:t>
+            </a:r>
+            <a:endParaRPr lang="ko-KR" altLang="en-US"/>
+          </a:p>
+          <a:p>
+            <a:pPr/>
+            <a:r>
+              <a:rPr lang="ko-KR" altLang="en-US"/>
+              <a:t>3) 프린터 위치: 파싱</a:t>
+            </a:r>
+            <a:endParaRPr lang="ko-KR" altLang="en-US"/>
+          </a:p>
+          <a:p>
+            <a:pPr/>
+            <a:r>
+              <a:rPr lang="ko-KR" altLang="en-US"/>
+              <a:t>4) 열람실 자리: 파싱</a:t>
+            </a:r>
+            <a:endParaRPr lang="ko-KR" altLang="en-US"/>
+          </a:p>
+          <a:p>
+            <a:pPr/>
+            <a:r>
+              <a:rPr lang="ko-KR" altLang="en-US"/>
+              <a:t>5) 메모-과제,시험,약속,모임(날짜): </a:t>
+            </a:r>
+            <a:endParaRPr lang="ko-KR" altLang="en-US"/>
+          </a:p>
+          <a:p>
+            <a:pPr/>
+            <a:r>
+              <a:rPr lang="ko-KR" altLang="en-US"/>
+              <a:t>    사용자입력(firebase)</a:t>
+            </a:r>
+            <a:endParaRPr lang="ko-KR" altLang="en-US"/>
+          </a:p>
+        </p:txBody>
+      </p:sp>
+      <p:sp>
+        <p:nvSpPr>
+          <p:cNvPr id="4" name="직사각형 3"/>
+          <p:cNvSpPr/>
+          <p:nvPr>
+            <p:ph type="sldNum" sz="quarter" idx="5"/>
+          </p:nvPr>
+        </p:nvSpPr>
+        <p:spPr/>
+        <p:txBody>
+          <a:bodyPr vert="horz" lIns="91440" tIns="45720" rIns="91440" bIns="45720" anchor="b"/>
+          <a:lstStyle>
+            <a:lvl1pPr algn="r">
+              <a:defRPr sz="1200"/>
+            </a:lvl1pPr>
+          </a:lstStyle>
+          <a:p>
+            <a:pPr/>
+            <a:fld id="{DF7022B6-66A8-4229-9D22-D2C61F5063F2}" type="slidenum">
+              <a:rPr lang="en-US" altLang="en-US"/>
+              <a:pPr/>
+              <a:t>13</a:t>
             </a:fld>
             <a:endParaRPr lang="en-US" altLang="en-US"/>
           </a:p>
@@ -3014,7 +3809,7 @@
             <a:fld id="{06B88041-C9E2-458B-8D37-481455E1F563}" type="datetimeFigureOut">
               <a:rPr lang="ko-KR" altLang="en-US"/>
               <a:pPr/>
-              <a:t>2018-09-16</a:t>
+              <a:t>2018-09-18</a:t>
             </a:fld>
             <a:endParaRPr lang="ko-KR" altLang="en-US"/>
           </a:p>
@@ -3109,17 +3904,17 @@
   </p:cSld>
   <p:clrMap bg1="lt1" tx1="dk1" bg2="lt2" tx2="dk2" accent1="accent1" accent2="accent2" accent3="accent3" accent4="accent4" accent5="accent5" accent6="accent6" hlink="hlink" folHlink="folHlink"/>
   <p:sldLayoutIdLst>
-    <p:sldLayoutId id="2147483649" r:id="rId2"/>
-    <p:sldLayoutId id="2147483650" r:id="rId3"/>
-    <p:sldLayoutId id="2147483651" r:id="rId4"/>
-    <p:sldLayoutId id="2147483652" r:id="rId5"/>
-    <p:sldLayoutId id="2147483653" r:id="rId6"/>
-    <p:sldLayoutId id="2147483654" r:id="rId7"/>
-    <p:sldLayoutId id="2147483655" r:id="rId8"/>
-    <p:sldLayoutId id="2147483656" r:id="rId9"/>
-    <p:sldLayoutId id="2147483657" r:id="rId10"/>
-    <p:sldLayoutId id="2147483658" r:id="rId11"/>
-    <p:sldLayoutId id="2147483659" r:id="rId12"/>
+    <p:sldLayoutId id="2147484285" r:id="rId2"/>
+    <p:sldLayoutId id="2147484286" r:id="rId3"/>
+    <p:sldLayoutId id="2147484287" r:id="rId4"/>
+    <p:sldLayoutId id="2147484288" r:id="rId5"/>
+    <p:sldLayoutId id="2147484289" r:id="rId6"/>
+    <p:sldLayoutId id="2147484290" r:id="rId7"/>
+    <p:sldLayoutId id="2147484291" r:id="rId8"/>
+    <p:sldLayoutId id="2147484292" r:id="rId9"/>
+    <p:sldLayoutId id="2147484293" r:id="rId10"/>
+    <p:sldLayoutId id="2147484294" r:id="rId11"/>
+    <p:sldLayoutId id="2147484295" r:id="rId12"/>
   </p:sldLayoutIdLst>
   <p:txStyles>
     <p:titleStyle>
@@ -3603,7 +4398,7 @@
         <p:spPr>
           <a:xfrm>
             <a:off x="4956931" y="4161920"/>
-            <a:ext cx="3583304" cy="998724"/>
+            <a:ext cx="3583304" cy="998725"/>
           </a:xfrm>
           <a:prstGeom prst="rect">
             <a:avLst/>
@@ -3675,13 +4470,6 @@
 <file path=ppt/slides/slide10.xml><?xml version="1.0" encoding="utf-8"?>
 <p:sld xmlns:r="http://schemas.openxmlformats.org/officeDocument/2006/relationships" xmlns:c="http://schemas.openxmlformats.org/drawingml/2006/chart" xmlns:a="http://schemas.openxmlformats.org/drawingml/2006/main" xmlns:dgm="http://schemas.openxmlformats.org/drawingml/2006/diagram" xmlns:dsp="http://schemas.microsoft.com/office/drawing/2008/diagram" xmlns:p="http://schemas.openxmlformats.org/presentationml/2006/main">
   <p:cSld>
-    <p:bg>
-      <p:bgPr shadeToTitle="0">
-        <a:solidFill>
-          <a:schemeClr val="tx1"/>
-        </a:solidFill>
-      </p:bgPr>
-    </p:bg>
     <p:spTree>
       <p:nvGrpSpPr>
         <p:cNvPr id="1" name=""/>
@@ -3698,14 +4486,67 @@
       </p:grpSpPr>
       <p:sp>
         <p:nvSpPr>
-          <p:cNvPr id="5" name="직사각형 4"/>
+          <p:cNvPr id="141" name="TextBox 140"/>
+          <p:cNvSpPr txBox="1"/>
+          <p:nvPr/>
+        </p:nvSpPr>
+        <p:spPr>
+          <a:xfrm>
+            <a:off x="5966460" y="2948223"/>
+            <a:ext cx="249555" cy="297897"/>
+          </a:xfrm>
+          <a:prstGeom prst="rect">
+            <a:avLst/>
+          </a:prstGeom>
+          <a:noFill/>
+        </p:spPr>
+        <p:txBody>
+          <a:bodyPr wrap="none">
+            <a:spAutoFit/>
+          </a:bodyPr>
+          <a:lstStyle/>
+          <a:p>
+            <a:pPr algn="ctr"/>
+            <a:endParaRPr lang="ko-KR" altLang="en-US" sz="1400"/>
+          </a:p>
+        </p:txBody>
+      </p:sp>
+      <p:sp>
+        <p:nvSpPr>
+          <p:cNvPr id="132" name="직사각형 131"/>
           <p:cNvSpPr/>
           <p:nvPr/>
         </p:nvSpPr>
         <p:spPr>
           <a:xfrm>
-            <a:off x="7343775" y="0"/>
-            <a:ext cx="4848225" cy="6858000"/>
+            <a:off x="254532" y="2582876"/>
+            <a:ext cx="11436474" cy="291769"/>
+          </a:xfrm>
+          <a:prstGeom prst="rect">
+            <a:avLst/>
+          </a:prstGeom>
+        </p:spPr>
+        <p:txBody>
+          <a:bodyPr wrap="square">
+            <a:spAutoFit/>
+          </a:bodyPr>
+          <a:lstStyle/>
+          <a:p>
+            <a:pPr lvl="0"/>
+            <a:endParaRPr lang="ko-KR" altLang="en-US" sz="1400"/>
+          </a:p>
+        </p:txBody>
+      </p:sp>
+      <p:sp>
+        <p:nvSpPr>
+          <p:cNvPr id="146" name="직사각형 145"/>
+          <p:cNvSpPr/>
+          <p:nvPr/>
+        </p:nvSpPr>
+        <p:spPr>
+          <a:xfrm>
+            <a:off x="4910400" y="2516400"/>
+            <a:ext cx="568800" cy="162000"/>
           </a:xfrm>
           <a:prstGeom prst="rect">
             <a:avLst/>
@@ -3714,15 +4555,13 @@
             <a:schemeClr val="bg1"/>
           </a:solidFill>
           <a:ln>
-            <a:solidFill>
-              <a:schemeClr val="bg1"/>
-            </a:solidFill>
+            <a:noFill/>
           </a:ln>
         </p:spPr>
         <p:style>
           <a:lnRef idx="2">
             <a:schemeClr val="accent1">
-              <a:shade val="50000"/>
+              <a:shade val="20000"/>
             </a:schemeClr>
           </a:lnRef>
           <a:fillRef idx="1">
@@ -3736,161 +4575,38 @@
           </a:fontRef>
         </p:style>
         <p:txBody>
-          <a:bodyPr anchor="ctr"/>
-          <a:lstStyle/>
-          <a:p>
-            <a:pPr algn="ctr"/>
-            <a:endParaRPr lang="ko-KR" altLang="en-US"/>
-          </a:p>
-        </p:txBody>
-      </p:sp>
-      <p:grpSp>
-        <p:nvGrpSpPr>
-          <p:cNvPr id="7" name="그룹 6"/>
-          <p:cNvGrpSpPr/>
-          <p:nvPr/>
-        </p:nvGrpSpPr>
-        <p:grpSpPr>
-          <a:xfrm rot="0">
-            <a:off x="2674823" y="3756157"/>
-            <a:ext cx="1180195" cy="537965"/>
-            <a:chOff x="563658" y="1091472"/>
-            <a:chExt cx="1180195" cy="537965"/>
-          </a:xfrm>
-        </p:grpSpPr>
-        <p:sp>
-          <p:nvSpPr>
-            <p:cNvPr id="13" name="직사각형 12"/>
-            <p:cNvSpPr/>
-            <p:nvPr/>
-          </p:nvSpPr>
-          <p:spPr>
-            <a:xfrm>
-              <a:off x="1056581" y="1091472"/>
-              <a:ext cx="184731" cy="523220"/>
-            </a:xfrm>
-            <a:prstGeom prst="rect">
-              <a:avLst/>
-            </a:prstGeom>
-          </p:spPr>
-          <p:txBody>
-            <a:bodyPr wrap="none">
-              <a:spAutoFit/>
-            </a:bodyPr>
-            <a:lstStyle/>
-            <a:p>
-              <a:pPr lvl="0"/>
-              <a:endParaRPr lang="ko-KR" altLang="en-US" sz="2800" spc="-145">
-                <a:solidFill>
-                  <a:srgbClr val="e0d6d4"/>
-                </a:solidFill>
-              </a:endParaRPr>
-            </a:p>
-          </p:txBody>
-        </p:sp>
-        <p:grpSp>
-          <p:nvGrpSpPr>
-            <p:cNvPr id="14" name="그룹 13"/>
-            <p:cNvGrpSpPr/>
-            <p:nvPr/>
-          </p:nvGrpSpPr>
-          <p:grpSpPr>
-            <a:xfrm rot="0">
-              <a:off x="563658" y="1091472"/>
-              <a:ext cx="1180195" cy="537965"/>
-              <a:chOff x="563658" y="1091472"/>
-              <a:chExt cx="1180195" cy="537965"/>
-            </a:xfrm>
-          </p:grpSpPr>
-          <p:sp>
-            <p:nvSpPr>
-              <p:cNvPr id="15" name="직사각형 14"/>
-              <p:cNvSpPr/>
-              <p:nvPr/>
-            </p:nvSpPr>
-            <p:spPr>
-              <a:xfrm>
-                <a:off x="563658" y="1091472"/>
-                <a:ext cx="184731" cy="523220"/>
-              </a:xfrm>
-              <a:prstGeom prst="rect">
-                <a:avLst/>
-              </a:prstGeom>
-            </p:spPr>
-            <p:txBody>
-              <a:bodyPr wrap="none">
-                <a:spAutoFit/>
-              </a:bodyPr>
-              <a:lstStyle/>
-              <a:p>
-                <a:pPr lvl="0"/>
-                <a:endParaRPr lang="ko-KR" altLang="en-US" sz="2800" spc="-145">
-                  <a:solidFill>
-                    <a:srgbClr val="e0d6d4"/>
-                  </a:solidFill>
-                </a:endParaRPr>
-              </a:p>
-            </p:txBody>
-          </p:sp>
-          <p:sp>
-            <p:nvSpPr>
-              <p:cNvPr id="16" name="직사각형 15"/>
-              <p:cNvSpPr/>
-              <p:nvPr/>
-            </p:nvSpPr>
-            <p:spPr>
-              <a:xfrm>
-                <a:off x="1559122" y="1106217"/>
-                <a:ext cx="184731" cy="523220"/>
-              </a:xfrm>
-              <a:prstGeom prst="rect">
-                <a:avLst/>
-              </a:prstGeom>
-            </p:spPr>
-            <p:txBody>
-              <a:bodyPr wrap="none">
-                <a:spAutoFit/>
-              </a:bodyPr>
-              <a:lstStyle/>
-              <a:p>
-                <a:pPr lvl="0"/>
-                <a:endParaRPr lang="ko-KR" altLang="en-US" sz="2800" spc="-145">
-                  <a:solidFill>
-                    <a:srgbClr val="e0d6d4"/>
-                  </a:solidFill>
-                </a:endParaRPr>
-              </a:p>
-            </p:txBody>
-          </p:sp>
-        </p:grpSp>
-      </p:grpSp>
-      <p:sp>
-        <p:nvSpPr>
-          <p:cNvPr id="8" name="직사각형 7"/>
+          <a:bodyPr vert="horz" wrap="square" lIns="91440" tIns="45720" rIns="91440" bIns="45720" anchor="t"/>
+          <a:p>
+            <a:pPr/>
+            <a:endParaRPr lang="en-US" altLang="ko-KR"/>
+          </a:p>
+        </p:txBody>
+      </p:sp>
+      <p:sp>
+        <p:nvSpPr>
+          <p:cNvPr id="150" name="직사각형 149"/>
           <p:cNvSpPr/>
           <p:nvPr/>
         </p:nvSpPr>
         <p:spPr>
           <a:xfrm>
-            <a:off x="2312247" y="2429910"/>
-            <a:ext cx="2296757" cy="2296757"/>
+            <a:off x="9277351" y="2428875"/>
+            <a:ext cx="1123949" cy="200025"/>
           </a:xfrm>
           <a:prstGeom prst="rect">
             <a:avLst/>
           </a:prstGeom>
-          <a:noFill/>
-          <a:ln w="3175">
-            <a:solidFill>
-              <a:srgbClr val="f2aebb">
-                <a:alpha val="60000"/>
-              </a:srgbClr>
-            </a:solidFill>
+          <a:solidFill>
+            <a:schemeClr val="bg1"/>
+          </a:solidFill>
+          <a:ln>
+            <a:noFill/>
           </a:ln>
         </p:spPr>
         <p:style>
           <a:lnRef idx="2">
             <a:schemeClr val="accent1">
-              <a:shade val="50000"/>
+              <a:shade val="20000"/>
             </a:schemeClr>
           </a:lnRef>
           <a:fillRef idx="1">
@@ -3903,42 +4619,26 @@
             <a:schemeClr val="lt1"/>
           </a:fontRef>
         </p:style>
-        <p:txBody>
-          <a:bodyPr anchor="ctr"/>
-          <a:lstStyle/>
-          <a:p>
-            <a:pPr algn="ctr"/>
-            <a:endParaRPr lang="ko-KR" altLang="en-US"/>
-          </a:p>
-        </p:txBody>
-      </p:sp>
-      <p:sp>
-        <p:nvSpPr>
-          <p:cNvPr id="9" name="직사각형 8"/>
+      </p:sp>
+      <p:sp>
+        <p:nvSpPr>
+          <p:cNvPr id="153" name="직사각형 152"/>
           <p:cNvSpPr/>
           <p:nvPr/>
         </p:nvSpPr>
         <p:spPr>
           <a:xfrm>
-            <a:off x="4346216" y="2165925"/>
-            <a:ext cx="527968" cy="527969"/>
+            <a:off x="3838575" y="476250"/>
+            <a:ext cx="4343400" cy="5924550"/>
           </a:xfrm>
           <a:prstGeom prst="rect">
             <a:avLst/>
           </a:prstGeom>
-          <a:solidFill>
-            <a:srgbClr val="f2aebb"/>
-          </a:solidFill>
-          <a:ln>
-            <a:solidFill>
-              <a:srgbClr val="f2aebb"/>
-            </a:solidFill>
-          </a:ln>
         </p:spPr>
         <p:style>
           <a:lnRef idx="2">
             <a:schemeClr val="accent1">
-              <a:shade val="50000"/>
+              <a:shade val="20000"/>
             </a:schemeClr>
           </a:lnRef>
           <a:fillRef idx="1">
@@ -3951,350 +4651,243 @@
             <a:schemeClr val="lt1"/>
           </a:fontRef>
         </p:style>
+      </p:sp>
+      <p:sp>
+        <p:nvSpPr>
+          <p:cNvPr id="155" name="직사각형 154"/>
+          <p:cNvSpPr/>
+          <p:nvPr/>
+        </p:nvSpPr>
+        <p:spPr>
+          <a:xfrm>
+            <a:off x="3990975" y="4678610"/>
+            <a:ext cx="4019549" cy="361950"/>
+          </a:xfrm>
+          <a:prstGeom prst="rect">
+            <a:avLst/>
+          </a:prstGeom>
+        </p:spPr>
+        <p:style>
+          <a:lnRef idx="2">
+            <a:schemeClr val="accent1">
+              <a:shade val="20000"/>
+            </a:schemeClr>
+          </a:lnRef>
+          <a:fillRef idx="1">
+            <a:schemeClr val="accent1"/>
+          </a:fillRef>
+          <a:effectRef idx="0">
+            <a:schemeClr val="accent1"/>
+          </a:effectRef>
+          <a:fontRef idx="minor">
+            <a:schemeClr val="lt1"/>
+          </a:fontRef>
+        </p:style>
         <p:txBody>
           <a:bodyPr anchor="ctr"/>
-          <a:lstStyle/>
+          <a:p>
+            <a:pPr/>
+            <a:r>
+              <a:rPr lang="en-US" altLang="ko-KR"/>
+              <a:t>#</a:t>
+            </a:r>
+            <a:r>
+              <a:rPr lang="ko-KR" altLang="en-US"/>
+              <a:t>과제</a:t>
+            </a:r>
+            <a:endParaRPr lang="ko-KR" altLang="en-US"/>
+          </a:p>
+        </p:txBody>
+      </p:sp>
+      <p:sp>
+        <p:nvSpPr>
+          <p:cNvPr id="156" name="직사각형 155"/>
+          <p:cNvSpPr/>
+          <p:nvPr/>
+        </p:nvSpPr>
+        <p:spPr>
+          <a:xfrm>
+            <a:off x="3996444" y="4248472"/>
+            <a:ext cx="428625" cy="309562"/>
+          </a:xfrm>
+          <a:prstGeom prst="rect">
+            <a:avLst/>
+          </a:prstGeom>
+        </p:spPr>
+        <p:style>
+          <a:lnRef idx="2">
+            <a:schemeClr val="accent1">
+              <a:shade val="20000"/>
+            </a:schemeClr>
+          </a:lnRef>
+          <a:fillRef idx="1">
+            <a:schemeClr val="accent1"/>
+          </a:fillRef>
+          <a:effectRef idx="0">
+            <a:schemeClr val="accent1"/>
+          </a:effectRef>
+          <a:fontRef idx="minor">
+            <a:schemeClr val="lt1"/>
+          </a:fontRef>
+        </p:style>
+        <p:txBody>
+          <a:bodyPr anchor="ctr"/>
           <a:p>
             <a:pPr algn="ctr"/>
-            <a:endParaRPr lang="ko-KR" altLang="en-US"/>
-          </a:p>
-        </p:txBody>
-      </p:sp>
-      <p:sp>
-        <p:nvSpPr>
-          <p:cNvPr id="10" name="직사각형 9"/>
+            <a:r>
+              <a:rPr lang="ko-KR" altLang="en-US"/>
+              <a:t>#</a:t>
+            </a:r>
+            <a:endParaRPr lang="ko-KR" altLang="en-US"/>
+          </a:p>
+        </p:txBody>
+      </p:sp>
+      <p:sp>
+        <p:nvSpPr>
+          <p:cNvPr id="157" name="직사각형 156"/>
           <p:cNvSpPr/>
           <p:nvPr/>
         </p:nvSpPr>
         <p:spPr>
           <a:xfrm>
-            <a:off x="2483594" y="3596131"/>
-            <a:ext cx="1960771" cy="1002539"/>
+            <a:off x="3930650" y="609600"/>
+            <a:ext cx="4152899" cy="533400"/>
           </a:xfrm>
           <a:prstGeom prst="rect">
             <a:avLst/>
           </a:prstGeom>
-          <a:noFill/>
-        </p:spPr>
-        <p:txBody>
-          <a:bodyPr wrap="none">
-            <a:spAutoFit/>
-          </a:bodyPr>
-          <a:lstStyle/>
+        </p:spPr>
+        <p:style>
+          <a:lnRef idx="2">
+            <a:schemeClr val="accent1">
+              <a:shade val="20000"/>
+            </a:schemeClr>
+          </a:lnRef>
+          <a:fillRef idx="1">
+            <a:schemeClr val="accent1"/>
+          </a:fillRef>
+          <a:effectRef idx="0">
+            <a:schemeClr val="accent1"/>
+          </a:effectRef>
+          <a:fontRef idx="minor">
+            <a:schemeClr val="lt1"/>
+          </a:fontRef>
+        </p:style>
+      </p:sp>
+      <p:sp>
+        <p:nvSpPr>
+          <p:cNvPr id="158" name="직사각형 157"/>
+          <p:cNvSpPr/>
+          <p:nvPr/>
+        </p:nvSpPr>
+        <p:spPr>
+          <a:xfrm>
+            <a:off x="7615237" y="652462"/>
+            <a:ext cx="419100" cy="447674"/>
+          </a:xfrm>
+          <a:prstGeom prst="rect">
+            <a:avLst/>
+          </a:prstGeom>
+        </p:spPr>
+        <p:style>
+          <a:lnRef idx="2">
+            <a:schemeClr val="accent1">
+              <a:shade val="20000"/>
+            </a:schemeClr>
+          </a:lnRef>
+          <a:fillRef idx="1">
+            <a:schemeClr val="accent1"/>
+          </a:fillRef>
+          <a:effectRef idx="0">
+            <a:schemeClr val="accent1"/>
+          </a:effectRef>
+          <a:fontRef idx="minor">
+            <a:schemeClr val="lt1"/>
+          </a:fontRef>
+        </p:style>
+      </p:sp>
+      <p:sp>
+        <p:nvSpPr>
+          <p:cNvPr id="160" name="직사각형 154"/>
+          <p:cNvSpPr/>
+          <p:nvPr/>
+        </p:nvSpPr>
+        <p:spPr>
+          <a:xfrm>
+            <a:off x="3996444" y="5110658"/>
+            <a:ext cx="4019549" cy="1200150"/>
+          </a:xfrm>
+          <a:prstGeom prst="rect">
+            <a:avLst/>
+          </a:prstGeom>
+        </p:spPr>
+        <p:style>
+          <a:lnRef idx="2">
+            <a:schemeClr val="accent1">
+              <a:shade val="20000"/>
+            </a:schemeClr>
+          </a:lnRef>
+          <a:fillRef idx="1">
+            <a:schemeClr val="accent1"/>
+          </a:fillRef>
+          <a:effectRef idx="0">
+            <a:schemeClr val="accent1"/>
+          </a:effectRef>
+          <a:fontRef idx="minor">
+            <a:schemeClr val="lt1"/>
+          </a:fontRef>
+        </p:style>
+        <p:txBody>
+          <a:bodyPr anchor="ctr"/>
           <a:p>
             <a:pPr algn="ctr"/>
             <a:r>
-              <a:rPr lang="en-US" altLang="ko-KR" sz="6000">
-                <a:solidFill>
-                  <a:schemeClr val="bg1"/>
-                </a:solidFill>
-              </a:rPr>
-              <a:t>Point</a:t>
-            </a:r>
-            <a:endParaRPr lang="ko-KR" altLang="en-US" sz="6000">
-              <a:solidFill>
-                <a:schemeClr val="bg1"/>
-              </a:solidFill>
-            </a:endParaRPr>
-          </a:p>
-        </p:txBody>
-      </p:sp>
-      <p:sp>
-        <p:nvSpPr>
-          <p:cNvPr id="11" name="TextBox 10"/>
-          <p:cNvSpPr txBox="1"/>
-          <p:nvPr/>
-        </p:nvSpPr>
-        <p:spPr>
-          <a:xfrm>
-            <a:off x="2340635" y="2755239"/>
-            <a:ext cx="2303755" cy="1005231"/>
-          </a:xfrm>
-          <a:prstGeom prst="rect">
-            <a:avLst/>
-          </a:prstGeom>
-          <a:noFill/>
-        </p:spPr>
-        <p:txBody>
-          <a:bodyPr wrap="none">
-            <a:spAutoFit/>
-          </a:bodyPr>
-          <a:lstStyle/>
-          <a:p>
-            <a:pPr algn="ctr"/>
-            <a:r>
-              <a:rPr lang="en-US" altLang="ko-KR" sz="6000">
-                <a:solidFill>
-                  <a:schemeClr val="bg1"/>
-                </a:solidFill>
-              </a:rPr>
-              <a:t>Power</a:t>
-            </a:r>
-            <a:endParaRPr lang="ko-KR" altLang="en-US" sz="6000">
-              <a:solidFill>
-                <a:srgbClr val="e0d6d4"/>
-              </a:solidFill>
-            </a:endParaRPr>
-          </a:p>
-        </p:txBody>
-      </p:sp>
-      <p:sp>
-        <p:nvSpPr>
-          <p:cNvPr id="12" name="TextBox 11"/>
-          <p:cNvSpPr txBox="1"/>
-          <p:nvPr/>
-        </p:nvSpPr>
-        <p:spPr>
-          <a:xfrm>
-            <a:off x="2722053" y="2131333"/>
-            <a:ext cx="1598487" cy="267062"/>
-          </a:xfrm>
-          <a:prstGeom prst="rect">
-            <a:avLst/>
-          </a:prstGeom>
-          <a:noFill/>
-        </p:spPr>
-        <p:txBody>
-          <a:bodyPr wrap="none">
-            <a:spAutoFit/>
-          </a:bodyPr>
-          <a:lstStyle/>
-          <a:p>
-            <a:pPr lvl="0"/>
-            <a:r>
-              <a:rPr lang="ko-KR" altLang="en-US" sz="1200">
-                <a:solidFill>
-                  <a:schemeClr val="bg1"/>
-                </a:solidFill>
-              </a:rPr>
-              <a:t>책쟁이의 파워포인트</a:t>
-            </a:r>
-            <a:endParaRPr lang="ko-KR" altLang="en-US" sz="1200">
-              <a:solidFill>
-                <a:schemeClr val="bg1"/>
-              </a:solidFill>
-            </a:endParaRPr>
-          </a:p>
-        </p:txBody>
-      </p:sp>
-      <p:sp>
-        <p:nvSpPr>
-          <p:cNvPr id="19" name="TextBox 18"/>
-          <p:cNvSpPr txBox="1"/>
-          <p:nvPr/>
-        </p:nvSpPr>
-        <p:spPr>
-          <a:xfrm>
-            <a:off x="7585710" y="2352307"/>
-            <a:ext cx="3980906" cy="293738"/>
-          </a:xfrm>
-          <a:prstGeom prst="rect">
-            <a:avLst/>
-          </a:prstGeom>
-          <a:noFill/>
-        </p:spPr>
-        <p:txBody>
-          <a:bodyPr wrap="none">
-            <a:spAutoFit/>
-          </a:bodyPr>
-          <a:lstStyle/>
-          <a:p>
-            <a:pPr algn="r"/>
-            <a:r>
-              <a:rPr lang="ko-KR" altLang="en-US" sz="1400"/>
-              <a:t>이곳에는 본문의 내용을 길게 적어주시면 되요</a:t>
-            </a:r>
-            <a:r>
-              <a:rPr lang="en-US" altLang="ko-KR" sz="1400"/>
-              <a:t>. </a:t>
-            </a:r>
-            <a:endParaRPr lang="en-US" altLang="ko-KR" sz="1400"/>
-          </a:p>
-        </p:txBody>
-      </p:sp>
-      <p:sp>
-        <p:nvSpPr>
-          <p:cNvPr id="20" name="TextBox 19"/>
-          <p:cNvSpPr txBox="1"/>
-          <p:nvPr/>
-        </p:nvSpPr>
-        <p:spPr>
-          <a:xfrm>
-            <a:off x="7585710" y="2721429"/>
-            <a:ext cx="3980906" cy="296091"/>
-          </a:xfrm>
-          <a:prstGeom prst="rect">
-            <a:avLst/>
-          </a:prstGeom>
-          <a:noFill/>
-        </p:spPr>
-        <p:txBody>
-          <a:bodyPr wrap="none">
-            <a:spAutoFit/>
-          </a:bodyPr>
-          <a:lstStyle/>
-          <a:p>
-            <a:pPr algn="r"/>
-            <a:r>
-              <a:rPr lang="ko-KR" altLang="en-US" sz="1400"/>
-              <a:t>이곳에는 본문의 내용을 길게 적어주시면 되요</a:t>
-            </a:r>
-            <a:r>
-              <a:rPr lang="en-US" altLang="ko-KR" sz="1400"/>
-              <a:t>. </a:t>
-            </a:r>
-            <a:endParaRPr lang="en-US" altLang="ko-KR" sz="1400"/>
-          </a:p>
-        </p:txBody>
-      </p:sp>
-      <p:sp>
-        <p:nvSpPr>
-          <p:cNvPr id="21" name="TextBox 20"/>
-          <p:cNvSpPr txBox="1"/>
-          <p:nvPr/>
-        </p:nvSpPr>
-        <p:spPr>
-          <a:xfrm>
-            <a:off x="7585710" y="3090551"/>
-            <a:ext cx="3980906" cy="307777"/>
-          </a:xfrm>
-          <a:prstGeom prst="rect">
-            <a:avLst/>
-          </a:prstGeom>
-          <a:noFill/>
-        </p:spPr>
-        <p:txBody>
-          <a:bodyPr wrap="none">
-            <a:spAutoFit/>
-          </a:bodyPr>
-          <a:lstStyle/>
-          <a:p>
-            <a:pPr algn="r"/>
-            <a:r>
-              <a:rPr lang="ko-KR" altLang="en-US" sz="1400"/>
-              <a:t>이곳에는 본문의 내용을 길게 적어주시면 되요</a:t>
-            </a:r>
-            <a:r>
-              <a:rPr lang="en-US" altLang="ko-KR" sz="1400"/>
-              <a:t>. </a:t>
-            </a:r>
-            <a:endParaRPr lang="en-US" altLang="ko-KR" sz="1400"/>
-          </a:p>
-        </p:txBody>
-      </p:sp>
-      <p:sp>
-        <p:nvSpPr>
-          <p:cNvPr id="22" name="TextBox 21"/>
-          <p:cNvSpPr txBox="1"/>
-          <p:nvPr/>
-        </p:nvSpPr>
-        <p:spPr>
-          <a:xfrm>
-            <a:off x="7585710" y="3459673"/>
-            <a:ext cx="3980906" cy="307777"/>
-          </a:xfrm>
-          <a:prstGeom prst="rect">
-            <a:avLst/>
-          </a:prstGeom>
-          <a:noFill/>
-        </p:spPr>
-        <p:txBody>
-          <a:bodyPr wrap="none">
-            <a:spAutoFit/>
-          </a:bodyPr>
-          <a:lstStyle/>
-          <a:p>
-            <a:pPr algn="r"/>
-            <a:r>
-              <a:rPr lang="ko-KR" altLang="en-US" sz="1400"/>
-              <a:t>이곳에는 본문의 내용을 길게 적어주시면 되요</a:t>
-            </a:r>
-            <a:r>
-              <a:rPr lang="en-US" altLang="ko-KR" sz="1400"/>
-              <a:t>. </a:t>
-            </a:r>
-            <a:endParaRPr lang="en-US" altLang="ko-KR" sz="1400"/>
-          </a:p>
-        </p:txBody>
-      </p:sp>
-      <p:sp>
-        <p:nvSpPr>
-          <p:cNvPr id="23" name="TextBox 22"/>
-          <p:cNvSpPr txBox="1"/>
-          <p:nvPr/>
-        </p:nvSpPr>
-        <p:spPr>
-          <a:xfrm>
-            <a:off x="7585710" y="3828795"/>
-            <a:ext cx="3980906" cy="293625"/>
-          </a:xfrm>
-          <a:prstGeom prst="rect">
-            <a:avLst/>
-          </a:prstGeom>
-          <a:noFill/>
-        </p:spPr>
-        <p:txBody>
-          <a:bodyPr wrap="none">
-            <a:spAutoFit/>
-          </a:bodyPr>
-          <a:lstStyle/>
-          <a:p>
-            <a:pPr algn="r"/>
-            <a:r>
-              <a:rPr lang="ko-KR" altLang="en-US" sz="1400"/>
-              <a:t>이곳에는 본문의 내용을 길게 적어주시면 되요</a:t>
-            </a:r>
-            <a:r>
-              <a:rPr lang="en-US" altLang="ko-KR" sz="1400"/>
-              <a:t>. </a:t>
-            </a:r>
-            <a:endParaRPr lang="en-US" altLang="ko-KR" sz="1400"/>
-          </a:p>
-        </p:txBody>
-      </p:sp>
-      <p:sp>
-        <p:nvSpPr>
-          <p:cNvPr id="24" name="TextBox 23"/>
-          <p:cNvSpPr txBox="1"/>
-          <p:nvPr/>
-        </p:nvSpPr>
-        <p:spPr>
-          <a:xfrm>
-            <a:off x="7585710" y="4197917"/>
-            <a:ext cx="3980906" cy="295978"/>
-          </a:xfrm>
-          <a:prstGeom prst="rect">
-            <a:avLst/>
-          </a:prstGeom>
-          <a:noFill/>
-        </p:spPr>
-        <p:txBody>
-          <a:bodyPr wrap="none">
-            <a:spAutoFit/>
-          </a:bodyPr>
-          <a:lstStyle/>
-          <a:p>
-            <a:pPr algn="r"/>
-            <a:r>
-              <a:rPr lang="ko-KR" altLang="en-US" sz="1400"/>
-              <a:t>이곳에는 본문의 내용을 길게 적어주시면 되요</a:t>
-            </a:r>
-            <a:r>
-              <a:rPr lang="en-US" altLang="ko-KR" sz="1400"/>
-              <a:t>. </a:t>
-            </a:r>
-            <a:endParaRPr lang="en-US" altLang="ko-KR" sz="1400"/>
-          </a:p>
-        </p:txBody>
+              <a:rPr lang="en-US" altLang="ko-KR"/>
+              <a:t>KeyBoard</a:t>
+            </a:r>
+            <a:endParaRPr lang="en-US" altLang="ko-KR"/>
+          </a:p>
+        </p:txBody>
+      </p:sp>
+      <p:sp>
+        <p:nvSpPr>
+          <p:cNvPr id="161" name="실행 단추: 앞으로 또는 다음 160">
+            <a:hlinkClick action="ppaction://hlinkshowjump?jump=nextslide" highlightClick="1"/>
+          </p:cNvPr>
+          <p:cNvSpPr/>
+          <p:nvPr/>
+        </p:nvSpPr>
+        <p:spPr>
+          <a:xfrm>
+            <a:off x="7543800" y="4716780"/>
+            <a:ext cx="396240" cy="297180"/>
+          </a:xfrm>
+          <a:prstGeom prst="actionButtonForwardNext">
+            <a:avLst/>
+          </a:prstGeom>
+        </p:spPr>
+        <p:style>
+          <a:lnRef idx="2">
+            <a:schemeClr val="accent1">
+              <a:shade val="20000"/>
+            </a:schemeClr>
+          </a:lnRef>
+          <a:fillRef idx="1">
+            <a:schemeClr val="accent1"/>
+          </a:fillRef>
+          <a:effectRef idx="0">
+            <a:schemeClr val="accent1"/>
+          </a:effectRef>
+          <a:fontRef idx="minor">
+            <a:schemeClr val="lt1"/>
+          </a:fontRef>
+        </p:style>
       </p:sp>
     </p:spTree>
   </p:cSld>
   <p:clrMapOvr>
     <a:masterClrMapping/>
   </p:clrMapOvr>
-  <p:transition xmlns:mc="http://schemas.openxmlformats.org/markup-compatibility/2006" xmlns:hp="http://schemas.haansoft.com/office/presentation/8.0" spd="slow" mc:Ignorable="hp" hp:hslDur="3000">
-    <p:fade/>
-  </p:transition>
 </p:sld>
 </file>
 
@@ -4317,31 +4910,55 @@
       </p:grpSpPr>
       <p:sp>
         <p:nvSpPr>
-          <p:cNvPr id="4" name="직사각형 3"/>
+          <p:cNvPr id="132" name="직사각형 131"/>
           <p:cNvSpPr/>
           <p:nvPr/>
         </p:nvSpPr>
         <p:spPr>
           <a:xfrm>
-            <a:off x="0" y="-609172"/>
-            <a:ext cx="12192000" cy="8128000"/>
+            <a:off x="254532" y="2582876"/>
+            <a:ext cx="11436474" cy="291769"/>
           </a:xfrm>
           <a:prstGeom prst="rect">
             <a:avLst/>
           </a:prstGeom>
+        </p:spPr>
+        <p:txBody>
+          <a:bodyPr wrap="square">
+            <a:spAutoFit/>
+          </a:bodyPr>
+          <a:lstStyle/>
+          <a:p>
+            <a:pPr lvl="0"/>
+            <a:endParaRPr lang="ko-KR" altLang="en-US" sz="1400"/>
+          </a:p>
+        </p:txBody>
+      </p:sp>
+      <p:sp>
+        <p:nvSpPr>
+          <p:cNvPr id="150" name="직사각형 149"/>
+          <p:cNvSpPr/>
+          <p:nvPr/>
+        </p:nvSpPr>
+        <p:spPr>
+          <a:xfrm>
+            <a:off x="9277351" y="2428875"/>
+            <a:ext cx="1123949" cy="200025"/>
+          </a:xfrm>
+          <a:prstGeom prst="rect">
+            <a:avLst/>
+          </a:prstGeom>
           <a:solidFill>
-            <a:schemeClr val="tx1"/>
+            <a:schemeClr val="bg1"/>
           </a:solidFill>
           <a:ln>
-            <a:solidFill>
-              <a:schemeClr val="tx1"/>
-            </a:solidFill>
+            <a:noFill/>
           </a:ln>
         </p:spPr>
         <p:style>
           <a:lnRef idx="2">
             <a:schemeClr val="accent1">
-              <a:shade val="50000"/>
+              <a:shade val="20000"/>
             </a:schemeClr>
           </a:lnRef>
           <a:fillRef idx="1">
@@ -4354,255 +4971,317 @@
             <a:schemeClr val="lt1"/>
           </a:fontRef>
         </p:style>
-        <p:txBody>
-          <a:bodyPr anchor="ctr"/>
-          <a:lstStyle/>
-          <a:p>
-            <a:pPr algn="ctr"/>
-            <a:endParaRPr lang="ko-KR" altLang="en-US"/>
-          </a:p>
-        </p:txBody>
-      </p:sp>
-      <p:sp>
-        <p:nvSpPr>
-          <p:cNvPr id="49" name="직사각형 48"/>
-          <p:cNvSpPr/>
-          <p:nvPr/>
-        </p:nvSpPr>
-        <p:spPr>
-          <a:xfrm>
-            <a:off x="4069041" y="2105561"/>
-            <a:ext cx="1332416" cy="2616934"/>
+      </p:sp>
+      <p:grpSp>
+        <p:nvGrpSpPr>
+          <p:cNvPr id="166" name="그룹 165"/>
+          <p:cNvGrpSpPr/>
+          <p:nvPr/>
+        </p:nvGrpSpPr>
+        <p:grpSpPr>
+          <a:xfrm rot="0">
+            <a:off x="678008" y="274204"/>
+            <a:ext cx="4343400" cy="5924550"/>
+            <a:chOff x="3838575" y="476250"/>
+            <a:chExt cx="4343400" cy="5924550"/>
+          </a:xfrm>
+        </p:grpSpPr>
+        <p:sp>
+          <p:nvSpPr>
+            <p:cNvPr id="141" name="TextBox 140"/>
+            <p:cNvSpPr txBox="1"/>
+            <p:nvPr/>
+          </p:nvSpPr>
+          <p:spPr>
+            <a:xfrm>
+              <a:off x="5966460" y="2948223"/>
+              <a:ext cx="249555" cy="297897"/>
+            </a:xfrm>
+            <a:prstGeom prst="rect">
+              <a:avLst/>
+            </a:prstGeom>
+            <a:noFill/>
+          </p:spPr>
+          <p:txBody>
+            <a:bodyPr wrap="none">
+              <a:spAutoFit/>
+            </a:bodyPr>
+            <a:lstStyle/>
+            <a:p>
+              <a:pPr algn="ctr"/>
+              <a:endParaRPr lang="ko-KR" altLang="en-US" sz="1400"/>
+            </a:p>
+          </p:txBody>
+        </p:sp>
+        <p:sp>
+          <p:nvSpPr>
+            <p:cNvPr id="146" name="직사각형 145"/>
+            <p:cNvSpPr/>
+            <p:nvPr/>
+          </p:nvSpPr>
+          <p:spPr>
+            <a:xfrm>
+              <a:off x="4910400" y="2516400"/>
+              <a:ext cx="568800" cy="162000"/>
+            </a:xfrm>
+            <a:prstGeom prst="rect">
+              <a:avLst/>
+            </a:prstGeom>
+            <a:solidFill>
+              <a:schemeClr val="bg1"/>
+            </a:solidFill>
+            <a:ln>
+              <a:noFill/>
+            </a:ln>
+          </p:spPr>
+          <p:style>
+            <a:lnRef idx="2">
+              <a:schemeClr val="accent1">
+                <a:shade val="20000"/>
+              </a:schemeClr>
+            </a:lnRef>
+            <a:fillRef idx="1">
+              <a:schemeClr val="accent1"/>
+            </a:fillRef>
+            <a:effectRef idx="0">
+              <a:schemeClr val="accent1"/>
+            </a:effectRef>
+            <a:fontRef idx="minor">
+              <a:schemeClr val="lt1"/>
+            </a:fontRef>
+          </p:style>
+          <p:txBody>
+            <a:bodyPr vert="horz" wrap="square" lIns="91440" tIns="45720" rIns="91440" bIns="45720" anchor="t"/>
+            <a:p>
+              <a:pPr/>
+              <a:endParaRPr lang="en-US" altLang="ko-KR"/>
+            </a:p>
+          </p:txBody>
+        </p:sp>
+        <p:sp>
+          <p:nvSpPr>
+            <p:cNvPr id="153" name="직사각형 152"/>
+            <p:cNvSpPr/>
+            <p:nvPr/>
+          </p:nvSpPr>
+          <p:spPr>
+            <a:xfrm>
+              <a:off x="3838575" y="476250"/>
+              <a:ext cx="4343400" cy="5924550"/>
+            </a:xfrm>
+            <a:prstGeom prst="rect">
+              <a:avLst/>
+            </a:prstGeom>
+          </p:spPr>
+          <p:style>
+            <a:lnRef idx="2">
+              <a:schemeClr val="accent1">
+                <a:shade val="20000"/>
+              </a:schemeClr>
+            </a:lnRef>
+            <a:fillRef idx="1">
+              <a:schemeClr val="accent1"/>
+            </a:fillRef>
+            <a:effectRef idx="0">
+              <a:schemeClr val="accent1"/>
+            </a:effectRef>
+            <a:fontRef idx="minor">
+              <a:schemeClr val="lt1"/>
+            </a:fontRef>
+          </p:style>
+        </p:sp>
+        <p:sp>
+          <p:nvSpPr>
+            <p:cNvPr id="155" name="직사각형 154"/>
+            <p:cNvSpPr/>
+            <p:nvPr/>
+          </p:nvSpPr>
+          <p:spPr>
+            <a:xfrm>
+              <a:off x="3990975" y="5905500"/>
+              <a:ext cx="4019549" cy="361950"/>
+            </a:xfrm>
+            <a:prstGeom prst="rect">
+              <a:avLst/>
+            </a:prstGeom>
+          </p:spPr>
+          <p:style>
+            <a:lnRef idx="2">
+              <a:schemeClr val="accent1">
+                <a:shade val="20000"/>
+              </a:schemeClr>
+            </a:lnRef>
+            <a:fillRef idx="1">
+              <a:schemeClr val="accent1"/>
+            </a:fillRef>
+            <a:effectRef idx="0">
+              <a:schemeClr val="accent1"/>
+            </a:effectRef>
+            <a:fontRef idx="minor">
+              <a:schemeClr val="lt1"/>
+            </a:fontRef>
+          </p:style>
+        </p:sp>
+        <p:sp>
+          <p:nvSpPr>
+            <p:cNvPr id="156" name="직사각형 155"/>
+            <p:cNvSpPr/>
+            <p:nvPr/>
+          </p:nvSpPr>
+          <p:spPr>
+            <a:xfrm>
+              <a:off x="3996444" y="5472112"/>
+              <a:ext cx="428625" cy="309562"/>
+            </a:xfrm>
+            <a:prstGeom prst="rect">
+              <a:avLst/>
+            </a:prstGeom>
+          </p:spPr>
+          <p:style>
+            <a:lnRef idx="2">
+              <a:schemeClr val="accent1">
+                <a:shade val="20000"/>
+              </a:schemeClr>
+            </a:lnRef>
+            <a:fillRef idx="1">
+              <a:schemeClr val="accent1"/>
+            </a:fillRef>
+            <a:effectRef idx="0">
+              <a:schemeClr val="accent1"/>
+            </a:effectRef>
+            <a:fontRef idx="minor">
+              <a:schemeClr val="lt1"/>
+            </a:fontRef>
+          </p:style>
+          <p:txBody>
+            <a:bodyPr anchor="ctr"/>
+            <a:p>
+              <a:pPr algn="ctr"/>
+              <a:r>
+                <a:rPr lang="ko-KR" altLang="en-US"/>
+                <a:t>#</a:t>
+              </a:r>
+              <a:endParaRPr lang="ko-KR" altLang="en-US"/>
+            </a:p>
+          </p:txBody>
+        </p:sp>
+        <p:sp>
+          <p:nvSpPr>
+            <p:cNvPr id="157" name="직사각형 156"/>
+            <p:cNvSpPr/>
+            <p:nvPr/>
+          </p:nvSpPr>
+          <p:spPr>
+            <a:xfrm>
+              <a:off x="3930650" y="609600"/>
+              <a:ext cx="4152899" cy="533400"/>
+            </a:xfrm>
+            <a:prstGeom prst="rect">
+              <a:avLst/>
+            </a:prstGeom>
+          </p:spPr>
+          <p:style>
+            <a:lnRef idx="2">
+              <a:schemeClr val="accent1">
+                <a:shade val="20000"/>
+              </a:schemeClr>
+            </a:lnRef>
+            <a:fillRef idx="1">
+              <a:schemeClr val="accent1"/>
+            </a:fillRef>
+            <a:effectRef idx="0">
+              <a:schemeClr val="accent1"/>
+            </a:effectRef>
+            <a:fontRef idx="minor">
+              <a:schemeClr val="lt1"/>
+            </a:fontRef>
+          </p:style>
+        </p:sp>
+        <p:sp>
+          <p:nvSpPr>
+            <p:cNvPr id="158" name="직사각형 157"/>
+            <p:cNvSpPr/>
+            <p:nvPr/>
+          </p:nvSpPr>
+          <p:spPr>
+            <a:xfrm>
+              <a:off x="7615237" y="652462"/>
+              <a:ext cx="419100" cy="447674"/>
+            </a:xfrm>
+            <a:prstGeom prst="rect">
+              <a:avLst/>
+            </a:prstGeom>
+          </p:spPr>
+          <p:style>
+            <a:lnRef idx="2">
+              <a:schemeClr val="accent1">
+                <a:shade val="20000"/>
+              </a:schemeClr>
+            </a:lnRef>
+            <a:fillRef idx="1">
+              <a:schemeClr val="accent1"/>
+            </a:fillRef>
+            <a:effectRef idx="0">
+              <a:schemeClr val="accent1"/>
+            </a:effectRef>
+            <a:fontRef idx="minor">
+              <a:schemeClr val="lt1"/>
+            </a:fontRef>
+          </p:style>
+        </p:sp>
+      </p:grpSp>
+      <p:sp>
+        <p:nvSpPr>
+          <p:cNvPr id="168" name="TextBox 140"/>
+          <p:cNvSpPr txBox="1"/>
+          <p:nvPr/>
+        </p:nvSpPr>
+        <p:spPr>
+          <a:xfrm>
+            <a:off x="8644428" y="2765516"/>
+            <a:ext cx="249555" cy="297897"/>
           </a:xfrm>
           <a:prstGeom prst="rect">
             <a:avLst/>
           </a:prstGeom>
-        </p:spPr>
-        <p:txBody>
-          <a:bodyPr wrap="none">
+          <a:noFill/>
+        </p:spPr>
+        <p:txBody>
+          <a:bodyPr wrap="square">
             <a:spAutoFit/>
           </a:bodyPr>
           <a:lstStyle/>
           <a:p>
-            <a:pPr lvl="0"/>
-            <a:r>
-              <a:rPr lang="en-US" altLang="ko-KR" sz="16600">
-                <a:solidFill>
-                  <a:srgbClr val="a1a1a1"/>
-                </a:solidFill>
-              </a:rPr>
-              <a:t>4</a:t>
-            </a:r>
-            <a:endParaRPr lang="ko-KR" altLang="en-US" sz="16600">
-              <a:solidFill>
-                <a:srgbClr val="a1a1a1"/>
-              </a:solidFill>
-            </a:endParaRPr>
-          </a:p>
-        </p:txBody>
-      </p:sp>
-      <p:cxnSp>
-        <p:nvCxnSpPr>
-          <p:cNvPr id="51" name="직선 연결선 50"/>
-          <p:cNvCxnSpPr/>
-          <p:nvPr/>
-        </p:nvCxnSpPr>
-        <p:spPr>
-          <a:xfrm>
-            <a:off x="4665516" y="1928592"/>
-            <a:ext cx="3452222" cy="0"/>
-          </a:xfrm>
-          <a:prstGeom prst="line">
-            <a:avLst/>
-          </a:prstGeom>
-          <a:ln w="19050">
-            <a:solidFill>
-              <a:srgbClr val="f2aebb"/>
-            </a:solidFill>
-          </a:ln>
-        </p:spPr>
-        <p:style>
-          <a:lnRef idx="1">
-            <a:schemeClr val="accent1"/>
-          </a:lnRef>
-          <a:fillRef idx="0">
-            <a:schemeClr val="accent1"/>
-          </a:fillRef>
-          <a:effectRef idx="0">
-            <a:schemeClr val="accent1"/>
-          </a:effectRef>
-          <a:fontRef idx="minor">
-            <a:schemeClr val="tx1"/>
-          </a:fontRef>
-        </p:style>
-      </p:cxnSp>
-      <p:cxnSp>
-        <p:nvCxnSpPr>
-          <p:cNvPr id="52" name="직선 연결선 51"/>
-          <p:cNvCxnSpPr/>
-          <p:nvPr/>
-        </p:nvCxnSpPr>
-        <p:spPr>
-          <a:xfrm>
-            <a:off x="4665516" y="4934258"/>
-            <a:ext cx="3452222" cy="0"/>
-          </a:xfrm>
-          <a:prstGeom prst="line">
-            <a:avLst/>
-          </a:prstGeom>
-          <a:ln w="19050">
-            <a:solidFill>
-              <a:srgbClr val="f2aebb"/>
-            </a:solidFill>
-          </a:ln>
-        </p:spPr>
-        <p:style>
-          <a:lnRef idx="1">
-            <a:schemeClr val="accent1"/>
-          </a:lnRef>
-          <a:fillRef idx="0">
-            <a:schemeClr val="accent1"/>
-          </a:fillRef>
-          <a:effectRef idx="0">
-            <a:schemeClr val="accent1"/>
-          </a:effectRef>
-          <a:fontRef idx="minor">
-            <a:schemeClr val="tx1"/>
-          </a:fontRef>
-        </p:style>
-      </p:cxnSp>
-      <p:cxnSp>
-        <p:nvCxnSpPr>
-          <p:cNvPr id="53" name="직선 연결선 52"/>
-          <p:cNvCxnSpPr/>
-          <p:nvPr/>
-        </p:nvCxnSpPr>
-        <p:spPr>
-          <a:xfrm>
-            <a:off x="8122960" y="1916198"/>
-            <a:ext cx="0" cy="3025604"/>
-          </a:xfrm>
-          <a:prstGeom prst="line">
-            <a:avLst/>
-          </a:prstGeom>
-          <a:ln w="19050">
-            <a:solidFill>
-              <a:srgbClr val="f2aebb"/>
-            </a:solidFill>
-          </a:ln>
-        </p:spPr>
-        <p:style>
-          <a:lnRef idx="1">
-            <a:schemeClr val="accent1"/>
-          </a:lnRef>
-          <a:fillRef idx="0">
-            <a:schemeClr val="accent1"/>
-          </a:fillRef>
-          <a:effectRef idx="0">
-            <a:schemeClr val="accent1"/>
-          </a:effectRef>
-          <a:fontRef idx="minor">
-            <a:schemeClr val="tx1"/>
-          </a:fontRef>
-        </p:style>
-      </p:cxnSp>
-      <p:cxnSp>
-        <p:nvCxnSpPr>
-          <p:cNvPr id="54" name="직선 연결선 53"/>
-          <p:cNvCxnSpPr/>
-          <p:nvPr/>
-        </p:nvCxnSpPr>
-        <p:spPr>
-          <a:xfrm>
-            <a:off x="4665517" y="1920431"/>
-            <a:ext cx="0" cy="595670"/>
-          </a:xfrm>
-          <a:prstGeom prst="line">
-            <a:avLst/>
-          </a:prstGeom>
-          <a:ln w="19050">
-            <a:solidFill>
-              <a:srgbClr val="f2aebb"/>
-            </a:solidFill>
-          </a:ln>
-        </p:spPr>
-        <p:style>
-          <a:lnRef idx="1">
-            <a:schemeClr val="accent1"/>
-          </a:lnRef>
-          <a:fillRef idx="0">
-            <a:schemeClr val="accent1"/>
-          </a:fillRef>
-          <a:effectRef idx="0">
-            <a:schemeClr val="accent1"/>
-          </a:effectRef>
-          <a:fontRef idx="minor">
-            <a:schemeClr val="tx1"/>
-          </a:fontRef>
-        </p:style>
-      </p:cxnSp>
-      <p:cxnSp>
-        <p:nvCxnSpPr>
-          <p:cNvPr id="55" name="직선 연결선 54"/>
-          <p:cNvCxnSpPr/>
-          <p:nvPr/>
-        </p:nvCxnSpPr>
-        <p:spPr>
-          <a:xfrm>
-            <a:off x="4665516" y="4346130"/>
-            <a:ext cx="0" cy="595670"/>
-          </a:xfrm>
-          <a:prstGeom prst="line">
-            <a:avLst/>
-          </a:prstGeom>
-          <a:ln w="19050">
-            <a:solidFill>
-              <a:srgbClr val="f2aebb"/>
-            </a:solidFill>
-          </a:ln>
-        </p:spPr>
-        <p:style>
-          <a:lnRef idx="1">
-            <a:schemeClr val="accent1"/>
-          </a:lnRef>
-          <a:fillRef idx="0">
-            <a:schemeClr val="accent1"/>
-          </a:fillRef>
-          <a:effectRef idx="0">
-            <a:schemeClr val="accent1"/>
-          </a:effectRef>
-          <a:fontRef idx="minor">
-            <a:schemeClr val="tx1"/>
-          </a:fontRef>
-        </p:style>
-      </p:cxnSp>
-      <p:sp>
-        <p:nvSpPr>
-          <p:cNvPr id="57" name="타원 56"/>
+            <a:pPr algn="ctr"/>
+            <a:endParaRPr lang="ko-KR" altLang="en-US" sz="1400"/>
+          </a:p>
+        </p:txBody>
+      </p:sp>
+      <p:sp>
+        <p:nvSpPr>
+          <p:cNvPr id="169" name="직사각형 145"/>
           <p:cNvSpPr/>
           <p:nvPr/>
         </p:nvSpPr>
         <p:spPr>
           <a:xfrm>
-            <a:off x="6298896" y="4390088"/>
-            <a:ext cx="190685" cy="190685"/>
-          </a:xfrm>
-          <a:prstGeom prst="ellipse">
+            <a:off x="7588368" y="2333693"/>
+            <a:ext cx="568800" cy="162000"/>
+          </a:xfrm>
+          <a:prstGeom prst="rect">
             <a:avLst/>
           </a:prstGeom>
           <a:solidFill>
-            <a:srgbClr val="e0d6d4"/>
+            <a:schemeClr val="bg1"/>
           </a:solidFill>
           <a:ln>
-            <a:solidFill>
-              <a:srgbClr val="f2aebb"/>
-            </a:solidFill>
+            <a:noFill/>
           </a:ln>
         </p:spPr>
         <p:style>
           <a:lnRef idx="2">
             <a:schemeClr val="accent1">
-              <a:shade val="50000"/>
+              <a:shade val="20000"/>
             </a:schemeClr>
           </a:lnRef>
           <a:fillRef idx="1">
@@ -4616,115 +5295,387 @@
           </a:fontRef>
         </p:style>
         <p:txBody>
+          <a:bodyPr vert="horz" wrap="square" lIns="91440" tIns="45720" rIns="91440" bIns="45720" anchor="t"/>
+          <a:p>
+            <a:pPr/>
+            <a:endParaRPr lang="en-US" altLang="ko-KR"/>
+          </a:p>
+        </p:txBody>
+      </p:sp>
+      <p:sp>
+        <p:nvSpPr>
+          <p:cNvPr id="170" name="직사각형 152"/>
+          <p:cNvSpPr/>
+          <p:nvPr/>
+        </p:nvSpPr>
+        <p:spPr>
+          <a:xfrm>
+            <a:off x="6516544" y="293543"/>
+            <a:ext cx="4343400" cy="5924550"/>
+          </a:xfrm>
+          <a:prstGeom prst="rect">
+            <a:avLst/>
+          </a:prstGeom>
+        </p:spPr>
+        <p:style>
+          <a:lnRef idx="2">
+            <a:schemeClr val="accent1">
+              <a:shade val="20000"/>
+            </a:schemeClr>
+          </a:lnRef>
+          <a:fillRef idx="1">
+            <a:schemeClr val="accent1"/>
+          </a:fillRef>
+          <a:effectRef idx="0">
+            <a:schemeClr val="accent1"/>
+          </a:effectRef>
+          <a:fontRef idx="minor">
+            <a:schemeClr val="lt1"/>
+          </a:fontRef>
+        </p:style>
+      </p:sp>
+      <p:sp>
+        <p:nvSpPr>
+          <p:cNvPr id="173" name="직사각형 156"/>
+          <p:cNvSpPr/>
+          <p:nvPr/>
+        </p:nvSpPr>
+        <p:spPr>
+          <a:xfrm>
+            <a:off x="6608618" y="426893"/>
+            <a:ext cx="4152899" cy="533400"/>
+          </a:xfrm>
+          <a:prstGeom prst="rect">
+            <a:avLst/>
+          </a:prstGeom>
+        </p:spPr>
+        <p:style>
+          <a:lnRef idx="2">
+            <a:schemeClr val="accent1">
+              <a:shade val="20000"/>
+            </a:schemeClr>
+          </a:lnRef>
+          <a:fillRef idx="1">
+            <a:schemeClr val="accent1"/>
+          </a:fillRef>
+          <a:effectRef idx="0">
+            <a:schemeClr val="accent1"/>
+          </a:effectRef>
+          <a:fontRef idx="minor">
+            <a:schemeClr val="lt1"/>
+          </a:fontRef>
+        </p:style>
+        <p:txBody>
           <a:bodyPr anchor="ctr"/>
-          <a:lstStyle/>
           <a:p>
             <a:pPr algn="ctr"/>
-            <a:endParaRPr lang="ko-KR" altLang="en-US" sz="2400"/>
-          </a:p>
-        </p:txBody>
-      </p:sp>
-      <p:sp>
-        <p:nvSpPr>
-          <p:cNvPr id="48" name="TextBox 47"/>
-          <p:cNvSpPr txBox="1"/>
-          <p:nvPr/>
-        </p:nvSpPr>
-        <p:spPr>
-          <a:xfrm>
-            <a:off x="5566410" y="2880565"/>
-            <a:ext cx="1916430" cy="707886"/>
+            <a:r>
+              <a:rPr lang="ko-KR" altLang="en-US"/>
+              <a:t>로그아웃</a:t>
+            </a:r>
+            <a:endParaRPr lang="ko-KR" altLang="en-US"/>
+          </a:p>
+        </p:txBody>
+      </p:sp>
+      <p:sp>
+        <p:nvSpPr>
+          <p:cNvPr id="176" name="오른쪽 화살표 175"/>
+          <p:cNvSpPr/>
+          <p:nvPr/>
+        </p:nvSpPr>
+        <p:spPr>
+          <a:xfrm>
+            <a:off x="4572000" y="376670"/>
+            <a:ext cx="2121476" cy="606136"/>
+          </a:xfrm>
+          <a:prstGeom prst="rightArrow">
+            <a:avLst>
+              <a:gd name="adj1" fmla="val 50000"/>
+              <a:gd name="adj2" fmla="val 50000"/>
+            </a:avLst>
+          </a:prstGeom>
+        </p:spPr>
+        <p:style>
+          <a:lnRef idx="2">
+            <a:schemeClr val="accent1">
+              <a:shade val="20000"/>
+            </a:schemeClr>
+          </a:lnRef>
+          <a:fillRef idx="1">
+            <a:schemeClr val="accent1"/>
+          </a:fillRef>
+          <a:effectRef idx="0">
+            <a:schemeClr val="accent1"/>
+          </a:effectRef>
+          <a:fontRef idx="minor">
+            <a:schemeClr val="lt1"/>
+          </a:fontRef>
+        </p:style>
+        <p:txBody>
+          <a:bodyPr anchor="ctr"/>
+          <a:p>
+            <a:pPr algn="ctr"/>
+            <a:r>
+              <a:rPr lang="en-US" altLang="ko-KR"/>
+              <a:t>Click!!!</a:t>
+            </a:r>
+            <a:endParaRPr lang="en-US" altLang="ko-KR"/>
+          </a:p>
+        </p:txBody>
+      </p:sp>
+      <p:sp>
+        <p:nvSpPr>
+          <p:cNvPr id="177" name="직사각형 156"/>
+          <p:cNvSpPr/>
+          <p:nvPr/>
+        </p:nvSpPr>
+        <p:spPr>
+          <a:xfrm>
+            <a:off x="6624736" y="1116124"/>
+            <a:ext cx="4152899" cy="533400"/>
           </a:xfrm>
           <a:prstGeom prst="rect">
             <a:avLst/>
           </a:prstGeom>
-          <a:noFill/>
-        </p:spPr>
-        <p:txBody>
-          <a:bodyPr wrap="none">
-            <a:spAutoFit/>
-          </a:bodyPr>
-          <a:lstStyle/>
+        </p:spPr>
+        <p:style>
+          <a:lnRef idx="2">
+            <a:schemeClr val="accent1">
+              <a:shade val="20000"/>
+            </a:schemeClr>
+          </a:lnRef>
+          <a:fillRef idx="1">
+            <a:schemeClr val="accent1"/>
+          </a:fillRef>
+          <a:effectRef idx="0">
+            <a:schemeClr val="accent1"/>
+          </a:effectRef>
+          <a:fontRef idx="minor">
+            <a:schemeClr val="lt1"/>
+          </a:fontRef>
+        </p:style>
+        <p:txBody>
+          <a:bodyPr anchor="ctr"/>
           <a:p>
             <a:pPr algn="ctr"/>
             <a:r>
-              <a:rPr lang="en-US" altLang="ko-KR" sz="2000" spc="2004">
+              <a:rPr lang="ko-KR" altLang="en-US"/>
+              <a:t>내 메모 모아보기</a:t>
+            </a:r>
+            <a:endParaRPr lang="ko-KR" altLang="en-US"/>
+          </a:p>
+        </p:txBody>
+      </p:sp>
+      <p:sp>
+        <p:nvSpPr>
+          <p:cNvPr id="181" name="직사각형 156"/>
+          <p:cNvSpPr/>
+          <p:nvPr/>
+        </p:nvSpPr>
+        <p:spPr>
+          <a:xfrm>
+            <a:off x="6624736" y="1938737"/>
+            <a:ext cx="4152899" cy="533400"/>
+          </a:xfrm>
+          <a:prstGeom prst="rect">
+            <a:avLst/>
+          </a:prstGeom>
+        </p:spPr>
+        <p:style>
+          <a:lnRef idx="2">
+            <a:schemeClr val="accent1">
+              <a:shade val="20000"/>
+            </a:schemeClr>
+          </a:lnRef>
+          <a:fillRef idx="1">
+            <a:schemeClr val="accent1"/>
+          </a:fillRef>
+          <a:effectRef idx="0">
+            <a:schemeClr val="accent1"/>
+          </a:effectRef>
+          <a:fontRef idx="minor">
+            <a:schemeClr val="lt1"/>
+          </a:fontRef>
+        </p:style>
+        <p:txBody>
+          <a:bodyPr anchor="ctr"/>
+          <a:p>
+            <a:pPr marL="0" algn="ctr" latinLnBrk="1" hangingPunct="1"/>
+            <a:r>
+              <a:rPr xmlns:mc="http://schemas.openxmlformats.org/markup-compatibility/2006" xmlns:hp="http://schemas.haansoft.com/office/presentation/8.0" lang="ko-KR" altLang="en-US" sz="1800" b="0" i="0" spc="5" mc:Ignorable="hp" hp:hslEmbossed="0">
                 <a:solidFill>
-                  <a:schemeClr val="bg1"/>
+                  <a:schemeClr val="lt1"/>
                 </a:solidFill>
+                <a:latin typeface="+mn-lt"/>
+                <a:ea typeface="+mn-ea"/>
+                <a:cs typeface="+mn-cs"/>
               </a:rPr>
-              <a:t>POWER</a:t>
-            </a:r>
-            <a:endParaRPr lang="en-US" altLang="ko-KR" sz="2000" spc="2004">
+              <a:t>오픈소스 라이선스</a:t>
+            </a:r>
+            <a:endParaRPr xmlns:mc="http://schemas.openxmlformats.org/markup-compatibility/2006" xmlns:hp="http://schemas.haansoft.com/office/presentation/8.0" lang="ko-KR" altLang="en-US" sz="1800" b="0" i="0" spc="5" mc:Ignorable="hp" hp:hslEmbossed="0">
               <a:solidFill>
-                <a:schemeClr val="bg1"/>
+                <a:schemeClr val="lt1"/>
               </a:solidFill>
+              <a:latin typeface="+mn-lt"/>
+              <a:ea typeface="+mn-ea"/>
+              <a:cs typeface="+mn-cs"/>
             </a:endParaRPr>
           </a:p>
-          <a:p>
-            <a:pPr algn="ctr"/>
-            <a:r>
-              <a:rPr lang="en-US" altLang="ko-KR" sz="2000" spc="2004">
+        </p:txBody>
+      </p:sp>
+      <p:sp>
+        <p:nvSpPr>
+          <p:cNvPr id="182" name="직사각형 156"/>
+          <p:cNvSpPr/>
+          <p:nvPr/>
+        </p:nvSpPr>
+        <p:spPr>
+          <a:xfrm>
+            <a:off x="6624736" y="2746919"/>
+            <a:ext cx="4152899" cy="533400"/>
+          </a:xfrm>
+          <a:prstGeom prst="rect">
+            <a:avLst/>
+          </a:prstGeom>
+        </p:spPr>
+        <p:style>
+          <a:lnRef idx="2">
+            <a:schemeClr val="accent1">
+              <a:shade val="20000"/>
+            </a:schemeClr>
+          </a:lnRef>
+          <a:fillRef idx="1">
+            <a:schemeClr val="accent1"/>
+          </a:fillRef>
+          <a:effectRef idx="0">
+            <a:schemeClr val="accent1"/>
+          </a:effectRef>
+          <a:fontRef idx="minor">
+            <a:schemeClr val="lt1"/>
+          </a:fontRef>
+        </p:style>
+        <p:txBody>
+          <a:bodyPr anchor="ctr"/>
+          <a:p>
+            <a:pPr marL="0" algn="ctr" latinLnBrk="1" hangingPunct="1"/>
+            <a:r>
+              <a:rPr xmlns:mc="http://schemas.openxmlformats.org/markup-compatibility/2006" xmlns:hp="http://schemas.haansoft.com/office/presentation/8.0" lang="ko-KR" altLang="en-US" sz="1800" b="0" i="0" spc="5" mc:Ignorable="hp" hp:hslEmbossed="0">
                 <a:solidFill>
-                  <a:schemeClr val="bg1"/>
+                  <a:schemeClr val="lt1"/>
                 </a:solidFill>
+                <a:latin typeface="+mn-lt"/>
+                <a:ea typeface="+mn-ea"/>
+                <a:cs typeface="+mn-cs"/>
               </a:rPr>
-              <a:t>POINT</a:t>
-            </a:r>
-            <a:endParaRPr lang="en-US" altLang="ko-KR" sz="2000" spc="2004">
+              <a:t>도움말</a:t>
+            </a:r>
+            <a:endParaRPr xmlns:mc="http://schemas.openxmlformats.org/markup-compatibility/2006" xmlns:hp="http://schemas.haansoft.com/office/presentation/8.0" lang="ko-KR" altLang="en-US" sz="1800" b="0" i="0" spc="5" mc:Ignorable="hp" hp:hslEmbossed="0">
               <a:solidFill>
-                <a:schemeClr val="bg1"/>
+                <a:schemeClr val="lt1"/>
               </a:solidFill>
+              <a:latin typeface="+mn-lt"/>
+              <a:ea typeface="+mn-ea"/>
+              <a:cs typeface="+mn-cs"/>
             </a:endParaRPr>
           </a:p>
         </p:txBody>
       </p:sp>
       <p:sp>
         <p:nvSpPr>
-          <p:cNvPr id="42" name="직사각형 41"/>
+          <p:cNvPr id="184" name="직사각형 156"/>
           <p:cNvSpPr/>
           <p:nvPr/>
         </p:nvSpPr>
         <p:spPr>
           <a:xfrm>
-            <a:off x="5665906" y="3765193"/>
-            <a:ext cx="1702634" cy="400110"/>
+            <a:off x="6624736" y="3429000"/>
+            <a:ext cx="4152899" cy="533400"/>
           </a:xfrm>
           <a:prstGeom prst="rect">
             <a:avLst/>
           </a:prstGeom>
         </p:spPr>
-        <p:txBody>
-          <a:bodyPr wrap="none">
-            <a:spAutoFit/>
-          </a:bodyPr>
-          <a:lstStyle/>
-          <a:p>
-            <a:pPr lvl="0"/>
-            <a:r>
-              <a:rPr lang="ko-KR" altLang="en-US" sz="2000" spc="2004">
+        <p:style>
+          <a:lnRef idx="2">
+            <a:schemeClr val="accent1">
+              <a:shade val="20000"/>
+            </a:schemeClr>
+          </a:lnRef>
+          <a:fillRef idx="1">
+            <a:schemeClr val="accent1"/>
+          </a:fillRef>
+          <a:effectRef idx="0">
+            <a:schemeClr val="accent1"/>
+          </a:effectRef>
+          <a:fontRef idx="minor">
+            <a:schemeClr val="lt1"/>
+          </a:fontRef>
+        </p:style>
+        <p:txBody>
+          <a:bodyPr anchor="ctr"/>
+          <a:p>
+            <a:pPr marL="0" algn="ctr" latinLnBrk="1" hangingPunct="1"/>
+            <a:r>
+              <a:rPr xmlns:mc="http://schemas.openxmlformats.org/markup-compatibility/2006" xmlns:hp="http://schemas.haansoft.com/office/presentation/8.0" lang="ko-KR" altLang="en-US" sz="1800" b="0" i="0" spc="5" mc:Ignorable="hp" hp:hslEmbossed="0">
                 <a:solidFill>
-                  <a:prstClr val="white"/>
+                  <a:schemeClr val="lt1"/>
                 </a:solidFill>
+                <a:latin typeface="+mn-lt"/>
+                <a:ea typeface="+mn-ea"/>
+                <a:cs typeface="+mn-cs"/>
               </a:rPr>
-              <a:t>책쟁이</a:t>
-            </a:r>
-            <a:endParaRPr lang="en-US" altLang="ko-KR" sz="2000" spc="2004">
+              <a:t>앱 정보</a:t>
+            </a:r>
+            <a:endParaRPr xmlns:mc="http://schemas.openxmlformats.org/markup-compatibility/2006" xmlns:hp="http://schemas.haansoft.com/office/presentation/8.0" lang="ko-KR" altLang="en-US" sz="1800" b="0" i="0" spc="5" mc:Ignorable="hp" hp:hslEmbossed="0">
               <a:solidFill>
-                <a:prstClr val="white"/>
+                <a:schemeClr val="lt1"/>
               </a:solidFill>
+              <a:latin typeface="+mn-lt"/>
+              <a:ea typeface="+mn-ea"/>
+              <a:cs typeface="+mn-cs"/>
             </a:endParaRPr>
           </a:p>
         </p:txBody>
+      </p:sp>
+      <p:sp>
+        <p:nvSpPr>
+          <p:cNvPr id="185" name="실행 단추: 앞으로 또는 다음 184">
+            <a:hlinkClick action="ppaction://hlinkshowjump?jump=nextslide" highlightClick="1"/>
+          </p:cNvPr>
+          <p:cNvSpPr/>
+          <p:nvPr/>
+        </p:nvSpPr>
+        <p:spPr>
+          <a:xfrm>
+            <a:off x="4428296" y="5745478"/>
+            <a:ext cx="396240" cy="297180"/>
+          </a:xfrm>
+          <a:prstGeom prst="actionButtonForwardNext">
+            <a:avLst/>
+          </a:prstGeom>
+        </p:spPr>
+        <p:style>
+          <a:lnRef idx="2">
+            <a:schemeClr val="accent1">
+              <a:shade val="20000"/>
+            </a:schemeClr>
+          </a:lnRef>
+          <a:fillRef idx="1">
+            <a:schemeClr val="accent1"/>
+          </a:fillRef>
+          <a:effectRef idx="0">
+            <a:schemeClr val="accent1"/>
+          </a:effectRef>
+          <a:fontRef idx="minor">
+            <a:schemeClr val="lt1"/>
+          </a:fontRef>
+        </p:style>
       </p:sp>
     </p:spTree>
   </p:cSld>
   <p:clrMapOvr>
     <a:masterClrMapping/>
   </p:clrMapOvr>
-  <p:transition xmlns:mc="http://schemas.openxmlformats.org/markup-compatibility/2006" xmlns:hp="http://schemas.haansoft.com/office/presentation/8.0" spd="slow" mc:Ignorable="hp" hp:hslDur="3000">
-    <p:fade/>
-  </p:transition>
 </p:sld>
 </file>
 
@@ -4745,230 +5696,813 @@
           <a:chExt cx="0" cy="0"/>
         </a:xfrm>
       </p:grpSpPr>
-      <p:pic>
-        <p:nvPicPr>
-          <p:cNvPr id="10" name="그림 9" descr="하늘, 실외, 건물이(가) 표시된 사진  매우 높은 신뢰도로 생성된 설명"/>
-          <p:cNvPicPr>
-            <a:picLocks noChangeAspect="1"/>
-          </p:cNvPicPr>
-          <p:nvPr/>
-        </p:nvPicPr>
-        <p:blipFill rotWithShape="1">
-          <a:blip r:embed="rId2">
-            <a:alphaModFix/>
-            <a:grayscl/>
-            <a:lum/>
-          </a:blip>
-          <a:stretch>
-            <a:fillRect/>
-          </a:stretch>
-        </p:blipFill>
-        <p:spPr>
-          <a:xfrm>
-            <a:off x="-1873250" y="-279400"/>
-            <a:ext cx="10287000" cy="6858000"/>
-          </a:xfrm>
-          <a:prstGeom prst="rect">
-            <a:avLst/>
-          </a:prstGeom>
-        </p:spPr>
-      </p:pic>
-      <p:sp>
-        <p:nvSpPr>
-          <p:cNvPr id="8" name="자유형: 도형 7"/>
-          <p:cNvSpPr/>
-          <p:nvPr/>
-        </p:nvSpPr>
-        <p:spPr>
-          <a:xfrm>
-            <a:off x="2" y="0"/>
-            <a:ext cx="12191999" cy="6858000"/>
-          </a:xfrm>
-          <a:custGeom>
-            <a:avLst/>
-            <a:gdLst>
-              <a:gd name="connsiteX0" fmla="*/ 5389462 w 12191999"/>
-              <a:gd name="connsiteY0" fmla="*/ 762000 h 6858000"/>
-              <a:gd name="connsiteX1" fmla="*/ 5389462 w 12191999"/>
-              <a:gd name="connsiteY1" fmla="*/ 6191250 h 6858000"/>
-              <a:gd name="connsiteX2" fmla="*/ 6870699 w 12191999"/>
-              <a:gd name="connsiteY2" fmla="*/ 6191250 h 6858000"/>
-              <a:gd name="connsiteX3" fmla="*/ 6870699 w 12191999"/>
-              <a:gd name="connsiteY3" fmla="*/ 762000 h 6858000"/>
-              <a:gd name="connsiteX4" fmla="*/ 3808875 w 12191999"/>
-              <a:gd name="connsiteY4" fmla="*/ 762000 h 6858000"/>
-              <a:gd name="connsiteX5" fmla="*/ 3808875 w 12191999"/>
-              <a:gd name="connsiteY5" fmla="*/ 6191250 h 6858000"/>
-              <a:gd name="connsiteX6" fmla="*/ 5290113 w 12191999"/>
-              <a:gd name="connsiteY6" fmla="*/ 6191250 h 6858000"/>
-              <a:gd name="connsiteX7" fmla="*/ 5290113 w 12191999"/>
-              <a:gd name="connsiteY7" fmla="*/ 762000 h 6858000"/>
-              <a:gd name="connsiteX8" fmla="*/ 2228288 w 12191999"/>
-              <a:gd name="connsiteY8" fmla="*/ 762000 h 6858000"/>
-              <a:gd name="connsiteX9" fmla="*/ 2228288 w 12191999"/>
-              <a:gd name="connsiteY9" fmla="*/ 6191250 h 6858000"/>
-              <a:gd name="connsiteX10" fmla="*/ 3709524 w 12191999"/>
-              <a:gd name="connsiteY10" fmla="*/ 6191250 h 6858000"/>
-              <a:gd name="connsiteX11" fmla="*/ 3709524 w 12191999"/>
-              <a:gd name="connsiteY11" fmla="*/ 762000 h 6858000"/>
-              <a:gd name="connsiteX12" fmla="*/ 647699 w 12191999"/>
-              <a:gd name="connsiteY12" fmla="*/ 762000 h 6858000"/>
-              <a:gd name="connsiteX13" fmla="*/ 647699 w 12191999"/>
-              <a:gd name="connsiteY13" fmla="*/ 6191250 h 6858000"/>
-              <a:gd name="connsiteX14" fmla="*/ 2128936 w 12191999"/>
-              <a:gd name="connsiteY14" fmla="*/ 6191250 h 6858000"/>
-              <a:gd name="connsiteX15" fmla="*/ 2128936 w 12191999"/>
-              <a:gd name="connsiteY15" fmla="*/ 762000 h 6858000"/>
-              <a:gd name="connsiteX16" fmla="*/ 0 w 12191999"/>
-              <a:gd name="connsiteY16" fmla="*/ 0 h 6858000"/>
-              <a:gd name="connsiteX17" fmla="*/ 12191999 w 12191999"/>
-              <a:gd name="connsiteY17" fmla="*/ 0 h 6858000"/>
-              <a:gd name="connsiteX18" fmla="*/ 12191999 w 12191999"/>
-              <a:gd name="connsiteY18" fmla="*/ 6858000 h 6858000"/>
-              <a:gd name="connsiteX19" fmla="*/ 0 w 12191999"/>
-              <a:gd name="connsiteY19" fmla="*/ 6858000 h 6858000"/>
-            </a:gdLst>
-            <a:cxnLst>
-              <a:cxn ang="0">
-                <a:pos x="connsiteX0" y="connsiteY0"/>
-              </a:cxn>
-              <a:cxn ang="0">
-                <a:pos x="connsiteX1" y="connsiteY1"/>
-              </a:cxn>
-              <a:cxn ang="0">
-                <a:pos x="connsiteX2" y="connsiteY2"/>
-              </a:cxn>
-              <a:cxn ang="0">
-                <a:pos x="connsiteX3" y="connsiteY3"/>
-              </a:cxn>
-              <a:cxn ang="0">
-                <a:pos x="connsiteX4" y="connsiteY4"/>
-              </a:cxn>
-              <a:cxn ang="0">
-                <a:pos x="connsiteX5" y="connsiteY5"/>
-              </a:cxn>
-              <a:cxn ang="0">
-                <a:pos x="connsiteX6" y="connsiteY6"/>
-              </a:cxn>
-              <a:cxn ang="0">
-                <a:pos x="connsiteX7" y="connsiteY7"/>
-              </a:cxn>
-              <a:cxn ang="0">
-                <a:pos x="connsiteX8" y="connsiteY8"/>
-              </a:cxn>
-              <a:cxn ang="0">
-                <a:pos x="connsiteX9" y="connsiteY9"/>
-              </a:cxn>
-              <a:cxn ang="0">
-                <a:pos x="connsiteX10" y="connsiteY10"/>
-              </a:cxn>
-              <a:cxn ang="0">
-                <a:pos x="connsiteX11" y="connsiteY11"/>
-              </a:cxn>
-              <a:cxn ang="0">
-                <a:pos x="connsiteX12" y="connsiteY12"/>
-              </a:cxn>
-              <a:cxn ang="0">
-                <a:pos x="connsiteX13" y="connsiteY13"/>
-              </a:cxn>
-              <a:cxn ang="0">
-                <a:pos x="connsiteX14" y="connsiteY14"/>
-              </a:cxn>
-              <a:cxn ang="0">
-                <a:pos x="connsiteX15" y="connsiteY15"/>
-              </a:cxn>
-              <a:cxn ang="0">
-                <a:pos x="connsiteX16" y="connsiteY16"/>
-              </a:cxn>
-              <a:cxn ang="0">
-                <a:pos x="connsiteX17" y="connsiteY17"/>
-              </a:cxn>
-              <a:cxn ang="0">
-                <a:pos x="connsiteX18" y="connsiteY18"/>
-              </a:cxn>
-              <a:cxn ang="0">
-                <a:pos x="connsiteX19" y="connsiteY19"/>
-              </a:cxn>
-            </a:cxnLst>
-            <a:rect l="l" t="t" r="r" b="b"/>
-            <a:pathLst>
-              <a:path w="12191999" h="6858000">
-                <a:moveTo>
-                  <a:pt x="5389462" y="762000"/>
-                </a:moveTo>
-                <a:lnTo>
-                  <a:pt x="5389462" y="6191250"/>
-                </a:lnTo>
-                <a:lnTo>
-                  <a:pt x="6870699" y="6191250"/>
-                </a:lnTo>
-                <a:lnTo>
-                  <a:pt x="6870699" y="762000"/>
-                </a:lnTo>
-                <a:moveTo>
-                  <a:pt x="3808875" y="762000"/>
-                </a:moveTo>
-                <a:lnTo>
-                  <a:pt x="3808875" y="6191250"/>
-                </a:lnTo>
-                <a:lnTo>
-                  <a:pt x="5290113" y="6191250"/>
-                </a:lnTo>
-                <a:lnTo>
-                  <a:pt x="5290113" y="762000"/>
-                </a:lnTo>
-                <a:moveTo>
-                  <a:pt x="2228288" y="762000"/>
-                </a:moveTo>
-                <a:lnTo>
-                  <a:pt x="2228288" y="6191250"/>
-                </a:lnTo>
-                <a:lnTo>
-                  <a:pt x="3709524" y="6191250"/>
-                </a:lnTo>
-                <a:lnTo>
-                  <a:pt x="3709524" y="762000"/>
-                </a:lnTo>
-                <a:moveTo>
-                  <a:pt x="647699" y="762000"/>
-                </a:moveTo>
-                <a:lnTo>
-                  <a:pt x="647699" y="6191250"/>
-                </a:lnTo>
-                <a:lnTo>
-                  <a:pt x="2128936" y="6191250"/>
-                </a:lnTo>
-                <a:lnTo>
-                  <a:pt x="2128936" y="762000"/>
-                </a:lnTo>
-                <a:moveTo>
-                  <a:pt x="0" y="0"/>
-                </a:moveTo>
-                <a:lnTo>
-                  <a:pt x="12191999" y="0"/>
-                </a:lnTo>
-                <a:lnTo>
-                  <a:pt x="12191999" y="6858000"/>
-                </a:lnTo>
-                <a:lnTo>
-                  <a:pt x="0" y="6858000"/>
-                </a:lnTo>
-              </a:path>
-            </a:pathLst>
-          </a:custGeom>
-          <a:solidFill>
-            <a:schemeClr val="bg1"/>
-          </a:solidFill>
-          <a:ln>
+      <p:grpSp>
+        <p:nvGrpSpPr>
+          <p:cNvPr id="186" name="그룹 185"/>
+          <p:cNvGrpSpPr/>
+          <p:nvPr/>
+        </p:nvGrpSpPr>
+        <p:grpSpPr>
+          <a:xfrm rot="0">
+            <a:off x="477694" y="255442"/>
+            <a:ext cx="4343400" cy="5924550"/>
+            <a:chOff x="6516544" y="293543"/>
+            <a:chExt cx="4343400" cy="5924550"/>
+          </a:xfrm>
+        </p:grpSpPr>
+        <p:sp>
+          <p:nvSpPr>
+            <p:cNvPr id="150" name="직사각형 149"/>
+            <p:cNvSpPr/>
+            <p:nvPr/>
+          </p:nvSpPr>
+          <p:spPr>
+            <a:xfrm>
+              <a:off x="9277351" y="2428875"/>
+              <a:ext cx="1123949" cy="200025"/>
+            </a:xfrm>
+            <a:prstGeom prst="rect">
+              <a:avLst/>
+            </a:prstGeom>
             <a:solidFill>
               <a:schemeClr val="bg1"/>
             </a:solidFill>
-          </a:ln>
+            <a:ln>
+              <a:noFill/>
+            </a:ln>
+          </p:spPr>
+          <p:style>
+            <a:lnRef idx="2">
+              <a:schemeClr val="accent1">
+                <a:shade val="20000"/>
+              </a:schemeClr>
+            </a:lnRef>
+            <a:fillRef idx="1">
+              <a:schemeClr val="accent1"/>
+            </a:fillRef>
+            <a:effectRef idx="0">
+              <a:schemeClr val="accent1"/>
+            </a:effectRef>
+            <a:fontRef idx="minor">
+              <a:schemeClr val="lt1"/>
+            </a:fontRef>
+          </p:style>
+        </p:sp>
+        <p:sp>
+          <p:nvSpPr>
+            <p:cNvPr id="168" name="TextBox 140"/>
+            <p:cNvSpPr txBox="1"/>
+            <p:nvPr/>
+          </p:nvSpPr>
+          <p:spPr>
+            <a:xfrm>
+              <a:off x="8644428" y="2765516"/>
+              <a:ext cx="249555" cy="297897"/>
+            </a:xfrm>
+            <a:prstGeom prst="rect">
+              <a:avLst/>
+            </a:prstGeom>
+            <a:noFill/>
+          </p:spPr>
+          <p:txBody>
+            <a:bodyPr wrap="square">
+              <a:spAutoFit/>
+            </a:bodyPr>
+            <a:lstStyle/>
+            <a:p>
+              <a:pPr algn="ctr"/>
+              <a:endParaRPr lang="ko-KR" altLang="en-US" sz="1400"/>
+            </a:p>
+          </p:txBody>
+        </p:sp>
+        <p:sp>
+          <p:nvSpPr>
+            <p:cNvPr id="169" name="직사각형 145"/>
+            <p:cNvSpPr/>
+            <p:nvPr/>
+          </p:nvSpPr>
+          <p:spPr>
+            <a:xfrm>
+              <a:off x="7588368" y="2333693"/>
+              <a:ext cx="568800" cy="162000"/>
+            </a:xfrm>
+            <a:prstGeom prst="rect">
+              <a:avLst/>
+            </a:prstGeom>
+            <a:solidFill>
+              <a:schemeClr val="bg1"/>
+            </a:solidFill>
+            <a:ln>
+              <a:noFill/>
+            </a:ln>
+          </p:spPr>
+          <p:style>
+            <a:lnRef idx="2">
+              <a:schemeClr val="accent1">
+                <a:shade val="20000"/>
+              </a:schemeClr>
+            </a:lnRef>
+            <a:fillRef idx="1">
+              <a:schemeClr val="accent1"/>
+            </a:fillRef>
+            <a:effectRef idx="0">
+              <a:schemeClr val="accent1"/>
+            </a:effectRef>
+            <a:fontRef idx="minor">
+              <a:schemeClr val="lt1"/>
+            </a:fontRef>
+          </p:style>
+          <p:txBody>
+            <a:bodyPr vert="horz" wrap="square" lIns="91440" tIns="45720" rIns="91440" bIns="45720" anchor="t"/>
+            <a:p>
+              <a:pPr/>
+              <a:endParaRPr lang="en-US" altLang="ko-KR"/>
+            </a:p>
+          </p:txBody>
+        </p:sp>
+        <p:sp>
+          <p:nvSpPr>
+            <p:cNvPr id="170" name="직사각형 152"/>
+            <p:cNvSpPr/>
+            <p:nvPr/>
+          </p:nvSpPr>
+          <p:spPr>
+            <a:xfrm>
+              <a:off x="6516544" y="293543"/>
+              <a:ext cx="4343400" cy="5924550"/>
+            </a:xfrm>
+            <a:prstGeom prst="rect">
+              <a:avLst/>
+            </a:prstGeom>
+          </p:spPr>
+          <p:style>
+            <a:lnRef idx="2">
+              <a:schemeClr val="accent1">
+                <a:shade val="20000"/>
+              </a:schemeClr>
+            </a:lnRef>
+            <a:fillRef idx="1">
+              <a:schemeClr val="accent1"/>
+            </a:fillRef>
+            <a:effectRef idx="0">
+              <a:schemeClr val="accent1"/>
+            </a:effectRef>
+            <a:fontRef idx="minor">
+              <a:schemeClr val="lt1"/>
+            </a:fontRef>
+          </p:style>
+        </p:sp>
+        <p:sp>
+          <p:nvSpPr>
+            <p:cNvPr id="173" name="직사각형 156"/>
+            <p:cNvSpPr/>
+            <p:nvPr/>
+          </p:nvSpPr>
+          <p:spPr>
+            <a:xfrm>
+              <a:off x="6608618" y="426893"/>
+              <a:ext cx="4152899" cy="533400"/>
+            </a:xfrm>
+            <a:prstGeom prst="rect">
+              <a:avLst/>
+            </a:prstGeom>
+          </p:spPr>
+          <p:style>
+            <a:lnRef idx="2">
+              <a:schemeClr val="accent1">
+                <a:shade val="20000"/>
+              </a:schemeClr>
+            </a:lnRef>
+            <a:fillRef idx="1">
+              <a:schemeClr val="accent1"/>
+            </a:fillRef>
+            <a:effectRef idx="0">
+              <a:schemeClr val="accent1"/>
+            </a:effectRef>
+            <a:fontRef idx="minor">
+              <a:schemeClr val="lt1"/>
+            </a:fontRef>
+          </p:style>
+          <p:txBody>
+            <a:bodyPr anchor="ctr"/>
+            <a:p>
+              <a:pPr algn="ctr"/>
+              <a:r>
+                <a:rPr lang="ko-KR" altLang="en-US"/>
+                <a:t>로그아웃</a:t>
+              </a:r>
+              <a:endParaRPr lang="ko-KR" altLang="en-US"/>
+            </a:p>
+          </p:txBody>
+        </p:sp>
+        <p:sp>
+          <p:nvSpPr>
+            <p:cNvPr id="177" name="직사각형 156"/>
+            <p:cNvSpPr/>
+            <p:nvPr/>
+          </p:nvSpPr>
+          <p:spPr>
+            <a:xfrm>
+              <a:off x="6624736" y="1116124"/>
+              <a:ext cx="4152899" cy="533400"/>
+            </a:xfrm>
+            <a:prstGeom prst="rect">
+              <a:avLst/>
+            </a:prstGeom>
+          </p:spPr>
+          <p:style>
+            <a:lnRef idx="2">
+              <a:schemeClr val="accent1">
+                <a:shade val="20000"/>
+              </a:schemeClr>
+            </a:lnRef>
+            <a:fillRef idx="1">
+              <a:schemeClr val="accent1"/>
+            </a:fillRef>
+            <a:effectRef idx="0">
+              <a:schemeClr val="accent1"/>
+            </a:effectRef>
+            <a:fontRef idx="minor">
+              <a:schemeClr val="lt1"/>
+            </a:fontRef>
+          </p:style>
+          <p:txBody>
+            <a:bodyPr anchor="ctr"/>
+            <a:p>
+              <a:pPr algn="ctr"/>
+              <a:r>
+                <a:rPr lang="ko-KR" altLang="en-US"/>
+                <a:t>내 메모</a:t>
+              </a:r>
+              <a:endParaRPr lang="ko-KR" altLang="en-US"/>
+            </a:p>
+          </p:txBody>
+        </p:sp>
+        <p:sp>
+          <p:nvSpPr>
+            <p:cNvPr id="181" name="직사각형 156"/>
+            <p:cNvSpPr/>
+            <p:nvPr/>
+          </p:nvSpPr>
+          <p:spPr>
+            <a:xfrm>
+              <a:off x="6624736" y="1938737"/>
+              <a:ext cx="4152899" cy="533400"/>
+            </a:xfrm>
+            <a:prstGeom prst="rect">
+              <a:avLst/>
+            </a:prstGeom>
+          </p:spPr>
+          <p:style>
+            <a:lnRef idx="2">
+              <a:schemeClr val="accent1">
+                <a:shade val="20000"/>
+              </a:schemeClr>
+            </a:lnRef>
+            <a:fillRef idx="1">
+              <a:schemeClr val="accent1"/>
+            </a:fillRef>
+            <a:effectRef idx="0">
+              <a:schemeClr val="accent1"/>
+            </a:effectRef>
+            <a:fontRef idx="minor">
+              <a:schemeClr val="lt1"/>
+            </a:fontRef>
+          </p:style>
+          <p:txBody>
+            <a:bodyPr anchor="ctr"/>
+            <a:p>
+              <a:pPr marL="0" algn="ctr" latinLnBrk="1" hangingPunct="1"/>
+              <a:r>
+                <a:rPr xmlns:mc="http://schemas.openxmlformats.org/markup-compatibility/2006" xmlns:hp="http://schemas.haansoft.com/office/presentation/8.0" lang="ko-KR" altLang="en-US" sz="1800" b="0" i="0" spc="5" mc:Ignorable="hp" hp:hslEmbossed="0">
+                  <a:solidFill>
+                    <a:schemeClr val="lt1"/>
+                  </a:solidFill>
+                  <a:latin typeface="+mn-lt"/>
+                  <a:ea typeface="+mn-ea"/>
+                  <a:cs typeface="+mn-cs"/>
+                </a:rPr>
+                <a:t>오픈소스 라이선스</a:t>
+              </a:r>
+              <a:endParaRPr xmlns:mc="http://schemas.openxmlformats.org/markup-compatibility/2006" xmlns:hp="http://schemas.haansoft.com/office/presentation/8.0" lang="ko-KR" altLang="en-US" sz="1800" b="0" i="0" spc="5" mc:Ignorable="hp" hp:hslEmbossed="0">
+                <a:solidFill>
+                  <a:schemeClr val="lt1"/>
+                </a:solidFill>
+                <a:latin typeface="+mn-lt"/>
+                <a:ea typeface="+mn-ea"/>
+                <a:cs typeface="+mn-cs"/>
+              </a:endParaRPr>
+            </a:p>
+          </p:txBody>
+        </p:sp>
+        <p:sp>
+          <p:nvSpPr>
+            <p:cNvPr id="182" name="직사각형 156"/>
+            <p:cNvSpPr/>
+            <p:nvPr/>
+          </p:nvSpPr>
+          <p:spPr>
+            <a:xfrm>
+              <a:off x="6624736" y="2746919"/>
+              <a:ext cx="4152899" cy="533400"/>
+            </a:xfrm>
+            <a:prstGeom prst="rect">
+              <a:avLst/>
+            </a:prstGeom>
+          </p:spPr>
+          <p:style>
+            <a:lnRef idx="2">
+              <a:schemeClr val="accent1">
+                <a:shade val="20000"/>
+              </a:schemeClr>
+            </a:lnRef>
+            <a:fillRef idx="1">
+              <a:schemeClr val="accent1"/>
+            </a:fillRef>
+            <a:effectRef idx="0">
+              <a:schemeClr val="accent1"/>
+            </a:effectRef>
+            <a:fontRef idx="minor">
+              <a:schemeClr val="lt1"/>
+            </a:fontRef>
+          </p:style>
+          <p:txBody>
+            <a:bodyPr anchor="ctr"/>
+            <a:p>
+              <a:pPr marL="0" algn="ctr" latinLnBrk="1" hangingPunct="1"/>
+              <a:r>
+                <a:rPr xmlns:mc="http://schemas.openxmlformats.org/markup-compatibility/2006" xmlns:hp="http://schemas.haansoft.com/office/presentation/8.0" lang="ko-KR" altLang="en-US" sz="1800" b="0" i="0" spc="5" mc:Ignorable="hp" hp:hslEmbossed="0">
+                  <a:solidFill>
+                    <a:schemeClr val="lt1"/>
+                  </a:solidFill>
+                  <a:latin typeface="+mn-lt"/>
+                  <a:ea typeface="+mn-ea"/>
+                  <a:cs typeface="+mn-cs"/>
+                </a:rPr>
+                <a:t>도움말</a:t>
+              </a:r>
+              <a:endParaRPr xmlns:mc="http://schemas.openxmlformats.org/markup-compatibility/2006" xmlns:hp="http://schemas.haansoft.com/office/presentation/8.0" lang="ko-KR" altLang="en-US" sz="1800" b="0" i="0" spc="5" mc:Ignorable="hp" hp:hslEmbossed="0">
+                <a:solidFill>
+                  <a:schemeClr val="lt1"/>
+                </a:solidFill>
+                <a:latin typeface="+mn-lt"/>
+                <a:ea typeface="+mn-ea"/>
+                <a:cs typeface="+mn-cs"/>
+              </a:endParaRPr>
+            </a:p>
+          </p:txBody>
+        </p:sp>
+        <p:sp>
+          <p:nvSpPr>
+            <p:cNvPr id="184" name="직사각형 156"/>
+            <p:cNvSpPr/>
+            <p:nvPr/>
+          </p:nvSpPr>
+          <p:spPr>
+            <a:xfrm>
+              <a:off x="6624736" y="3429000"/>
+              <a:ext cx="4152899" cy="533400"/>
+            </a:xfrm>
+            <a:prstGeom prst="rect">
+              <a:avLst/>
+            </a:prstGeom>
+          </p:spPr>
+          <p:style>
+            <a:lnRef idx="2">
+              <a:schemeClr val="accent1">
+                <a:shade val="20000"/>
+              </a:schemeClr>
+            </a:lnRef>
+            <a:fillRef idx="1">
+              <a:schemeClr val="accent1"/>
+            </a:fillRef>
+            <a:effectRef idx="0">
+              <a:schemeClr val="accent1"/>
+            </a:effectRef>
+            <a:fontRef idx="minor">
+              <a:schemeClr val="lt1"/>
+            </a:fontRef>
+          </p:style>
+          <p:txBody>
+            <a:bodyPr anchor="ctr"/>
+            <a:p>
+              <a:pPr marL="0" algn="ctr" latinLnBrk="1" hangingPunct="1"/>
+              <a:r>
+                <a:rPr xmlns:mc="http://schemas.openxmlformats.org/markup-compatibility/2006" xmlns:hp="http://schemas.haansoft.com/office/presentation/8.0" lang="ko-KR" altLang="en-US" sz="1800" b="0" i="0" spc="5" mc:Ignorable="hp" hp:hslEmbossed="0">
+                  <a:solidFill>
+                    <a:schemeClr val="lt1"/>
+                  </a:solidFill>
+                  <a:latin typeface="+mn-lt"/>
+                  <a:ea typeface="+mn-ea"/>
+                  <a:cs typeface="+mn-cs"/>
+                </a:rPr>
+                <a:t>앱 정보</a:t>
+              </a:r>
+              <a:endParaRPr xmlns:mc="http://schemas.openxmlformats.org/markup-compatibility/2006" xmlns:hp="http://schemas.haansoft.com/office/presentation/8.0" lang="ko-KR" altLang="en-US" sz="1800" b="0" i="0" spc="5" mc:Ignorable="hp" hp:hslEmbossed="0">
+                <a:solidFill>
+                  <a:schemeClr val="lt1"/>
+                </a:solidFill>
+                <a:latin typeface="+mn-lt"/>
+                <a:ea typeface="+mn-ea"/>
+                <a:cs typeface="+mn-cs"/>
+              </a:endParaRPr>
+            </a:p>
+          </p:txBody>
+        </p:sp>
+      </p:grpSp>
+      <p:grpSp>
+        <p:nvGrpSpPr>
+          <p:cNvPr id="197" name="그룹 196"/>
+          <p:cNvGrpSpPr/>
+          <p:nvPr/>
+        </p:nvGrpSpPr>
+        <p:grpSpPr>
+          <a:xfrm rot="0">
+            <a:off x="5525945" y="217342"/>
+            <a:ext cx="4343400" cy="5924550"/>
+            <a:chOff x="6421294" y="217342"/>
+            <a:chExt cx="4343400" cy="5924550"/>
+          </a:xfrm>
+        </p:grpSpPr>
+        <p:sp>
+          <p:nvSpPr>
+            <p:cNvPr id="188" name="직사각형 149"/>
+            <p:cNvSpPr/>
+            <p:nvPr/>
+          </p:nvSpPr>
+          <p:spPr>
+            <a:xfrm>
+              <a:off x="9182102" y="2352674"/>
+              <a:ext cx="1123949" cy="200025"/>
+            </a:xfrm>
+            <a:prstGeom prst="rect">
+              <a:avLst/>
+            </a:prstGeom>
+            <a:solidFill>
+              <a:schemeClr val="bg1"/>
+            </a:solidFill>
+            <a:ln>
+              <a:noFill/>
+            </a:ln>
+          </p:spPr>
+          <p:style>
+            <a:lnRef idx="2">
+              <a:schemeClr val="accent1">
+                <a:shade val="20000"/>
+              </a:schemeClr>
+            </a:lnRef>
+            <a:fillRef idx="1">
+              <a:schemeClr val="accent1"/>
+            </a:fillRef>
+            <a:effectRef idx="0">
+              <a:schemeClr val="accent1"/>
+            </a:effectRef>
+            <a:fontRef idx="minor">
+              <a:schemeClr val="lt1"/>
+            </a:fontRef>
+          </p:style>
+        </p:sp>
+        <p:sp>
+          <p:nvSpPr>
+            <p:cNvPr id="189" name="TextBox 140"/>
+            <p:cNvSpPr txBox="1"/>
+            <p:nvPr/>
+          </p:nvSpPr>
+          <p:spPr>
+            <a:xfrm>
+              <a:off x="8549178" y="2689315"/>
+              <a:ext cx="249555" cy="297897"/>
+            </a:xfrm>
+            <a:prstGeom prst="rect">
+              <a:avLst/>
+            </a:prstGeom>
+            <a:noFill/>
+          </p:spPr>
+          <p:txBody>
+            <a:bodyPr wrap="square">
+              <a:spAutoFit/>
+            </a:bodyPr>
+            <a:lstStyle/>
+            <a:p>
+              <a:pPr algn="ctr"/>
+              <a:endParaRPr lang="ko-KR" altLang="en-US" sz="1400"/>
+            </a:p>
+          </p:txBody>
+        </p:sp>
+        <p:sp>
+          <p:nvSpPr>
+            <p:cNvPr id="190" name="직사각형 145"/>
+            <p:cNvSpPr/>
+            <p:nvPr/>
+          </p:nvSpPr>
+          <p:spPr>
+            <a:xfrm>
+              <a:off x="7493118" y="2257492"/>
+              <a:ext cx="568800" cy="162000"/>
+            </a:xfrm>
+            <a:prstGeom prst="rect">
+              <a:avLst/>
+            </a:prstGeom>
+            <a:solidFill>
+              <a:schemeClr val="bg1"/>
+            </a:solidFill>
+            <a:ln>
+              <a:noFill/>
+            </a:ln>
+          </p:spPr>
+          <p:style>
+            <a:lnRef idx="2">
+              <a:schemeClr val="accent1">
+                <a:shade val="20000"/>
+              </a:schemeClr>
+            </a:lnRef>
+            <a:fillRef idx="1">
+              <a:schemeClr val="accent1"/>
+            </a:fillRef>
+            <a:effectRef idx="0">
+              <a:schemeClr val="accent1"/>
+            </a:effectRef>
+            <a:fontRef idx="minor">
+              <a:schemeClr val="lt1"/>
+            </a:fontRef>
+          </p:style>
+          <p:txBody>
+            <a:bodyPr vert="horz" wrap="square" lIns="91440" tIns="45720" rIns="91440" bIns="45720" anchor="t"/>
+            <a:p>
+              <a:pPr/>
+              <a:endParaRPr lang="en-US" altLang="ko-KR"/>
+            </a:p>
+          </p:txBody>
+        </p:sp>
+        <p:sp>
+          <p:nvSpPr>
+            <p:cNvPr id="191" name="직사각형 152"/>
+            <p:cNvSpPr/>
+            <p:nvPr/>
+          </p:nvSpPr>
+          <p:spPr>
+            <a:xfrm>
+              <a:off x="6421294" y="217342"/>
+              <a:ext cx="4343400" cy="5924550"/>
+            </a:xfrm>
+            <a:prstGeom prst="rect">
+              <a:avLst/>
+            </a:prstGeom>
+          </p:spPr>
+          <p:style>
+            <a:lnRef idx="2">
+              <a:schemeClr val="accent1">
+                <a:shade val="20000"/>
+              </a:schemeClr>
+            </a:lnRef>
+            <a:fillRef idx="1">
+              <a:schemeClr val="accent1"/>
+            </a:fillRef>
+            <a:effectRef idx="0">
+              <a:schemeClr val="accent1"/>
+            </a:effectRef>
+            <a:fontRef idx="minor">
+              <a:schemeClr val="lt1"/>
+            </a:fontRef>
+          </p:style>
+        </p:sp>
+        <p:sp>
+          <p:nvSpPr>
+            <p:cNvPr id="193" name="직사각형 156"/>
+            <p:cNvSpPr/>
+            <p:nvPr/>
+          </p:nvSpPr>
+          <p:spPr>
+            <a:xfrm>
+              <a:off x="6529486" y="1039923"/>
+              <a:ext cx="4152899" cy="533400"/>
+            </a:xfrm>
+            <a:prstGeom prst="rect">
+              <a:avLst/>
+            </a:prstGeom>
+          </p:spPr>
+          <p:style>
+            <a:lnRef idx="2">
+              <a:schemeClr val="accent1">
+                <a:shade val="20000"/>
+              </a:schemeClr>
+            </a:lnRef>
+            <a:fillRef idx="1">
+              <a:schemeClr val="accent1"/>
+            </a:fillRef>
+            <a:effectRef idx="0">
+              <a:schemeClr val="accent1"/>
+            </a:effectRef>
+            <a:fontRef idx="minor">
+              <a:schemeClr val="lt1"/>
+            </a:fontRef>
+          </p:style>
+          <p:txBody>
+            <a:bodyPr anchor="ctr"/>
+            <a:p>
+              <a:pPr algn="ctr"/>
+              <a:r>
+                <a:rPr lang="ko-KR" altLang="en-US"/>
+                <a:t>메모1</a:t>
+              </a:r>
+              <a:endParaRPr lang="ko-KR" altLang="en-US"/>
+            </a:p>
+          </p:txBody>
+        </p:sp>
+        <p:sp>
+          <p:nvSpPr>
+            <p:cNvPr id="194" name="직사각형 156"/>
+            <p:cNvSpPr/>
+            <p:nvPr/>
+          </p:nvSpPr>
+          <p:spPr>
+            <a:xfrm>
+              <a:off x="6529486" y="1862536"/>
+              <a:ext cx="4152899" cy="533400"/>
+            </a:xfrm>
+            <a:prstGeom prst="rect">
+              <a:avLst/>
+            </a:prstGeom>
+          </p:spPr>
+          <p:style>
+            <a:lnRef idx="2">
+              <a:schemeClr val="accent1">
+                <a:shade val="20000"/>
+              </a:schemeClr>
+            </a:lnRef>
+            <a:fillRef idx="1">
+              <a:schemeClr val="accent1"/>
+            </a:fillRef>
+            <a:effectRef idx="0">
+              <a:schemeClr val="accent1"/>
+            </a:effectRef>
+            <a:fontRef idx="minor">
+              <a:schemeClr val="lt1"/>
+            </a:fontRef>
+          </p:style>
+          <p:txBody>
+            <a:bodyPr anchor="ctr"/>
+            <a:p>
+              <a:pPr marL="0" algn="ctr" latinLnBrk="1" hangingPunct="1"/>
+              <a:r>
+                <a:rPr xmlns:mc="http://schemas.openxmlformats.org/markup-compatibility/2006" xmlns:hp="http://schemas.haansoft.com/office/presentation/8.0" lang="ko-KR" altLang="en-US" sz="1800" b="0" i="0" spc="5" mc:Ignorable="hp" hp:hslEmbossed="0">
+                  <a:solidFill>
+                    <a:schemeClr val="lt1"/>
+                  </a:solidFill>
+                  <a:latin typeface="+mn-lt"/>
+                  <a:ea typeface="+mn-ea"/>
+                  <a:cs typeface="+mn-cs"/>
+                </a:rPr>
+                <a:t>메모2</a:t>
+              </a:r>
+              <a:endParaRPr xmlns:mc="http://schemas.openxmlformats.org/markup-compatibility/2006" xmlns:hp="http://schemas.haansoft.com/office/presentation/8.0" lang="ko-KR" altLang="en-US" sz="1800" b="0" i="0" spc="5" mc:Ignorable="hp" hp:hslEmbossed="0">
+                <a:solidFill>
+                  <a:schemeClr val="lt1"/>
+                </a:solidFill>
+                <a:latin typeface="+mn-lt"/>
+                <a:ea typeface="+mn-ea"/>
+                <a:cs typeface="+mn-cs"/>
+              </a:endParaRPr>
+            </a:p>
+          </p:txBody>
+        </p:sp>
+        <p:sp>
+          <p:nvSpPr>
+            <p:cNvPr id="195" name="직사각형 156"/>
+            <p:cNvSpPr/>
+            <p:nvPr/>
+          </p:nvSpPr>
+          <p:spPr>
+            <a:xfrm>
+              <a:off x="6529486" y="2670718"/>
+              <a:ext cx="4152899" cy="533400"/>
+            </a:xfrm>
+            <a:prstGeom prst="rect">
+              <a:avLst/>
+            </a:prstGeom>
+          </p:spPr>
+          <p:style>
+            <a:lnRef idx="2">
+              <a:schemeClr val="accent1">
+                <a:shade val="20000"/>
+              </a:schemeClr>
+            </a:lnRef>
+            <a:fillRef idx="1">
+              <a:schemeClr val="accent1"/>
+            </a:fillRef>
+            <a:effectRef idx="0">
+              <a:schemeClr val="accent1"/>
+            </a:effectRef>
+            <a:fontRef idx="minor">
+              <a:schemeClr val="lt1"/>
+            </a:fontRef>
+          </p:style>
+          <p:txBody>
+            <a:bodyPr anchor="ctr"/>
+            <a:p>
+              <a:pPr marL="0" algn="ctr" latinLnBrk="1" hangingPunct="1"/>
+              <a:r>
+                <a:rPr xmlns:mc="http://schemas.openxmlformats.org/markup-compatibility/2006" xmlns:hp="http://schemas.haansoft.com/office/presentation/8.0" lang="ko-KR" altLang="en-US" sz="1800" b="0" i="0" spc="5" mc:Ignorable="hp" hp:hslEmbossed="0">
+                  <a:solidFill>
+                    <a:schemeClr val="lt1"/>
+                  </a:solidFill>
+                  <a:latin typeface="+mn-lt"/>
+                  <a:ea typeface="+mn-ea"/>
+                  <a:cs typeface="+mn-cs"/>
+                </a:rPr>
+                <a:t>메모3</a:t>
+              </a:r>
+              <a:endParaRPr xmlns:mc="http://schemas.openxmlformats.org/markup-compatibility/2006" xmlns:hp="http://schemas.haansoft.com/office/presentation/8.0" lang="ko-KR" altLang="en-US" sz="1800" b="0" i="0" spc="5" mc:Ignorable="hp" hp:hslEmbossed="0">
+                <a:solidFill>
+                  <a:schemeClr val="lt1"/>
+                </a:solidFill>
+                <a:latin typeface="+mn-lt"/>
+                <a:ea typeface="+mn-ea"/>
+                <a:cs typeface="+mn-cs"/>
+              </a:endParaRPr>
+            </a:p>
+          </p:txBody>
+        </p:sp>
+        <p:sp>
+          <p:nvSpPr>
+            <p:cNvPr id="196" name="직사각형 156"/>
+            <p:cNvSpPr/>
+            <p:nvPr/>
+          </p:nvSpPr>
+          <p:spPr>
+            <a:xfrm>
+              <a:off x="6529486" y="3352799"/>
+              <a:ext cx="4152899" cy="533400"/>
+            </a:xfrm>
+            <a:prstGeom prst="rect">
+              <a:avLst/>
+            </a:prstGeom>
+          </p:spPr>
+          <p:style>
+            <a:lnRef idx="2">
+              <a:schemeClr val="accent1">
+                <a:shade val="20000"/>
+              </a:schemeClr>
+            </a:lnRef>
+            <a:fillRef idx="1">
+              <a:schemeClr val="accent1"/>
+            </a:fillRef>
+            <a:effectRef idx="0">
+              <a:schemeClr val="accent1"/>
+            </a:effectRef>
+            <a:fontRef idx="minor">
+              <a:schemeClr val="lt1"/>
+            </a:fontRef>
+          </p:style>
+          <p:txBody>
+            <a:bodyPr anchor="ctr"/>
+            <a:p>
+              <a:pPr marL="0" algn="ctr" latinLnBrk="1" hangingPunct="1"/>
+              <a:r>
+                <a:rPr xmlns:mc="http://schemas.openxmlformats.org/markup-compatibility/2006" xmlns:hp="http://schemas.haansoft.com/office/presentation/8.0" lang="ko-KR" altLang="en-US" sz="1800" b="0" i="0" spc="5" mc:Ignorable="hp" hp:hslEmbossed="0">
+                  <a:solidFill>
+                    <a:schemeClr val="lt1"/>
+                  </a:solidFill>
+                  <a:latin typeface="+mn-lt"/>
+                  <a:ea typeface="+mn-ea"/>
+                  <a:cs typeface="+mn-cs"/>
+                </a:rPr>
+                <a:t>메모4</a:t>
+              </a:r>
+              <a:endParaRPr xmlns:mc="http://schemas.openxmlformats.org/markup-compatibility/2006" xmlns:hp="http://schemas.haansoft.com/office/presentation/8.0" lang="ko-KR" altLang="en-US" sz="1800" b="0" i="0" spc="5" mc:Ignorable="hp" hp:hslEmbossed="0">
+                <a:solidFill>
+                  <a:schemeClr val="lt1"/>
+                </a:solidFill>
+                <a:latin typeface="+mn-lt"/>
+                <a:ea typeface="+mn-ea"/>
+                <a:cs typeface="+mn-cs"/>
+              </a:endParaRPr>
+            </a:p>
+          </p:txBody>
+        </p:sp>
+      </p:grpSp>
+      <p:sp>
+        <p:nvSpPr>
+          <p:cNvPr id="176" name="오른쪽 화살표 175"/>
+          <p:cNvSpPr/>
+          <p:nvPr/>
+        </p:nvSpPr>
+        <p:spPr>
+          <a:xfrm>
+            <a:off x="4572000" y="1062470"/>
+            <a:ext cx="1359476" cy="606136"/>
+          </a:xfrm>
+          <a:prstGeom prst="rightArrow">
+            <a:avLst>
+              <a:gd name="adj1" fmla="val 50000"/>
+              <a:gd name="adj2" fmla="val 50000"/>
+            </a:avLst>
+          </a:prstGeom>
         </p:spPr>
         <p:style>
           <a:lnRef idx="2">
             <a:schemeClr val="accent1">
-              <a:shade val="50000"/>
+              <a:shade val="20000"/>
             </a:schemeClr>
           </a:lnRef>
           <a:fillRef idx="1">
@@ -4983,40 +6517,71 @@
         </p:style>
         <p:txBody>
           <a:bodyPr anchor="ctr"/>
-          <a:lstStyle/>
           <a:p>
             <a:pPr algn="ctr"/>
-            <a:endParaRPr lang="ko-KR" altLang="en-US"/>
-          </a:p>
-        </p:txBody>
-      </p:sp>
-      <p:sp>
-        <p:nvSpPr>
-          <p:cNvPr id="11" name="직사각형 10"/>
+            <a:r>
+              <a:rPr lang="en-US" altLang="ko-KR"/>
+              <a:t>Click!!!</a:t>
+            </a:r>
+            <a:endParaRPr lang="en-US" altLang="ko-KR"/>
+          </a:p>
+        </p:txBody>
+      </p:sp>
+      <p:cxnSp>
+        <p:nvCxnSpPr>
+          <p:cNvPr id="198" name="직선 화살표 연결선 197"/>
+          <p:cNvCxnSpPr/>
+          <p:nvPr/>
+        </p:nvCxnSpPr>
+        <p:spPr>
+          <a:xfrm>
+            <a:off x="9844186" y="1306623"/>
+            <a:ext cx="652364" cy="26877"/>
+          </a:xfrm>
+          <a:prstGeom prst="straightConnector1">
+            <a:avLst/>
+          </a:prstGeom>
+          <a:ln w="38100">
+            <a:solidFill>
+              <a:schemeClr val="accent1"/>
+            </a:solidFill>
+            <a:tailEnd type="arrow"/>
+          </a:ln>
+        </p:spPr>
+        <p:style>
+          <a:lnRef idx="1">
+            <a:schemeClr val="accent1"/>
+          </a:lnRef>
+          <a:fillRef idx="0">
+            <a:schemeClr val="accent1"/>
+          </a:fillRef>
+          <a:effectRef idx="0">
+            <a:schemeClr val="accent1"/>
+          </a:effectRef>
+          <a:fontRef idx="minor">
+            <a:schemeClr val="tx1"/>
+          </a:fontRef>
+        </p:style>
+      </p:cxnSp>
+      <p:sp>
+        <p:nvSpPr>
+          <p:cNvPr id="200" name="직사각형 199"/>
           <p:cNvSpPr/>
           <p:nvPr/>
         </p:nvSpPr>
         <p:spPr>
           <a:xfrm>
-            <a:off x="3813811" y="2609849"/>
-            <a:ext cx="8378190" cy="1790701"/>
+            <a:off x="10515600" y="809625"/>
+            <a:ext cx="1495425" cy="1924050"/>
           </a:xfrm>
           <a:prstGeom prst="rect">
             <a:avLst/>
           </a:prstGeom>
-          <a:solidFill>
-            <a:srgbClr val="f2aebb"/>
-          </a:solidFill>
-          <a:ln>
-            <a:solidFill>
-              <a:srgbClr val="f2aebb"/>
-            </a:solidFill>
-          </a:ln>
         </p:spPr>
         <p:style>
           <a:lnRef idx="2">
             <a:schemeClr val="accent1">
-              <a:shade val="50000"/>
+              <a:shade val="20000"/>
             </a:schemeClr>
           </a:lnRef>
           <a:fillRef idx="1">
@@ -5029,109 +6594,133 @@
             <a:schemeClr val="lt1"/>
           </a:fontRef>
         </p:style>
+      </p:sp>
+      <p:sp>
+        <p:nvSpPr>
+          <p:cNvPr id="201" name="직사각형 200"/>
+          <p:cNvSpPr/>
+          <p:nvPr/>
+        </p:nvSpPr>
+        <p:spPr>
+          <a:xfrm>
+            <a:off x="10601325" y="952500"/>
+            <a:ext cx="1323975" cy="361950"/>
+          </a:xfrm>
+          <a:prstGeom prst="rect">
+            <a:avLst/>
+          </a:prstGeom>
+        </p:spPr>
+        <p:style>
+          <a:lnRef idx="2">
+            <a:schemeClr val="accent1">
+              <a:shade val="20000"/>
+            </a:schemeClr>
+          </a:lnRef>
+          <a:fillRef idx="1">
+            <a:schemeClr val="accent1"/>
+          </a:fillRef>
+          <a:effectRef idx="0">
+            <a:schemeClr val="accent1"/>
+          </a:effectRef>
+          <a:fontRef idx="minor">
+            <a:schemeClr val="lt1"/>
+          </a:fontRef>
+        </p:style>
         <p:txBody>
           <a:bodyPr anchor="ctr"/>
-          <a:lstStyle/>
           <a:p>
             <a:pPr algn="ctr"/>
-            <a:endParaRPr lang="ko-KR" altLang="en-US"/>
-          </a:p>
-        </p:txBody>
-      </p:sp>
-      <p:sp>
-        <p:nvSpPr>
-          <p:cNvPr id="12" name="직사각형 11"/>
+            <a:r>
+              <a:rPr lang="ko-KR" altLang="en-US"/>
+              <a:t>날짜 지정</a:t>
+            </a:r>
+            <a:endParaRPr lang="ko-KR" altLang="en-US"/>
+          </a:p>
+        </p:txBody>
+      </p:sp>
+      <p:sp>
+        <p:nvSpPr>
+          <p:cNvPr id="202" name="직사각형 201"/>
           <p:cNvSpPr/>
           <p:nvPr/>
         </p:nvSpPr>
         <p:spPr>
           <a:xfrm>
-            <a:off x="7117066" y="1807225"/>
-            <a:ext cx="1956448" cy="1000745"/>
+            <a:off x="10601325" y="1514475"/>
+            <a:ext cx="1323975" cy="361950"/>
           </a:xfrm>
           <a:prstGeom prst="rect">
             <a:avLst/>
           </a:prstGeom>
-          <a:noFill/>
-        </p:spPr>
-        <p:txBody>
-          <a:bodyPr wrap="none">
-            <a:spAutoFit/>
-          </a:bodyPr>
-          <a:lstStyle/>
+        </p:spPr>
+        <p:style>
+          <a:lnRef idx="2">
+            <a:schemeClr val="accent1">
+              <a:shade val="20000"/>
+            </a:schemeClr>
+          </a:lnRef>
+          <a:fillRef idx="1">
+            <a:schemeClr val="accent1"/>
+          </a:fillRef>
+          <a:effectRef idx="0">
+            <a:schemeClr val="accent1"/>
+          </a:effectRef>
+          <a:fontRef idx="minor">
+            <a:schemeClr val="lt1"/>
+          </a:fontRef>
+        </p:style>
+        <p:txBody>
+          <a:bodyPr anchor="ctr"/>
           <a:p>
             <a:pPr algn="ctr"/>
             <a:r>
-              <a:rPr lang="en-US" altLang="ko-KR" sz="6000"/>
-              <a:t>Point</a:t>
-            </a:r>
-            <a:endParaRPr lang="ko-KR" altLang="en-US" sz="6000"/>
-          </a:p>
-        </p:txBody>
-      </p:sp>
-      <p:sp>
-        <p:nvSpPr>
-          <p:cNvPr id="13" name="TextBox 12"/>
-          <p:cNvSpPr txBox="1"/>
-          <p:nvPr/>
-        </p:nvSpPr>
-        <p:spPr>
-          <a:xfrm>
-            <a:off x="6930890" y="1305744"/>
-            <a:ext cx="2304550" cy="997401"/>
+              <a:rPr lang="ko-KR" altLang="en-US"/>
+              <a:t>수정</a:t>
+            </a:r>
+            <a:endParaRPr lang="ko-KR" altLang="en-US"/>
+          </a:p>
+        </p:txBody>
+      </p:sp>
+      <p:sp>
+        <p:nvSpPr>
+          <p:cNvPr id="203" name="직사각형 202"/>
+          <p:cNvSpPr/>
+          <p:nvPr/>
+        </p:nvSpPr>
+        <p:spPr>
+          <a:xfrm>
+            <a:off x="10601325" y="2124075"/>
+            <a:ext cx="1323975" cy="361950"/>
           </a:xfrm>
           <a:prstGeom prst="rect">
             <a:avLst/>
           </a:prstGeom>
-          <a:noFill/>
-        </p:spPr>
-        <p:txBody>
-          <a:bodyPr wrap="none">
-            <a:spAutoFit/>
-          </a:bodyPr>
-          <a:lstStyle/>
+        </p:spPr>
+        <p:style>
+          <a:lnRef idx="2">
+            <a:schemeClr val="accent1">
+              <a:shade val="20000"/>
+            </a:schemeClr>
+          </a:lnRef>
+          <a:fillRef idx="1">
+            <a:schemeClr val="accent1"/>
+          </a:fillRef>
+          <a:effectRef idx="0">
+            <a:schemeClr val="accent1"/>
+          </a:effectRef>
+          <a:fontRef idx="minor">
+            <a:schemeClr val="lt1"/>
+          </a:fontRef>
+        </p:style>
+        <p:txBody>
+          <a:bodyPr anchor="ctr"/>
           <a:p>
             <a:pPr algn="ctr"/>
             <a:r>
-              <a:rPr lang="en-US" altLang="ko-KR" sz="6000"/>
-              <a:t>Power</a:t>
-            </a:r>
-            <a:endParaRPr lang="ko-KR" altLang="en-US" sz="6000"/>
-          </a:p>
-        </p:txBody>
-      </p:sp>
-      <p:sp>
-        <p:nvSpPr>
-          <p:cNvPr id="14" name="TextBox 13"/>
-          <p:cNvSpPr txBox="1"/>
-          <p:nvPr/>
-        </p:nvSpPr>
-        <p:spPr>
-          <a:xfrm>
-            <a:off x="6737985" y="4535103"/>
-            <a:ext cx="3976539" cy="292167"/>
-          </a:xfrm>
-          <a:prstGeom prst="rect">
-            <a:avLst/>
-          </a:prstGeom>
-          <a:noFill/>
-        </p:spPr>
-        <p:txBody>
-          <a:bodyPr wrap="none">
-            <a:spAutoFit/>
-          </a:bodyPr>
-          <a:lstStyle/>
-          <a:p>
-            <a:pPr algn="r"/>
-            <a:r>
-              <a:rPr lang="ko-KR" altLang="en-US" sz="1400"/>
-              <a:t>이곳에는 본문의 내용을 길게 적어주시면 되요</a:t>
-            </a:r>
-            <a:r>
-              <a:rPr lang="en-US" altLang="ko-KR" sz="1400"/>
-              <a:t>. </a:t>
-            </a:r>
-            <a:endParaRPr lang="en-US" altLang="ko-KR" sz="1400"/>
+              <a:rPr lang="ko-KR" altLang="en-US"/>
+              <a:t>삭제</a:t>
+            </a:r>
+            <a:endParaRPr lang="ko-KR" altLang="en-US"/>
           </a:p>
         </p:txBody>
       </p:sp>
@@ -5140,9 +6729,6 @@
   <p:clrMapOvr>
     <a:masterClrMapping/>
   </p:clrMapOvr>
-  <p:transition xmlns:mc="http://schemas.openxmlformats.org/markup-compatibility/2006" xmlns:hp="http://schemas.haansoft.com/office/presentation/8.0" spd="slow" mc:Ignorable="hp" hp:hslDur="3000">
-    <p:fade/>
-  </p:transition>
 </p:sld>
 </file>
 
@@ -5163,1607 +6749,61 @@
           <a:chExt cx="0" cy="0"/>
         </a:xfrm>
       </p:grpSpPr>
-      <p:pic>
-        <p:nvPicPr>
-          <p:cNvPr id="6" name="그림 5" descr="불꽃놀이, 옥외설치물이(가) 표시된 사진  매우 높은 신뢰도로 생성된 설명"/>
-          <p:cNvPicPr>
-            <a:picLocks noChangeAspect="1"/>
-          </p:cNvPicPr>
-          <p:nvPr/>
-        </p:nvPicPr>
-        <p:blipFill rotWithShape="1">
-          <a:blip r:embed="rId2">
-            <a:alphaModFix/>
-            <a:grayscl/>
-            <a:lum/>
-          </a:blip>
-          <a:stretch>
-            <a:fillRect/>
-          </a:stretch>
-        </p:blipFill>
-        <p:spPr>
-          <a:xfrm>
-            <a:off x="-1041400" y="2"/>
-            <a:ext cx="9144000" cy="6858000"/>
+      <p:sp>
+        <p:nvSpPr>
+          <p:cNvPr id="132" name="직사각형 131"/>
+          <p:cNvSpPr/>
+          <p:nvPr/>
+        </p:nvSpPr>
+        <p:spPr>
+          <a:xfrm>
+            <a:off x="254532" y="2582876"/>
+            <a:ext cx="11436474" cy="291769"/>
           </a:xfrm>
           <a:prstGeom prst="rect">
             <a:avLst/>
           </a:prstGeom>
         </p:spPr>
-      </p:pic>
-      <p:sp>
-        <p:nvSpPr>
-          <p:cNvPr id="23" name="자유형: 도형 22"/>
-          <p:cNvSpPr/>
-          <p:nvPr/>
-        </p:nvSpPr>
-        <p:spPr>
-          <a:xfrm>
-            <a:off x="2" y="-144016"/>
-            <a:ext cx="12191998" cy="6857999"/>
-          </a:xfrm>
-          <a:custGeom>
-            <a:avLst/>
-            <a:gdLst>
-              <a:gd name="connsiteX0" fmla="*/ 4474287 w 12191998"/>
-              <a:gd name="connsiteY0" fmla="*/ 4385065 h 6857999"/>
-              <a:gd name="connsiteX1" fmla="*/ 4474287 w 12191998"/>
-              <a:gd name="connsiteY1" fmla="*/ 6235699 h 6857999"/>
-              <a:gd name="connsiteX2" fmla="*/ 6324921 w 12191998"/>
-              <a:gd name="connsiteY2" fmla="*/ 6235699 h 6857999"/>
-              <a:gd name="connsiteX3" fmla="*/ 6324921 w 12191998"/>
-              <a:gd name="connsiteY3" fmla="*/ 4385065 h 6857999"/>
-              <a:gd name="connsiteX4" fmla="*/ 2433994 w 12191998"/>
-              <a:gd name="connsiteY4" fmla="*/ 4385065 h 6857999"/>
-              <a:gd name="connsiteX5" fmla="*/ 2433994 w 12191998"/>
-              <a:gd name="connsiteY5" fmla="*/ 6235699 h 6857999"/>
-              <a:gd name="connsiteX6" fmla="*/ 4284627 w 12191998"/>
-              <a:gd name="connsiteY6" fmla="*/ 6235699 h 6857999"/>
-              <a:gd name="connsiteX7" fmla="*/ 4284627 w 12191998"/>
-              <a:gd name="connsiteY7" fmla="*/ 4385065 h 6857999"/>
-              <a:gd name="connsiteX8" fmla="*/ 393698 w 12191998"/>
-              <a:gd name="connsiteY8" fmla="*/ 4385065 h 6857999"/>
-              <a:gd name="connsiteX9" fmla="*/ 393698 w 12191998"/>
-              <a:gd name="connsiteY9" fmla="*/ 6235699 h 6857999"/>
-              <a:gd name="connsiteX10" fmla="*/ 2244332 w 12191998"/>
-              <a:gd name="connsiteY10" fmla="*/ 6235699 h 6857999"/>
-              <a:gd name="connsiteX11" fmla="*/ 2244332 w 12191998"/>
-              <a:gd name="connsiteY11" fmla="*/ 4385065 h 6857999"/>
-              <a:gd name="connsiteX12" fmla="*/ 4474287 w 12191998"/>
-              <a:gd name="connsiteY12" fmla="*/ 2373508 h 6857999"/>
-              <a:gd name="connsiteX13" fmla="*/ 4474287 w 12191998"/>
-              <a:gd name="connsiteY13" fmla="*/ 4224141 h 6857999"/>
-              <a:gd name="connsiteX14" fmla="*/ 6324921 w 12191998"/>
-              <a:gd name="connsiteY14" fmla="*/ 4224141 h 6857999"/>
-              <a:gd name="connsiteX15" fmla="*/ 6324921 w 12191998"/>
-              <a:gd name="connsiteY15" fmla="*/ 2373508 h 6857999"/>
-              <a:gd name="connsiteX16" fmla="*/ 2433994 w 12191998"/>
-              <a:gd name="connsiteY16" fmla="*/ 2373508 h 6857999"/>
-              <a:gd name="connsiteX17" fmla="*/ 2433994 w 12191998"/>
-              <a:gd name="connsiteY17" fmla="*/ 4224141 h 6857999"/>
-              <a:gd name="connsiteX18" fmla="*/ 4284628 w 12191998"/>
-              <a:gd name="connsiteY18" fmla="*/ 4224141 h 6857999"/>
-              <a:gd name="connsiteX19" fmla="*/ 4284628 w 12191998"/>
-              <a:gd name="connsiteY19" fmla="*/ 2373508 h 6857999"/>
-              <a:gd name="connsiteX20" fmla="*/ 393699 w 12191998"/>
-              <a:gd name="connsiteY20" fmla="*/ 2373508 h 6857999"/>
-              <a:gd name="connsiteX21" fmla="*/ 393699 w 12191998"/>
-              <a:gd name="connsiteY21" fmla="*/ 4224141 h 6857999"/>
-              <a:gd name="connsiteX22" fmla="*/ 2244333 w 12191998"/>
-              <a:gd name="connsiteY22" fmla="*/ 4224141 h 6857999"/>
-              <a:gd name="connsiteX23" fmla="*/ 2244333 w 12191998"/>
-              <a:gd name="connsiteY23" fmla="*/ 2373508 h 6857999"/>
-              <a:gd name="connsiteX24" fmla="*/ 4474288 w 12191998"/>
-              <a:gd name="connsiteY24" fmla="*/ 361950 h 6857999"/>
-              <a:gd name="connsiteX25" fmla="*/ 4474288 w 12191998"/>
-              <a:gd name="connsiteY25" fmla="*/ 2212583 h 6857999"/>
-              <a:gd name="connsiteX26" fmla="*/ 6324921 w 12191998"/>
-              <a:gd name="connsiteY26" fmla="*/ 2212583 h 6857999"/>
-              <a:gd name="connsiteX27" fmla="*/ 6324921 w 12191998"/>
-              <a:gd name="connsiteY27" fmla="*/ 361950 h 6857999"/>
-              <a:gd name="connsiteX28" fmla="*/ 2433995 w 12191998"/>
-              <a:gd name="connsiteY28" fmla="*/ 361950 h 6857999"/>
-              <a:gd name="connsiteX29" fmla="*/ 2433995 w 12191998"/>
-              <a:gd name="connsiteY29" fmla="*/ 2212583 h 6857999"/>
-              <a:gd name="connsiteX30" fmla="*/ 4284628 w 12191998"/>
-              <a:gd name="connsiteY30" fmla="*/ 2212583 h 6857999"/>
-              <a:gd name="connsiteX31" fmla="*/ 4284628 w 12191998"/>
-              <a:gd name="connsiteY31" fmla="*/ 361950 h 6857999"/>
-              <a:gd name="connsiteX32" fmla="*/ 393699 w 12191998"/>
-              <a:gd name="connsiteY32" fmla="*/ 361950 h 6857999"/>
-              <a:gd name="connsiteX33" fmla="*/ 393699 w 12191998"/>
-              <a:gd name="connsiteY33" fmla="*/ 2212583 h 6857999"/>
-              <a:gd name="connsiteX34" fmla="*/ 2244334 w 12191998"/>
-              <a:gd name="connsiteY34" fmla="*/ 2212583 h 6857999"/>
-              <a:gd name="connsiteX35" fmla="*/ 2244334 w 12191998"/>
-              <a:gd name="connsiteY35" fmla="*/ 361950 h 6857999"/>
-              <a:gd name="connsiteX36" fmla="*/ 0 w 12191998"/>
-              <a:gd name="connsiteY36" fmla="*/ 0 h 6857999"/>
-              <a:gd name="connsiteX37" fmla="*/ 12191998 w 12191998"/>
-              <a:gd name="connsiteY37" fmla="*/ 0 h 6857999"/>
-              <a:gd name="connsiteX38" fmla="*/ 12191998 w 12191998"/>
-              <a:gd name="connsiteY38" fmla="*/ 6857999 h 6857999"/>
-              <a:gd name="connsiteX39" fmla="*/ 0 w 12191998"/>
-              <a:gd name="connsiteY39" fmla="*/ 6857999 h 6857999"/>
-            </a:gdLst>
-            <a:cxnLst>
-              <a:cxn ang="0">
-                <a:pos x="connsiteX0" y="connsiteY0"/>
-              </a:cxn>
-              <a:cxn ang="0">
-                <a:pos x="connsiteX1" y="connsiteY1"/>
-              </a:cxn>
-              <a:cxn ang="0">
-                <a:pos x="connsiteX2" y="connsiteY2"/>
-              </a:cxn>
-              <a:cxn ang="0">
-                <a:pos x="connsiteX3" y="connsiteY3"/>
-              </a:cxn>
-              <a:cxn ang="0">
-                <a:pos x="connsiteX4" y="connsiteY4"/>
-              </a:cxn>
-              <a:cxn ang="0">
-                <a:pos x="connsiteX5" y="connsiteY5"/>
-              </a:cxn>
-              <a:cxn ang="0">
-                <a:pos x="connsiteX6" y="connsiteY6"/>
-              </a:cxn>
-              <a:cxn ang="0">
-                <a:pos x="connsiteX7" y="connsiteY7"/>
-              </a:cxn>
-              <a:cxn ang="0">
-                <a:pos x="connsiteX8" y="connsiteY8"/>
-              </a:cxn>
-              <a:cxn ang="0">
-                <a:pos x="connsiteX9" y="connsiteY9"/>
-              </a:cxn>
-              <a:cxn ang="0">
-                <a:pos x="connsiteX10" y="connsiteY10"/>
-              </a:cxn>
-              <a:cxn ang="0">
-                <a:pos x="connsiteX11" y="connsiteY11"/>
-              </a:cxn>
-              <a:cxn ang="0">
-                <a:pos x="connsiteX12" y="connsiteY12"/>
-              </a:cxn>
-              <a:cxn ang="0">
-                <a:pos x="connsiteX13" y="connsiteY13"/>
-              </a:cxn>
-              <a:cxn ang="0">
-                <a:pos x="connsiteX14" y="connsiteY14"/>
-              </a:cxn>
-              <a:cxn ang="0">
-                <a:pos x="connsiteX15" y="connsiteY15"/>
-              </a:cxn>
-              <a:cxn ang="0">
-                <a:pos x="connsiteX16" y="connsiteY16"/>
-              </a:cxn>
-              <a:cxn ang="0">
-                <a:pos x="connsiteX17" y="connsiteY17"/>
-              </a:cxn>
-              <a:cxn ang="0">
-                <a:pos x="connsiteX18" y="connsiteY18"/>
-              </a:cxn>
-              <a:cxn ang="0">
-                <a:pos x="connsiteX19" y="connsiteY19"/>
-              </a:cxn>
-              <a:cxn ang="0">
-                <a:pos x="connsiteX20" y="connsiteY20"/>
-              </a:cxn>
-              <a:cxn ang="0">
-                <a:pos x="connsiteX21" y="connsiteY21"/>
-              </a:cxn>
-              <a:cxn ang="0">
-                <a:pos x="connsiteX22" y="connsiteY22"/>
-              </a:cxn>
-              <a:cxn ang="0">
-                <a:pos x="connsiteX23" y="connsiteY23"/>
-              </a:cxn>
-              <a:cxn ang="0">
-                <a:pos x="connsiteX24" y="connsiteY24"/>
-              </a:cxn>
-              <a:cxn ang="0">
-                <a:pos x="connsiteX25" y="connsiteY25"/>
-              </a:cxn>
-              <a:cxn ang="0">
-                <a:pos x="connsiteX26" y="connsiteY26"/>
-              </a:cxn>
-              <a:cxn ang="0">
-                <a:pos x="connsiteX27" y="connsiteY27"/>
-              </a:cxn>
-              <a:cxn ang="0">
-                <a:pos x="connsiteX28" y="connsiteY28"/>
-              </a:cxn>
-              <a:cxn ang="0">
-                <a:pos x="connsiteX29" y="connsiteY29"/>
-              </a:cxn>
-              <a:cxn ang="0">
-                <a:pos x="connsiteX30" y="connsiteY30"/>
-              </a:cxn>
-              <a:cxn ang="0">
-                <a:pos x="connsiteX31" y="connsiteY31"/>
-              </a:cxn>
-              <a:cxn ang="0">
-                <a:pos x="connsiteX32" y="connsiteY32"/>
-              </a:cxn>
-              <a:cxn ang="0">
-                <a:pos x="connsiteX33" y="connsiteY33"/>
-              </a:cxn>
-              <a:cxn ang="0">
-                <a:pos x="connsiteX34" y="connsiteY34"/>
-              </a:cxn>
-              <a:cxn ang="0">
-                <a:pos x="connsiteX35" y="connsiteY35"/>
-              </a:cxn>
-              <a:cxn ang="0">
-                <a:pos x="connsiteX36" y="connsiteY36"/>
-              </a:cxn>
-              <a:cxn ang="0">
-                <a:pos x="connsiteX37" y="connsiteY37"/>
-              </a:cxn>
-              <a:cxn ang="0">
-                <a:pos x="connsiteX38" y="connsiteY38"/>
-              </a:cxn>
-              <a:cxn ang="0">
-                <a:pos x="connsiteX39" y="connsiteY39"/>
-              </a:cxn>
-            </a:cxnLst>
-            <a:rect l="l" t="t" r="r" b="b"/>
-            <a:pathLst>
-              <a:path w="12191998" h="6857999">
-                <a:moveTo>
-                  <a:pt x="4474287" y="4385065"/>
-                </a:moveTo>
-                <a:lnTo>
-                  <a:pt x="4474287" y="6235699"/>
-                </a:lnTo>
-                <a:lnTo>
-                  <a:pt x="6324921" y="6235699"/>
-                </a:lnTo>
-                <a:lnTo>
-                  <a:pt x="6324921" y="4385065"/>
-                </a:lnTo>
-                <a:moveTo>
-                  <a:pt x="2433994" y="4385065"/>
-                </a:moveTo>
-                <a:lnTo>
-                  <a:pt x="2433994" y="6235699"/>
-                </a:lnTo>
-                <a:lnTo>
-                  <a:pt x="4284627" y="6235699"/>
-                </a:lnTo>
-                <a:lnTo>
-                  <a:pt x="4284627" y="4385065"/>
-                </a:lnTo>
-                <a:moveTo>
-                  <a:pt x="393698" y="4385065"/>
-                </a:moveTo>
-                <a:lnTo>
-                  <a:pt x="393698" y="6235699"/>
-                </a:lnTo>
-                <a:lnTo>
-                  <a:pt x="2244332" y="6235699"/>
-                </a:lnTo>
-                <a:lnTo>
-                  <a:pt x="2244332" y="4385065"/>
-                </a:lnTo>
-                <a:moveTo>
-                  <a:pt x="4474287" y="2373508"/>
-                </a:moveTo>
-                <a:lnTo>
-                  <a:pt x="4474287" y="4224141"/>
-                </a:lnTo>
-                <a:lnTo>
-                  <a:pt x="6324921" y="4224141"/>
-                </a:lnTo>
-                <a:lnTo>
-                  <a:pt x="6324921" y="2373508"/>
-                </a:lnTo>
-                <a:moveTo>
-                  <a:pt x="2433994" y="2373508"/>
-                </a:moveTo>
-                <a:lnTo>
-                  <a:pt x="2433994" y="4224141"/>
-                </a:lnTo>
-                <a:lnTo>
-                  <a:pt x="4284628" y="4224141"/>
-                </a:lnTo>
-                <a:lnTo>
-                  <a:pt x="4284628" y="2373508"/>
-                </a:lnTo>
-                <a:moveTo>
-                  <a:pt x="393699" y="2373508"/>
-                </a:moveTo>
-                <a:lnTo>
-                  <a:pt x="393699" y="4224141"/>
-                </a:lnTo>
-                <a:lnTo>
-                  <a:pt x="2244333" y="4224141"/>
-                </a:lnTo>
-                <a:lnTo>
-                  <a:pt x="2244333" y="2373508"/>
-                </a:lnTo>
-                <a:moveTo>
-                  <a:pt x="4474288" y="361950"/>
-                </a:moveTo>
-                <a:lnTo>
-                  <a:pt x="4474288" y="2212583"/>
-                </a:lnTo>
-                <a:lnTo>
-                  <a:pt x="6324921" y="2212583"/>
-                </a:lnTo>
-                <a:lnTo>
-                  <a:pt x="6324921" y="361950"/>
-                </a:lnTo>
-                <a:moveTo>
-                  <a:pt x="2433995" y="361950"/>
-                </a:moveTo>
-                <a:lnTo>
-                  <a:pt x="2433995" y="2212583"/>
-                </a:lnTo>
-                <a:lnTo>
-                  <a:pt x="4284628" y="2212583"/>
-                </a:lnTo>
-                <a:lnTo>
-                  <a:pt x="4284628" y="361950"/>
-                </a:lnTo>
-                <a:moveTo>
-                  <a:pt x="393699" y="361950"/>
-                </a:moveTo>
-                <a:lnTo>
-                  <a:pt x="393699" y="2212583"/>
-                </a:lnTo>
-                <a:lnTo>
-                  <a:pt x="2244334" y="2212583"/>
-                </a:lnTo>
-                <a:lnTo>
-                  <a:pt x="2244334" y="361950"/>
-                </a:lnTo>
-                <a:moveTo>
-                  <a:pt x="0" y="0"/>
-                </a:moveTo>
-                <a:lnTo>
-                  <a:pt x="12191998" y="0"/>
-                </a:lnTo>
-                <a:lnTo>
-                  <a:pt x="12191998" y="6857999"/>
-                </a:lnTo>
-                <a:lnTo>
-                  <a:pt x="0" y="6857999"/>
-                </a:lnTo>
-              </a:path>
-            </a:pathLst>
-          </a:custGeom>
-          <a:solidFill>
-            <a:schemeClr val="bg1"/>
-          </a:solidFill>
-          <a:ln>
-            <a:solidFill>
-              <a:schemeClr val="bg1"/>
-            </a:solidFill>
-          </a:ln>
-        </p:spPr>
-        <p:style>
-          <a:lnRef idx="2">
-            <a:schemeClr val="accent1">
-              <a:shade val="50000"/>
-            </a:schemeClr>
-          </a:lnRef>
-          <a:fillRef idx="1">
-            <a:schemeClr val="accent1"/>
-          </a:fillRef>
-          <a:effectRef idx="0">
-            <a:schemeClr val="accent1"/>
-          </a:effectRef>
-          <a:fontRef idx="minor">
-            <a:schemeClr val="lt1"/>
-          </a:fontRef>
-        </p:style>
-        <p:txBody>
-          <a:bodyPr anchor="ctr"/>
-          <a:lstStyle/>
-          <a:p>
-            <a:pPr algn="ctr"/>
-            <a:endParaRPr lang="ko-KR" altLang="en-US"/>
-          </a:p>
-        </p:txBody>
-      </p:sp>
-      <p:sp>
-        <p:nvSpPr>
-          <p:cNvPr id="24" name="직사각형 23"/>
-          <p:cNvSpPr/>
-          <p:nvPr/>
-        </p:nvSpPr>
-        <p:spPr>
-          <a:xfrm>
-            <a:off x="4486911" y="2362199"/>
-            <a:ext cx="7273289" cy="3854451"/>
-          </a:xfrm>
-          <a:prstGeom prst="rect">
-            <a:avLst/>
-          </a:prstGeom>
-          <a:solidFill>
-            <a:srgbClr val="f2aebb"/>
-          </a:solidFill>
-          <a:ln>
-            <a:solidFill>
-              <a:srgbClr val="f2aebb"/>
-            </a:solidFill>
-          </a:ln>
-        </p:spPr>
-        <p:style>
-          <a:lnRef idx="2">
-            <a:schemeClr val="accent1">
-              <a:shade val="50000"/>
-            </a:schemeClr>
-          </a:lnRef>
-          <a:fillRef idx="1">
-            <a:schemeClr val="accent1"/>
-          </a:fillRef>
-          <a:effectRef idx="0">
-            <a:schemeClr val="accent1"/>
-          </a:effectRef>
-          <a:fontRef idx="minor">
-            <a:schemeClr val="lt1"/>
-          </a:fontRef>
-        </p:style>
-        <p:txBody>
-          <a:bodyPr anchor="ctr"/>
-          <a:lstStyle/>
-          <a:p>
-            <a:pPr algn="ctr"/>
-            <a:endParaRPr lang="ko-KR" altLang="en-US"/>
-          </a:p>
-        </p:txBody>
-      </p:sp>
-      <p:sp>
-        <p:nvSpPr>
-          <p:cNvPr id="25" name="직사각형 24"/>
-          <p:cNvSpPr/>
-          <p:nvPr/>
-        </p:nvSpPr>
-        <p:spPr>
-          <a:xfrm>
-            <a:off x="6865958" y="2443387"/>
-            <a:ext cx="1959907" cy="1002758"/>
-          </a:xfrm>
-          <a:prstGeom prst="rect">
-            <a:avLst/>
-          </a:prstGeom>
-          <a:noFill/>
-        </p:spPr>
-        <p:txBody>
-          <a:bodyPr wrap="none">
+        <p:txBody>
+          <a:bodyPr wrap="square">
             <a:spAutoFit/>
           </a:bodyPr>
           <a:lstStyle/>
           <a:p>
-            <a:pPr algn="ctr"/>
-            <a:r>
-              <a:rPr lang="en-US" altLang="ko-KR" sz="6000">
-                <a:solidFill>
-                  <a:schemeClr val="bg1"/>
-                </a:solidFill>
-              </a:rPr>
-              <a:t>Point</a:t>
-            </a:r>
-            <a:endParaRPr lang="ko-KR" altLang="en-US" sz="6000">
-              <a:solidFill>
-                <a:schemeClr val="bg1"/>
-              </a:solidFill>
-            </a:endParaRPr>
-          </a:p>
-        </p:txBody>
-      </p:sp>
-      <p:sp>
-        <p:nvSpPr>
-          <p:cNvPr id="26" name="TextBox 25"/>
-          <p:cNvSpPr txBox="1"/>
-          <p:nvPr/>
-        </p:nvSpPr>
-        <p:spPr>
-          <a:xfrm>
-            <a:off x="4643197" y="2443387"/>
-            <a:ext cx="2306243" cy="1002758"/>
-          </a:xfrm>
-          <a:prstGeom prst="rect">
-            <a:avLst/>
-          </a:prstGeom>
-          <a:noFill/>
-        </p:spPr>
-        <p:txBody>
-          <a:bodyPr wrap="none">
-            <a:spAutoFit/>
-          </a:bodyPr>
-          <a:lstStyle/>
-          <a:p>
-            <a:pPr algn="ctr"/>
-            <a:r>
-              <a:rPr lang="en-US" altLang="ko-KR" sz="6000">
-                <a:solidFill>
-                  <a:schemeClr val="bg1"/>
-                </a:solidFill>
-              </a:rPr>
-              <a:t>Power</a:t>
-            </a:r>
-            <a:endParaRPr lang="ko-KR" altLang="en-US" sz="6000">
-              <a:solidFill>
-                <a:schemeClr val="bg1"/>
-              </a:solidFill>
-            </a:endParaRPr>
-          </a:p>
-        </p:txBody>
-      </p:sp>
-      <p:sp>
-        <p:nvSpPr>
-          <p:cNvPr id="27" name="TextBox 26"/>
-          <p:cNvSpPr txBox="1"/>
-          <p:nvPr/>
-        </p:nvSpPr>
-        <p:spPr>
-          <a:xfrm>
-            <a:off x="5253132" y="2556892"/>
-            <a:ext cx="1601058" cy="276999"/>
-          </a:xfrm>
-          <a:prstGeom prst="rect">
-            <a:avLst/>
-          </a:prstGeom>
-          <a:noFill/>
-        </p:spPr>
-        <p:txBody>
-          <a:bodyPr wrap="none">
-            <a:spAutoFit/>
-          </a:bodyPr>
-          <a:lstStyle/>
-          <a:p>
             <a:pPr lvl="0"/>
-            <a:r>
-              <a:rPr lang="ko-KR" altLang="en-US" sz="1200">
-                <a:solidFill>
-                  <a:schemeClr val="bg1"/>
-                </a:solidFill>
-              </a:rPr>
-              <a:t>책쟁이의 파워포인트</a:t>
-            </a:r>
-            <a:endParaRPr lang="ko-KR" altLang="en-US" sz="1200">
-              <a:solidFill>
-                <a:schemeClr val="bg1"/>
-              </a:solidFill>
-            </a:endParaRPr>
-          </a:p>
-        </p:txBody>
-      </p:sp>
-      <p:sp>
-        <p:nvSpPr>
-          <p:cNvPr id="28" name="TextBox 27"/>
-          <p:cNvSpPr txBox="1"/>
-          <p:nvPr/>
-        </p:nvSpPr>
-        <p:spPr>
-          <a:xfrm>
-            <a:off x="4328160" y="3386349"/>
-            <a:ext cx="3977640" cy="297921"/>
-          </a:xfrm>
-          <a:prstGeom prst="rect">
-            <a:avLst/>
-          </a:prstGeom>
-          <a:noFill/>
-        </p:spPr>
-        <p:txBody>
-          <a:bodyPr wrap="none">
-            <a:spAutoFit/>
-          </a:bodyPr>
-          <a:lstStyle/>
-          <a:p>
-            <a:pPr algn="r"/>
-            <a:r>
-              <a:rPr lang="ko-KR" altLang="en-US" sz="1400">
-                <a:solidFill>
-                  <a:schemeClr val="bg1"/>
-                </a:solidFill>
-              </a:rPr>
-              <a:t>이곳에는 본문의 내용을 길게 적어주시면 되요</a:t>
-            </a:r>
-            <a:r>
-              <a:rPr lang="en-US" altLang="ko-KR" sz="1400">
-                <a:solidFill>
-                  <a:schemeClr val="bg1"/>
-                </a:solidFill>
-              </a:rPr>
-              <a:t>. </a:t>
-            </a:r>
-            <a:endParaRPr lang="en-US" altLang="ko-KR" sz="1400">
-              <a:solidFill>
-                <a:schemeClr val="bg1"/>
-              </a:solidFill>
-            </a:endParaRPr>
-          </a:p>
-        </p:txBody>
-      </p:sp>
-    </p:spTree>
-  </p:cSld>
-  <p:clrMapOvr>
-    <a:masterClrMapping/>
-  </p:clrMapOvr>
-  <p:transition xmlns:mc="http://schemas.openxmlformats.org/markup-compatibility/2006" xmlns:hp="http://schemas.haansoft.com/office/presentation/8.0" spd="slow" mc:Ignorable="hp" hp:hslDur="3000">
-    <p:fade/>
-  </p:transition>
-</p:sld>
-</file>
-
-<file path=ppt/slides/slide14.xml><?xml version="1.0" encoding="utf-8"?>
-<p:sld xmlns:r="http://schemas.openxmlformats.org/officeDocument/2006/relationships" xmlns:c="http://schemas.openxmlformats.org/drawingml/2006/chart" xmlns:a="http://schemas.openxmlformats.org/drawingml/2006/main" xmlns:dgm="http://schemas.openxmlformats.org/drawingml/2006/diagram" xmlns:dsp="http://schemas.microsoft.com/office/drawing/2008/diagram" xmlns:p="http://schemas.openxmlformats.org/presentationml/2006/main">
-  <p:cSld>
-    <p:spTree>
-      <p:nvGrpSpPr>
-        <p:cNvPr id="1" name=""/>
-        <p:cNvGrpSpPr/>
-        <p:nvPr/>
-      </p:nvGrpSpPr>
-      <p:grpSpPr>
-        <a:xfrm>
-          <a:off x="0" y="0"/>
-          <a:ext cx="0" cy="0"/>
-          <a:chOff x="0" y="0"/>
-          <a:chExt cx="0" cy="0"/>
-        </a:xfrm>
-      </p:grpSpPr>
-      <p:sp>
-        <p:nvSpPr>
-          <p:cNvPr id="18" name="직사각형 17"/>
-          <p:cNvSpPr/>
-          <p:nvPr/>
-        </p:nvSpPr>
-        <p:spPr>
-          <a:xfrm>
-            <a:off x="0" y="-14954"/>
-            <a:ext cx="12192000" cy="8128000"/>
-          </a:xfrm>
-          <a:prstGeom prst="rect">
-            <a:avLst/>
-          </a:prstGeom>
-          <a:solidFill>
-            <a:srgbClr val="f2aebb"/>
-          </a:solidFill>
-          <a:ln>
-            <a:solidFill>
-              <a:srgbClr val="f2aebb"/>
-            </a:solidFill>
-          </a:ln>
-        </p:spPr>
-        <p:style>
-          <a:lnRef idx="2">
-            <a:schemeClr val="accent1">
-              <a:shade val="50000"/>
-            </a:schemeClr>
-          </a:lnRef>
-          <a:fillRef idx="1">
-            <a:schemeClr val="accent1"/>
-          </a:fillRef>
-          <a:effectRef idx="0">
-            <a:schemeClr val="accent1"/>
-          </a:effectRef>
-          <a:fontRef idx="minor">
-            <a:schemeClr val="lt1"/>
-          </a:fontRef>
-        </p:style>
-        <p:txBody>
-          <a:bodyPr anchor="ctr"/>
-          <a:lstStyle/>
-          <a:p>
-            <a:pPr algn="ctr"/>
-            <a:endParaRPr lang="ko-KR" altLang="en-US"/>
-          </a:p>
-        </p:txBody>
-      </p:sp>
-      <p:pic>
-        <p:nvPicPr>
-          <p:cNvPr id="4" name="그림 3" descr="하늘, 실외, 건물이(가) 표시된 사진  매우 높은 신뢰도로 생성된 설명"/>
-          <p:cNvPicPr>
-            <a:picLocks noChangeAspect="1"/>
-          </p:cNvPicPr>
-          <p:nvPr/>
-        </p:nvPicPr>
-        <p:blipFill rotWithShape="1">
-          <a:blip r:embed="rId2">
-            <a:alphaModFix/>
-            <a:grayscl/>
-            <a:lum/>
-          </a:blip>
-          <a:srcRect l="36090"/>
-          <a:stretch>
-            <a:fillRect/>
-          </a:stretch>
-        </p:blipFill>
-        <p:spPr>
-          <a:xfrm>
-            <a:off x="-84385" y="-14954"/>
-            <a:ext cx="6574790" cy="6858000"/>
-          </a:xfrm>
-          <a:prstGeom prst="rect">
-            <a:avLst/>
-          </a:prstGeom>
-        </p:spPr>
-      </p:pic>
-      <p:sp>
-        <p:nvSpPr>
-          <p:cNvPr id="20" name="직사각형 19"/>
-          <p:cNvSpPr/>
-          <p:nvPr/>
-        </p:nvSpPr>
-        <p:spPr>
-          <a:xfrm>
-            <a:off x="1228520" y="678341"/>
-            <a:ext cx="3936420" cy="8128000"/>
-          </a:xfrm>
-          <a:prstGeom prst="rect">
-            <a:avLst/>
-          </a:prstGeom>
-          <a:solidFill>
-            <a:schemeClr val="tx1">
-              <a:alpha val="50000"/>
-            </a:schemeClr>
-          </a:solidFill>
-          <a:ln>
-            <a:solidFill>
-              <a:schemeClr val="tx1"/>
-            </a:solidFill>
-          </a:ln>
-        </p:spPr>
-        <p:style>
-          <a:lnRef idx="2">
-            <a:schemeClr val="accent1">
-              <a:shade val="50000"/>
-            </a:schemeClr>
-          </a:lnRef>
-          <a:fillRef idx="1">
-            <a:schemeClr val="accent1"/>
-          </a:fillRef>
-          <a:effectRef idx="0">
-            <a:schemeClr val="accent1"/>
-          </a:effectRef>
-          <a:fontRef idx="minor">
-            <a:schemeClr val="lt1"/>
-          </a:fontRef>
-        </p:style>
-        <p:txBody>
-          <a:bodyPr anchor="ctr"/>
-          <a:lstStyle/>
-          <a:p>
-            <a:pPr algn="ctr"/>
-            <a:endParaRPr lang="ko-KR" altLang="en-US"/>
+            <a:endParaRPr lang="ko-KR" altLang="en-US" sz="1400"/>
           </a:p>
         </p:txBody>
       </p:sp>
       <p:grpSp>
         <p:nvGrpSpPr>
-          <p:cNvPr id="37" name="그룹 36"/>
+          <p:cNvPr id="163" name="그룹 162"/>
           <p:cNvGrpSpPr/>
           <p:nvPr/>
         </p:nvGrpSpPr>
         <p:grpSpPr>
           <a:xfrm rot="0">
-            <a:off x="6490406" y="3305697"/>
-            <a:ext cx="3719118" cy="771381"/>
-            <a:chOff x="15814307" y="1227036"/>
-            <a:chExt cx="3570973" cy="740655"/>
-          </a:xfrm>
-        </p:grpSpPr>
-        <p:cxnSp>
-          <p:nvCxnSpPr>
-            <p:cNvPr id="40" name="직선 연결선 39"/>
-            <p:cNvCxnSpPr/>
-            <p:nvPr/>
-          </p:nvCxnSpPr>
-          <p:spPr>
-            <a:xfrm>
-              <a:off x="15814307" y="1239736"/>
-              <a:ext cx="3570973" cy="0"/>
-            </a:xfrm>
-            <a:prstGeom prst="line">
-              <a:avLst/>
-            </a:prstGeom>
-            <a:ln w="3175">
-              <a:solidFill>
-                <a:schemeClr val="bg1">
-                  <a:alpha val="60000"/>
-                </a:schemeClr>
-              </a:solidFill>
-            </a:ln>
-          </p:spPr>
-          <p:style>
-            <a:lnRef idx="1">
-              <a:schemeClr val="accent1"/>
-            </a:lnRef>
-            <a:fillRef idx="0">
-              <a:schemeClr val="accent1"/>
-            </a:fillRef>
-            <a:effectRef idx="0">
-              <a:schemeClr val="accent1"/>
-            </a:effectRef>
-            <a:fontRef idx="minor">
-              <a:schemeClr val="tx1"/>
-            </a:fontRef>
-          </p:style>
-        </p:cxnSp>
-        <p:cxnSp>
-          <p:nvCxnSpPr>
-            <p:cNvPr id="41" name="직선 연결선 40"/>
-            <p:cNvCxnSpPr/>
-            <p:nvPr/>
-          </p:nvCxnSpPr>
-          <p:spPr>
-            <a:xfrm>
-              <a:off x="16882712" y="1940776"/>
-              <a:ext cx="2502567" cy="0"/>
-            </a:xfrm>
-            <a:prstGeom prst="line">
-              <a:avLst/>
-            </a:prstGeom>
-            <a:ln w="3175">
-              <a:solidFill>
-                <a:schemeClr val="bg1">
-                  <a:alpha val="60000"/>
-                </a:schemeClr>
-              </a:solidFill>
-            </a:ln>
-          </p:spPr>
-          <p:style>
-            <a:lnRef idx="1">
-              <a:schemeClr val="accent1"/>
-            </a:lnRef>
-            <a:fillRef idx="0">
-              <a:schemeClr val="accent1"/>
-            </a:fillRef>
-            <a:effectRef idx="0">
-              <a:schemeClr val="accent1"/>
-            </a:effectRef>
-            <a:fontRef idx="minor">
-              <a:schemeClr val="tx1"/>
-            </a:fontRef>
-          </p:style>
-        </p:cxnSp>
-        <p:cxnSp>
-          <p:nvCxnSpPr>
-            <p:cNvPr id="42" name="직선 연결선 41"/>
-            <p:cNvCxnSpPr/>
-            <p:nvPr/>
-          </p:nvCxnSpPr>
-          <p:spPr>
-            <a:xfrm flipH="1" flipV="1">
-              <a:off x="19385280" y="1227036"/>
-              <a:ext cx="1" cy="734304"/>
-            </a:xfrm>
-            <a:prstGeom prst="line">
-              <a:avLst/>
-            </a:prstGeom>
-            <a:ln w="3175">
-              <a:solidFill>
-                <a:schemeClr val="bg1">
-                  <a:alpha val="60000"/>
-                </a:schemeClr>
-              </a:solidFill>
-            </a:ln>
-          </p:spPr>
-          <p:style>
-            <a:lnRef idx="1">
-              <a:schemeClr val="accent1"/>
-            </a:lnRef>
-            <a:fillRef idx="0">
-              <a:schemeClr val="accent1"/>
-            </a:fillRef>
-            <a:effectRef idx="0">
-              <a:schemeClr val="accent1"/>
-            </a:effectRef>
-            <a:fontRef idx="minor">
-              <a:schemeClr val="tx1"/>
-            </a:fontRef>
-          </p:style>
-        </p:cxnSp>
-        <p:cxnSp>
-          <p:nvCxnSpPr>
-            <p:cNvPr id="43" name="직선 연결선 42"/>
-            <p:cNvCxnSpPr/>
-            <p:nvPr/>
-          </p:nvCxnSpPr>
-          <p:spPr>
-            <a:xfrm flipH="1" flipV="1">
-              <a:off x="15814307" y="1233387"/>
-              <a:ext cx="1" cy="734304"/>
-            </a:xfrm>
-            <a:prstGeom prst="line">
-              <a:avLst/>
-            </a:prstGeom>
-            <a:ln w="3175">
-              <a:solidFill>
-                <a:schemeClr val="bg1">
-                  <a:alpha val="60000"/>
-                </a:schemeClr>
-              </a:solidFill>
-            </a:ln>
-          </p:spPr>
-          <p:style>
-            <a:lnRef idx="1">
-              <a:schemeClr val="accent1"/>
-            </a:lnRef>
-            <a:fillRef idx="0">
-              <a:schemeClr val="accent1"/>
-            </a:fillRef>
-            <a:effectRef idx="0">
-              <a:schemeClr val="accent1"/>
-            </a:effectRef>
-            <a:fontRef idx="minor">
-              <a:schemeClr val="tx1"/>
-            </a:fontRef>
-          </p:style>
-        </p:cxnSp>
-        <p:cxnSp>
-          <p:nvCxnSpPr>
-            <p:cNvPr id="44" name="직선 연결선 43"/>
-            <p:cNvCxnSpPr/>
-            <p:nvPr/>
-          </p:nvCxnSpPr>
-          <p:spPr>
-            <a:xfrm>
-              <a:off x="15814307" y="1954895"/>
-              <a:ext cx="154005" cy="0"/>
-            </a:xfrm>
-            <a:prstGeom prst="line">
-              <a:avLst/>
-            </a:prstGeom>
-            <a:ln w="3175">
-              <a:solidFill>
-                <a:schemeClr val="bg1">
-                  <a:alpha val="60000"/>
-                </a:schemeClr>
-              </a:solidFill>
-            </a:ln>
-          </p:spPr>
-          <p:style>
-            <a:lnRef idx="1">
-              <a:schemeClr val="accent1"/>
-            </a:lnRef>
-            <a:fillRef idx="0">
-              <a:schemeClr val="accent1"/>
-            </a:fillRef>
-            <a:effectRef idx="0">
-              <a:schemeClr val="accent1"/>
-            </a:effectRef>
-            <a:fontRef idx="minor">
-              <a:schemeClr val="tx1"/>
-            </a:fontRef>
-          </p:style>
-        </p:cxnSp>
-      </p:grpSp>
-      <p:sp>
-        <p:nvSpPr>
-          <p:cNvPr id="38" name="타원 37"/>
-          <p:cNvSpPr/>
-          <p:nvPr/>
-        </p:nvSpPr>
-        <p:spPr>
-          <a:xfrm>
-            <a:off x="7392620" y="3979941"/>
-            <a:ext cx="140344" cy="140344"/>
-          </a:xfrm>
-          <a:prstGeom prst="ellipse">
-            <a:avLst/>
-          </a:prstGeom>
-          <a:solidFill>
-            <a:srgbClr val="e0d6d4"/>
-          </a:solidFill>
-          <a:ln w="3175">
-            <a:solidFill>
-              <a:srgbClr val="e0d6d4">
-                <a:alpha val="60000"/>
-              </a:srgbClr>
-            </a:solidFill>
-          </a:ln>
-        </p:spPr>
-        <p:style>
-          <a:lnRef idx="2">
-            <a:schemeClr val="accent1">
-              <a:shade val="50000"/>
-            </a:schemeClr>
-          </a:lnRef>
-          <a:fillRef idx="1">
-            <a:schemeClr val="accent1"/>
-          </a:fillRef>
-          <a:effectRef idx="0">
-            <a:schemeClr val="accent1"/>
-          </a:effectRef>
-          <a:fontRef idx="minor">
-            <a:schemeClr val="lt1"/>
-          </a:fontRef>
-        </p:style>
-        <p:txBody>
-          <a:bodyPr anchor="ctr"/>
-          <a:lstStyle/>
-          <a:p>
-            <a:pPr algn="ctr"/>
-            <a:endParaRPr lang="ko-KR" altLang="en-US"/>
-          </a:p>
-        </p:txBody>
-      </p:sp>
-      <p:sp>
-        <p:nvSpPr>
-          <p:cNvPr id="35" name="직사각형 34"/>
-          <p:cNvSpPr/>
-          <p:nvPr/>
-        </p:nvSpPr>
-        <p:spPr>
-          <a:xfrm>
-            <a:off x="6688172" y="3305437"/>
-            <a:ext cx="727993" cy="1302758"/>
-          </a:xfrm>
-          <a:prstGeom prst="rect">
-            <a:avLst/>
-          </a:prstGeom>
-        </p:spPr>
-        <p:txBody>
-          <a:bodyPr wrap="none">
-            <a:spAutoFit/>
-          </a:bodyPr>
-          <a:lstStyle/>
-          <a:p>
-            <a:pPr lvl="0"/>
-            <a:r>
-              <a:rPr lang="en-US" altLang="ko-KR" sz="8000">
-                <a:solidFill>
-                  <a:srgbClr val="a1a1a1"/>
-                </a:solidFill>
-              </a:rPr>
-              <a:t>1</a:t>
-            </a:r>
-            <a:endParaRPr lang="ko-KR" altLang="en-US" sz="8000">
-              <a:solidFill>
-                <a:srgbClr val="a1a1a1"/>
-              </a:solidFill>
-            </a:endParaRPr>
-          </a:p>
-        </p:txBody>
-      </p:sp>
-      <p:sp>
-        <p:nvSpPr>
-          <p:cNvPr id="45" name="TextBox 44"/>
-          <p:cNvSpPr txBox="1"/>
-          <p:nvPr/>
-        </p:nvSpPr>
-        <p:spPr>
-          <a:xfrm>
-            <a:off x="7583138" y="3545856"/>
-            <a:ext cx="1204627" cy="338554"/>
-          </a:xfrm>
-          <a:prstGeom prst="rect">
-            <a:avLst/>
-          </a:prstGeom>
-          <a:noFill/>
-        </p:spPr>
-        <p:txBody>
-          <a:bodyPr wrap="none">
-            <a:spAutoFit/>
-          </a:bodyPr>
-          <a:lstStyle/>
-          <a:p>
-            <a:pPr lvl="0"/>
-            <a:r>
-              <a:rPr lang="en-US" altLang="ko-KR" sz="1600">
-                <a:solidFill>
-                  <a:schemeClr val="bg1"/>
-                </a:solidFill>
-              </a:rPr>
-              <a:t>CONTENTS</a:t>
-            </a:r>
-            <a:endParaRPr lang="ko-KR" altLang="en-US" sz="1600">
-              <a:solidFill>
-                <a:schemeClr val="bg1"/>
-              </a:solidFill>
-            </a:endParaRPr>
-          </a:p>
-        </p:txBody>
-      </p:sp>
-      <p:sp>
-        <p:nvSpPr>
-          <p:cNvPr id="47" name="직사각형 46"/>
-          <p:cNvSpPr/>
-          <p:nvPr/>
-        </p:nvSpPr>
-        <p:spPr>
-          <a:xfrm>
-            <a:off x="1904757" y="2818777"/>
-            <a:ext cx="2296757" cy="2296757"/>
-          </a:xfrm>
-          <a:prstGeom prst="rect">
-            <a:avLst/>
-          </a:prstGeom>
-          <a:noFill/>
-          <a:ln w="3175">
-            <a:solidFill>
-              <a:srgbClr val="f2aebb"/>
-            </a:solidFill>
-          </a:ln>
-        </p:spPr>
-        <p:style>
-          <a:lnRef idx="2">
-            <a:schemeClr val="accent1">
-              <a:shade val="50000"/>
-            </a:schemeClr>
-          </a:lnRef>
-          <a:fillRef idx="1">
-            <a:schemeClr val="accent1"/>
-          </a:fillRef>
-          <a:effectRef idx="0">
-            <a:schemeClr val="accent1"/>
-          </a:effectRef>
-          <a:fontRef idx="minor">
-            <a:schemeClr val="lt1"/>
-          </a:fontRef>
-        </p:style>
-        <p:txBody>
-          <a:bodyPr anchor="ctr"/>
-          <a:lstStyle/>
-          <a:p>
-            <a:pPr algn="ctr"/>
-            <a:endParaRPr lang="ko-KR" altLang="en-US"/>
-          </a:p>
-        </p:txBody>
-      </p:sp>
-      <p:sp>
-        <p:nvSpPr>
-          <p:cNvPr id="56" name="직사각형 55"/>
-          <p:cNvSpPr/>
-          <p:nvPr/>
-        </p:nvSpPr>
-        <p:spPr>
-          <a:xfrm>
-            <a:off x="2187282" y="2603194"/>
-            <a:ext cx="431164" cy="431165"/>
-          </a:xfrm>
-          <a:prstGeom prst="rect">
-            <a:avLst/>
-          </a:prstGeom>
-          <a:solidFill>
-            <a:srgbClr val="f2aebb"/>
-          </a:solidFill>
-          <a:ln>
-            <a:solidFill>
-              <a:srgbClr val="f2aebb"/>
-            </a:solidFill>
-          </a:ln>
-        </p:spPr>
-        <p:style>
-          <a:lnRef idx="2">
-            <a:schemeClr val="accent1">
-              <a:shade val="50000"/>
-            </a:schemeClr>
-          </a:lnRef>
-          <a:fillRef idx="1">
-            <a:schemeClr val="accent1"/>
-          </a:fillRef>
-          <a:effectRef idx="0">
-            <a:schemeClr val="accent1"/>
-          </a:effectRef>
-          <a:fontRef idx="minor">
-            <a:schemeClr val="lt1"/>
-          </a:fontRef>
-        </p:style>
-        <p:txBody>
-          <a:bodyPr anchor="ctr"/>
-          <a:lstStyle/>
-          <a:p>
-            <a:pPr algn="ctr"/>
-            <a:endParaRPr lang="ko-KR" altLang="en-US"/>
-          </a:p>
-        </p:txBody>
-      </p:sp>
-      <p:sp>
-        <p:nvSpPr>
-          <p:cNvPr id="58" name="TextBox 57"/>
-          <p:cNvSpPr txBox="1"/>
-          <p:nvPr/>
-        </p:nvSpPr>
-        <p:spPr>
-          <a:xfrm>
-            <a:off x="6738056" y="4588453"/>
-            <a:ext cx="2116384" cy="295967"/>
-          </a:xfrm>
-          <a:prstGeom prst="rect">
-            <a:avLst/>
-          </a:prstGeom>
-          <a:noFill/>
-        </p:spPr>
-        <p:txBody>
-          <a:bodyPr wrap="none">
-            <a:spAutoFit/>
-          </a:bodyPr>
-          <a:lstStyle/>
-          <a:p>
-            <a:pPr lvl="0"/>
-            <a:r>
-              <a:rPr lang="ko-KR" altLang="en-US" sz="1400">
-                <a:solidFill>
-                  <a:schemeClr val="bg1"/>
-                </a:solidFill>
-              </a:rPr>
-              <a:t>본문 내용을 넣어주세요</a:t>
-            </a:r>
-            <a:r>
-              <a:rPr lang="en-US" altLang="ko-KR" sz="1400">
-                <a:solidFill>
-                  <a:schemeClr val="bg1"/>
-                </a:solidFill>
-              </a:rPr>
-              <a:t>.</a:t>
-            </a:r>
-            <a:endParaRPr lang="ko-KR" altLang="en-US" sz="1400">
-              <a:solidFill>
-                <a:schemeClr val="bg1"/>
-              </a:solidFill>
-            </a:endParaRPr>
-          </a:p>
-        </p:txBody>
-      </p:sp>
-      <p:sp>
-        <p:nvSpPr>
-          <p:cNvPr id="21" name="직사각형 20"/>
-          <p:cNvSpPr/>
-          <p:nvPr/>
-        </p:nvSpPr>
-        <p:spPr>
-          <a:xfrm>
-            <a:off x="-84385" y="-14954"/>
-            <a:ext cx="1312905" cy="8128000"/>
-          </a:xfrm>
-          <a:prstGeom prst="rect">
-            <a:avLst/>
-          </a:prstGeom>
-          <a:solidFill>
-            <a:srgbClr val="f2aebb"/>
-          </a:solidFill>
-          <a:ln>
-            <a:solidFill>
-              <a:srgbClr val="f2aebb"/>
-            </a:solidFill>
-          </a:ln>
-        </p:spPr>
-        <p:style>
-          <a:lnRef idx="2">
-            <a:schemeClr val="accent1">
-              <a:shade val="50000"/>
-            </a:schemeClr>
-          </a:lnRef>
-          <a:fillRef idx="1">
-            <a:schemeClr val="accent1"/>
-          </a:fillRef>
-          <a:effectRef idx="0">
-            <a:schemeClr val="accent1"/>
-          </a:effectRef>
-          <a:fontRef idx="minor">
-            <a:schemeClr val="lt1"/>
-          </a:fontRef>
-        </p:style>
-        <p:txBody>
-          <a:bodyPr anchor="ctr"/>
-          <a:lstStyle/>
-          <a:p>
-            <a:pPr algn="ctr"/>
-            <a:endParaRPr lang="ko-KR" altLang="en-US"/>
-          </a:p>
-        </p:txBody>
-      </p:sp>
-    </p:spTree>
-  </p:cSld>
-  <p:clrMapOvr>
-    <a:masterClrMapping/>
-  </p:clrMapOvr>
-  <p:transition xmlns:mc="http://schemas.openxmlformats.org/markup-compatibility/2006" xmlns:hp="http://schemas.haansoft.com/office/presentation/8.0" spd="slow" mc:Ignorable="hp" hp:hslDur="3000">
-    <p:fade/>
-  </p:transition>
-</p:sld>
-</file>
-
-<file path=ppt/slides/slide15.xml><?xml version="1.0" encoding="utf-8"?>
-<p:sld xmlns:r="http://schemas.openxmlformats.org/officeDocument/2006/relationships" xmlns:c="http://schemas.openxmlformats.org/drawingml/2006/chart" xmlns:a="http://schemas.openxmlformats.org/drawingml/2006/main" xmlns:dgm="http://schemas.openxmlformats.org/drawingml/2006/diagram" xmlns:dsp="http://schemas.microsoft.com/office/drawing/2008/diagram" xmlns:p="http://schemas.openxmlformats.org/presentationml/2006/main">
-  <p:cSld>
-    <p:spTree>
-      <p:nvGrpSpPr>
-        <p:cNvPr id="1" name=""/>
-        <p:cNvGrpSpPr/>
-        <p:nvPr/>
-      </p:nvGrpSpPr>
-      <p:grpSpPr>
-        <a:xfrm>
-          <a:off x="0" y="0"/>
-          <a:ext cx="0" cy="0"/>
-          <a:chOff x="0" y="0"/>
-          <a:chExt cx="0" cy="0"/>
-        </a:xfrm>
-      </p:grpSpPr>
-      <p:sp>
-        <p:nvSpPr>
-          <p:cNvPr id="4" name="직사각형 3"/>
-          <p:cNvSpPr/>
-          <p:nvPr/>
-        </p:nvSpPr>
-        <p:spPr>
-          <a:xfrm>
-            <a:off x="0" y="0"/>
-            <a:ext cx="12192000" cy="6858000"/>
-          </a:xfrm>
-          <a:prstGeom prst="rect">
-            <a:avLst/>
-          </a:prstGeom>
-          <a:solidFill>
-            <a:schemeClr val="tx1"/>
-          </a:solidFill>
-          <a:ln>
-            <a:solidFill>
-              <a:srgbClr val="000000"/>
-            </a:solidFill>
-          </a:ln>
-        </p:spPr>
-        <p:style>
-          <a:lnRef idx="2">
-            <a:schemeClr val="accent1">
-              <a:shade val="50000"/>
-            </a:schemeClr>
-          </a:lnRef>
-          <a:fillRef idx="1">
-            <a:schemeClr val="accent1"/>
-          </a:fillRef>
-          <a:effectRef idx="0">
-            <a:schemeClr val="accent1"/>
-          </a:effectRef>
-          <a:fontRef idx="minor">
-            <a:schemeClr val="lt1"/>
-          </a:fontRef>
-        </p:style>
-        <p:txBody>
-          <a:bodyPr anchor="ctr"/>
-          <a:lstStyle/>
-          <a:p>
-            <a:pPr algn="ctr"/>
-            <a:endParaRPr lang="ko-KR" altLang="en-US"/>
-          </a:p>
-        </p:txBody>
-      </p:sp>
-      <p:pic>
-        <p:nvPicPr>
-          <p:cNvPr id="5" name="그림 4" descr="실내, 테이블, 전자기기이(가) 표시된 사진  높은 신뢰도로 생성된 설명"/>
-          <p:cNvPicPr>
-            <a:picLocks noChangeAspect="1"/>
-          </p:cNvPicPr>
-          <p:nvPr/>
-        </p:nvPicPr>
-        <p:blipFill rotWithShape="1">
-          <a:blip r:embed="rId2">
-            <a:alphaModFix/>
-            <a:lum/>
-          </a:blip>
-          <a:stretch>
-            <a:fillRect/>
-          </a:stretch>
-        </p:blipFill>
-        <p:spPr>
-          <a:xfrm>
-            <a:off x="952500" y="0"/>
-            <a:ext cx="10287000" cy="6858000"/>
-          </a:xfrm>
-          <a:prstGeom prst="rect">
-            <a:avLst/>
-          </a:prstGeom>
-        </p:spPr>
-      </p:pic>
-      <p:sp>
-        <p:nvSpPr>
-          <p:cNvPr id="3" name="평행 사변형 2"/>
-          <p:cNvSpPr/>
-          <p:nvPr/>
-        </p:nvSpPr>
-        <p:spPr>
-          <a:xfrm>
-            <a:off x="-1684726" y="-569737"/>
-            <a:ext cx="6338621" cy="8025499"/>
-          </a:xfrm>
-          <a:prstGeom prst="parallelogram">
-            <a:avLst>
-              <a:gd name="adj" fmla="val 23772"/>
-            </a:avLst>
-          </a:prstGeom>
-          <a:solidFill>
-            <a:srgbClr val="f2aebb"/>
-          </a:solidFill>
-          <a:ln>
-            <a:solidFill>
-              <a:srgbClr val="f2aebb"/>
-            </a:solidFill>
-          </a:ln>
-        </p:spPr>
-        <p:style>
-          <a:lnRef idx="2">
-            <a:schemeClr val="accent1">
-              <a:shade val="50000"/>
-            </a:schemeClr>
-          </a:lnRef>
-          <a:fillRef idx="1">
-            <a:schemeClr val="accent1"/>
-          </a:fillRef>
-          <a:effectRef idx="0">
-            <a:schemeClr val="accent1"/>
-          </a:effectRef>
-          <a:fontRef idx="minor">
-            <a:schemeClr val="lt1"/>
-          </a:fontRef>
-        </p:style>
-        <p:txBody>
-          <a:bodyPr anchor="ctr"/>
-          <a:lstStyle/>
-          <a:p>
-            <a:pPr algn="ctr"/>
-            <a:endParaRPr lang="ko-KR" altLang="en-US"/>
-          </a:p>
-        </p:txBody>
-      </p:sp>
-      <p:sp>
-        <p:nvSpPr>
-          <p:cNvPr id="84" name="평행 사변형 83"/>
-          <p:cNvSpPr/>
-          <p:nvPr/>
-        </p:nvSpPr>
-        <p:spPr>
-          <a:xfrm>
-            <a:off x="7785717" y="-569737"/>
-            <a:ext cx="6338621" cy="8025499"/>
-          </a:xfrm>
-          <a:prstGeom prst="parallelogram">
-            <a:avLst>
-              <a:gd name="adj" fmla="val 23772"/>
-            </a:avLst>
-          </a:prstGeom>
-          <a:solidFill>
-            <a:srgbClr val="f2aebb"/>
-          </a:solidFill>
-          <a:ln>
-            <a:solidFill>
-              <a:srgbClr val="f2aebb"/>
-            </a:solidFill>
-          </a:ln>
-        </p:spPr>
-        <p:style>
-          <a:lnRef idx="2">
-            <a:schemeClr val="accent1">
-              <a:shade val="50000"/>
-            </a:schemeClr>
-          </a:lnRef>
-          <a:fillRef idx="1">
-            <a:schemeClr val="accent1"/>
-          </a:fillRef>
-          <a:effectRef idx="0">
-            <a:schemeClr val="accent1"/>
-          </a:effectRef>
-          <a:fontRef idx="minor">
-            <a:schemeClr val="lt1"/>
-          </a:fontRef>
-        </p:style>
-        <p:txBody>
-          <a:bodyPr anchor="ctr"/>
-          <a:lstStyle/>
-          <a:p>
-            <a:pPr algn="ctr"/>
-            <a:endParaRPr lang="ko-KR" altLang="en-US"/>
-          </a:p>
-        </p:txBody>
-      </p:sp>
-      <p:sp>
-        <p:nvSpPr>
-          <p:cNvPr id="96" name="평행 사변형 95"/>
-          <p:cNvSpPr/>
-          <p:nvPr/>
-        </p:nvSpPr>
-        <p:spPr>
-          <a:xfrm>
-            <a:off x="2969169" y="-569737"/>
-            <a:ext cx="6338621" cy="8025499"/>
-          </a:xfrm>
-          <a:prstGeom prst="parallelogram">
-            <a:avLst>
-              <a:gd name="adj" fmla="val 23772"/>
-            </a:avLst>
-          </a:prstGeom>
-          <a:solidFill>
-            <a:schemeClr val="tx1">
-              <a:alpha val="53000"/>
-            </a:schemeClr>
-          </a:solidFill>
-          <a:ln>
-            <a:solidFill>
-              <a:srgbClr val="000000"/>
-            </a:solidFill>
-          </a:ln>
-        </p:spPr>
-        <p:style>
-          <a:lnRef idx="2">
-            <a:schemeClr val="accent1">
-              <a:shade val="50000"/>
-            </a:schemeClr>
-          </a:lnRef>
-          <a:fillRef idx="1">
-            <a:schemeClr val="accent1"/>
-          </a:fillRef>
-          <a:effectRef idx="0">
-            <a:schemeClr val="accent1"/>
-          </a:effectRef>
-          <a:fontRef idx="minor">
-            <a:schemeClr val="lt1"/>
-          </a:fontRef>
-        </p:style>
-        <p:txBody>
-          <a:bodyPr anchor="ctr"/>
-          <a:lstStyle/>
-          <a:p>
-            <a:pPr algn="ctr"/>
-            <a:endParaRPr lang="ko-KR" altLang="en-US"/>
-          </a:p>
-        </p:txBody>
-      </p:sp>
-      <p:sp>
-        <p:nvSpPr>
-          <p:cNvPr id="30" name="직사각형 29"/>
-          <p:cNvSpPr/>
-          <p:nvPr/>
-        </p:nvSpPr>
-        <p:spPr>
-          <a:xfrm>
-            <a:off x="5740405" y="5117069"/>
-            <a:ext cx="184731" cy="523220"/>
-          </a:xfrm>
-          <a:prstGeom prst="rect">
-            <a:avLst/>
-          </a:prstGeom>
-        </p:spPr>
-        <p:txBody>
-          <a:bodyPr wrap="none">
-            <a:spAutoFit/>
-          </a:bodyPr>
-          <a:lstStyle/>
-          <a:p>
-            <a:pPr lvl="0"/>
-            <a:endParaRPr lang="ko-KR" altLang="en-US" sz="2800" spc="-145">
-              <a:solidFill>
-                <a:srgbClr val="e0d6d4"/>
-              </a:solidFill>
-            </a:endParaRPr>
-          </a:p>
-        </p:txBody>
-      </p:sp>
-      <p:grpSp>
-        <p:nvGrpSpPr>
-          <p:cNvPr id="31" name="그룹 30"/>
-          <p:cNvGrpSpPr/>
-          <p:nvPr/>
-        </p:nvGrpSpPr>
-        <p:grpSpPr>
-          <a:xfrm rot="0">
-            <a:off x="5247482" y="5117069"/>
-            <a:ext cx="1180195" cy="537965"/>
-            <a:chOff x="563658" y="1091472"/>
-            <a:chExt cx="1180195" cy="537965"/>
+            <a:off x="877180" y="484162"/>
+            <a:ext cx="4343400" cy="5924550"/>
+            <a:chOff x="3838575" y="476250"/>
+            <a:chExt cx="4343400" cy="5924550"/>
           </a:xfrm>
         </p:grpSpPr>
         <p:sp>
           <p:nvSpPr>
-            <p:cNvPr id="35" name="직사각형 34"/>
-            <p:cNvSpPr/>
+            <p:cNvPr id="141" name="TextBox 140"/>
+            <p:cNvSpPr txBox="1"/>
             <p:nvPr/>
           </p:nvSpPr>
           <p:spPr>
             <a:xfrm>
-              <a:off x="563658" y="1091472"/>
-              <a:ext cx="184731" cy="523220"/>
+              <a:off x="5966460" y="2948223"/>
+              <a:ext cx="249555" cy="297897"/>
             </a:xfrm>
             <a:prstGeom prst="rect">
               <a:avLst/>
             </a:prstGeom>
+            <a:noFill/>
           </p:spPr>
           <p:txBody>
             <a:bodyPr wrap="none">
@@ -6771,71 +6811,475 @@
             </a:bodyPr>
             <a:lstStyle/>
             <a:p>
-              <a:pPr lvl="0"/>
-              <a:endParaRPr lang="ko-KR" altLang="en-US" sz="2800" spc="-145">
-                <a:solidFill>
-                  <a:srgbClr val="e0d6d4"/>
-                </a:solidFill>
-              </a:endParaRPr>
+              <a:pPr algn="ctr"/>
+              <a:endParaRPr lang="ko-KR" altLang="en-US" sz="1400"/>
             </a:p>
           </p:txBody>
         </p:sp>
         <p:sp>
           <p:nvSpPr>
-            <p:cNvPr id="33" name="직사각형 32"/>
+            <p:cNvPr id="146" name="직사각형 145"/>
             <p:cNvSpPr/>
             <p:nvPr/>
           </p:nvSpPr>
           <p:spPr>
             <a:xfrm>
-              <a:off x="1559122" y="1106217"/>
-              <a:ext cx="184731" cy="523220"/>
+              <a:off x="4910400" y="2516400"/>
+              <a:ext cx="568800" cy="162000"/>
+            </a:xfrm>
+            <a:prstGeom prst="rect">
+              <a:avLst/>
+            </a:prstGeom>
+            <a:solidFill>
+              <a:schemeClr val="bg1"/>
+            </a:solidFill>
+            <a:ln>
+              <a:noFill/>
+            </a:ln>
+          </p:spPr>
+          <p:style>
+            <a:lnRef idx="2">
+              <a:schemeClr val="accent1">
+                <a:shade val="20000"/>
+              </a:schemeClr>
+            </a:lnRef>
+            <a:fillRef idx="1">
+              <a:schemeClr val="accent1"/>
+            </a:fillRef>
+            <a:effectRef idx="0">
+              <a:schemeClr val="accent1"/>
+            </a:effectRef>
+            <a:fontRef idx="minor">
+              <a:schemeClr val="lt1"/>
+            </a:fontRef>
+          </p:style>
+          <p:txBody>
+            <a:bodyPr vert="horz" wrap="square" lIns="91440" tIns="45720" rIns="91440" bIns="45720" anchor="t"/>
+            <a:p>
+              <a:pPr/>
+              <a:endParaRPr lang="en-US" altLang="ko-KR"/>
+            </a:p>
+          </p:txBody>
+        </p:sp>
+        <p:sp>
+          <p:nvSpPr>
+            <p:cNvPr id="153" name="직사각형 152"/>
+            <p:cNvSpPr/>
+            <p:nvPr/>
+          </p:nvSpPr>
+          <p:spPr>
+            <a:xfrm>
+              <a:off x="3838575" y="476250"/>
+              <a:ext cx="4343400" cy="5924550"/>
             </a:xfrm>
             <a:prstGeom prst="rect">
               <a:avLst/>
             </a:prstGeom>
           </p:spPr>
+          <p:style>
+            <a:lnRef idx="2">
+              <a:schemeClr val="accent1">
+                <a:shade val="20000"/>
+              </a:schemeClr>
+            </a:lnRef>
+            <a:fillRef idx="1">
+              <a:schemeClr val="accent1"/>
+            </a:fillRef>
+            <a:effectRef idx="0">
+              <a:schemeClr val="accent1"/>
+            </a:effectRef>
+            <a:fontRef idx="minor">
+              <a:schemeClr val="lt1"/>
+            </a:fontRef>
+          </p:style>
+        </p:sp>
+        <p:sp>
+          <p:nvSpPr>
+            <p:cNvPr id="155" name="직사각형 154"/>
+            <p:cNvSpPr/>
+            <p:nvPr/>
+          </p:nvSpPr>
+          <p:spPr>
+            <a:xfrm>
+              <a:off x="3990975" y="5905500"/>
+              <a:ext cx="4019549" cy="361950"/>
+            </a:xfrm>
+            <a:prstGeom prst="rect">
+              <a:avLst/>
+            </a:prstGeom>
+          </p:spPr>
+          <p:style>
+            <a:lnRef idx="2">
+              <a:schemeClr val="accent1">
+                <a:shade val="20000"/>
+              </a:schemeClr>
+            </a:lnRef>
+            <a:fillRef idx="1">
+              <a:schemeClr val="accent1"/>
+            </a:fillRef>
+            <a:effectRef idx="0">
+              <a:schemeClr val="accent1"/>
+            </a:effectRef>
+            <a:fontRef idx="minor">
+              <a:schemeClr val="lt1"/>
+            </a:fontRef>
+          </p:style>
+        </p:sp>
+        <p:sp>
+          <p:nvSpPr>
+            <p:cNvPr id="156" name="직사각형 155"/>
+            <p:cNvSpPr/>
+            <p:nvPr/>
+          </p:nvSpPr>
+          <p:spPr>
+            <a:xfrm>
+              <a:off x="3996444" y="5472112"/>
+              <a:ext cx="428625" cy="309562"/>
+            </a:xfrm>
+            <a:prstGeom prst="rect">
+              <a:avLst/>
+            </a:prstGeom>
+          </p:spPr>
+          <p:style>
+            <a:lnRef idx="2">
+              <a:schemeClr val="accent1">
+                <a:shade val="20000"/>
+              </a:schemeClr>
+            </a:lnRef>
+            <a:fillRef idx="1">
+              <a:schemeClr val="accent1"/>
+            </a:fillRef>
+            <a:effectRef idx="0">
+              <a:schemeClr val="accent1"/>
+            </a:effectRef>
+            <a:fontRef idx="minor">
+              <a:schemeClr val="lt1"/>
+            </a:fontRef>
+          </p:style>
           <p:txBody>
-            <a:bodyPr wrap="none">
-              <a:spAutoFit/>
-            </a:bodyPr>
+            <a:bodyPr anchor="ctr"/>
+            <a:p>
+              <a:pPr algn="ctr"/>
+              <a:r>
+                <a:rPr lang="ko-KR" altLang="en-US"/>
+                <a:t>#</a:t>
+              </a:r>
+              <a:endParaRPr lang="ko-KR" altLang="en-US"/>
+            </a:p>
+          </p:txBody>
+        </p:sp>
+        <p:sp>
+          <p:nvSpPr>
+            <p:cNvPr id="157" name="직사각형 156"/>
+            <p:cNvSpPr/>
+            <p:nvPr/>
+          </p:nvSpPr>
+          <p:spPr>
+            <a:xfrm>
+              <a:off x="3930650" y="609600"/>
+              <a:ext cx="4152899" cy="533400"/>
+            </a:xfrm>
+            <a:prstGeom prst="rect">
+              <a:avLst/>
+            </a:prstGeom>
+          </p:spPr>
+          <p:style>
+            <a:lnRef idx="2">
+              <a:schemeClr val="accent1">
+                <a:shade val="20000"/>
+              </a:schemeClr>
+            </a:lnRef>
+            <a:fillRef idx="1">
+              <a:schemeClr val="accent1"/>
+            </a:fillRef>
+            <a:effectRef idx="0">
+              <a:schemeClr val="accent1"/>
+            </a:effectRef>
+            <a:fontRef idx="minor">
+              <a:schemeClr val="lt1"/>
+            </a:fontRef>
+          </p:style>
+        </p:sp>
+        <p:sp>
+          <p:nvSpPr>
+            <p:cNvPr id="158" name="직사각형 157"/>
+            <p:cNvSpPr/>
+            <p:nvPr/>
+          </p:nvSpPr>
+          <p:spPr>
+            <a:xfrm>
+              <a:off x="7615237" y="652462"/>
+              <a:ext cx="419100" cy="447674"/>
+            </a:xfrm>
+            <a:prstGeom prst="rect">
+              <a:avLst/>
+            </a:prstGeom>
+          </p:spPr>
+          <p:style>
+            <a:lnRef idx="2">
+              <a:schemeClr val="accent1">
+                <a:shade val="20000"/>
+              </a:schemeClr>
+            </a:lnRef>
+            <a:fillRef idx="1">
+              <a:schemeClr val="accent1"/>
+            </a:fillRef>
+            <a:effectRef idx="0">
+              <a:schemeClr val="accent1"/>
+            </a:effectRef>
+            <a:fontRef idx="minor">
+              <a:schemeClr val="lt1"/>
+            </a:fontRef>
+          </p:style>
+        </p:sp>
+        <p:sp>
+          <p:nvSpPr>
+            <p:cNvPr id="159" name="실행 단추: 앞으로 또는 다음 158">
+              <a:hlinkClick action="ppaction://hlinkshowjump?jump=nextslide" highlightClick="1"/>
+            </p:cNvPr>
+            <p:cNvSpPr/>
+            <p:nvPr/>
+          </p:nvSpPr>
+          <p:spPr>
+            <a:xfrm>
+              <a:off x="7559040" y="5931511"/>
+              <a:ext cx="396240" cy="297180"/>
+            </a:xfrm>
+            <a:prstGeom prst="actionButtonForwardNext">
+              <a:avLst/>
+            </a:prstGeom>
+          </p:spPr>
+          <p:style>
+            <a:lnRef idx="2">
+              <a:schemeClr val="accent1">
+                <a:shade val="20000"/>
+              </a:schemeClr>
+            </a:lnRef>
+            <a:fillRef idx="1">
+              <a:schemeClr val="accent1"/>
+            </a:fillRef>
+            <a:effectRef idx="0">
+              <a:schemeClr val="accent1"/>
+            </a:effectRef>
+            <a:fontRef idx="minor">
+              <a:schemeClr val="lt1"/>
+            </a:fontRef>
+          </p:style>
+        </p:sp>
+        <p:sp>
+          <p:nvSpPr>
+            <p:cNvPr id="160" name="사각형 설명선 159"/>
+            <p:cNvSpPr/>
+            <p:nvPr/>
+          </p:nvSpPr>
+          <p:spPr>
+            <a:xfrm>
+              <a:off x="6915150" y="1352550"/>
+              <a:ext cx="1092199" cy="406400"/>
+            </a:xfrm>
+            <a:prstGeom prst="wedgeRectCallout">
+              <a:avLst>
+                <a:gd name="adj1" fmla="val -9056"/>
+                <a:gd name="adj2" fmla="val 75811"/>
+              </a:avLst>
+            </a:prstGeom>
+          </p:spPr>
+          <p:style>
+            <a:lnRef idx="2">
+              <a:schemeClr val="accent1">
+                <a:shade val="20000"/>
+              </a:schemeClr>
+            </a:lnRef>
+            <a:fillRef idx="1">
+              <a:schemeClr val="accent1"/>
+            </a:fillRef>
+            <a:effectRef idx="0">
+              <a:schemeClr val="accent1"/>
+            </a:effectRef>
+            <a:fontRef idx="minor">
+              <a:schemeClr val="lt1"/>
+            </a:fontRef>
+          </p:style>
+          <p:txBody>
+            <a:bodyPr anchor="ctr"/>
+            <a:p>
+              <a:pPr algn="ctr"/>
+              <a:r>
+                <a:rPr lang="ko-KR" altLang="en-US"/>
+                <a:t>#과제</a:t>
+              </a:r>
+              <a:endParaRPr lang="ko-KR" altLang="en-US"/>
+            </a:p>
+          </p:txBody>
+        </p:sp>
+        <p:sp>
+          <p:nvSpPr>
+            <p:cNvPr id="162" name="사각형 설명선 161"/>
+            <p:cNvSpPr/>
+            <p:nvPr/>
+          </p:nvSpPr>
+          <p:spPr>
+            <a:xfrm>
+              <a:off x="4025901" y="1987551"/>
+              <a:ext cx="2349500" cy="2870199"/>
+            </a:xfrm>
+            <a:prstGeom prst="wedgeRectCallout">
+              <a:avLst>
+                <a:gd name="adj1" fmla="val -37216"/>
+                <a:gd name="adj2" fmla="val 60962"/>
+              </a:avLst>
+            </a:prstGeom>
+          </p:spPr>
+          <p:style>
+            <a:lnRef idx="2">
+              <a:schemeClr val="accent1">
+                <a:shade val="20000"/>
+              </a:schemeClr>
+            </a:lnRef>
+            <a:fillRef idx="1">
+              <a:schemeClr val="accent1"/>
+            </a:fillRef>
+            <a:effectRef idx="0">
+              <a:schemeClr val="accent1"/>
+            </a:effectRef>
+            <a:fontRef idx="minor">
+              <a:schemeClr val="lt1"/>
+            </a:fontRef>
+          </p:style>
+          <p:txBody>
+            <a:bodyPr anchor="ctr"/>
             <a:lstStyle/>
             <a:p>
-              <a:pPr lvl="0"/>
-              <a:endParaRPr lang="ko-KR" altLang="en-US" sz="2800" spc="-145">
-                <a:solidFill>
-                  <a:srgbClr val="e0d6d4"/>
-                </a:solidFill>
-              </a:endParaRPr>
+              <a:pPr/>
+              <a:r>
+                <a:rPr lang="ko-KR" altLang="en-US" sz="1700"/>
+                <a:t>#과제</a:t>
+              </a:r>
+              <a:endParaRPr lang="ko-KR" altLang="en-US" sz="1700"/>
+            </a:p>
+            <a:p>
+              <a:pPr/>
+              <a:r>
+                <a:rPr lang="ko-KR" altLang="en-US" sz="1700"/>
+                <a:t>9/13 </a:t>
+              </a:r>
+              <a:endParaRPr lang="ko-KR" altLang="en-US" sz="1700"/>
+            </a:p>
+            <a:p>
+              <a:pPr/>
+              <a:r>
+                <a:rPr lang="ko-KR" altLang="en-US" sz="1700"/>
+                <a:t>13:00 오소 과제</a:t>
+              </a:r>
+              <a:endParaRPr lang="ko-KR" altLang="en-US" sz="1700"/>
+            </a:p>
+            <a:p>
+              <a:pPr/>
+              <a:r>
+                <a:rPr lang="ko-KR" altLang="en-US" sz="1700"/>
+                <a:t>23:59 응통 과제</a:t>
+              </a:r>
+              <a:endParaRPr lang="ko-KR" altLang="en-US" sz="1700"/>
+            </a:p>
+            <a:p>
+              <a:pPr/>
+              <a:endParaRPr lang="ko-KR" altLang="en-US" sz="1700"/>
+            </a:p>
+            <a:p>
+              <a:pPr/>
+              <a:r>
+                <a:rPr lang="ko-KR" altLang="en-US" sz="1700"/>
+                <a:t>9/17</a:t>
+              </a:r>
+              <a:endParaRPr lang="ko-KR" altLang="en-US" sz="1700"/>
+            </a:p>
+            <a:p>
+              <a:pPr/>
+              <a:r>
+                <a:rPr lang="ko-KR" altLang="en-US" sz="1700"/>
+                <a:t>23:59 컴구 과제</a:t>
+              </a:r>
+              <a:endParaRPr lang="ko-KR" altLang="en-US" sz="1700"/>
+            </a:p>
+            <a:p>
+              <a:pPr/>
+              <a:endParaRPr lang="ko-KR" altLang="en-US" sz="1700"/>
+            </a:p>
+            <a:p>
+              <a:pPr/>
+              <a:r>
+                <a:rPr lang="en-US" altLang="ko-KR" sz="1700"/>
+                <a:t>Null</a:t>
+              </a:r>
+              <a:endParaRPr lang="en-US" altLang="ko-KR" sz="1700"/>
+            </a:p>
+            <a:p>
+              <a:pPr/>
+              <a:r>
+                <a:rPr lang="ko-KR" altLang="en-US" sz="1700"/>
+                <a:t>교양발표준비</a:t>
+              </a:r>
+              <a:endParaRPr lang="ko-KR" altLang="en-US" sz="1700"/>
+            </a:p>
+            <a:p>
+              <a:pPr/>
+              <a:endParaRPr lang="ko-KR" altLang="en-US" sz="1700"/>
             </a:p>
           </p:txBody>
         </p:sp>
       </p:grpSp>
       <p:sp>
         <p:nvSpPr>
-          <p:cNvPr id="79" name="직사각형 78"/>
+          <p:cNvPr id="165" name="TextBox 140"/>
+          <p:cNvSpPr txBox="1"/>
+          <p:nvPr/>
+        </p:nvSpPr>
+        <p:spPr>
+          <a:xfrm>
+            <a:off x="9405862" y="2948223"/>
+            <a:ext cx="249555" cy="297897"/>
+          </a:xfrm>
+          <a:prstGeom prst="rect">
+            <a:avLst/>
+          </a:prstGeom>
+          <a:noFill/>
+        </p:spPr>
+        <p:txBody>
+          <a:bodyPr wrap="none">
+            <a:spAutoFit/>
+          </a:bodyPr>
+          <a:lstStyle/>
+          <a:p>
+            <a:pPr algn="ctr"/>
+            <a:endParaRPr lang="ko-KR" altLang="en-US" sz="1400"/>
+          </a:p>
+        </p:txBody>
+      </p:sp>
+      <p:sp>
+        <p:nvSpPr>
+          <p:cNvPr id="166" name="직사각형 145"/>
           <p:cNvSpPr/>
           <p:nvPr/>
         </p:nvSpPr>
         <p:spPr>
           <a:xfrm>
-            <a:off x="4884906" y="3790822"/>
-            <a:ext cx="2296757" cy="2296757"/>
+            <a:off x="8349803" y="2516400"/>
+            <a:ext cx="568800" cy="162000"/>
           </a:xfrm>
           <a:prstGeom prst="rect">
             <a:avLst/>
           </a:prstGeom>
-          <a:noFill/>
-          <a:ln w="3175">
-            <a:solidFill>
-              <a:srgbClr val="f2aebb"/>
-            </a:solidFill>
+          <a:solidFill>
+            <a:schemeClr val="bg1"/>
+          </a:solidFill>
+          <a:ln>
+            <a:noFill/>
           </a:ln>
         </p:spPr>
         <p:style>
           <a:lnRef idx="2">
             <a:schemeClr val="accent1">
-              <a:shade val="50000"/>
+              <a:shade val="20000"/>
             </a:schemeClr>
           </a:lnRef>
           <a:fillRef idx="1">
@@ -6849,41 +7293,32 @@
           </a:fontRef>
         </p:style>
         <p:txBody>
-          <a:bodyPr anchor="ctr"/>
-          <a:lstStyle/>
-          <a:p>
-            <a:pPr algn="ctr"/>
-            <a:endParaRPr lang="ko-KR" altLang="en-US"/>
-          </a:p>
-        </p:txBody>
-      </p:sp>
-      <p:sp>
-        <p:nvSpPr>
-          <p:cNvPr id="81" name="직사각형 80"/>
+          <a:bodyPr vert="horz" wrap="square" lIns="91440" tIns="45720" rIns="91440" bIns="45720" anchor="t"/>
+          <a:p>
+            <a:pPr/>
+            <a:endParaRPr lang="en-US" altLang="ko-KR"/>
+          </a:p>
+        </p:txBody>
+      </p:sp>
+      <p:sp>
+        <p:nvSpPr>
+          <p:cNvPr id="167" name="직사각형 152"/>
           <p:cNvSpPr/>
           <p:nvPr/>
         </p:nvSpPr>
         <p:spPr>
           <a:xfrm>
-            <a:off x="6918875" y="3526837"/>
-            <a:ext cx="527968" cy="527969"/>
+            <a:off x="7277979" y="476250"/>
+            <a:ext cx="4343400" cy="5924550"/>
           </a:xfrm>
           <a:prstGeom prst="rect">
             <a:avLst/>
           </a:prstGeom>
-          <a:solidFill>
-            <a:srgbClr val="f2aebb"/>
-          </a:solidFill>
-          <a:ln>
-            <a:solidFill>
-              <a:srgbClr val="e0d6d4"/>
-            </a:solidFill>
-          </a:ln>
         </p:spPr>
         <p:style>
           <a:lnRef idx="2">
             <a:schemeClr val="accent1">
-              <a:shade val="50000"/>
+              <a:shade val="20000"/>
             </a:schemeClr>
           </a:lnRef>
           <a:fillRef idx="1">
@@ -6896,121 +7331,294 @@
             <a:schemeClr val="lt1"/>
           </a:fontRef>
         </p:style>
+      </p:sp>
+      <p:sp>
+        <p:nvSpPr>
+          <p:cNvPr id="168" name="직사각형 154"/>
+          <p:cNvSpPr/>
+          <p:nvPr/>
+        </p:nvSpPr>
+        <p:spPr>
+          <a:xfrm>
+            <a:off x="7430379" y="5905500"/>
+            <a:ext cx="4019549" cy="361950"/>
+          </a:xfrm>
+          <a:prstGeom prst="rect">
+            <a:avLst/>
+          </a:prstGeom>
+        </p:spPr>
+        <p:style>
+          <a:lnRef idx="2">
+            <a:schemeClr val="accent1">
+              <a:shade val="20000"/>
+            </a:schemeClr>
+          </a:lnRef>
+          <a:fillRef idx="1">
+            <a:schemeClr val="accent1"/>
+          </a:fillRef>
+          <a:effectRef idx="0">
+            <a:schemeClr val="accent1"/>
+          </a:effectRef>
+          <a:fontRef idx="minor">
+            <a:schemeClr val="lt1"/>
+          </a:fontRef>
+        </p:style>
+      </p:sp>
+      <p:sp>
+        <p:nvSpPr>
+          <p:cNvPr id="169" name="직사각형 155"/>
+          <p:cNvSpPr/>
+          <p:nvPr/>
+        </p:nvSpPr>
+        <p:spPr>
+          <a:xfrm>
+            <a:off x="7435847" y="5472112"/>
+            <a:ext cx="428625" cy="309562"/>
+          </a:xfrm>
+          <a:prstGeom prst="rect">
+            <a:avLst/>
+          </a:prstGeom>
+        </p:spPr>
+        <p:style>
+          <a:lnRef idx="2">
+            <a:schemeClr val="accent1">
+              <a:shade val="20000"/>
+            </a:schemeClr>
+          </a:lnRef>
+          <a:fillRef idx="1">
+            <a:schemeClr val="accent1"/>
+          </a:fillRef>
+          <a:effectRef idx="0">
+            <a:schemeClr val="accent1"/>
+          </a:effectRef>
+          <a:fontRef idx="minor">
+            <a:schemeClr val="lt1"/>
+          </a:fontRef>
+        </p:style>
+        <p:txBody>
+          <a:bodyPr anchor="ctr"/>
+          <a:p>
+            <a:pPr algn="ctr"/>
+            <a:r>
+              <a:rPr lang="ko-KR" altLang="en-US"/>
+              <a:t>#</a:t>
+            </a:r>
+            <a:endParaRPr lang="ko-KR" altLang="en-US"/>
+          </a:p>
+        </p:txBody>
+      </p:sp>
+      <p:sp>
+        <p:nvSpPr>
+          <p:cNvPr id="170" name="직사각형 156"/>
+          <p:cNvSpPr/>
+          <p:nvPr/>
+        </p:nvSpPr>
+        <p:spPr>
+          <a:xfrm>
+            <a:off x="7370053" y="609600"/>
+            <a:ext cx="4152899" cy="533400"/>
+          </a:xfrm>
+          <a:prstGeom prst="rect">
+            <a:avLst/>
+          </a:prstGeom>
+        </p:spPr>
+        <p:style>
+          <a:lnRef idx="2">
+            <a:schemeClr val="accent1">
+              <a:shade val="20000"/>
+            </a:schemeClr>
+          </a:lnRef>
+          <a:fillRef idx="1">
+            <a:schemeClr val="accent1"/>
+          </a:fillRef>
+          <a:effectRef idx="0">
+            <a:schemeClr val="accent1"/>
+          </a:effectRef>
+          <a:fontRef idx="minor">
+            <a:schemeClr val="lt1"/>
+          </a:fontRef>
+        </p:style>
+      </p:sp>
+      <p:sp>
+        <p:nvSpPr>
+          <p:cNvPr id="171" name="직사각형 157"/>
+          <p:cNvSpPr/>
+          <p:nvPr/>
+        </p:nvSpPr>
+        <p:spPr>
+          <a:xfrm>
+            <a:off x="11054640" y="652462"/>
+            <a:ext cx="419100" cy="447674"/>
+          </a:xfrm>
+          <a:prstGeom prst="rect">
+            <a:avLst/>
+          </a:prstGeom>
+        </p:spPr>
+        <p:style>
+          <a:lnRef idx="2">
+            <a:schemeClr val="accent1">
+              <a:shade val="20000"/>
+            </a:schemeClr>
+          </a:lnRef>
+          <a:fillRef idx="1">
+            <a:schemeClr val="accent1"/>
+          </a:fillRef>
+          <a:effectRef idx="0">
+            <a:schemeClr val="accent1"/>
+          </a:effectRef>
+          <a:fontRef idx="minor">
+            <a:schemeClr val="lt1"/>
+          </a:fontRef>
+        </p:style>
+      </p:sp>
+      <p:sp>
+        <p:nvSpPr>
+          <p:cNvPr id="172" name="실행 단추: 앞으로 또는 다음 158">
+            <a:hlinkClick action="ppaction://hlinkshowjump?jump=nextslide" highlightClick="1"/>
+          </p:cNvPr>
+          <p:cNvSpPr/>
+          <p:nvPr/>
+        </p:nvSpPr>
+        <p:spPr>
+          <a:xfrm>
+            <a:off x="10998443" y="5931512"/>
+            <a:ext cx="396240" cy="297180"/>
+          </a:xfrm>
+          <a:prstGeom prst="actionButtonForwardNext">
+            <a:avLst/>
+          </a:prstGeom>
+        </p:spPr>
+        <p:style>
+          <a:lnRef idx="2">
+            <a:schemeClr val="accent1">
+              <a:shade val="20000"/>
+            </a:schemeClr>
+          </a:lnRef>
+          <a:fillRef idx="1">
+            <a:schemeClr val="accent1"/>
+          </a:fillRef>
+          <a:effectRef idx="0">
+            <a:schemeClr val="accent1"/>
+          </a:effectRef>
+          <a:fontRef idx="minor">
+            <a:schemeClr val="lt1"/>
+          </a:fontRef>
+        </p:style>
+      </p:sp>
+      <p:sp>
+        <p:nvSpPr>
+          <p:cNvPr id="173" name="사각형 설명선 159"/>
+          <p:cNvSpPr/>
+          <p:nvPr/>
+        </p:nvSpPr>
+        <p:spPr>
+          <a:xfrm>
+            <a:off x="10354553" y="1352550"/>
+            <a:ext cx="1092199" cy="406400"/>
+          </a:xfrm>
+          <a:prstGeom prst="wedgeRectCallout">
+            <a:avLst>
+              <a:gd name="adj1" fmla="val -9056"/>
+              <a:gd name="adj2" fmla="val 75811"/>
+            </a:avLst>
+          </a:prstGeom>
+        </p:spPr>
+        <p:style>
+          <a:lnRef idx="2">
+            <a:schemeClr val="accent1">
+              <a:shade val="20000"/>
+            </a:schemeClr>
+          </a:lnRef>
+          <a:fillRef idx="1">
+            <a:schemeClr val="accent1"/>
+          </a:fillRef>
+          <a:effectRef idx="0">
+            <a:schemeClr val="accent1"/>
+          </a:effectRef>
+          <a:fontRef idx="minor">
+            <a:schemeClr val="lt1"/>
+          </a:fontRef>
+        </p:style>
+        <p:txBody>
+          <a:bodyPr anchor="ctr"/>
+          <a:p>
+            <a:pPr algn="ctr"/>
+            <a:r>
+              <a:rPr lang="ko-KR" altLang="en-US"/>
+              <a:t>#9/13</a:t>
+            </a:r>
+            <a:endParaRPr lang="ko-KR" altLang="en-US"/>
+          </a:p>
+        </p:txBody>
+      </p:sp>
+      <p:sp>
+        <p:nvSpPr>
+          <p:cNvPr id="174" name="사각형 설명선 161"/>
+          <p:cNvSpPr/>
+          <p:nvPr/>
+        </p:nvSpPr>
+        <p:spPr>
+          <a:xfrm>
+            <a:off x="7465304" y="1987551"/>
+            <a:ext cx="2413000" cy="1289048"/>
+          </a:xfrm>
+          <a:prstGeom prst="wedgeRectCallout">
+            <a:avLst>
+              <a:gd name="adj1" fmla="val -37216"/>
+              <a:gd name="adj2" fmla="val 60962"/>
+            </a:avLst>
+          </a:prstGeom>
+        </p:spPr>
+        <p:style>
+          <a:lnRef idx="2">
+            <a:schemeClr val="accent1">
+              <a:shade val="20000"/>
+            </a:schemeClr>
+          </a:lnRef>
+          <a:fillRef idx="1">
+            <a:schemeClr val="accent1"/>
+          </a:fillRef>
+          <a:effectRef idx="0">
+            <a:schemeClr val="accent1"/>
+          </a:effectRef>
+          <a:fontRef idx="minor">
+            <a:schemeClr val="lt1"/>
+          </a:fontRef>
+        </p:style>
         <p:txBody>
           <a:bodyPr anchor="ctr"/>
           <a:lstStyle/>
           <a:p>
-            <a:pPr algn="ctr"/>
-            <a:endParaRPr lang="ko-KR" altLang="en-US"/>
-          </a:p>
-        </p:txBody>
-      </p:sp>
-      <p:sp>
-        <p:nvSpPr>
-          <p:cNvPr id="20" name="직사각형 19"/>
-          <p:cNvSpPr/>
-          <p:nvPr/>
-        </p:nvSpPr>
-        <p:spPr>
-          <a:xfrm>
-            <a:off x="5056253" y="4957043"/>
-            <a:ext cx="1959861" cy="1003702"/>
-          </a:xfrm>
-          <a:prstGeom prst="rect">
-            <a:avLst/>
-          </a:prstGeom>
-          <a:noFill/>
-        </p:spPr>
-        <p:txBody>
-          <a:bodyPr wrap="none">
-            <a:spAutoFit/>
-          </a:bodyPr>
-          <a:lstStyle/>
-          <a:p>
-            <a:pPr algn="ctr"/>
-            <a:r>
-              <a:rPr lang="en-US" altLang="ko-KR" sz="6000">
-                <a:solidFill>
-                  <a:schemeClr val="bg1"/>
-                </a:solidFill>
-              </a:rPr>
-              <a:t>Point</a:t>
-            </a:r>
-            <a:endParaRPr lang="ko-KR" altLang="en-US" sz="6000">
-              <a:solidFill>
-                <a:schemeClr val="bg1"/>
-              </a:solidFill>
-            </a:endParaRPr>
-          </a:p>
-        </p:txBody>
-      </p:sp>
-      <p:sp>
-        <p:nvSpPr>
-          <p:cNvPr id="22" name="TextBox 21"/>
-          <p:cNvSpPr txBox="1"/>
-          <p:nvPr/>
-        </p:nvSpPr>
-        <p:spPr>
-          <a:xfrm>
-            <a:off x="5833110" y="4116151"/>
-            <a:ext cx="449580" cy="996869"/>
-          </a:xfrm>
-          <a:prstGeom prst="rect">
-            <a:avLst/>
-          </a:prstGeom>
-          <a:noFill/>
-        </p:spPr>
-        <p:txBody>
-          <a:bodyPr wrap="none">
-            <a:spAutoFit/>
-          </a:bodyPr>
-          <a:lstStyle/>
-          <a:p>
-            <a:pPr algn="ctr"/>
-            <a:endParaRPr lang="en-US" altLang="ko-KR" sz="6000">
-              <a:solidFill>
-                <a:schemeClr val="bg1"/>
-              </a:solidFill>
-            </a:endParaRPr>
-          </a:p>
-        </p:txBody>
-      </p:sp>
-      <p:sp>
-        <p:nvSpPr>
-          <p:cNvPr id="23" name="TextBox 22"/>
-          <p:cNvSpPr txBox="1"/>
-          <p:nvPr/>
-        </p:nvSpPr>
-        <p:spPr>
-          <a:xfrm>
-            <a:off x="5294712" y="3492245"/>
-            <a:ext cx="1597578" cy="276999"/>
-          </a:xfrm>
-          <a:prstGeom prst="rect">
-            <a:avLst/>
-          </a:prstGeom>
-          <a:noFill/>
-        </p:spPr>
-        <p:txBody>
-          <a:bodyPr wrap="none">
-            <a:spAutoFit/>
-          </a:bodyPr>
-          <a:lstStyle/>
-          <a:p>
-            <a:pPr lvl="0"/>
-            <a:r>
-              <a:rPr lang="ko-KR" altLang="en-US" sz="1200">
-                <a:solidFill>
-                  <a:schemeClr val="bg1"/>
-                </a:solidFill>
-              </a:rPr>
-              <a:t>책쟁이의 파워포인트</a:t>
-            </a:r>
-            <a:endParaRPr lang="ko-KR" altLang="en-US" sz="1200">
-              <a:solidFill>
-                <a:schemeClr val="bg1"/>
-              </a:solidFill>
-            </a:endParaRPr>
+            <a:pPr/>
+            <a:r>
+              <a:rPr lang="ko-KR" altLang="en-US" sz="1700"/>
+              <a:t>#9/13</a:t>
+            </a:r>
+            <a:endParaRPr lang="ko-KR" altLang="en-US" sz="1700"/>
+          </a:p>
+          <a:p>
+            <a:pPr/>
+            <a:r>
+              <a:rPr lang="ko-KR" altLang="en-US" sz="1700"/>
+              <a:t>13:00 오소 과제</a:t>
+            </a:r>
+            <a:endParaRPr lang="ko-KR" altLang="en-US" sz="1700"/>
+          </a:p>
+          <a:p>
+            <a:pPr/>
+            <a:r>
+              <a:rPr lang="ko-KR" altLang="en-US" sz="1700"/>
+              <a:t>17:00 저녁데이트</a:t>
+            </a:r>
+            <a:endParaRPr lang="ko-KR" altLang="en-US" sz="1700"/>
+          </a:p>
+          <a:p>
+            <a:pPr/>
+            <a:r>
+              <a:rPr lang="ko-KR" altLang="en-US" sz="1700"/>
+              <a:t>23:59 응통 과제</a:t>
+            </a:r>
+            <a:endParaRPr lang="ko-KR" altLang="en-US" sz="1700"/>
           </a:p>
         </p:txBody>
       </p:sp>
@@ -7019,729 +7627,6 @@
   <p:clrMapOvr>
     <a:masterClrMapping/>
   </p:clrMapOvr>
-  <p:transition xmlns:mc="http://schemas.openxmlformats.org/markup-compatibility/2006" xmlns:hp="http://schemas.haansoft.com/office/presentation/8.0" spd="slow" mc:Ignorable="hp" hp:hslDur="3000">
-    <p:fade/>
-  </p:transition>
-</p:sld>
-</file>
-
-<file path=ppt/slides/slide16.xml><?xml version="1.0" encoding="utf-8"?>
-<p:sld xmlns:r="http://schemas.openxmlformats.org/officeDocument/2006/relationships" xmlns:c="http://schemas.openxmlformats.org/drawingml/2006/chart" xmlns:a="http://schemas.openxmlformats.org/drawingml/2006/main" xmlns:dgm="http://schemas.openxmlformats.org/drawingml/2006/diagram" xmlns:dsp="http://schemas.microsoft.com/office/drawing/2008/diagram" xmlns:p="http://schemas.openxmlformats.org/presentationml/2006/main">
-  <p:cSld>
-    <p:spTree>
-      <p:nvGrpSpPr>
-        <p:cNvPr id="1" name=""/>
-        <p:cNvGrpSpPr/>
-        <p:nvPr/>
-      </p:nvGrpSpPr>
-      <p:grpSpPr>
-        <a:xfrm>
-          <a:off x="0" y="0"/>
-          <a:ext cx="0" cy="0"/>
-          <a:chOff x="0" y="0"/>
-          <a:chExt cx="0" cy="0"/>
-        </a:xfrm>
-      </p:grpSpPr>
-      <p:pic>
-        <p:nvPicPr>
-          <p:cNvPr id="23" name="그림 22" descr="실내, 노트북, 컴퓨터, 사람이(가) 표시된 사진  매우 높은 신뢰도로 생성된 설명"/>
-          <p:cNvPicPr>
-            <a:picLocks noChangeAspect="1"/>
-          </p:cNvPicPr>
-          <p:nvPr/>
-        </p:nvPicPr>
-        <p:blipFill rotWithShape="1">
-          <a:blip r:embed="rId2">
-            <a:alphaModFix/>
-            <a:grayscl/>
-            <a:lum/>
-          </a:blip>
-          <a:stretch>
-            <a:fillRect/>
-          </a:stretch>
-        </p:blipFill>
-        <p:spPr>
-          <a:xfrm>
-            <a:off x="0" y="0"/>
-            <a:ext cx="10287000" cy="6858000"/>
-          </a:xfrm>
-          <a:prstGeom prst="rect">
-            <a:avLst/>
-          </a:prstGeom>
-        </p:spPr>
-      </p:pic>
-      <p:sp>
-        <p:nvSpPr>
-          <p:cNvPr id="19" name="사다리꼴 18"/>
-          <p:cNvSpPr/>
-          <p:nvPr/>
-        </p:nvSpPr>
-        <p:spPr>
-          <a:xfrm rot="10800000">
-            <a:off x="4419597" y="0"/>
-            <a:ext cx="12504059" cy="6858000"/>
-          </a:xfrm>
-          <a:prstGeom prst="trapezoid">
-            <a:avLst>
-              <a:gd name="adj" fmla="val 36005"/>
-            </a:avLst>
-          </a:prstGeom>
-          <a:solidFill>
-            <a:schemeClr val="bg1"/>
-          </a:solidFill>
-          <a:ln>
-            <a:solidFill>
-              <a:schemeClr val="bg1"/>
-            </a:solidFill>
-          </a:ln>
-        </p:spPr>
-        <p:style>
-          <a:lnRef idx="2">
-            <a:schemeClr val="accent1">
-              <a:shade val="50000"/>
-            </a:schemeClr>
-          </a:lnRef>
-          <a:fillRef idx="1">
-            <a:schemeClr val="accent1"/>
-          </a:fillRef>
-          <a:effectRef idx="0">
-            <a:schemeClr val="accent1"/>
-          </a:effectRef>
-          <a:fontRef idx="minor">
-            <a:schemeClr val="lt1"/>
-          </a:fontRef>
-        </p:style>
-        <p:txBody>
-          <a:bodyPr anchor="ctr"/>
-          <a:lstStyle/>
-          <a:p>
-            <a:pPr algn="ctr"/>
-            <a:endParaRPr lang="ko-KR" altLang="en-US"/>
-          </a:p>
-        </p:txBody>
-      </p:sp>
-      <p:sp>
-        <p:nvSpPr>
-          <p:cNvPr id="26" name="직사각형 25"/>
-          <p:cNvSpPr/>
-          <p:nvPr/>
-        </p:nvSpPr>
-        <p:spPr>
-          <a:xfrm>
-            <a:off x="4939325" y="1396127"/>
-            <a:ext cx="2296757" cy="2296757"/>
-          </a:xfrm>
-          <a:prstGeom prst="rect">
-            <a:avLst/>
-          </a:prstGeom>
-          <a:noFill/>
-          <a:ln w="3175">
-            <a:solidFill>
-              <a:srgbClr val="f2aebb"/>
-            </a:solidFill>
-          </a:ln>
-        </p:spPr>
-        <p:style>
-          <a:lnRef idx="2">
-            <a:schemeClr val="accent1">
-              <a:shade val="50000"/>
-            </a:schemeClr>
-          </a:lnRef>
-          <a:fillRef idx="1">
-            <a:schemeClr val="accent1"/>
-          </a:fillRef>
-          <a:effectRef idx="0">
-            <a:schemeClr val="accent1"/>
-          </a:effectRef>
-          <a:fontRef idx="minor">
-            <a:schemeClr val="lt1"/>
-          </a:fontRef>
-        </p:style>
-        <p:txBody>
-          <a:bodyPr anchor="ctr"/>
-          <a:lstStyle/>
-          <a:p>
-            <a:pPr algn="ctr"/>
-            <a:endParaRPr lang="ko-KR" altLang="en-US"/>
-          </a:p>
-        </p:txBody>
-      </p:sp>
-      <p:sp>
-        <p:nvSpPr>
-          <p:cNvPr id="27" name="직사각형 26"/>
-          <p:cNvSpPr/>
-          <p:nvPr/>
-        </p:nvSpPr>
-        <p:spPr>
-          <a:xfrm>
-            <a:off x="6973294" y="1132142"/>
-            <a:ext cx="527968" cy="527969"/>
-          </a:xfrm>
-          <a:prstGeom prst="rect">
-            <a:avLst/>
-          </a:prstGeom>
-          <a:solidFill>
-            <a:srgbClr val="f2aebb"/>
-          </a:solidFill>
-          <a:ln>
-            <a:solidFill>
-              <a:srgbClr val="f2aebb"/>
-            </a:solidFill>
-          </a:ln>
-        </p:spPr>
-        <p:style>
-          <a:lnRef idx="2">
-            <a:schemeClr val="accent1">
-              <a:shade val="50000"/>
-            </a:schemeClr>
-          </a:lnRef>
-          <a:fillRef idx="1">
-            <a:schemeClr val="accent1"/>
-          </a:fillRef>
-          <a:effectRef idx="0">
-            <a:schemeClr val="accent1"/>
-          </a:effectRef>
-          <a:fontRef idx="minor">
-            <a:schemeClr val="lt1"/>
-          </a:fontRef>
-        </p:style>
-        <p:txBody>
-          <a:bodyPr anchor="ctr"/>
-          <a:lstStyle/>
-          <a:p>
-            <a:pPr algn="ctr"/>
-            <a:endParaRPr lang="ko-KR" altLang="en-US"/>
-          </a:p>
-        </p:txBody>
-      </p:sp>
-      <p:sp>
-        <p:nvSpPr>
-          <p:cNvPr id="28" name="직사각형 27"/>
-          <p:cNvSpPr/>
-          <p:nvPr/>
-        </p:nvSpPr>
-        <p:spPr>
-          <a:xfrm>
-            <a:off x="9633585" y="1660834"/>
-            <a:ext cx="1964055" cy="1004261"/>
-          </a:xfrm>
-          <a:prstGeom prst="rect">
-            <a:avLst/>
-          </a:prstGeom>
-          <a:noFill/>
-        </p:spPr>
-        <p:txBody>
-          <a:bodyPr wrap="none">
-            <a:spAutoFit/>
-          </a:bodyPr>
-          <a:lstStyle/>
-          <a:p>
-            <a:pPr algn="ctr"/>
-            <a:r>
-              <a:rPr lang="en-US" altLang="ko-KR" sz="6000"/>
-              <a:t>Point</a:t>
-            </a:r>
-            <a:endParaRPr lang="ko-KR" altLang="en-US" sz="6000"/>
-          </a:p>
-        </p:txBody>
-      </p:sp>
-      <p:sp>
-        <p:nvSpPr>
-          <p:cNvPr id="29" name="TextBox 28"/>
-          <p:cNvSpPr txBox="1"/>
-          <p:nvPr/>
-        </p:nvSpPr>
-        <p:spPr>
-          <a:xfrm>
-            <a:off x="7420800" y="1660834"/>
-            <a:ext cx="2301016" cy="1004261"/>
-          </a:xfrm>
-          <a:prstGeom prst="rect">
-            <a:avLst/>
-          </a:prstGeom>
-          <a:noFill/>
-        </p:spPr>
-        <p:txBody>
-          <a:bodyPr wrap="none">
-            <a:spAutoFit/>
-          </a:bodyPr>
-          <a:lstStyle/>
-          <a:p>
-            <a:pPr algn="ctr"/>
-            <a:r>
-              <a:rPr lang="en-US" altLang="ko-KR" sz="6000"/>
-              <a:t>Power</a:t>
-            </a:r>
-            <a:endParaRPr lang="ko-KR" altLang="en-US" sz="6000"/>
-          </a:p>
-        </p:txBody>
-      </p:sp>
-      <p:sp>
-        <p:nvSpPr>
-          <p:cNvPr id="30" name="TextBox 29"/>
-          <p:cNvSpPr txBox="1"/>
-          <p:nvPr/>
-        </p:nvSpPr>
-        <p:spPr>
-          <a:xfrm>
-            <a:off x="8030734" y="1774339"/>
-            <a:ext cx="1595230" cy="276999"/>
-          </a:xfrm>
-          <a:prstGeom prst="rect">
-            <a:avLst/>
-          </a:prstGeom>
-          <a:noFill/>
-        </p:spPr>
-        <p:txBody>
-          <a:bodyPr wrap="none">
-            <a:spAutoFit/>
-          </a:bodyPr>
-          <a:lstStyle/>
-          <a:p>
-            <a:pPr lvl="0"/>
-            <a:r>
-              <a:rPr lang="ko-KR" altLang="en-US" sz="1200"/>
-              <a:t>책쟁이의 파워포인트</a:t>
-            </a:r>
-            <a:endParaRPr lang="ko-KR" altLang="en-US" sz="1200"/>
-          </a:p>
-        </p:txBody>
-      </p:sp>
-      <p:sp>
-        <p:nvSpPr>
-          <p:cNvPr id="36" name="TextBox 35"/>
-          <p:cNvSpPr txBox="1"/>
-          <p:nvPr/>
-        </p:nvSpPr>
-        <p:spPr>
-          <a:xfrm>
-            <a:off x="7090410" y="2790002"/>
-            <a:ext cx="3975055" cy="294193"/>
-          </a:xfrm>
-          <a:prstGeom prst="rect">
-            <a:avLst/>
-          </a:prstGeom>
-          <a:noFill/>
-        </p:spPr>
-        <p:txBody>
-          <a:bodyPr wrap="none">
-            <a:spAutoFit/>
-          </a:bodyPr>
-          <a:lstStyle/>
-          <a:p>
-            <a:pPr algn="r"/>
-            <a:r>
-              <a:rPr lang="ko-KR" altLang="en-US" sz="1400"/>
-              <a:t>이곳에는 본문의 내용을 길게 적어주시면 되요</a:t>
-            </a:r>
-            <a:r>
-              <a:rPr lang="en-US" altLang="ko-KR" sz="1400"/>
-              <a:t>. </a:t>
-            </a:r>
-            <a:endParaRPr lang="en-US" altLang="ko-KR" sz="1400"/>
-          </a:p>
-        </p:txBody>
-      </p:sp>
-      <p:sp>
-        <p:nvSpPr>
-          <p:cNvPr id="37" name="TextBox 36"/>
-          <p:cNvSpPr txBox="1"/>
-          <p:nvPr/>
-        </p:nvSpPr>
-        <p:spPr>
-          <a:xfrm>
-            <a:off x="7090410" y="3121222"/>
-            <a:ext cx="3975054" cy="296348"/>
-          </a:xfrm>
-          <a:prstGeom prst="rect">
-            <a:avLst/>
-          </a:prstGeom>
-          <a:noFill/>
-        </p:spPr>
-        <p:txBody>
-          <a:bodyPr wrap="none">
-            <a:spAutoFit/>
-          </a:bodyPr>
-          <a:lstStyle/>
-          <a:p>
-            <a:pPr algn="r"/>
-            <a:r>
-              <a:rPr lang="ko-KR" altLang="en-US" sz="1400"/>
-              <a:t>이곳에는 본문의 내용을 길게 적어주시면 되요</a:t>
-            </a:r>
-            <a:r>
-              <a:rPr lang="en-US" altLang="ko-KR" sz="1400"/>
-              <a:t>. </a:t>
-            </a:r>
-            <a:endParaRPr lang="en-US" altLang="ko-KR" sz="1400"/>
-          </a:p>
-        </p:txBody>
-      </p:sp>
-      <p:sp>
-        <p:nvSpPr>
-          <p:cNvPr id="38" name="TextBox 37"/>
-          <p:cNvSpPr txBox="1"/>
-          <p:nvPr/>
-        </p:nvSpPr>
-        <p:spPr>
-          <a:xfrm>
-            <a:off x="7090410" y="3452442"/>
-            <a:ext cx="3975053" cy="307777"/>
-          </a:xfrm>
-          <a:prstGeom prst="rect">
-            <a:avLst/>
-          </a:prstGeom>
-          <a:noFill/>
-        </p:spPr>
-        <p:txBody>
-          <a:bodyPr wrap="none">
-            <a:spAutoFit/>
-          </a:bodyPr>
-          <a:lstStyle/>
-          <a:p>
-            <a:pPr algn="r"/>
-            <a:r>
-              <a:rPr lang="ko-KR" altLang="en-US" sz="1400"/>
-              <a:t>이곳에는 본문의 내용을 길게 적어주시면 되요</a:t>
-            </a:r>
-            <a:r>
-              <a:rPr lang="en-US" altLang="ko-KR" sz="1400"/>
-              <a:t>. </a:t>
-            </a:r>
-            <a:endParaRPr lang="en-US" altLang="ko-KR" sz="1400"/>
-          </a:p>
-        </p:txBody>
-      </p:sp>
-    </p:spTree>
-  </p:cSld>
-  <p:clrMapOvr>
-    <a:masterClrMapping/>
-  </p:clrMapOvr>
-  <p:transition xmlns:mc="http://schemas.openxmlformats.org/markup-compatibility/2006" xmlns:hp="http://schemas.haansoft.com/office/presentation/8.0" spd="slow" mc:Ignorable="hp" hp:hslDur="3000">
-    <p:fade/>
-  </p:transition>
-</p:sld>
-</file>
-
-<file path=ppt/slides/slide17.xml><?xml version="1.0" encoding="utf-8"?>
-<p:sld xmlns:r="http://schemas.openxmlformats.org/officeDocument/2006/relationships" xmlns:c="http://schemas.openxmlformats.org/drawingml/2006/chart" xmlns:a="http://schemas.openxmlformats.org/drawingml/2006/main" xmlns:dgm="http://schemas.openxmlformats.org/drawingml/2006/diagram" xmlns:dsp="http://schemas.microsoft.com/office/drawing/2008/diagram" xmlns:p="http://schemas.openxmlformats.org/presentationml/2006/main">
-  <p:cSld>
-    <p:spTree>
-      <p:nvGrpSpPr>
-        <p:cNvPr id="1" name=""/>
-        <p:cNvGrpSpPr/>
-        <p:nvPr/>
-      </p:nvGrpSpPr>
-      <p:grpSpPr>
-        <a:xfrm>
-          <a:off x="0" y="0"/>
-          <a:ext cx="0" cy="0"/>
-          <a:chOff x="0" y="0"/>
-          <a:chExt cx="0" cy="0"/>
-        </a:xfrm>
-      </p:grpSpPr>
-      <p:sp>
-        <p:nvSpPr>
-          <p:cNvPr id="137" name="TextBox 136"/>
-          <p:cNvSpPr txBox="1"/>
-          <p:nvPr/>
-        </p:nvSpPr>
-        <p:spPr>
-          <a:xfrm>
-            <a:off x="4832985" y="1518024"/>
-            <a:ext cx="2249805" cy="523220"/>
-          </a:xfrm>
-          <a:prstGeom prst="rect">
-            <a:avLst/>
-          </a:prstGeom>
-          <a:noFill/>
-        </p:spPr>
-        <p:txBody>
-          <a:bodyPr wrap="none">
-            <a:spAutoFit/>
-          </a:bodyPr>
-          <a:lstStyle/>
-          <a:p>
-            <a:pPr algn="ctr"/>
-            <a:r>
-              <a:rPr lang="ko-KR" altLang="en-US" sz="2800"/>
-              <a:t>1. 기획  의도</a:t>
-            </a:r>
-            <a:endParaRPr lang="ko-KR" altLang="en-US" sz="2800"/>
-          </a:p>
-        </p:txBody>
-      </p:sp>
-      <p:sp>
-        <p:nvSpPr>
-          <p:cNvPr id="139" name="직사각형 138"/>
-          <p:cNvSpPr/>
-          <p:nvPr/>
-        </p:nvSpPr>
-        <p:spPr>
-          <a:xfrm>
-            <a:off x="4218918" y="1478588"/>
-            <a:ext cx="3443571" cy="602092"/>
-          </a:xfrm>
-          <a:prstGeom prst="rect">
-            <a:avLst/>
-          </a:prstGeom>
-          <a:noFill/>
-          <a:ln w="3175">
-            <a:solidFill>
-              <a:srgbClr val="f2aebb"/>
-            </a:solidFill>
-          </a:ln>
-        </p:spPr>
-        <p:style>
-          <a:lnRef idx="2">
-            <a:schemeClr val="accent1">
-              <a:shade val="50000"/>
-            </a:schemeClr>
-          </a:lnRef>
-          <a:fillRef idx="1">
-            <a:schemeClr val="accent1"/>
-          </a:fillRef>
-          <a:effectRef idx="0">
-            <a:schemeClr val="accent1"/>
-          </a:effectRef>
-          <a:fontRef idx="minor">
-            <a:schemeClr val="lt1"/>
-          </a:fontRef>
-        </p:style>
-        <p:txBody>
-          <a:bodyPr anchor="ctr"/>
-          <a:lstStyle/>
-          <a:p>
-            <a:pPr algn="ctr"/>
-            <a:endParaRPr lang="ko-KR" altLang="en-US" sz="1600">
-              <a:solidFill>
-                <a:schemeClr val="tx1"/>
-              </a:solidFill>
-            </a:endParaRPr>
-          </a:p>
-        </p:txBody>
-      </p:sp>
-      <p:sp>
-        <p:nvSpPr>
-          <p:cNvPr id="140" name="직사각형 139"/>
-          <p:cNvSpPr/>
-          <p:nvPr/>
-        </p:nvSpPr>
-        <p:spPr>
-          <a:xfrm>
-            <a:off x="7206662" y="2025301"/>
-            <a:ext cx="210865" cy="210865"/>
-          </a:xfrm>
-          <a:prstGeom prst="rect">
-            <a:avLst/>
-          </a:prstGeom>
-          <a:solidFill>
-            <a:srgbClr val="f2aebb"/>
-          </a:solidFill>
-          <a:ln>
-            <a:solidFill>
-              <a:srgbClr val="f2aebb"/>
-            </a:solidFill>
-          </a:ln>
-        </p:spPr>
-        <p:style>
-          <a:lnRef idx="2">
-            <a:schemeClr val="accent1">
-              <a:shade val="50000"/>
-            </a:schemeClr>
-          </a:lnRef>
-          <a:fillRef idx="1">
-            <a:schemeClr val="accent1"/>
-          </a:fillRef>
-          <a:effectRef idx="0">
-            <a:schemeClr val="accent1"/>
-          </a:effectRef>
-          <a:fontRef idx="minor">
-            <a:schemeClr val="lt1"/>
-          </a:fontRef>
-        </p:style>
-        <p:txBody>
-          <a:bodyPr anchor="ctr"/>
-          <a:lstStyle/>
-          <a:p>
-            <a:pPr algn="ctr"/>
-            <a:endParaRPr lang="ko-KR" altLang="en-US" sz="1600"/>
-          </a:p>
-        </p:txBody>
-      </p:sp>
-      <p:sp>
-        <p:nvSpPr>
-          <p:cNvPr id="141" name="TextBox 140"/>
-          <p:cNvSpPr txBox="1"/>
-          <p:nvPr/>
-        </p:nvSpPr>
-        <p:spPr>
-          <a:xfrm>
-            <a:off x="5966460" y="2948223"/>
-            <a:ext cx="249555" cy="297897"/>
-          </a:xfrm>
-          <a:prstGeom prst="rect">
-            <a:avLst/>
-          </a:prstGeom>
-          <a:noFill/>
-        </p:spPr>
-        <p:txBody>
-          <a:bodyPr wrap="none">
-            <a:spAutoFit/>
-          </a:bodyPr>
-          <a:lstStyle/>
-          <a:p>
-            <a:pPr algn="ctr"/>
-            <a:endParaRPr lang="ko-KR" altLang="en-US" sz="1400"/>
-          </a:p>
-        </p:txBody>
-      </p:sp>
-      <p:sp>
-        <p:nvSpPr>
-          <p:cNvPr id="132" name="직사각형 131"/>
-          <p:cNvSpPr/>
-          <p:nvPr/>
-        </p:nvSpPr>
-        <p:spPr>
-          <a:xfrm>
-            <a:off x="1715642" y="2582876"/>
-            <a:ext cx="9975364" cy="3168318"/>
-          </a:xfrm>
-          <a:prstGeom prst="rect">
-            <a:avLst/>
-          </a:prstGeom>
-        </p:spPr>
-        <p:txBody>
-          <a:bodyPr wrap="square">
-            <a:spAutoFit/>
-          </a:bodyPr>
-          <a:lstStyle/>
-          <a:p>
-            <a:pPr lvl="0"/>
-            <a:r>
-              <a:rPr lang="ko-KR" altLang="en-US" sz="2000" b="1"/>
-              <a:t> 날씨</a:t>
-            </a:r>
-            <a:endParaRPr lang="ko-KR" altLang="en-US" sz="2000" b="1"/>
-          </a:p>
-          <a:p>
-            <a:pPr lvl="0"/>
-            <a:r>
-              <a:rPr lang="ko-KR" altLang="en-US" sz="1700"/>
-              <a:t>    - 대자연과 함께하는 학교 날씨는 항상..</a:t>
-            </a:r>
-            <a:endParaRPr lang="ko-KR" altLang="en-US" sz="1700"/>
-          </a:p>
-          <a:p>
-            <a:pPr lvl="0"/>
-            <a:r>
-              <a:rPr lang="ko-KR" altLang="en-US" sz="2000" b="1">
-                <a:solidFill>
-                  <a:schemeClr val="tx1"/>
-                </a:solidFill>
-              </a:rPr>
-              <a:t> 학식</a:t>
-            </a:r>
-            <a:endParaRPr lang="ko-KR" altLang="en-US" sz="2000" b="1">
-              <a:solidFill>
-                <a:schemeClr val="tx1"/>
-              </a:solidFill>
-            </a:endParaRPr>
-          </a:p>
-          <a:p>
-            <a:pPr lvl="0"/>
-            <a:r>
-              <a:rPr lang="ko-KR" altLang="en-US" sz="1700"/>
-              <a:t>    - 밥은 항상 중요합니다.</a:t>
-            </a:r>
-            <a:endParaRPr lang="ko-KR" altLang="en-US" sz="1700"/>
-          </a:p>
-          <a:p>
-            <a:pPr lvl="0"/>
-            <a:r>
-              <a:rPr lang="ko-KR" altLang="en-US" sz="2000" b="1">
-                <a:solidFill>
-                  <a:schemeClr val="tx1"/>
-                </a:solidFill>
-              </a:rPr>
-              <a:t> 교내 지도</a:t>
-            </a:r>
-            <a:endParaRPr lang="ko-KR" altLang="en-US" sz="2000" b="1">
-              <a:solidFill>
-                <a:schemeClr val="tx1"/>
-              </a:solidFill>
-            </a:endParaRPr>
-          </a:p>
-          <a:p>
-            <a:pPr lvl="0"/>
-            <a:r>
-              <a:rPr lang="ko-KR" altLang="en-US" sz="1700"/>
-              <a:t>    - 가뜩이나 미로같은 학교 어디가 어디야...</a:t>
-            </a:r>
-            <a:endParaRPr lang="ko-KR" altLang="en-US" sz="1700"/>
-          </a:p>
-          <a:p>
-            <a:pPr lvl="0"/>
-            <a:r>
-              <a:rPr lang="ko-KR" altLang="en-US" sz="2000" b="1">
-                <a:solidFill>
-                  <a:schemeClr val="tx1"/>
-                </a:solidFill>
-              </a:rPr>
-              <a:t> 도서관 좌석</a:t>
-            </a:r>
-            <a:endParaRPr lang="ko-KR" altLang="en-US" sz="2000" b="1">
-              <a:solidFill>
-                <a:schemeClr val="tx1"/>
-              </a:solidFill>
-            </a:endParaRPr>
-          </a:p>
-          <a:p>
-            <a:pPr lvl="0"/>
-            <a:r>
-              <a:rPr lang="ko-KR" altLang="en-US" sz="1700"/>
-              <a:t>    - 나는 공부를 하고싶다! 근데 자리가 있나?...</a:t>
-            </a:r>
-            <a:endParaRPr lang="ko-KR" altLang="en-US" sz="1700"/>
-          </a:p>
-          <a:p>
-            <a:pPr lvl="0"/>
-            <a:r>
-              <a:rPr lang="ko-KR" altLang="en-US" sz="2000" b="1">
-                <a:solidFill>
-                  <a:schemeClr val="tx1"/>
-                </a:solidFill>
-              </a:rPr>
-              <a:t> 프린트 위치 + 전산실</a:t>
-            </a:r>
-            <a:endParaRPr lang="ko-KR" altLang="en-US" sz="2000" b="1">
-              <a:solidFill>
-                <a:schemeClr val="tx1"/>
-              </a:solidFill>
-            </a:endParaRPr>
-          </a:p>
-          <a:p>
-            <a:pPr lvl="0"/>
-            <a:r>
-              <a:rPr lang="ko-KR" altLang="en-US" sz="1700"/>
-              <a:t>    - 우리집에는 프린트가 없다!</a:t>
-            </a:r>
-            <a:endParaRPr lang="ko-KR" altLang="en-US" sz="1700"/>
-          </a:p>
-          <a:p>
-            <a:pPr lvl="0"/>
-            <a:endParaRPr lang="ko-KR" altLang="en-US" sz="1700"/>
-          </a:p>
-        </p:txBody>
-      </p:sp>
-    </p:spTree>
-  </p:cSld>
-  <p:clrMapOvr>
-    <a:masterClrMapping/>
-  </p:clrMapOvr>
-  <p:transition xmlns:mc="http://schemas.openxmlformats.org/markup-compatibility/2006" xmlns:hp="http://schemas.haansoft.com/office/presentation/8.0" spd="slow" mc:Ignorable="hp" hp:hslDur="3000">
-    <p:fade/>
-  </p:transition>
 </p:sld>
 </file>
 
@@ -9334,7 +9219,7 @@
         </p:nvGrpSpPr>
         <p:grpSpPr>
           <a:xfrm rot="0">
-            <a:off x="7856706" y="1530095"/>
+            <a:off x="7856705" y="1530095"/>
             <a:ext cx="2561937" cy="2595334"/>
             <a:chOff x="4884906" y="3492245"/>
             <a:chExt cx="2561937" cy="2595334"/>
@@ -9503,8 +9388,28 @@
             <a:bodyPr anchor="ctr"/>
             <a:lstStyle/>
             <a:p>
-              <a:pPr algn="ctr"/>
-              <a:endParaRPr lang="ko-KR" altLang="en-US"/>
+              <a:pPr algn="ctr">
+                <a:lnSpc>
+                  <a:spcPct val="120000"/>
+                </a:lnSpc>
+              </a:pPr>
+              <a:r>
+                <a:rPr lang="ko-KR" altLang="en-US" sz="5000"/>
+                <a:t>기획</a:t>
+              </a:r>
+              <a:endParaRPr lang="ko-KR" altLang="en-US" sz="5000"/>
+            </a:p>
+            <a:p>
+              <a:pPr algn="ctr">
+                <a:lnSpc>
+                  <a:spcPct val="120000"/>
+                </a:lnSpc>
+              </a:pPr>
+              <a:r>
+                <a:rPr lang="ko-KR" altLang="en-US" sz="5000"/>
+                <a:t>의도</a:t>
+              </a:r>
+              <a:endParaRPr lang="ko-KR" altLang="en-US" sz="5000"/>
             </a:p>
           </p:txBody>
         </p:sp>
@@ -9564,8 +9469,8 @@
           </p:nvSpPr>
           <p:spPr>
             <a:xfrm>
-              <a:off x="5056250" y="4957043"/>
-              <a:ext cx="1959864" cy="1003702"/>
+              <a:off x="5804535" y="4957043"/>
+              <a:ext cx="449580" cy="1003702"/>
             </a:xfrm>
             <a:prstGeom prst="rect">
               <a:avLst/>
@@ -9579,15 +9484,7 @@
             <a:lstStyle/>
             <a:p>
               <a:pPr algn="ctr"/>
-              <a:r>
-                <a:rPr lang="en-US" altLang="ko-KR" sz="6000">
-                  <a:solidFill>
-                    <a:schemeClr val="bg1"/>
-                  </a:solidFill>
-                </a:rPr>
-                <a:t>Point</a:t>
-              </a:r>
-              <a:endParaRPr lang="ko-KR" altLang="en-US" sz="6000">
+              <a:endParaRPr lang="en-US" altLang="ko-KR" sz="6000">
                 <a:solidFill>
                   <a:schemeClr val="bg1"/>
                 </a:solidFill>
@@ -9603,8 +9500,8 @@
           </p:nvSpPr>
           <p:spPr>
             <a:xfrm>
-              <a:off x="4913292" y="4116151"/>
-              <a:ext cx="2302848" cy="996869"/>
+              <a:off x="5833110" y="4116151"/>
+              <a:ext cx="449580" cy="996869"/>
             </a:xfrm>
             <a:prstGeom prst="rect">
               <a:avLst/>
@@ -9618,17 +9515,9 @@
             <a:lstStyle/>
             <a:p>
               <a:pPr algn="ctr"/>
-              <a:r>
-                <a:rPr lang="en-US" altLang="ko-KR" sz="6000">
-                  <a:solidFill>
-                    <a:schemeClr val="bg1"/>
-                  </a:solidFill>
-                </a:rPr>
-                <a:t>Power</a:t>
-              </a:r>
-              <a:endParaRPr lang="ko-KR" altLang="en-US" sz="6000">
+              <a:endParaRPr lang="en-US" altLang="ko-KR" sz="6000">
                 <a:solidFill>
-                  <a:srgbClr val="e0d6d4"/>
+                  <a:schemeClr val="bg1"/>
                 </a:solidFill>
               </a:endParaRPr>
             </a:p>
@@ -9643,7 +9532,7 @@
           <p:spPr>
             <a:xfrm>
               <a:off x="5294710" y="3492245"/>
-              <a:ext cx="1597580" cy="276999"/>
+              <a:ext cx="235505" cy="276999"/>
             </a:xfrm>
             <a:prstGeom prst="rect">
               <a:avLst/>
@@ -9657,14 +9546,6 @@
             <a:lstStyle/>
             <a:p>
               <a:pPr lvl="0"/>
-              <a:r>
-                <a:rPr lang="ko-KR" altLang="en-US" sz="1200">
-                  <a:solidFill>
-                    <a:schemeClr val="bg1"/>
-                  </a:solidFill>
-                </a:rPr>
-                <a:t>책쟁이의 파워포인트</a:t>
-              </a:r>
               <a:endParaRPr lang="ko-KR" altLang="en-US" sz="1200">
                 <a:solidFill>
                   <a:schemeClr val="bg1"/>
@@ -9703,172 +9584,281 @@
       </p:sp>
       <p:sp>
         <p:nvSpPr>
-          <p:cNvPr id="18" name="TextBox 17"/>
-          <p:cNvSpPr txBox="1"/>
-          <p:nvPr/>
-        </p:nvSpPr>
-        <p:spPr>
-          <a:xfrm>
-            <a:off x="666510" y="830665"/>
-            <a:ext cx="6363029" cy="5206280"/>
+          <p:cNvPr id="41" name="직사각형 40"/>
+          <p:cNvSpPr/>
+          <p:nvPr/>
+        </p:nvSpPr>
+        <p:spPr>
+          <a:xfrm>
+            <a:off x="1213200" y="172800"/>
+            <a:ext cx="1144800" cy="316800"/>
           </a:xfrm>
           <a:prstGeom prst="rect">
             <a:avLst/>
           </a:prstGeom>
+          <a:solidFill>
+            <a:schemeClr val="bg1"/>
+          </a:solidFill>
+          <a:ln>
+            <a:noFill/>
+          </a:ln>
+        </p:spPr>
+        <p:style>
+          <a:lnRef idx="2">
+            <a:schemeClr val="accent1">
+              <a:shade val="20000"/>
+            </a:schemeClr>
+          </a:lnRef>
+          <a:fillRef idx="1">
+            <a:schemeClr val="accent1"/>
+          </a:fillRef>
+          <a:effectRef idx="0">
+            <a:schemeClr val="accent1"/>
+          </a:effectRef>
+          <a:fontRef idx="minor">
+            <a:schemeClr val="lt1"/>
+          </a:fontRef>
+        </p:style>
+      </p:sp>
+      <p:sp>
+        <p:nvSpPr>
+          <p:cNvPr id="48" name="직사각형 47"/>
+          <p:cNvSpPr/>
+          <p:nvPr/>
+        </p:nvSpPr>
+        <p:spPr>
+          <a:xfrm>
+            <a:off x="324036" y="432048"/>
+            <a:ext cx="6594184" cy="5962934"/>
+          </a:xfrm>
+          <a:prstGeom prst="rect">
+            <a:avLst/>
+          </a:prstGeom>
           <a:noFill/>
-        </p:spPr>
-        <p:txBody>
-          <a:bodyPr wrap="square">
-            <a:spAutoFit/>
-          </a:bodyPr>
-          <a:lstStyle/>
-          <a:p>
-            <a:pPr lvl="0"/>
-            <a:r>
-              <a:rPr lang="ko-KR" altLang="en-US" sz="2000" b="1"/>
-              <a:t>1. 날씨</a:t>
-            </a:r>
-            <a:endParaRPr lang="ko-KR" altLang="en-US" sz="2000" b="1"/>
-          </a:p>
-          <a:p>
-            <a:pPr lvl="0"/>
-            <a:r>
-              <a:rPr lang="ko-KR" altLang="en-US" sz="1700"/>
-              <a:t>    - 대자연과 함께하는 학교!!! 날씨는 항상..</a:t>
-            </a:r>
-            <a:endParaRPr lang="ko-KR" altLang="en-US" sz="1700"/>
-          </a:p>
-          <a:p>
-            <a:pPr lvl="0"/>
-            <a:endParaRPr lang="ko-KR" altLang="en-US" sz="1700"/>
-          </a:p>
-          <a:p>
-            <a:pPr lvl="0"/>
-            <a:endParaRPr lang="ko-KR" altLang="en-US" sz="1700"/>
-          </a:p>
-          <a:p>
-            <a:pPr lvl="0"/>
-            <a:r>
-              <a:rPr lang="ko-KR" altLang="en-US" sz="2000" b="1">
+          <a:ln w="63500">
+            <a:solidFill>
+              <a:srgbClr val="f2aebb"/>
+            </a:solidFill>
+          </a:ln>
+        </p:spPr>
+        <p:style>
+          <a:lnRef idx="2">
+            <a:schemeClr val="accent1">
+              <a:shade val="20000"/>
+            </a:schemeClr>
+          </a:lnRef>
+          <a:fillRef idx="1">
+            <a:schemeClr val="accent1"/>
+          </a:fillRef>
+          <a:effectRef idx="0">
+            <a:schemeClr val="accent1"/>
+          </a:effectRef>
+          <a:fontRef idx="minor">
+            <a:schemeClr val="lt1"/>
+          </a:fontRef>
+        </p:style>
+        <p:txBody>
+          <a:bodyPr anchor="ctr"/>
+          <a:p>
+            <a:pPr/>
+            <a:r>
+              <a:rPr lang="ko-KR" altLang="en-US" sz="2100">
                 <a:solidFill>
                   <a:schemeClr val="tx1"/>
                 </a:solidFill>
               </a:rPr>
-              <a:t>2.  학식</a:t>
-            </a:r>
-            <a:endParaRPr lang="ko-KR" altLang="en-US" sz="2000" b="1">
+              <a:t> 학교생활에 필요한 여러가지 정보들</a:t>
+            </a:r>
+            <a:endParaRPr lang="ko-KR" altLang="en-US" sz="2100">
               <a:solidFill>
                 <a:schemeClr val="tx1"/>
               </a:solidFill>
             </a:endParaRPr>
           </a:p>
           <a:p>
-            <a:pPr lvl="0"/>
-            <a:r>
-              <a:rPr lang="ko-KR" altLang="en-US" sz="1700"/>
-              <a:t>    - 밥은 항상 중요합니다.</a:t>
-            </a:r>
-            <a:endParaRPr lang="ko-KR" altLang="en-US" sz="1700"/>
-          </a:p>
-          <a:p>
-            <a:pPr lvl="0"/>
-            <a:endParaRPr lang="ko-KR" altLang="en-US" sz="1700"/>
-          </a:p>
-          <a:p>
-            <a:pPr lvl="0"/>
-            <a:endParaRPr lang="ko-KR" altLang="en-US" sz="1700"/>
-          </a:p>
-          <a:p>
-            <a:pPr lvl="0"/>
-            <a:r>
-              <a:rPr lang="ko-KR" altLang="en-US" sz="2000" b="1">
+            <a:pPr/>
+            <a:endParaRPr lang="ko-KR" altLang="en-US" sz="2100">
+              <a:solidFill>
+                <a:schemeClr val="tx1"/>
+              </a:solidFill>
+            </a:endParaRPr>
+          </a:p>
+          <a:p>
+            <a:pPr/>
+            <a:r>
+              <a:rPr lang="ko-KR" altLang="en-US" sz="2100">
                 <a:solidFill>
                   <a:schemeClr val="tx1"/>
                 </a:solidFill>
               </a:rPr>
-              <a:t>3.  교내 지도</a:t>
-            </a:r>
-            <a:endParaRPr lang="ko-KR" altLang="en-US" sz="2000" b="1">
+              <a:t>- 알고 싶은 정보</a:t>
+            </a:r>
+            <a:endParaRPr lang="ko-KR" altLang="en-US" sz="2100">
               <a:solidFill>
                 <a:schemeClr val="tx1"/>
               </a:solidFill>
             </a:endParaRPr>
           </a:p>
           <a:p>
-            <a:pPr lvl="0"/>
-            <a:r>
-              <a:rPr lang="ko-KR" altLang="en-US" sz="1700"/>
-              <a:t>    - 가뜩이나 미로같은 학교 어디가 어디야...</a:t>
-            </a:r>
-            <a:endParaRPr lang="ko-KR" altLang="en-US" sz="1700"/>
-          </a:p>
-          <a:p>
-            <a:pPr lvl="0"/>
-            <a:endParaRPr lang="ko-KR" altLang="en-US" sz="1700"/>
-          </a:p>
-          <a:p>
-            <a:pPr lvl="0"/>
-            <a:endParaRPr lang="ko-KR" altLang="en-US" sz="1700"/>
-          </a:p>
-          <a:p>
-            <a:pPr lvl="0"/>
-            <a:r>
-              <a:rPr lang="ko-KR" altLang="en-US" sz="2000" b="1">
+            <a:pPr/>
+            <a:r>
+              <a:rPr lang="ko-KR" altLang="en-US" sz="1900">
                 <a:solidFill>
                   <a:schemeClr val="tx1"/>
                 </a:solidFill>
               </a:rPr>
-              <a:t>4.  도서관 좌석</a:t>
-            </a:r>
-            <a:endParaRPr lang="ko-KR" altLang="en-US" sz="2000" b="1">
+              <a:t>   학식,  날씨, 도서관의 열람실 자리 여부, 프린터의 위치     등등</a:t>
+            </a:r>
+            <a:endParaRPr lang="ko-KR" altLang="en-US" sz="1900">
               <a:solidFill>
                 <a:schemeClr val="tx1"/>
               </a:solidFill>
             </a:endParaRPr>
           </a:p>
           <a:p>
-            <a:pPr lvl="0"/>
-            <a:r>
-              <a:rPr lang="ko-KR" altLang="en-US" sz="1700"/>
-              <a:t>    - 나는 공부를 하고 싶다! 근데 자리가 있나?...</a:t>
-            </a:r>
-            <a:endParaRPr lang="ko-KR" altLang="en-US" sz="1700"/>
-          </a:p>
-          <a:p>
-            <a:pPr lvl="0"/>
-            <a:endParaRPr lang="ko-KR" altLang="en-US" sz="1700"/>
-          </a:p>
-          <a:p>
-            <a:pPr lvl="0"/>
-            <a:endParaRPr lang="ko-KR" altLang="en-US" sz="1700"/>
-          </a:p>
-          <a:p>
-            <a:pPr lvl="0"/>
-            <a:r>
-              <a:rPr lang="ko-KR" altLang="en-US" sz="2000" b="1">
+            <a:pPr/>
+            <a:endParaRPr lang="ko-KR" altLang="en-US" sz="2100">
+              <a:solidFill>
+                <a:schemeClr val="tx1"/>
+              </a:solidFill>
+            </a:endParaRPr>
+          </a:p>
+          <a:p>
+            <a:pPr/>
+            <a:r>
+              <a:rPr lang="ko-KR" altLang="en-US" sz="2100">
                 <a:solidFill>
                   <a:schemeClr val="tx1"/>
                 </a:solidFill>
               </a:rPr>
-              <a:t>5.  프린트 위치 + 전산실</a:t>
-            </a:r>
-            <a:endParaRPr lang="ko-KR" altLang="en-US" sz="2000" b="1">
+              <a:t>- 알아야 하는 정보</a:t>
+            </a:r>
+            <a:endParaRPr lang="ko-KR" altLang="en-US" sz="2100">
               <a:solidFill>
                 <a:schemeClr val="tx1"/>
               </a:solidFill>
             </a:endParaRPr>
           </a:p>
           <a:p>
-            <a:pPr lvl="0"/>
-            <a:r>
-              <a:rPr lang="ko-KR" altLang="en-US" sz="1700"/>
-              <a:t>    - 우리집에는 프린트가 없다!</a:t>
-            </a:r>
-            <a:endParaRPr lang="ko-KR" altLang="en-US" sz="1700"/>
-          </a:p>
-          <a:p>
-            <a:pPr lvl="0"/>
-            <a:endParaRPr lang="ko-KR" altLang="en-US" sz="1400"/>
+            <a:pPr/>
+            <a:r>
+              <a:rPr lang="ko-KR" altLang="en-US" sz="1900">
+                <a:solidFill>
+                  <a:schemeClr val="tx1"/>
+                </a:solidFill>
+              </a:rPr>
+              <a:t>   과제, 시험 일정 및 범위, 휴강 및 보강 등등 메모해야하는 것</a:t>
+            </a:r>
+            <a:endParaRPr lang="ko-KR" altLang="en-US" sz="1900">
+              <a:solidFill>
+                <a:schemeClr val="tx1"/>
+              </a:solidFill>
+            </a:endParaRPr>
+          </a:p>
+          <a:p>
+            <a:pPr/>
+            <a:endParaRPr lang="ko-KR" altLang="en-US" sz="2100">
+              <a:solidFill>
+                <a:schemeClr val="tx1"/>
+              </a:solidFill>
+            </a:endParaRPr>
+          </a:p>
+          <a:p>
+            <a:pPr/>
+            <a:endParaRPr lang="ko-KR" altLang="en-US" sz="2100">
+              <a:solidFill>
+                <a:schemeClr val="tx1"/>
+              </a:solidFill>
+            </a:endParaRPr>
+          </a:p>
+          <a:p>
+            <a:pPr/>
+            <a:r>
+              <a:rPr lang="ko-KR" altLang="en-US" sz="2100">
+                <a:solidFill>
+                  <a:schemeClr val="tx1"/>
+                </a:solidFill>
+              </a:rPr>
+              <a:t> 정보들이 잘 정리되어 있는 어플들은 많다. </a:t>
+            </a:r>
+            <a:endParaRPr lang="ko-KR" altLang="en-US" sz="2100">
+              <a:solidFill>
+                <a:schemeClr val="tx1"/>
+              </a:solidFill>
+            </a:endParaRPr>
+          </a:p>
+          <a:p>
+            <a:pPr/>
+            <a:r>
+              <a:rPr lang="ko-KR" altLang="en-US" sz="2100">
+                <a:solidFill>
+                  <a:schemeClr val="tx1"/>
+                </a:solidFill>
+              </a:rPr>
+              <a:t>하지만 각각의 정보들을 일일이 확인해야하는 불편함이 있다.</a:t>
+            </a:r>
+            <a:endParaRPr lang="ko-KR" altLang="en-US" sz="2100">
+              <a:solidFill>
+                <a:schemeClr val="tx1"/>
+              </a:solidFill>
+            </a:endParaRPr>
+          </a:p>
+        </p:txBody>
+      </p:sp>
+      <p:sp>
+        <p:nvSpPr>
+          <p:cNvPr id="54" name="직사각형 53"/>
+          <p:cNvSpPr/>
+          <p:nvPr/>
+        </p:nvSpPr>
+        <p:spPr>
+          <a:xfrm>
+            <a:off x="745590" y="193554"/>
+            <a:ext cx="1342641" cy="526525"/>
+          </a:xfrm>
+          <a:prstGeom prst="rect">
+            <a:avLst/>
+          </a:prstGeom>
+          <a:solidFill>
+            <a:schemeClr val="bg1"/>
+          </a:solidFill>
+          <a:ln>
+            <a:noFill/>
+          </a:ln>
+        </p:spPr>
+        <p:style>
+          <a:lnRef idx="2">
+            <a:schemeClr val="accent1">
+              <a:shade val="20000"/>
+            </a:schemeClr>
+          </a:lnRef>
+          <a:fillRef idx="1">
+            <a:schemeClr val="accent1"/>
+          </a:fillRef>
+          <a:effectRef idx="0">
+            <a:schemeClr val="accent1"/>
+          </a:effectRef>
+          <a:fontRef idx="minor">
+            <a:schemeClr val="lt1"/>
+          </a:fontRef>
+        </p:style>
+        <p:txBody>
+          <a:bodyPr anchor="ctr"/>
+          <a:p>
+            <a:pPr algn="ctr"/>
+            <a:r>
+              <a:rPr lang="ko-KR" altLang="en-US" sz="2600">
+                <a:solidFill>
+                  <a:schemeClr val="tx1"/>
+                </a:solidFill>
+              </a:rPr>
+              <a:t>목  적</a:t>
+            </a:r>
+            <a:endParaRPr lang="ko-KR" altLang="en-US" sz="2600">
+              <a:solidFill>
+                <a:schemeClr val="tx1"/>
+              </a:solidFill>
+            </a:endParaRPr>
           </a:p>
         </p:txBody>
       </p:sp>
@@ -10517,7 +10507,7 @@
         </p:blipFill>
         <p:spPr>
           <a:xfrm>
-            <a:off x="1516669" y="2521058"/>
+            <a:off x="1444966" y="2152489"/>
             <a:ext cx="9140515" cy="4197352"/>
           </a:xfrm>
           <a:prstGeom prst="rect">
@@ -10525,6 +10515,260 @@
           </a:prstGeom>
         </p:spPr>
       </p:pic>
+      <p:sp>
+        <p:nvSpPr>
+          <p:cNvPr id="146" name="직사각형 145"/>
+          <p:cNvSpPr/>
+          <p:nvPr/>
+        </p:nvSpPr>
+        <p:spPr>
+          <a:xfrm>
+            <a:off x="4910400" y="2516400"/>
+            <a:ext cx="568800" cy="162000"/>
+          </a:xfrm>
+          <a:prstGeom prst="rect">
+            <a:avLst/>
+          </a:prstGeom>
+          <a:solidFill>
+            <a:schemeClr val="bg1"/>
+          </a:solidFill>
+          <a:ln>
+            <a:noFill/>
+          </a:ln>
+        </p:spPr>
+        <p:style>
+          <a:lnRef idx="2">
+            <a:schemeClr val="accent1">
+              <a:shade val="20000"/>
+            </a:schemeClr>
+          </a:lnRef>
+          <a:fillRef idx="1">
+            <a:schemeClr val="accent1"/>
+          </a:fillRef>
+          <a:effectRef idx="0">
+            <a:schemeClr val="accent1"/>
+          </a:effectRef>
+          <a:fontRef idx="minor">
+            <a:schemeClr val="lt1"/>
+          </a:fontRef>
+        </p:style>
+        <p:txBody>
+          <a:bodyPr vert="horz" wrap="square" lIns="91440" tIns="45720" rIns="91440" bIns="45720" anchor="t"/>
+          <a:p>
+            <a:pPr/>
+            <a:endParaRPr lang="en-US" altLang="ko-KR"/>
+          </a:p>
+        </p:txBody>
+      </p:sp>
+      <p:sp>
+        <p:nvSpPr>
+          <p:cNvPr id="147" name="직사각형 146"/>
+          <p:cNvSpPr/>
+          <p:nvPr/>
+        </p:nvSpPr>
+        <p:spPr>
+          <a:xfrm>
+            <a:off x="4783931" y="5172075"/>
+            <a:ext cx="804863" cy="523875"/>
+          </a:xfrm>
+          <a:prstGeom prst="rect">
+            <a:avLst/>
+          </a:prstGeom>
+          <a:solidFill>
+            <a:schemeClr val="bg1"/>
+          </a:solidFill>
+          <a:ln>
+            <a:noFill/>
+          </a:ln>
+        </p:spPr>
+        <p:style>
+          <a:lnRef idx="2">
+            <a:schemeClr val="accent1">
+              <a:shade val="20000"/>
+            </a:schemeClr>
+          </a:lnRef>
+          <a:fillRef idx="1">
+            <a:schemeClr val="accent1"/>
+          </a:fillRef>
+          <a:effectRef idx="0">
+            <a:schemeClr val="accent1"/>
+          </a:effectRef>
+          <a:fontRef idx="minor">
+            <a:schemeClr val="lt1"/>
+          </a:fontRef>
+        </p:style>
+        <p:txBody>
+          <a:bodyPr anchor="ctr"/>
+          <a:p>
+            <a:pPr algn="ctr"/>
+            <a:r>
+              <a:rPr lang="en-US" altLang="ko-KR" sz="1400" b="1">
+                <a:solidFill>
+                  <a:schemeClr val="tx1"/>
+                </a:solidFill>
+              </a:rPr>
+              <a:t>Answer</a:t>
+            </a:r>
+            <a:endParaRPr lang="en-US" altLang="ko-KR" sz="1400" b="1">
+              <a:solidFill>
+                <a:schemeClr val="tx1"/>
+              </a:solidFill>
+            </a:endParaRPr>
+          </a:p>
+        </p:txBody>
+      </p:sp>
+      <p:sp>
+        <p:nvSpPr>
+          <p:cNvPr id="149" name="직사각형 148"/>
+          <p:cNvSpPr/>
+          <p:nvPr/>
+        </p:nvSpPr>
+        <p:spPr>
+          <a:xfrm>
+            <a:off x="6080124" y="3946525"/>
+            <a:ext cx="815974" cy="504825"/>
+          </a:xfrm>
+          <a:prstGeom prst="rect">
+            <a:avLst/>
+          </a:prstGeom>
+          <a:solidFill>
+            <a:schemeClr val="bg1"/>
+          </a:solidFill>
+          <a:ln>
+            <a:noFill/>
+          </a:ln>
+        </p:spPr>
+        <p:style>
+          <a:lnRef idx="2">
+            <a:schemeClr val="accent1">
+              <a:shade val="20000"/>
+            </a:schemeClr>
+          </a:lnRef>
+          <a:fillRef idx="1">
+            <a:schemeClr val="accent1"/>
+          </a:fillRef>
+          <a:effectRef idx="0">
+            <a:schemeClr val="accent1"/>
+          </a:effectRef>
+          <a:fontRef idx="minor">
+            <a:schemeClr val="lt1"/>
+          </a:fontRef>
+        </p:style>
+        <p:txBody>
+          <a:bodyPr anchor="ctr"/>
+          <a:p>
+            <a:pPr algn="ctr"/>
+            <a:r>
+              <a:rPr lang="en-US" altLang="ko-KR" sz="1000" b="1">
+                <a:solidFill>
+                  <a:schemeClr val="tx1"/>
+                </a:solidFill>
+              </a:rPr>
+              <a:t>Algorithm</a:t>
+            </a:r>
+            <a:endParaRPr lang="en-US" altLang="ko-KR" sz="1000" b="1">
+              <a:solidFill>
+                <a:schemeClr val="tx1"/>
+              </a:solidFill>
+            </a:endParaRPr>
+          </a:p>
+        </p:txBody>
+      </p:sp>
+      <p:sp>
+        <p:nvSpPr>
+          <p:cNvPr id="150" name="직사각형 149"/>
+          <p:cNvSpPr/>
+          <p:nvPr/>
+        </p:nvSpPr>
+        <p:spPr>
+          <a:xfrm>
+            <a:off x="9277351" y="2428875"/>
+            <a:ext cx="1123949" cy="200025"/>
+          </a:xfrm>
+          <a:prstGeom prst="rect">
+            <a:avLst/>
+          </a:prstGeom>
+          <a:solidFill>
+            <a:schemeClr val="bg1"/>
+          </a:solidFill>
+          <a:ln>
+            <a:noFill/>
+          </a:ln>
+        </p:spPr>
+        <p:style>
+          <a:lnRef idx="2">
+            <a:schemeClr val="accent1">
+              <a:shade val="20000"/>
+            </a:schemeClr>
+          </a:lnRef>
+          <a:fillRef idx="1">
+            <a:schemeClr val="accent1"/>
+          </a:fillRef>
+          <a:effectRef idx="0">
+            <a:schemeClr val="accent1"/>
+          </a:effectRef>
+          <a:fontRef idx="minor">
+            <a:schemeClr val="lt1"/>
+          </a:fontRef>
+        </p:style>
+      </p:sp>
+      <p:sp>
+        <p:nvSpPr>
+          <p:cNvPr id="151" name="직사각형 150"/>
+          <p:cNvSpPr/>
+          <p:nvPr/>
+        </p:nvSpPr>
+        <p:spPr>
+          <a:xfrm>
+            <a:off x="9363075" y="5067300"/>
+            <a:ext cx="962025" cy="723900"/>
+          </a:xfrm>
+          <a:prstGeom prst="rect">
+            <a:avLst/>
+          </a:prstGeom>
+          <a:solidFill>
+            <a:schemeClr val="bg1"/>
+          </a:solidFill>
+          <a:ln>
+            <a:noFill/>
+          </a:ln>
+        </p:spPr>
+        <p:style>
+          <a:lnRef idx="2">
+            <a:schemeClr val="accent1">
+              <a:shade val="20000"/>
+            </a:schemeClr>
+          </a:lnRef>
+          <a:fillRef idx="1">
+            <a:schemeClr val="accent1"/>
+          </a:fillRef>
+          <a:effectRef idx="0">
+            <a:schemeClr val="accent1"/>
+          </a:effectRef>
+          <a:fontRef idx="minor">
+            <a:schemeClr val="lt1"/>
+          </a:fontRef>
+        </p:style>
+        <p:txBody>
+          <a:bodyPr anchor="ctr"/>
+          <a:p>
+            <a:pPr algn="ctr"/>
+            <a:r>
+              <a:rPr lang="en-US" altLang="ko-KR" sz="3000" b="1">
+                <a:solidFill>
+                  <a:schemeClr val="tx1"/>
+                </a:solidFill>
+              </a:rPr>
+              <a:t>DB</a:t>
+            </a:r>
+            <a:endParaRPr lang="en-US" altLang="ko-KR" sz="3000" b="1">
+              <a:solidFill>
+                <a:schemeClr val="tx1"/>
+              </a:solidFill>
+            </a:endParaRPr>
+          </a:p>
+        </p:txBody>
+      </p:sp>
     </p:spTree>
   </p:cSld>
   <p:clrMapOvr>
@@ -11205,31 +11449,82 @@
       </p:grpSpPr>
       <p:sp>
         <p:nvSpPr>
-          <p:cNvPr id="14" name="직사각형 13"/>
+          <p:cNvPr id="141" name="TextBox 140"/>
+          <p:cNvSpPr txBox="1"/>
+          <p:nvPr/>
+        </p:nvSpPr>
+        <p:spPr>
+          <a:xfrm>
+            <a:off x="5966460" y="2948223"/>
+            <a:ext cx="249555" cy="297897"/>
+          </a:xfrm>
+          <a:prstGeom prst="rect">
+            <a:avLst/>
+          </a:prstGeom>
+          <a:noFill/>
+        </p:spPr>
+        <p:txBody>
+          <a:bodyPr wrap="none">
+            <a:spAutoFit/>
+          </a:bodyPr>
+          <a:lstStyle/>
+          <a:p>
+            <a:pPr algn="ctr"/>
+            <a:endParaRPr lang="ko-KR" altLang="en-US" sz="1400"/>
+          </a:p>
+        </p:txBody>
+      </p:sp>
+      <p:sp>
+        <p:nvSpPr>
+          <p:cNvPr id="132" name="직사각형 131"/>
           <p:cNvSpPr/>
           <p:nvPr/>
         </p:nvSpPr>
         <p:spPr>
           <a:xfrm>
-            <a:off x="9124950" y="0"/>
-            <a:ext cx="3067050" cy="6858000"/>
+            <a:off x="254532" y="2582876"/>
+            <a:ext cx="11436474" cy="291769"/>
           </a:xfrm>
           <a:prstGeom prst="rect">
             <a:avLst/>
           </a:prstGeom>
+        </p:spPr>
+        <p:txBody>
+          <a:bodyPr wrap="square">
+            <a:spAutoFit/>
+          </a:bodyPr>
+          <a:lstStyle/>
+          <a:p>
+            <a:pPr lvl="0"/>
+            <a:endParaRPr lang="ko-KR" altLang="en-US" sz="1400"/>
+          </a:p>
+        </p:txBody>
+      </p:sp>
+      <p:sp>
+        <p:nvSpPr>
+          <p:cNvPr id="146" name="직사각형 145"/>
+          <p:cNvSpPr/>
+          <p:nvPr/>
+        </p:nvSpPr>
+        <p:spPr>
+          <a:xfrm>
+            <a:off x="4910400" y="2516400"/>
+            <a:ext cx="568800" cy="162000"/>
+          </a:xfrm>
+          <a:prstGeom prst="rect">
+            <a:avLst/>
+          </a:prstGeom>
           <a:solidFill>
-            <a:srgbClr val="cfcfcf"/>
+            <a:schemeClr val="bg1"/>
           </a:solidFill>
           <a:ln>
-            <a:solidFill>
-              <a:srgbClr val="cfcfcf"/>
-            </a:solidFill>
+            <a:noFill/>
           </a:ln>
         </p:spPr>
         <p:style>
           <a:lnRef idx="2">
             <a:schemeClr val="accent1">
-              <a:shade val="50000"/>
+              <a:shade val="20000"/>
             </a:schemeClr>
           </a:lnRef>
           <a:fillRef idx="1">
@@ -11243,41 +11538,38 @@
           </a:fontRef>
         </p:style>
         <p:txBody>
-          <a:bodyPr anchor="ctr"/>
-          <a:lstStyle/>
-          <a:p>
-            <a:pPr algn="ctr"/>
-            <a:endParaRPr lang="ko-KR" altLang="en-US"/>
-          </a:p>
-        </p:txBody>
-      </p:sp>
-      <p:sp>
-        <p:nvSpPr>
-          <p:cNvPr id="17" name="직사각형 16"/>
+          <a:bodyPr vert="horz" wrap="square" lIns="91440" tIns="45720" rIns="91440" bIns="45720" anchor="t"/>
+          <a:p>
+            <a:pPr/>
+            <a:endParaRPr lang="en-US" altLang="ko-KR"/>
+          </a:p>
+        </p:txBody>
+      </p:sp>
+      <p:sp>
+        <p:nvSpPr>
+          <p:cNvPr id="150" name="직사각형 149"/>
           <p:cNvSpPr/>
           <p:nvPr/>
         </p:nvSpPr>
         <p:spPr>
           <a:xfrm>
-            <a:off x="0" y="0"/>
-            <a:ext cx="3276600" cy="6858000"/>
+            <a:off x="9277351" y="2428875"/>
+            <a:ext cx="1123949" cy="200025"/>
           </a:xfrm>
           <a:prstGeom prst="rect">
             <a:avLst/>
           </a:prstGeom>
           <a:solidFill>
-            <a:srgbClr val="f2aebb"/>
+            <a:schemeClr val="bg1"/>
           </a:solidFill>
           <a:ln>
-            <a:solidFill>
-              <a:srgbClr val="f2aebb"/>
-            </a:solidFill>
+            <a:noFill/>
           </a:ln>
         </p:spPr>
         <p:style>
           <a:lnRef idx="2">
             <a:schemeClr val="accent1">
-              <a:shade val="50000"/>
+              <a:shade val="20000"/>
             </a:schemeClr>
           </a:lnRef>
           <a:fillRef idx="1">
@@ -11290,162 +11582,26 @@
             <a:schemeClr val="lt1"/>
           </a:fontRef>
         </p:style>
-        <p:txBody>
-          <a:bodyPr anchor="ctr"/>
-          <a:lstStyle/>
-          <a:p>
-            <a:pPr algn="ctr"/>
-            <a:endParaRPr lang="ko-KR" altLang="en-US"/>
-          </a:p>
-        </p:txBody>
-      </p:sp>
-      <p:grpSp>
-        <p:nvGrpSpPr>
-          <p:cNvPr id="21" name="그룹 20"/>
-          <p:cNvGrpSpPr/>
-          <p:nvPr/>
-        </p:nvGrpSpPr>
-        <p:grpSpPr>
-          <a:xfrm rot="0">
-            <a:off x="719907" y="3756157"/>
-            <a:ext cx="1180195" cy="537965"/>
-            <a:chOff x="563658" y="1091472"/>
-            <a:chExt cx="1180195" cy="537965"/>
-          </a:xfrm>
-        </p:grpSpPr>
-        <p:sp>
-          <p:nvSpPr>
-            <p:cNvPr id="33" name="직사각형 32"/>
-            <p:cNvSpPr/>
-            <p:nvPr/>
-          </p:nvSpPr>
-          <p:spPr>
-            <a:xfrm>
-              <a:off x="1056581" y="1091472"/>
-              <a:ext cx="184731" cy="523220"/>
-            </a:xfrm>
-            <a:prstGeom prst="rect">
-              <a:avLst/>
-            </a:prstGeom>
-          </p:spPr>
-          <p:txBody>
-            <a:bodyPr wrap="none">
-              <a:spAutoFit/>
-            </a:bodyPr>
-            <a:lstStyle/>
-            <a:p>
-              <a:pPr lvl="0"/>
-              <a:endParaRPr lang="ko-KR" altLang="en-US" sz="2800" spc="-145">
-                <a:solidFill>
-                  <a:srgbClr val="e0d6d4"/>
-                </a:solidFill>
-              </a:endParaRPr>
-            </a:p>
-          </p:txBody>
-        </p:sp>
-        <p:grpSp>
-          <p:nvGrpSpPr>
-            <p:cNvPr id="34" name="그룹 33"/>
-            <p:cNvGrpSpPr/>
-            <p:nvPr/>
-          </p:nvGrpSpPr>
-          <p:grpSpPr>
-            <a:xfrm rot="0">
-              <a:off x="563658" y="1091472"/>
-              <a:ext cx="1180195" cy="537965"/>
-              <a:chOff x="563658" y="1091472"/>
-              <a:chExt cx="1180195" cy="537965"/>
-            </a:xfrm>
-          </p:grpSpPr>
-          <p:sp>
-            <p:nvSpPr>
-              <p:cNvPr id="39" name="직사각형 38"/>
-              <p:cNvSpPr/>
-              <p:nvPr/>
-            </p:nvSpPr>
-            <p:spPr>
-              <a:xfrm>
-                <a:off x="563658" y="1091472"/>
-                <a:ext cx="184731" cy="523220"/>
-              </a:xfrm>
-              <a:prstGeom prst="rect">
-                <a:avLst/>
-              </a:prstGeom>
-            </p:spPr>
-            <p:txBody>
-              <a:bodyPr wrap="none">
-                <a:spAutoFit/>
-              </a:bodyPr>
-              <a:lstStyle/>
-              <a:p>
-                <a:pPr lvl="0"/>
-                <a:endParaRPr lang="ko-KR" altLang="en-US" sz="2800" spc="-145">
-                  <a:solidFill>
-                    <a:srgbClr val="e0d6d4"/>
-                  </a:solidFill>
-                </a:endParaRPr>
-              </a:p>
-            </p:txBody>
-          </p:sp>
-          <p:sp>
-            <p:nvSpPr>
-              <p:cNvPr id="40" name="직사각형 39"/>
-              <p:cNvSpPr/>
-              <p:nvPr/>
-            </p:nvSpPr>
-            <p:spPr>
-              <a:xfrm>
-                <a:off x="1559122" y="1106217"/>
-                <a:ext cx="184731" cy="523220"/>
-              </a:xfrm>
-              <a:prstGeom prst="rect">
-                <a:avLst/>
-              </a:prstGeom>
-            </p:spPr>
-            <p:txBody>
-              <a:bodyPr wrap="none">
-                <a:spAutoFit/>
-              </a:bodyPr>
-              <a:lstStyle/>
-              <a:p>
-                <a:pPr lvl="0"/>
-                <a:endParaRPr lang="ko-KR" altLang="en-US" sz="2800" spc="-145">
-                  <a:solidFill>
-                    <a:srgbClr val="e0d6d4"/>
-                  </a:solidFill>
-                </a:endParaRPr>
-              </a:p>
-            </p:txBody>
-          </p:sp>
-        </p:grpSp>
-      </p:grpSp>
-      <p:sp>
-        <p:nvSpPr>
-          <p:cNvPr id="22" name="직사각형 21"/>
+      </p:sp>
+      <p:sp>
+        <p:nvSpPr>
+          <p:cNvPr id="153" name="직사각형 152"/>
           <p:cNvSpPr/>
           <p:nvPr/>
         </p:nvSpPr>
         <p:spPr>
           <a:xfrm>
-            <a:off x="357331" y="2429910"/>
-            <a:ext cx="2296757" cy="2296757"/>
+            <a:off x="3838575" y="476250"/>
+            <a:ext cx="4343400" cy="5924550"/>
           </a:xfrm>
           <a:prstGeom prst="rect">
             <a:avLst/>
           </a:prstGeom>
-          <a:noFill/>
-          <a:ln w="3175">
-            <a:solidFill>
-              <a:schemeClr val="bg1">
-                <a:alpha val="60000"/>
-              </a:schemeClr>
-            </a:solidFill>
-          </a:ln>
         </p:spPr>
         <p:style>
           <a:lnRef idx="2">
             <a:schemeClr val="accent1">
-              <a:shade val="50000"/>
+              <a:shade val="20000"/>
             </a:schemeClr>
           </a:lnRef>
           <a:fillRef idx="1">
@@ -11458,42 +11614,26 @@
             <a:schemeClr val="lt1"/>
           </a:fontRef>
         </p:style>
-        <p:txBody>
-          <a:bodyPr anchor="ctr"/>
-          <a:lstStyle/>
-          <a:p>
-            <a:pPr algn="ctr"/>
-            <a:endParaRPr lang="ko-KR" altLang="en-US"/>
-          </a:p>
-        </p:txBody>
-      </p:sp>
-      <p:sp>
-        <p:nvSpPr>
-          <p:cNvPr id="24" name="직사각형 23"/>
+      </p:sp>
+      <p:sp>
+        <p:nvSpPr>
+          <p:cNvPr id="155" name="직사각형 154"/>
           <p:cNvSpPr/>
           <p:nvPr/>
         </p:nvSpPr>
         <p:spPr>
           <a:xfrm>
-            <a:off x="2391300" y="2165925"/>
-            <a:ext cx="527968" cy="527969"/>
+            <a:off x="3990975" y="5905500"/>
+            <a:ext cx="4019549" cy="361950"/>
           </a:xfrm>
           <a:prstGeom prst="rect">
             <a:avLst/>
           </a:prstGeom>
-          <a:solidFill>
-            <a:schemeClr val="bg1"/>
-          </a:solidFill>
-          <a:ln>
-            <a:solidFill>
-              <a:schemeClr val="bg1"/>
-            </a:solidFill>
-          </a:ln>
         </p:spPr>
         <p:style>
           <a:lnRef idx="2">
             <a:schemeClr val="accent1">
-              <a:shade val="50000"/>
+              <a:shade val="20000"/>
             </a:schemeClr>
           </a:lnRef>
           <a:fillRef idx="1">
@@ -11506,140 +11646,153 @@
             <a:schemeClr val="lt1"/>
           </a:fontRef>
         </p:style>
+      </p:sp>
+      <p:sp>
+        <p:nvSpPr>
+          <p:cNvPr id="156" name="직사각형 155"/>
+          <p:cNvSpPr/>
+          <p:nvPr/>
+        </p:nvSpPr>
+        <p:spPr>
+          <a:xfrm>
+            <a:off x="3996444" y="5472112"/>
+            <a:ext cx="428625" cy="309562"/>
+          </a:xfrm>
+          <a:prstGeom prst="rect">
+            <a:avLst/>
+          </a:prstGeom>
+        </p:spPr>
+        <p:style>
+          <a:lnRef idx="2">
+            <a:schemeClr val="accent1">
+              <a:shade val="20000"/>
+            </a:schemeClr>
+          </a:lnRef>
+          <a:fillRef idx="1">
+            <a:schemeClr val="accent1"/>
+          </a:fillRef>
+          <a:effectRef idx="0">
+            <a:schemeClr val="accent1"/>
+          </a:effectRef>
+          <a:fontRef idx="minor">
+            <a:schemeClr val="lt1"/>
+          </a:fontRef>
+        </p:style>
         <p:txBody>
           <a:bodyPr anchor="ctr"/>
-          <a:lstStyle/>
           <a:p>
             <a:pPr algn="ctr"/>
-            <a:endParaRPr lang="ko-KR" altLang="en-US"/>
-          </a:p>
-        </p:txBody>
-      </p:sp>
-      <p:sp>
-        <p:nvSpPr>
-          <p:cNvPr id="25" name="직사각형 24"/>
+            <a:r>
+              <a:rPr lang="ko-KR" altLang="en-US"/>
+              <a:t>#</a:t>
+            </a:r>
+            <a:endParaRPr lang="ko-KR" altLang="en-US"/>
+          </a:p>
+        </p:txBody>
+      </p:sp>
+      <p:sp>
+        <p:nvSpPr>
+          <p:cNvPr id="157" name="직사각형 156"/>
           <p:cNvSpPr/>
           <p:nvPr/>
         </p:nvSpPr>
         <p:spPr>
           <a:xfrm>
-            <a:off x="528678" y="3596131"/>
-            <a:ext cx="1963062" cy="1002539"/>
+            <a:off x="3930650" y="609600"/>
+            <a:ext cx="4152899" cy="533400"/>
           </a:xfrm>
           <a:prstGeom prst="rect">
             <a:avLst/>
           </a:prstGeom>
-          <a:noFill/>
-        </p:spPr>
-        <p:txBody>
-          <a:bodyPr wrap="none">
-            <a:spAutoFit/>
-          </a:bodyPr>
-          <a:lstStyle/>
-          <a:p>
-            <a:pPr algn="ctr"/>
-            <a:r>
-              <a:rPr lang="en-US" altLang="ko-KR" sz="6000">
-                <a:solidFill>
-                  <a:schemeClr val="bg1"/>
-                </a:solidFill>
-              </a:rPr>
-              <a:t>Point</a:t>
-            </a:r>
-            <a:endParaRPr lang="ko-KR" altLang="en-US" sz="6000">
-              <a:solidFill>
-                <a:schemeClr val="bg1"/>
-              </a:solidFill>
-            </a:endParaRPr>
-          </a:p>
-        </p:txBody>
-      </p:sp>
-      <p:sp>
-        <p:nvSpPr>
-          <p:cNvPr id="31" name="TextBox 30"/>
-          <p:cNvSpPr txBox="1"/>
-          <p:nvPr/>
-        </p:nvSpPr>
-        <p:spPr>
-          <a:xfrm>
-            <a:off x="385719" y="2755239"/>
-            <a:ext cx="2306046" cy="1005231"/>
+        </p:spPr>
+        <p:style>
+          <a:lnRef idx="2">
+            <a:schemeClr val="accent1">
+              <a:shade val="20000"/>
+            </a:schemeClr>
+          </a:lnRef>
+          <a:fillRef idx="1">
+            <a:schemeClr val="accent1"/>
+          </a:fillRef>
+          <a:effectRef idx="0">
+            <a:schemeClr val="accent1"/>
+          </a:effectRef>
+          <a:fontRef idx="minor">
+            <a:schemeClr val="lt1"/>
+          </a:fontRef>
+        </p:style>
+      </p:sp>
+      <p:sp>
+        <p:nvSpPr>
+          <p:cNvPr id="158" name="직사각형 157"/>
+          <p:cNvSpPr/>
+          <p:nvPr/>
+        </p:nvSpPr>
+        <p:spPr>
+          <a:xfrm>
+            <a:off x="7615237" y="652462"/>
+            <a:ext cx="419100" cy="447674"/>
           </a:xfrm>
           <a:prstGeom prst="rect">
             <a:avLst/>
           </a:prstGeom>
-          <a:noFill/>
-        </p:spPr>
-        <p:txBody>
-          <a:bodyPr wrap="none">
-            <a:spAutoFit/>
-          </a:bodyPr>
-          <a:lstStyle/>
-          <a:p>
-            <a:pPr algn="ctr"/>
-            <a:r>
-              <a:rPr lang="en-US" altLang="ko-KR" sz="6000">
-                <a:solidFill>
-                  <a:schemeClr val="bg1"/>
-                </a:solidFill>
-              </a:rPr>
-              <a:t>Power</a:t>
-            </a:r>
-            <a:endParaRPr lang="ko-KR" altLang="en-US" sz="6000">
-              <a:solidFill>
-                <a:srgbClr val="e0d6d4"/>
-              </a:solidFill>
-            </a:endParaRPr>
-          </a:p>
-        </p:txBody>
-      </p:sp>
-      <p:sp>
-        <p:nvSpPr>
-          <p:cNvPr id="32" name="TextBox 31"/>
-          <p:cNvSpPr txBox="1"/>
-          <p:nvPr/>
-        </p:nvSpPr>
-        <p:spPr>
-          <a:xfrm>
-            <a:off x="767137" y="2131333"/>
-            <a:ext cx="1600778" cy="267062"/>
-          </a:xfrm>
-          <a:prstGeom prst="rect">
-            <a:avLst/>
-          </a:prstGeom>
-          <a:noFill/>
-        </p:spPr>
-        <p:txBody>
-          <a:bodyPr wrap="none">
-            <a:spAutoFit/>
-          </a:bodyPr>
-          <a:lstStyle/>
-          <a:p>
-            <a:pPr lvl="0"/>
-            <a:r>
-              <a:rPr lang="ko-KR" altLang="en-US" sz="1200">
-                <a:solidFill>
-                  <a:schemeClr val="bg1"/>
-                </a:solidFill>
-              </a:rPr>
-              <a:t>책쟁이의 파워포인트</a:t>
-            </a:r>
-            <a:endParaRPr lang="ko-KR" altLang="en-US" sz="1200">
-              <a:solidFill>
-                <a:schemeClr val="bg1"/>
-              </a:solidFill>
-            </a:endParaRPr>
-          </a:p>
-        </p:txBody>
+        </p:spPr>
+        <p:style>
+          <a:lnRef idx="2">
+            <a:schemeClr val="accent1">
+              <a:shade val="20000"/>
+            </a:schemeClr>
+          </a:lnRef>
+          <a:fillRef idx="1">
+            <a:schemeClr val="accent1"/>
+          </a:fillRef>
+          <a:effectRef idx="0">
+            <a:schemeClr val="accent1"/>
+          </a:effectRef>
+          <a:fontRef idx="minor">
+            <a:schemeClr val="lt1"/>
+          </a:fontRef>
+        </p:style>
+      </p:sp>
+      <p:sp>
+        <p:nvSpPr>
+          <p:cNvPr id="159" name="실행 단추: 앞으로 또는 다음 158">
+            <a:hlinkClick action="ppaction://hlinkshowjump?jump=nextslide" highlightClick="1"/>
+          </p:cNvPr>
+          <p:cNvSpPr/>
+          <p:nvPr/>
+        </p:nvSpPr>
+        <p:spPr>
+          <a:xfrm>
+            <a:off x="7559040" y="5931511"/>
+            <a:ext cx="396240" cy="297180"/>
+          </a:xfrm>
+          <a:prstGeom prst="actionButtonForwardNext">
+            <a:avLst/>
+          </a:prstGeom>
+        </p:spPr>
+        <p:style>
+          <a:lnRef idx="2">
+            <a:schemeClr val="accent1">
+              <a:shade val="20000"/>
+            </a:schemeClr>
+          </a:lnRef>
+          <a:fillRef idx="1">
+            <a:schemeClr val="accent1"/>
+          </a:fillRef>
+          <a:effectRef idx="0">
+            <a:schemeClr val="accent1"/>
+          </a:effectRef>
+          <a:fontRef idx="minor">
+            <a:schemeClr val="lt1"/>
+          </a:fontRef>
+        </p:style>
       </p:sp>
     </p:spTree>
   </p:cSld>
   <p:clrMapOvr>
     <a:masterClrMapping/>
   </p:clrMapOvr>
-  <p:transition xmlns:mc="http://schemas.openxmlformats.org/markup-compatibility/2006" xmlns:hp="http://schemas.haansoft.com/office/presentation/8.0" spd="slow" mc:Ignorable="hp" hp:hslDur="3000">
-    <p:fade/>
-  </p:transition>
 </p:sld>
 </file>
 

--- a/오픈소스 기획서ver.1.pptx
+++ b/오픈소스 기획서ver.1.pptx
@@ -2,10 +2,10 @@
 <file path=ppt/presentation.xml><?xml version="1.0" encoding="utf-8"?>
 <p:presentation xmlns:r="http://schemas.openxmlformats.org/officeDocument/2006/relationships" xmlns:c="http://schemas.openxmlformats.org/drawingml/2006/chart" xmlns:a="http://schemas.openxmlformats.org/drawingml/2006/main" xmlns:dgm="http://schemas.openxmlformats.org/drawingml/2006/diagram" xmlns:dsp="http://schemas.microsoft.com/office/drawing/2008/diagram" xmlns:p="http://schemas.openxmlformats.org/presentationml/2006/main" saveSubsetFonts="1">
   <p:sldMasterIdLst>
-    <p:sldMasterId id="2147484296" r:id="rId16"/>
+    <p:sldMasterId id="2147483720" r:id="rId17"/>
   </p:sldMasterIdLst>
   <p:notesMasterIdLst>
-    <p:notesMasterId r:id="rId18"/>
+    <p:notesMasterId r:id="rId19"/>
   </p:notesMasterIdLst>
   <p:sldIdLst>
     <p:sldId id="257" r:id="rId1"/>
@@ -21,6 +21,7 @@
     <p:sldId id="267" r:id="rId11"/>
     <p:sldId id="268" r:id="rId12"/>
     <p:sldId id="269" r:id="rId13"/>
+    <p:sldId id="270" r:id="rId14"/>
   </p:sldIdLst>
   <p:sldSz cx="12192000" cy="6858000"/>
   <p:notesSz cx="6858000" cy="9144000"/>
@@ -211,7 +212,7 @@
             <a:fld id="{1632D124-7EB0-4F6F-A17D-6FE99DC1A9C4}" type="datetimeFigureOut">
               <a:rPr lang="ko-KR" altLang="en-US"/>
               <a:pPr/>
-              <a:t>2018-09-18</a:t>
+              <a:t>2018-09-19</a:t>
             </a:fld>
             <a:endParaRPr lang="ko-KR" altLang="en-US"/>
           </a:p>
@@ -1369,6 +1370,181 @@
 </p:notes>
 </file>
 
+<file path=ppt/notesSlides/notesSlide7.xml><?xml version="1.0" encoding="utf-8"?>
+<p:notes xmlns:r="http://schemas.openxmlformats.org/officeDocument/2006/relationships" xmlns:c="http://schemas.openxmlformats.org/drawingml/2006/chart" xmlns:a="http://schemas.openxmlformats.org/drawingml/2006/main" xmlns:dgm="http://schemas.openxmlformats.org/drawingml/2006/diagram" xmlns:dsp="http://schemas.microsoft.com/office/drawing/2008/diagram" xmlns:p="http://schemas.openxmlformats.org/presentationml/2006/main">
+  <p:cSld>
+    <p:spTree>
+      <p:nvGrpSpPr>
+        <p:cNvPr id="1" name=""/>
+        <p:cNvGrpSpPr/>
+        <p:nvPr/>
+      </p:nvGrpSpPr>
+      <p:grpSpPr>
+        <a:xfrm>
+          <a:off x="0" y="0"/>
+          <a:ext cx="0" cy="0"/>
+          <a:chOff x="0" y="0"/>
+          <a:chExt cx="0" cy="0"/>
+        </a:xfrm>
+      </p:grpSpPr>
+      <p:sp>
+        <p:nvSpPr>
+          <p:cNvPr id="2" name="직사각형 1"/>
+          <p:cNvSpPr>
+            <a:spLocks noGrp="1" noRot="1" noChangeAspect="1" noTextEdit="1"/>
+          </p:cNvSpPr>
+          <p:nvPr>
+            <p:ph type="sldImg" idx="2"/>
+          </p:nvPr>
+        </p:nvSpPr>
+        <p:spPr/>
+        <p:txBody>
+          <a:bodyPr/>
+          <a:lstStyle/>
+          <a:p>
+            <a:pPr/>
+            <a:endParaRPr lang="ko-KR" altLang="en-US"/>
+          </a:p>
+        </p:txBody>
+      </p:sp>
+      <p:sp>
+        <p:nvSpPr>
+          <p:cNvPr id="3" name="직사각형 2"/>
+          <p:cNvSpPr/>
+          <p:nvPr>
+            <p:ph type="body" sz="quarter" idx="3"/>
+          </p:nvPr>
+        </p:nvSpPr>
+        <p:spPr/>
+        <p:txBody>
+          <a:bodyPr/>
+          <a:lstStyle/>
+          <a:p>
+            <a:pPr/>
+            <a:r>
+              <a:rPr lang="ko-KR" altLang="en-US"/>
+              <a:t>오픈 소스</a:t>
+            </a:r>
+            <a:endParaRPr lang="ko-KR" altLang="en-US"/>
+          </a:p>
+          <a:p>
+            <a:pPr/>
+            <a:r>
+              <a:rPr lang="ko-KR" altLang="en-US"/>
+              <a:t>react-native: google</a:t>
+            </a:r>
+            <a:endParaRPr lang="ko-KR" altLang="en-US"/>
+          </a:p>
+          <a:p>
+            <a:pPr/>
+            <a:r>
+              <a:rPr lang="ko-KR" altLang="en-US"/>
+              <a:t>firebase:facebook</a:t>
+            </a:r>
+            <a:endParaRPr lang="ko-KR" altLang="en-US"/>
+          </a:p>
+          <a:p>
+            <a:pPr/>
+            <a:r>
+              <a:rPr lang="ko-KR" altLang="en-US"/>
+              <a:t>chat-bubble</a:t>
+            </a:r>
+            <a:endParaRPr lang="ko-KR" altLang="en-US"/>
+          </a:p>
+          <a:p>
+            <a:pPr/>
+            <a:endParaRPr lang="ko-KR" altLang="en-US"/>
+          </a:p>
+          <a:p>
+            <a:pPr/>
+            <a:r>
+              <a:rPr lang="ko-KR" altLang="en-US"/>
+              <a:t>구현하는 기능</a:t>
+            </a:r>
+            <a:endParaRPr lang="ko-KR" altLang="en-US"/>
+          </a:p>
+          <a:p>
+            <a:pPr/>
+            <a:r>
+              <a:rPr lang="ko-KR" altLang="en-US"/>
+              <a:t>1) 날씨: api</a:t>
+            </a:r>
+            <a:endParaRPr lang="ko-KR" altLang="en-US"/>
+          </a:p>
+          <a:p>
+            <a:pPr/>
+            <a:r>
+              <a:rPr lang="ko-KR" altLang="en-US"/>
+              <a:t>2) 학식: 파싱</a:t>
+            </a:r>
+            <a:endParaRPr lang="ko-KR" altLang="en-US"/>
+          </a:p>
+          <a:p>
+            <a:pPr/>
+            <a:r>
+              <a:rPr lang="ko-KR" altLang="en-US"/>
+              <a:t>3) 프린터 위치: 파싱</a:t>
+            </a:r>
+            <a:endParaRPr lang="ko-KR" altLang="en-US"/>
+          </a:p>
+          <a:p>
+            <a:pPr/>
+            <a:r>
+              <a:rPr lang="ko-KR" altLang="en-US"/>
+              <a:t>4) 열람실 자리: 파싱</a:t>
+            </a:r>
+            <a:endParaRPr lang="ko-KR" altLang="en-US"/>
+          </a:p>
+          <a:p>
+            <a:pPr/>
+            <a:r>
+              <a:rPr lang="ko-KR" altLang="en-US"/>
+              <a:t>5) 메모-과제,시험,약속,모임(날짜): </a:t>
+            </a:r>
+            <a:endParaRPr lang="ko-KR" altLang="en-US"/>
+          </a:p>
+          <a:p>
+            <a:pPr/>
+            <a:r>
+              <a:rPr lang="ko-KR" altLang="en-US"/>
+              <a:t>    사용자입력(firebase)</a:t>
+            </a:r>
+            <a:endParaRPr lang="ko-KR" altLang="en-US"/>
+          </a:p>
+        </p:txBody>
+      </p:sp>
+      <p:sp>
+        <p:nvSpPr>
+          <p:cNvPr id="4" name="직사각형 3"/>
+          <p:cNvSpPr/>
+          <p:nvPr>
+            <p:ph type="sldNum" sz="quarter" idx="5"/>
+          </p:nvPr>
+        </p:nvSpPr>
+        <p:spPr/>
+        <p:txBody>
+          <a:bodyPr vert="horz" lIns="91440" tIns="45720" rIns="91440" bIns="45720" anchor="b"/>
+          <a:lstStyle>
+            <a:lvl1pPr algn="r">
+              <a:defRPr sz="1200"/>
+            </a:lvl1pPr>
+          </a:lstStyle>
+          <a:p>
+            <a:pPr/>
+            <a:fld id="{DF7022B6-66A8-4229-9D22-D2C61F5063F2}" type="slidenum">
+              <a:rPr lang="en-US" altLang="en-US"/>
+              <a:pPr/>
+              <a:t>14</a:t>
+            </a:fld>
+            <a:endParaRPr lang="en-US" altLang="en-US"/>
+          </a:p>
+        </p:txBody>
+      </p:sp>
+    </p:spTree>
+  </p:cSld>
+</p:notes>
+</file>
+
 <file path=ppt/slideLayouts/slideLayout1.xml><?xml version="1.0" encoding="utf-8"?>
 <p:sldLayout xmlns:a="http://schemas.openxmlformats.org/drawingml/2006/main" xmlns:r="http://schemas.openxmlformats.org/officeDocument/2006/relationships" xmlns:p="http://schemas.openxmlformats.org/presentationml/2006/main" type="title" preserve="1">
   <p:cSld name="제목 슬라이드">
@@ -3809,7 +3985,7 @@
             <a:fld id="{06B88041-C9E2-458B-8D37-481455E1F563}" type="datetimeFigureOut">
               <a:rPr lang="ko-KR" altLang="en-US"/>
               <a:pPr/>
-              <a:t>2018-09-18</a:t>
+              <a:t>2018-09-19</a:t>
             </a:fld>
             <a:endParaRPr lang="ko-KR" altLang="en-US"/>
           </a:p>
@@ -3904,17 +4080,17 @@
   </p:cSld>
   <p:clrMap bg1="lt1" tx1="dk1" bg2="lt2" tx2="dk2" accent1="accent1" accent2="accent2" accent3="accent3" accent4="accent4" accent5="accent5" accent6="accent6" hlink="hlink" folHlink="folHlink"/>
   <p:sldLayoutIdLst>
-    <p:sldLayoutId id="2147484285" r:id="rId2"/>
-    <p:sldLayoutId id="2147484286" r:id="rId3"/>
-    <p:sldLayoutId id="2147484287" r:id="rId4"/>
-    <p:sldLayoutId id="2147484288" r:id="rId5"/>
-    <p:sldLayoutId id="2147484289" r:id="rId6"/>
-    <p:sldLayoutId id="2147484290" r:id="rId7"/>
-    <p:sldLayoutId id="2147484291" r:id="rId8"/>
-    <p:sldLayoutId id="2147484292" r:id="rId9"/>
-    <p:sldLayoutId id="2147484293" r:id="rId10"/>
-    <p:sldLayoutId id="2147484294" r:id="rId11"/>
-    <p:sldLayoutId id="2147484295" r:id="rId12"/>
+    <p:sldLayoutId id="2147483709" r:id="rId2"/>
+    <p:sldLayoutId id="2147483710" r:id="rId3"/>
+    <p:sldLayoutId id="2147483711" r:id="rId4"/>
+    <p:sldLayoutId id="2147483712" r:id="rId5"/>
+    <p:sldLayoutId id="2147483713" r:id="rId6"/>
+    <p:sldLayoutId id="2147483714" r:id="rId7"/>
+    <p:sldLayoutId id="2147483715" r:id="rId8"/>
+    <p:sldLayoutId id="2147483716" r:id="rId9"/>
+    <p:sldLayoutId id="2147483717" r:id="rId10"/>
+    <p:sldLayoutId id="2147483718" r:id="rId11"/>
+    <p:sldLayoutId id="2147483719" r:id="rId12"/>
   </p:sldLayoutIdLst>
   <p:txStyles>
     <p:titleStyle>
@@ -4398,7 +4574,7 @@
         <p:spPr>
           <a:xfrm>
             <a:off x="4956931" y="4161920"/>
-            <a:ext cx="3583304" cy="998725"/>
+            <a:ext cx="3583304" cy="998724"/>
           </a:xfrm>
           <a:prstGeom prst="rect">
             <a:avLst/>
@@ -4634,6 +4810,9 @@
           <a:prstGeom prst="rect">
             <a:avLst/>
           </a:prstGeom>
+          <a:solidFill>
+            <a:schemeClr val="bg1"/>
+          </a:solidFill>
         </p:spPr>
         <p:style>
           <a:lnRef idx="2">
@@ -4666,6 +4845,11 @@
           <a:prstGeom prst="rect">
             <a:avLst/>
           </a:prstGeom>
+          <a:solidFill>
+            <a:schemeClr val="bg1">
+              <a:lumMod val="90000"/>
+            </a:schemeClr>
+          </a:solidFill>
         </p:spPr>
         <p:style>
           <a:lnRef idx="2">
@@ -4688,14 +4872,26 @@
           <a:p>
             <a:pPr/>
             <a:r>
-              <a:rPr lang="en-US" altLang="ko-KR"/>
+              <a:rPr lang="en-US" altLang="ko-KR">
+                <a:solidFill>
+                  <a:schemeClr val="tx1"/>
+                </a:solidFill>
+              </a:rPr>
               <a:t>#</a:t>
             </a:r>
             <a:r>
-              <a:rPr lang="ko-KR" altLang="en-US"/>
+              <a:rPr lang="ko-KR" altLang="en-US">
+                <a:solidFill>
+                  <a:schemeClr val="tx1"/>
+                </a:solidFill>
+              </a:rPr>
               <a:t>과제</a:t>
             </a:r>
-            <a:endParaRPr lang="ko-KR" altLang="en-US"/>
+            <a:endParaRPr lang="ko-KR" altLang="en-US">
+              <a:solidFill>
+                <a:schemeClr val="tx1"/>
+              </a:solidFill>
+            </a:endParaRPr>
           </a:p>
         </p:txBody>
       </p:sp>
@@ -4713,6 +4909,11 @@
           <a:prstGeom prst="rect">
             <a:avLst/>
           </a:prstGeom>
+          <a:solidFill>
+            <a:schemeClr val="bg1">
+              <a:lumMod val="90000"/>
+            </a:schemeClr>
+          </a:solidFill>
         </p:spPr>
         <p:style>
           <a:lnRef idx="2">
@@ -4735,10 +4936,18 @@
           <a:p>
             <a:pPr algn="ctr"/>
             <a:r>
-              <a:rPr lang="ko-KR" altLang="en-US"/>
+              <a:rPr lang="ko-KR" altLang="en-US">
+                <a:solidFill>
+                  <a:schemeClr val="tx1"/>
+                </a:solidFill>
+              </a:rPr>
               <a:t>#</a:t>
             </a:r>
-            <a:endParaRPr lang="ko-KR" altLang="en-US"/>
+            <a:endParaRPr lang="ko-KR" altLang="en-US">
+              <a:solidFill>
+                <a:schemeClr val="tx1"/>
+              </a:solidFill>
+            </a:endParaRPr>
           </a:p>
         </p:txBody>
       </p:sp>
@@ -4756,6 +4965,11 @@
           <a:prstGeom prst="rect">
             <a:avLst/>
           </a:prstGeom>
+          <a:solidFill>
+            <a:schemeClr val="bg1">
+              <a:lumMod val="90000"/>
+            </a:schemeClr>
+          </a:solidFill>
         </p:spPr>
         <p:style>
           <a:lnRef idx="2">
@@ -4788,6 +5002,9 @@
           <a:prstGeom prst="rect">
             <a:avLst/>
           </a:prstGeom>
+          <a:solidFill>
+            <a:schemeClr val="bg1"/>
+          </a:solidFill>
         </p:spPr>
         <p:style>
           <a:lnRef idx="2">
@@ -4820,6 +5037,11 @@
           <a:prstGeom prst="rect">
             <a:avLst/>
           </a:prstGeom>
+          <a:solidFill>
+            <a:schemeClr val="bg1">
+              <a:lumMod val="90000"/>
+            </a:schemeClr>
+          </a:solidFill>
         </p:spPr>
         <p:style>
           <a:lnRef idx="2">
@@ -4841,11 +5063,11 @@
           <a:bodyPr anchor="ctr"/>
           <a:p>
             <a:pPr algn="ctr"/>
-            <a:r>
-              <a:rPr lang="en-US" altLang="ko-KR"/>
-              <a:t>KeyBoard</a:t>
-            </a:r>
-            <a:endParaRPr lang="en-US" altLang="ko-KR"/>
+            <a:endParaRPr lang="en-US" altLang="ko-KR">
+              <a:solidFill>
+                <a:schemeClr val="tx1"/>
+              </a:solidFill>
+            </a:endParaRPr>
           </a:p>
         </p:txBody>
       </p:sp>
@@ -4865,6 +5087,11 @@
           <a:prstGeom prst="actionButtonForwardNext">
             <a:avLst/>
           </a:prstGeom>
+          <a:solidFill>
+            <a:schemeClr val="bg1">
+              <a:lumMod val="85000"/>
+            </a:schemeClr>
+          </a:solidFill>
         </p:spPr>
         <p:style>
           <a:lnRef idx="2">
@@ -4972,282 +5199,26 @@
           </a:fontRef>
         </p:style>
       </p:sp>
-      <p:grpSp>
-        <p:nvGrpSpPr>
-          <p:cNvPr id="166" name="그룹 165"/>
-          <p:cNvGrpSpPr/>
-          <p:nvPr/>
-        </p:nvGrpSpPr>
-        <p:grpSpPr>
-          <a:xfrm rot="0">
-            <a:off x="678008" y="274204"/>
-            <a:ext cx="4343400" cy="5924550"/>
-            <a:chOff x="3838575" y="476250"/>
-            <a:chExt cx="4343400" cy="5924550"/>
-          </a:xfrm>
-        </p:grpSpPr>
-        <p:sp>
-          <p:nvSpPr>
-            <p:cNvPr id="141" name="TextBox 140"/>
-            <p:cNvSpPr txBox="1"/>
-            <p:nvPr/>
-          </p:nvSpPr>
-          <p:spPr>
-            <a:xfrm>
-              <a:off x="5966460" y="2948223"/>
-              <a:ext cx="249555" cy="297897"/>
-            </a:xfrm>
-            <a:prstGeom prst="rect">
-              <a:avLst/>
-            </a:prstGeom>
-            <a:noFill/>
-          </p:spPr>
-          <p:txBody>
-            <a:bodyPr wrap="none">
-              <a:spAutoFit/>
-            </a:bodyPr>
-            <a:lstStyle/>
-            <a:p>
-              <a:pPr algn="ctr"/>
-              <a:endParaRPr lang="ko-KR" altLang="en-US" sz="1400"/>
-            </a:p>
-          </p:txBody>
-        </p:sp>
-        <p:sp>
-          <p:nvSpPr>
-            <p:cNvPr id="146" name="직사각형 145"/>
-            <p:cNvSpPr/>
-            <p:nvPr/>
-          </p:nvSpPr>
-          <p:spPr>
-            <a:xfrm>
-              <a:off x="4910400" y="2516400"/>
-              <a:ext cx="568800" cy="162000"/>
-            </a:xfrm>
-            <a:prstGeom prst="rect">
-              <a:avLst/>
-            </a:prstGeom>
-            <a:solidFill>
-              <a:schemeClr val="bg1"/>
-            </a:solidFill>
-            <a:ln>
-              <a:noFill/>
-            </a:ln>
-          </p:spPr>
-          <p:style>
-            <a:lnRef idx="2">
-              <a:schemeClr val="accent1">
-                <a:shade val="20000"/>
-              </a:schemeClr>
-            </a:lnRef>
-            <a:fillRef idx="1">
-              <a:schemeClr val="accent1"/>
-            </a:fillRef>
-            <a:effectRef idx="0">
-              <a:schemeClr val="accent1"/>
-            </a:effectRef>
-            <a:fontRef idx="minor">
-              <a:schemeClr val="lt1"/>
-            </a:fontRef>
-          </p:style>
-          <p:txBody>
-            <a:bodyPr vert="horz" wrap="square" lIns="91440" tIns="45720" rIns="91440" bIns="45720" anchor="t"/>
-            <a:p>
-              <a:pPr/>
-              <a:endParaRPr lang="en-US" altLang="ko-KR"/>
-            </a:p>
-          </p:txBody>
-        </p:sp>
-        <p:sp>
-          <p:nvSpPr>
-            <p:cNvPr id="153" name="직사각형 152"/>
-            <p:cNvSpPr/>
-            <p:nvPr/>
-          </p:nvSpPr>
-          <p:spPr>
-            <a:xfrm>
-              <a:off x="3838575" y="476250"/>
-              <a:ext cx="4343400" cy="5924550"/>
-            </a:xfrm>
-            <a:prstGeom prst="rect">
-              <a:avLst/>
-            </a:prstGeom>
-          </p:spPr>
-          <p:style>
-            <a:lnRef idx="2">
-              <a:schemeClr val="accent1">
-                <a:shade val="20000"/>
-              </a:schemeClr>
-            </a:lnRef>
-            <a:fillRef idx="1">
-              <a:schemeClr val="accent1"/>
-            </a:fillRef>
-            <a:effectRef idx="0">
-              <a:schemeClr val="accent1"/>
-            </a:effectRef>
-            <a:fontRef idx="minor">
-              <a:schemeClr val="lt1"/>
-            </a:fontRef>
-          </p:style>
-        </p:sp>
-        <p:sp>
-          <p:nvSpPr>
-            <p:cNvPr id="155" name="직사각형 154"/>
-            <p:cNvSpPr/>
-            <p:nvPr/>
-          </p:nvSpPr>
-          <p:spPr>
-            <a:xfrm>
-              <a:off x="3990975" y="5905500"/>
-              <a:ext cx="4019549" cy="361950"/>
-            </a:xfrm>
-            <a:prstGeom prst="rect">
-              <a:avLst/>
-            </a:prstGeom>
-          </p:spPr>
-          <p:style>
-            <a:lnRef idx="2">
-              <a:schemeClr val="accent1">
-                <a:shade val="20000"/>
-              </a:schemeClr>
-            </a:lnRef>
-            <a:fillRef idx="1">
-              <a:schemeClr val="accent1"/>
-            </a:fillRef>
-            <a:effectRef idx="0">
-              <a:schemeClr val="accent1"/>
-            </a:effectRef>
-            <a:fontRef idx="minor">
-              <a:schemeClr val="lt1"/>
-            </a:fontRef>
-          </p:style>
-        </p:sp>
-        <p:sp>
-          <p:nvSpPr>
-            <p:cNvPr id="156" name="직사각형 155"/>
-            <p:cNvSpPr/>
-            <p:nvPr/>
-          </p:nvSpPr>
-          <p:spPr>
-            <a:xfrm>
-              <a:off x="3996444" y="5472112"/>
-              <a:ext cx="428625" cy="309562"/>
-            </a:xfrm>
-            <a:prstGeom prst="rect">
-              <a:avLst/>
-            </a:prstGeom>
-          </p:spPr>
-          <p:style>
-            <a:lnRef idx="2">
-              <a:schemeClr val="accent1">
-                <a:shade val="20000"/>
-              </a:schemeClr>
-            </a:lnRef>
-            <a:fillRef idx="1">
-              <a:schemeClr val="accent1"/>
-            </a:fillRef>
-            <a:effectRef idx="0">
-              <a:schemeClr val="accent1"/>
-            </a:effectRef>
-            <a:fontRef idx="minor">
-              <a:schemeClr val="lt1"/>
-            </a:fontRef>
-          </p:style>
-          <p:txBody>
-            <a:bodyPr anchor="ctr"/>
-            <a:p>
-              <a:pPr algn="ctr"/>
-              <a:r>
-                <a:rPr lang="ko-KR" altLang="en-US"/>
-                <a:t>#</a:t>
-              </a:r>
-              <a:endParaRPr lang="ko-KR" altLang="en-US"/>
-            </a:p>
-          </p:txBody>
-        </p:sp>
-        <p:sp>
-          <p:nvSpPr>
-            <p:cNvPr id="157" name="직사각형 156"/>
-            <p:cNvSpPr/>
-            <p:nvPr/>
-          </p:nvSpPr>
-          <p:spPr>
-            <a:xfrm>
-              <a:off x="3930650" y="609600"/>
-              <a:ext cx="4152899" cy="533400"/>
-            </a:xfrm>
-            <a:prstGeom prst="rect">
-              <a:avLst/>
-            </a:prstGeom>
-          </p:spPr>
-          <p:style>
-            <a:lnRef idx="2">
-              <a:schemeClr val="accent1">
-                <a:shade val="20000"/>
-              </a:schemeClr>
-            </a:lnRef>
-            <a:fillRef idx="1">
-              <a:schemeClr val="accent1"/>
-            </a:fillRef>
-            <a:effectRef idx="0">
-              <a:schemeClr val="accent1"/>
-            </a:effectRef>
-            <a:fontRef idx="minor">
-              <a:schemeClr val="lt1"/>
-            </a:fontRef>
-          </p:style>
-        </p:sp>
-        <p:sp>
-          <p:nvSpPr>
-            <p:cNvPr id="158" name="직사각형 157"/>
-            <p:cNvSpPr/>
-            <p:nvPr/>
-          </p:nvSpPr>
-          <p:spPr>
-            <a:xfrm>
-              <a:off x="7615237" y="652462"/>
-              <a:ext cx="419100" cy="447674"/>
-            </a:xfrm>
-            <a:prstGeom prst="rect">
-              <a:avLst/>
-            </a:prstGeom>
-          </p:spPr>
-          <p:style>
-            <a:lnRef idx="2">
-              <a:schemeClr val="accent1">
-                <a:shade val="20000"/>
-              </a:schemeClr>
-            </a:lnRef>
-            <a:fillRef idx="1">
-              <a:schemeClr val="accent1"/>
-            </a:fillRef>
-            <a:effectRef idx="0">
-              <a:schemeClr val="accent1"/>
-            </a:effectRef>
-            <a:fontRef idx="minor">
-              <a:schemeClr val="lt1"/>
-            </a:fontRef>
-          </p:style>
-        </p:sp>
-      </p:grpSp>
-      <p:sp>
-        <p:nvSpPr>
-          <p:cNvPr id="168" name="TextBox 140"/>
+      <p:sp>
+        <p:nvSpPr>
+          <p:cNvPr id="141" name="TextBox 140"/>
           <p:cNvSpPr txBox="1"/>
           <p:nvPr/>
         </p:nvSpPr>
         <p:spPr>
           <a:xfrm>
-            <a:off x="8644428" y="2765516"/>
+            <a:off x="2805893" y="2746177"/>
             <a:ext cx="249555" cy="297897"/>
           </a:xfrm>
           <a:prstGeom prst="rect">
             <a:avLst/>
           </a:prstGeom>
-          <a:noFill/>
-        </p:spPr>
-        <p:txBody>
-          <a:bodyPr wrap="square">
+          <a:solidFill>
+            <a:schemeClr val="bg1"/>
+          </a:solidFill>
+        </p:spPr>
+        <p:txBody>
+          <a:bodyPr wrap="none">
             <a:spAutoFit/>
           </a:bodyPr>
           <a:lstStyle/>
@@ -5259,13 +5230,13 @@
       </p:sp>
       <p:sp>
         <p:nvSpPr>
-          <p:cNvPr id="169" name="직사각형 145"/>
-          <p:cNvSpPr/>
-          <p:nvPr/>
-        </p:nvSpPr>
-        <p:spPr>
-          <a:xfrm>
-            <a:off x="7588368" y="2333693"/>
+          <p:cNvPr id="146" name="직사각형 145"/>
+          <p:cNvSpPr/>
+          <p:nvPr/>
+        </p:nvSpPr>
+        <p:spPr>
+          <a:xfrm>
+            <a:off x="1749833" y="2314354"/>
             <a:ext cx="568800" cy="162000"/>
           </a:xfrm>
           <a:prstGeom prst="rect">
@@ -5304,18 +5275,21 @@
       </p:sp>
       <p:sp>
         <p:nvSpPr>
-          <p:cNvPr id="170" name="직사각형 152"/>
-          <p:cNvSpPr/>
-          <p:nvPr/>
-        </p:nvSpPr>
-        <p:spPr>
-          <a:xfrm>
-            <a:off x="6516544" y="293543"/>
+          <p:cNvPr id="153" name="직사각형 152"/>
+          <p:cNvSpPr/>
+          <p:nvPr/>
+        </p:nvSpPr>
+        <p:spPr>
+          <a:xfrm>
+            <a:off x="678008" y="274204"/>
             <a:ext cx="4343400" cy="5924550"/>
           </a:xfrm>
           <a:prstGeom prst="rect">
             <a:avLst/>
           </a:prstGeom>
+          <a:solidFill>
+            <a:schemeClr val="bg1"/>
+          </a:solidFill>
         </p:spPr>
         <p:style>
           <a:lnRef idx="2">
@@ -5336,18 +5310,23 @@
       </p:sp>
       <p:sp>
         <p:nvSpPr>
-          <p:cNvPr id="173" name="직사각형 156"/>
-          <p:cNvSpPr/>
-          <p:nvPr/>
-        </p:nvSpPr>
-        <p:spPr>
-          <a:xfrm>
-            <a:off x="6608618" y="426893"/>
-            <a:ext cx="4152899" cy="533400"/>
-          </a:xfrm>
-          <a:prstGeom prst="rect">
-            <a:avLst/>
-          </a:prstGeom>
+          <p:cNvPr id="155" name="직사각형 154"/>
+          <p:cNvSpPr/>
+          <p:nvPr/>
+        </p:nvSpPr>
+        <p:spPr>
+          <a:xfrm>
+            <a:off x="830408" y="5703454"/>
+            <a:ext cx="4019549" cy="361950"/>
+          </a:xfrm>
+          <a:prstGeom prst="rect">
+            <a:avLst/>
+          </a:prstGeom>
+          <a:solidFill>
+            <a:schemeClr val="bg1">
+              <a:lumMod val="90000"/>
+            </a:schemeClr>
+          </a:solidFill>
         </p:spPr>
         <p:style>
           <a:lnRef idx="2">
@@ -5365,15 +5344,295 @@
             <a:schemeClr val="lt1"/>
           </a:fontRef>
         </p:style>
+      </p:sp>
+      <p:sp>
+        <p:nvSpPr>
+          <p:cNvPr id="156" name="직사각형 155"/>
+          <p:cNvSpPr/>
+          <p:nvPr/>
+        </p:nvSpPr>
+        <p:spPr>
+          <a:xfrm>
+            <a:off x="835877" y="5270066"/>
+            <a:ext cx="428625" cy="309562"/>
+          </a:xfrm>
+          <a:prstGeom prst="rect">
+            <a:avLst/>
+          </a:prstGeom>
+          <a:solidFill>
+            <a:schemeClr val="bg1">
+              <a:lumMod val="90000"/>
+            </a:schemeClr>
+          </a:solidFill>
+        </p:spPr>
+        <p:style>
+          <a:lnRef idx="2">
+            <a:schemeClr val="accent1">
+              <a:shade val="20000"/>
+            </a:schemeClr>
+          </a:lnRef>
+          <a:fillRef idx="1">
+            <a:schemeClr val="accent1"/>
+          </a:fillRef>
+          <a:effectRef idx="0">
+            <a:schemeClr val="accent1"/>
+          </a:effectRef>
+          <a:fontRef idx="minor">
+            <a:schemeClr val="lt1"/>
+          </a:fontRef>
+        </p:style>
         <p:txBody>
           <a:bodyPr anchor="ctr"/>
           <a:p>
             <a:pPr algn="ctr"/>
             <a:r>
-              <a:rPr lang="ko-KR" altLang="en-US"/>
+              <a:rPr lang="ko-KR" altLang="en-US">
+                <a:solidFill>
+                  <a:schemeClr val="tx1"/>
+                </a:solidFill>
+              </a:rPr>
+              <a:t>#</a:t>
+            </a:r>
+            <a:endParaRPr lang="ko-KR" altLang="en-US">
+              <a:solidFill>
+                <a:schemeClr val="tx1"/>
+              </a:solidFill>
+            </a:endParaRPr>
+          </a:p>
+        </p:txBody>
+      </p:sp>
+      <p:sp>
+        <p:nvSpPr>
+          <p:cNvPr id="157" name="직사각형 156"/>
+          <p:cNvSpPr/>
+          <p:nvPr/>
+        </p:nvSpPr>
+        <p:spPr>
+          <a:xfrm>
+            <a:off x="770083" y="407554"/>
+            <a:ext cx="4152899" cy="533400"/>
+          </a:xfrm>
+          <a:prstGeom prst="rect">
+            <a:avLst/>
+          </a:prstGeom>
+          <a:solidFill>
+            <a:schemeClr val="bg1">
+              <a:lumMod val="90000"/>
+            </a:schemeClr>
+          </a:solidFill>
+        </p:spPr>
+        <p:style>
+          <a:lnRef idx="2">
+            <a:schemeClr val="accent1">
+              <a:shade val="20000"/>
+            </a:schemeClr>
+          </a:lnRef>
+          <a:fillRef idx="1">
+            <a:schemeClr val="accent1"/>
+          </a:fillRef>
+          <a:effectRef idx="0">
+            <a:schemeClr val="accent1"/>
+          </a:effectRef>
+          <a:fontRef idx="minor">
+            <a:schemeClr val="lt1"/>
+          </a:fontRef>
+        </p:style>
+      </p:sp>
+      <p:sp>
+        <p:nvSpPr>
+          <p:cNvPr id="158" name="직사각형 157"/>
+          <p:cNvSpPr/>
+          <p:nvPr/>
+        </p:nvSpPr>
+        <p:spPr>
+          <a:xfrm>
+            <a:off x="4454670" y="450416"/>
+            <a:ext cx="419100" cy="447674"/>
+          </a:xfrm>
+          <a:prstGeom prst="rect">
+            <a:avLst/>
+          </a:prstGeom>
+          <a:solidFill>
+            <a:schemeClr val="bg1"/>
+          </a:solidFill>
+        </p:spPr>
+        <p:style>
+          <a:lnRef idx="2">
+            <a:schemeClr val="accent1">
+              <a:shade val="20000"/>
+            </a:schemeClr>
+          </a:lnRef>
+          <a:fillRef idx="1">
+            <a:schemeClr val="accent1"/>
+          </a:fillRef>
+          <a:effectRef idx="0">
+            <a:schemeClr val="accent1"/>
+          </a:effectRef>
+          <a:fontRef idx="minor">
+            <a:schemeClr val="lt1"/>
+          </a:fontRef>
+        </p:style>
+      </p:sp>
+      <p:sp>
+        <p:nvSpPr>
+          <p:cNvPr id="168" name="TextBox 140"/>
+          <p:cNvSpPr txBox="1"/>
+          <p:nvPr/>
+        </p:nvSpPr>
+        <p:spPr>
+          <a:xfrm>
+            <a:off x="8644428" y="2765516"/>
+            <a:ext cx="249555" cy="297897"/>
+          </a:xfrm>
+          <a:prstGeom prst="rect">
+            <a:avLst/>
+          </a:prstGeom>
+          <a:noFill/>
+        </p:spPr>
+        <p:txBody>
+          <a:bodyPr wrap="square">
+            <a:spAutoFit/>
+          </a:bodyPr>
+          <a:lstStyle/>
+          <a:p>
+            <a:pPr algn="ctr"/>
+            <a:endParaRPr lang="ko-KR" altLang="en-US" sz="1400"/>
+          </a:p>
+        </p:txBody>
+      </p:sp>
+      <p:sp>
+        <p:nvSpPr>
+          <p:cNvPr id="169" name="직사각형 145"/>
+          <p:cNvSpPr/>
+          <p:nvPr/>
+        </p:nvSpPr>
+        <p:spPr>
+          <a:xfrm>
+            <a:off x="7588368" y="2333693"/>
+            <a:ext cx="568800" cy="162000"/>
+          </a:xfrm>
+          <a:prstGeom prst="rect">
+            <a:avLst/>
+          </a:prstGeom>
+          <a:solidFill>
+            <a:schemeClr val="bg1"/>
+          </a:solidFill>
+          <a:ln>
+            <a:noFill/>
+          </a:ln>
+        </p:spPr>
+        <p:style>
+          <a:lnRef idx="2">
+            <a:schemeClr val="accent1">
+              <a:shade val="20000"/>
+            </a:schemeClr>
+          </a:lnRef>
+          <a:fillRef idx="1">
+            <a:schemeClr val="accent1"/>
+          </a:fillRef>
+          <a:effectRef idx="0">
+            <a:schemeClr val="accent1"/>
+          </a:effectRef>
+          <a:fontRef idx="minor">
+            <a:schemeClr val="lt1"/>
+          </a:fontRef>
+        </p:style>
+        <p:txBody>
+          <a:bodyPr vert="horz" wrap="square" lIns="91440" tIns="45720" rIns="91440" bIns="45720" anchor="t"/>
+          <a:p>
+            <a:pPr/>
+            <a:endParaRPr lang="en-US" altLang="ko-KR"/>
+          </a:p>
+        </p:txBody>
+      </p:sp>
+      <p:sp>
+        <p:nvSpPr>
+          <p:cNvPr id="170" name="직사각형 152"/>
+          <p:cNvSpPr/>
+          <p:nvPr/>
+        </p:nvSpPr>
+        <p:spPr>
+          <a:xfrm>
+            <a:off x="6516544" y="293543"/>
+            <a:ext cx="4343400" cy="5924550"/>
+          </a:xfrm>
+          <a:prstGeom prst="rect">
+            <a:avLst/>
+          </a:prstGeom>
+          <a:solidFill>
+            <a:schemeClr val="bg1"/>
+          </a:solidFill>
+        </p:spPr>
+        <p:style>
+          <a:lnRef idx="2">
+            <a:schemeClr val="accent1">
+              <a:shade val="20000"/>
+            </a:schemeClr>
+          </a:lnRef>
+          <a:fillRef idx="1">
+            <a:schemeClr val="accent1"/>
+          </a:fillRef>
+          <a:effectRef idx="0">
+            <a:schemeClr val="accent1"/>
+          </a:effectRef>
+          <a:fontRef idx="minor">
+            <a:schemeClr val="lt1"/>
+          </a:fontRef>
+        </p:style>
+      </p:sp>
+      <p:sp>
+        <p:nvSpPr>
+          <p:cNvPr id="173" name="직사각형 156"/>
+          <p:cNvSpPr/>
+          <p:nvPr/>
+        </p:nvSpPr>
+        <p:spPr>
+          <a:xfrm>
+            <a:off x="6608618" y="426893"/>
+            <a:ext cx="4152899" cy="533400"/>
+          </a:xfrm>
+          <a:prstGeom prst="rect">
+            <a:avLst/>
+          </a:prstGeom>
+          <a:solidFill>
+            <a:schemeClr val="bg1">
+              <a:lumMod val="90000"/>
+            </a:schemeClr>
+          </a:solidFill>
+        </p:spPr>
+        <p:style>
+          <a:lnRef idx="2">
+            <a:schemeClr val="accent1">
+              <a:shade val="20000"/>
+            </a:schemeClr>
+          </a:lnRef>
+          <a:fillRef idx="1">
+            <a:schemeClr val="accent1"/>
+          </a:fillRef>
+          <a:effectRef idx="0">
+            <a:schemeClr val="accent1"/>
+          </a:effectRef>
+          <a:fontRef idx="minor">
+            <a:schemeClr val="lt1"/>
+          </a:fontRef>
+        </p:style>
+        <p:txBody>
+          <a:bodyPr anchor="ctr"/>
+          <a:p>
+            <a:pPr algn="ctr"/>
+            <a:r>
+              <a:rPr lang="ko-KR" altLang="en-US">
+                <a:solidFill>
+                  <a:schemeClr val="tx1"/>
+                </a:solidFill>
+              </a:rPr>
               <a:t>로그아웃</a:t>
             </a:r>
-            <a:endParaRPr lang="ko-KR" altLang="en-US"/>
+            <a:endParaRPr lang="ko-KR" altLang="en-US">
+              <a:solidFill>
+                <a:schemeClr val="tx1"/>
+              </a:solidFill>
+            </a:endParaRPr>
           </a:p>
         </p:txBody>
       </p:sp>
@@ -5394,6 +5653,9 @@
               <a:gd name="adj2" fmla="val 50000"/>
             </a:avLst>
           </a:prstGeom>
+          <a:solidFill>
+            <a:srgbClr val="f9f9c7"/>
+          </a:solidFill>
         </p:spPr>
         <p:style>
           <a:lnRef idx="2">
@@ -5416,10 +5678,18 @@
           <a:p>
             <a:pPr algn="ctr"/>
             <a:r>
-              <a:rPr lang="en-US" altLang="ko-KR"/>
+              <a:rPr lang="en-US" altLang="ko-KR">
+                <a:solidFill>
+                  <a:schemeClr val="tx1"/>
+                </a:solidFill>
+              </a:rPr>
               <a:t>Click!!!</a:t>
             </a:r>
-            <a:endParaRPr lang="en-US" altLang="ko-KR"/>
+            <a:endParaRPr lang="en-US" altLang="ko-KR">
+              <a:solidFill>
+                <a:schemeClr val="tx1"/>
+              </a:solidFill>
+            </a:endParaRPr>
           </a:p>
         </p:txBody>
       </p:sp>
@@ -5437,6 +5707,11 @@
           <a:prstGeom prst="rect">
             <a:avLst/>
           </a:prstGeom>
+          <a:solidFill>
+            <a:schemeClr val="bg1">
+              <a:lumMod val="90000"/>
+            </a:schemeClr>
+          </a:solidFill>
         </p:spPr>
         <p:style>
           <a:lnRef idx="2">
@@ -5459,10 +5734,18 @@
           <a:p>
             <a:pPr algn="ctr"/>
             <a:r>
-              <a:rPr lang="ko-KR" altLang="en-US"/>
+              <a:rPr lang="ko-KR" altLang="en-US">
+                <a:solidFill>
+                  <a:schemeClr val="tx1"/>
+                </a:solidFill>
+              </a:rPr>
               <a:t>내 메모 모아보기</a:t>
             </a:r>
-            <a:endParaRPr lang="ko-KR" altLang="en-US"/>
+            <a:endParaRPr lang="ko-KR" altLang="en-US">
+              <a:solidFill>
+                <a:schemeClr val="tx1"/>
+              </a:solidFill>
+            </a:endParaRPr>
           </a:p>
         </p:txBody>
       </p:sp>
@@ -5480,6 +5763,11 @@
           <a:prstGeom prst="rect">
             <a:avLst/>
           </a:prstGeom>
+          <a:solidFill>
+            <a:schemeClr val="bg1">
+              <a:lumMod val="90000"/>
+            </a:schemeClr>
+          </a:solidFill>
         </p:spPr>
         <p:style>
           <a:lnRef idx="2">
@@ -5504,7 +5792,7 @@
             <a:r>
               <a:rPr xmlns:mc="http://schemas.openxmlformats.org/markup-compatibility/2006" xmlns:hp="http://schemas.haansoft.com/office/presentation/8.0" lang="ko-KR" altLang="en-US" sz="1800" b="0" i="0" spc="5" mc:Ignorable="hp" hp:hslEmbossed="0">
                 <a:solidFill>
-                  <a:schemeClr val="lt1"/>
+                  <a:schemeClr val="tx1"/>
                 </a:solidFill>
                 <a:latin typeface="+mn-lt"/>
                 <a:ea typeface="+mn-ea"/>
@@ -5514,7 +5802,7 @@
             </a:r>
             <a:endParaRPr xmlns:mc="http://schemas.openxmlformats.org/markup-compatibility/2006" xmlns:hp="http://schemas.haansoft.com/office/presentation/8.0" lang="ko-KR" altLang="en-US" sz="1800" b="0" i="0" spc="5" mc:Ignorable="hp" hp:hslEmbossed="0">
               <a:solidFill>
-                <a:schemeClr val="lt1"/>
+                <a:schemeClr val="tx1"/>
               </a:solidFill>
               <a:latin typeface="+mn-lt"/>
               <a:ea typeface="+mn-ea"/>
@@ -5537,6 +5825,11 @@
           <a:prstGeom prst="rect">
             <a:avLst/>
           </a:prstGeom>
+          <a:solidFill>
+            <a:schemeClr val="bg1">
+              <a:lumMod val="90000"/>
+            </a:schemeClr>
+          </a:solidFill>
         </p:spPr>
         <p:style>
           <a:lnRef idx="2">
@@ -5561,7 +5854,7 @@
             <a:r>
               <a:rPr xmlns:mc="http://schemas.openxmlformats.org/markup-compatibility/2006" xmlns:hp="http://schemas.haansoft.com/office/presentation/8.0" lang="ko-KR" altLang="en-US" sz="1800" b="0" i="0" spc="5" mc:Ignorable="hp" hp:hslEmbossed="0">
                 <a:solidFill>
-                  <a:schemeClr val="lt1"/>
+                  <a:schemeClr val="tx1"/>
                 </a:solidFill>
                 <a:latin typeface="+mn-lt"/>
                 <a:ea typeface="+mn-ea"/>
@@ -5571,7 +5864,7 @@
             </a:r>
             <a:endParaRPr xmlns:mc="http://schemas.openxmlformats.org/markup-compatibility/2006" xmlns:hp="http://schemas.haansoft.com/office/presentation/8.0" lang="ko-KR" altLang="en-US" sz="1800" b="0" i="0" spc="5" mc:Ignorable="hp" hp:hslEmbossed="0">
               <a:solidFill>
-                <a:schemeClr val="lt1"/>
+                <a:schemeClr val="tx1"/>
               </a:solidFill>
               <a:latin typeface="+mn-lt"/>
               <a:ea typeface="+mn-ea"/>
@@ -5594,6 +5887,11 @@
           <a:prstGeom prst="rect">
             <a:avLst/>
           </a:prstGeom>
+          <a:solidFill>
+            <a:schemeClr val="bg1">
+              <a:lumMod val="90000"/>
+            </a:schemeClr>
+          </a:solidFill>
         </p:spPr>
         <p:style>
           <a:lnRef idx="2">
@@ -5618,7 +5916,7 @@
             <a:r>
               <a:rPr xmlns:mc="http://schemas.openxmlformats.org/markup-compatibility/2006" xmlns:hp="http://schemas.haansoft.com/office/presentation/8.0" lang="ko-KR" altLang="en-US" sz="1800" b="0" i="0" spc="5" mc:Ignorable="hp" hp:hslEmbossed="0">
                 <a:solidFill>
-                  <a:schemeClr val="lt1"/>
+                  <a:schemeClr val="tx1"/>
                 </a:solidFill>
                 <a:latin typeface="+mn-lt"/>
                 <a:ea typeface="+mn-ea"/>
@@ -5628,7 +5926,7 @@
             </a:r>
             <a:endParaRPr xmlns:mc="http://schemas.openxmlformats.org/markup-compatibility/2006" xmlns:hp="http://schemas.haansoft.com/office/presentation/8.0" lang="ko-KR" altLang="en-US" sz="1800" b="0" i="0" spc="5" mc:Ignorable="hp" hp:hslEmbossed="0">
               <a:solidFill>
-                <a:schemeClr val="lt1"/>
+                <a:schemeClr val="tx1"/>
               </a:solidFill>
               <a:latin typeface="+mn-lt"/>
               <a:ea typeface="+mn-ea"/>
@@ -5653,6 +5951,11 @@
           <a:prstGeom prst="actionButtonForwardNext">
             <a:avLst/>
           </a:prstGeom>
+          <a:solidFill>
+            <a:schemeClr val="bg1">
+              <a:lumMod val="85000"/>
+            </a:schemeClr>
+          </a:solidFill>
         </p:spPr>
         <p:style>
           <a:lnRef idx="2">
@@ -5696,791 +5999,838 @@
           <a:chExt cx="0" cy="0"/>
         </a:xfrm>
       </p:grpSpPr>
-      <p:grpSp>
-        <p:nvGrpSpPr>
-          <p:cNvPr id="186" name="그룹 185"/>
-          <p:cNvGrpSpPr/>
-          <p:nvPr/>
-        </p:nvGrpSpPr>
-        <p:grpSpPr>
-          <a:xfrm rot="0">
+      <p:sp>
+        <p:nvSpPr>
+          <p:cNvPr id="150" name="직사각형 149"/>
+          <p:cNvSpPr/>
+          <p:nvPr/>
+        </p:nvSpPr>
+        <p:spPr>
+          <a:xfrm>
+            <a:off x="3238501" y="2390774"/>
+            <a:ext cx="1123949" cy="200025"/>
+          </a:xfrm>
+          <a:prstGeom prst="rect">
+            <a:avLst/>
+          </a:prstGeom>
+          <a:solidFill>
+            <a:schemeClr val="bg1"/>
+          </a:solidFill>
+          <a:ln>
+            <a:noFill/>
+          </a:ln>
+        </p:spPr>
+        <p:style>
+          <a:lnRef idx="2">
+            <a:schemeClr val="accent1">
+              <a:shade val="20000"/>
+            </a:schemeClr>
+          </a:lnRef>
+          <a:fillRef idx="1">
+            <a:schemeClr val="accent1"/>
+          </a:fillRef>
+          <a:effectRef idx="0">
+            <a:schemeClr val="accent1"/>
+          </a:effectRef>
+          <a:fontRef idx="minor">
+            <a:schemeClr val="lt1"/>
+          </a:fontRef>
+        </p:style>
+      </p:sp>
+      <p:sp>
+        <p:nvSpPr>
+          <p:cNvPr id="168" name="TextBox 140"/>
+          <p:cNvSpPr txBox="1"/>
+          <p:nvPr/>
+        </p:nvSpPr>
+        <p:spPr>
+          <a:xfrm>
+            <a:off x="2605578" y="2727415"/>
+            <a:ext cx="249555" cy="297897"/>
+          </a:xfrm>
+          <a:prstGeom prst="rect">
+            <a:avLst/>
+          </a:prstGeom>
+          <a:solidFill>
+            <a:schemeClr val="bg1"/>
+          </a:solidFill>
+        </p:spPr>
+        <p:txBody>
+          <a:bodyPr wrap="square">
+            <a:spAutoFit/>
+          </a:bodyPr>
+          <a:lstStyle/>
+          <a:p>
+            <a:pPr algn="ctr"/>
+            <a:endParaRPr lang="ko-KR" altLang="en-US" sz="1400"/>
+          </a:p>
+        </p:txBody>
+      </p:sp>
+      <p:sp>
+        <p:nvSpPr>
+          <p:cNvPr id="169" name="직사각형 145"/>
+          <p:cNvSpPr/>
+          <p:nvPr/>
+        </p:nvSpPr>
+        <p:spPr>
+          <a:xfrm>
+            <a:off x="1549518" y="2295592"/>
+            <a:ext cx="568800" cy="162000"/>
+          </a:xfrm>
+          <a:prstGeom prst="rect">
+            <a:avLst/>
+          </a:prstGeom>
+          <a:solidFill>
+            <a:schemeClr val="bg1"/>
+          </a:solidFill>
+          <a:ln>
+            <a:noFill/>
+          </a:ln>
+        </p:spPr>
+        <p:style>
+          <a:lnRef idx="2">
+            <a:schemeClr val="accent1">
+              <a:shade val="20000"/>
+            </a:schemeClr>
+          </a:lnRef>
+          <a:fillRef idx="1">
+            <a:schemeClr val="accent1"/>
+          </a:fillRef>
+          <a:effectRef idx="0">
+            <a:schemeClr val="accent1"/>
+          </a:effectRef>
+          <a:fontRef idx="minor">
+            <a:schemeClr val="lt1"/>
+          </a:fontRef>
+        </p:style>
+        <p:txBody>
+          <a:bodyPr vert="horz" wrap="square" lIns="91440" tIns="45720" rIns="91440" bIns="45720" anchor="t"/>
+          <a:p>
+            <a:pPr/>
+            <a:endParaRPr lang="en-US" altLang="ko-KR"/>
+          </a:p>
+        </p:txBody>
+      </p:sp>
+      <p:sp>
+        <p:nvSpPr>
+          <p:cNvPr id="170" name="직사각형 152"/>
+          <p:cNvSpPr/>
+          <p:nvPr/>
+        </p:nvSpPr>
+        <p:spPr>
+          <a:xfrm>
             <a:off x="477694" y="255442"/>
             <a:ext cx="4343400" cy="5924550"/>
-            <a:chOff x="6516544" y="293543"/>
-            <a:chExt cx="4343400" cy="5924550"/>
-          </a:xfrm>
-        </p:grpSpPr>
-        <p:sp>
-          <p:nvSpPr>
-            <p:cNvPr id="150" name="직사각형 149"/>
-            <p:cNvSpPr/>
-            <p:nvPr/>
-          </p:nvSpPr>
-          <p:spPr>
-            <a:xfrm>
-              <a:off x="9277351" y="2428875"/>
-              <a:ext cx="1123949" cy="200025"/>
-            </a:xfrm>
-            <a:prstGeom prst="rect">
-              <a:avLst/>
-            </a:prstGeom>
-            <a:solidFill>
-              <a:schemeClr val="bg1"/>
-            </a:solidFill>
-            <a:ln>
-              <a:noFill/>
-            </a:ln>
-          </p:spPr>
-          <p:style>
-            <a:lnRef idx="2">
-              <a:schemeClr val="accent1">
-                <a:shade val="20000"/>
-              </a:schemeClr>
-            </a:lnRef>
-            <a:fillRef idx="1">
-              <a:schemeClr val="accent1"/>
-            </a:fillRef>
-            <a:effectRef idx="0">
-              <a:schemeClr val="accent1"/>
-            </a:effectRef>
-            <a:fontRef idx="minor">
-              <a:schemeClr val="lt1"/>
-            </a:fontRef>
-          </p:style>
-        </p:sp>
-        <p:sp>
-          <p:nvSpPr>
-            <p:cNvPr id="168" name="TextBox 140"/>
-            <p:cNvSpPr txBox="1"/>
-            <p:nvPr/>
-          </p:nvSpPr>
-          <p:spPr>
-            <a:xfrm>
-              <a:off x="8644428" y="2765516"/>
-              <a:ext cx="249555" cy="297897"/>
-            </a:xfrm>
-            <a:prstGeom prst="rect">
-              <a:avLst/>
-            </a:prstGeom>
-            <a:noFill/>
-          </p:spPr>
-          <p:txBody>
-            <a:bodyPr wrap="square">
-              <a:spAutoFit/>
-            </a:bodyPr>
-            <a:lstStyle/>
-            <a:p>
-              <a:pPr algn="ctr"/>
-              <a:endParaRPr lang="ko-KR" altLang="en-US" sz="1400"/>
-            </a:p>
-          </p:txBody>
-        </p:sp>
-        <p:sp>
-          <p:nvSpPr>
-            <p:cNvPr id="169" name="직사각형 145"/>
-            <p:cNvSpPr/>
-            <p:nvPr/>
-          </p:nvSpPr>
-          <p:spPr>
-            <a:xfrm>
-              <a:off x="7588368" y="2333693"/>
-              <a:ext cx="568800" cy="162000"/>
-            </a:xfrm>
-            <a:prstGeom prst="rect">
-              <a:avLst/>
-            </a:prstGeom>
-            <a:solidFill>
-              <a:schemeClr val="bg1"/>
-            </a:solidFill>
-            <a:ln>
-              <a:noFill/>
-            </a:ln>
-          </p:spPr>
-          <p:style>
-            <a:lnRef idx="2">
-              <a:schemeClr val="accent1">
-                <a:shade val="20000"/>
-              </a:schemeClr>
-            </a:lnRef>
-            <a:fillRef idx="1">
-              <a:schemeClr val="accent1"/>
-            </a:fillRef>
-            <a:effectRef idx="0">
-              <a:schemeClr val="accent1"/>
-            </a:effectRef>
-            <a:fontRef idx="minor">
-              <a:schemeClr val="lt1"/>
-            </a:fontRef>
-          </p:style>
-          <p:txBody>
-            <a:bodyPr vert="horz" wrap="square" lIns="91440" tIns="45720" rIns="91440" bIns="45720" anchor="t"/>
-            <a:p>
-              <a:pPr/>
-              <a:endParaRPr lang="en-US" altLang="ko-KR"/>
-            </a:p>
-          </p:txBody>
-        </p:sp>
-        <p:sp>
-          <p:nvSpPr>
-            <p:cNvPr id="170" name="직사각형 152"/>
-            <p:cNvSpPr/>
-            <p:nvPr/>
-          </p:nvSpPr>
-          <p:spPr>
-            <a:xfrm>
-              <a:off x="6516544" y="293543"/>
-              <a:ext cx="4343400" cy="5924550"/>
-            </a:xfrm>
-            <a:prstGeom prst="rect">
-              <a:avLst/>
-            </a:prstGeom>
-          </p:spPr>
-          <p:style>
-            <a:lnRef idx="2">
-              <a:schemeClr val="accent1">
-                <a:shade val="20000"/>
-              </a:schemeClr>
-            </a:lnRef>
-            <a:fillRef idx="1">
-              <a:schemeClr val="accent1"/>
-            </a:fillRef>
-            <a:effectRef idx="0">
-              <a:schemeClr val="accent1"/>
-            </a:effectRef>
-            <a:fontRef idx="minor">
-              <a:schemeClr val="lt1"/>
-            </a:fontRef>
-          </p:style>
-        </p:sp>
-        <p:sp>
-          <p:nvSpPr>
-            <p:cNvPr id="173" name="직사각형 156"/>
-            <p:cNvSpPr/>
-            <p:nvPr/>
-          </p:nvSpPr>
-          <p:spPr>
-            <a:xfrm>
-              <a:off x="6608618" y="426893"/>
-              <a:ext cx="4152899" cy="533400"/>
-            </a:xfrm>
-            <a:prstGeom prst="rect">
-              <a:avLst/>
-            </a:prstGeom>
-          </p:spPr>
-          <p:style>
-            <a:lnRef idx="2">
-              <a:schemeClr val="accent1">
-                <a:shade val="20000"/>
-              </a:schemeClr>
-            </a:lnRef>
-            <a:fillRef idx="1">
-              <a:schemeClr val="accent1"/>
-            </a:fillRef>
-            <a:effectRef idx="0">
-              <a:schemeClr val="accent1"/>
-            </a:effectRef>
-            <a:fontRef idx="minor">
-              <a:schemeClr val="lt1"/>
-            </a:fontRef>
-          </p:style>
-          <p:txBody>
-            <a:bodyPr anchor="ctr"/>
-            <a:p>
-              <a:pPr algn="ctr"/>
-              <a:r>
-                <a:rPr lang="ko-KR" altLang="en-US"/>
-                <a:t>로그아웃</a:t>
-              </a:r>
-              <a:endParaRPr lang="ko-KR" altLang="en-US"/>
-            </a:p>
-          </p:txBody>
-        </p:sp>
-        <p:sp>
-          <p:nvSpPr>
-            <p:cNvPr id="177" name="직사각형 156"/>
-            <p:cNvSpPr/>
-            <p:nvPr/>
-          </p:nvSpPr>
-          <p:spPr>
-            <a:xfrm>
-              <a:off x="6624736" y="1116124"/>
-              <a:ext cx="4152899" cy="533400"/>
-            </a:xfrm>
-            <a:prstGeom prst="rect">
-              <a:avLst/>
-            </a:prstGeom>
-          </p:spPr>
-          <p:style>
-            <a:lnRef idx="2">
-              <a:schemeClr val="accent1">
-                <a:shade val="20000"/>
-              </a:schemeClr>
-            </a:lnRef>
-            <a:fillRef idx="1">
-              <a:schemeClr val="accent1"/>
-            </a:fillRef>
-            <a:effectRef idx="0">
-              <a:schemeClr val="accent1"/>
-            </a:effectRef>
-            <a:fontRef idx="minor">
-              <a:schemeClr val="lt1"/>
-            </a:fontRef>
-          </p:style>
-          <p:txBody>
-            <a:bodyPr anchor="ctr"/>
-            <a:p>
-              <a:pPr algn="ctr"/>
-              <a:r>
-                <a:rPr lang="ko-KR" altLang="en-US"/>
-                <a:t>내 메모</a:t>
-              </a:r>
-              <a:endParaRPr lang="ko-KR" altLang="en-US"/>
-            </a:p>
-          </p:txBody>
-        </p:sp>
-        <p:sp>
-          <p:nvSpPr>
-            <p:cNvPr id="181" name="직사각형 156"/>
-            <p:cNvSpPr/>
-            <p:nvPr/>
-          </p:nvSpPr>
-          <p:spPr>
-            <a:xfrm>
-              <a:off x="6624736" y="1938737"/>
-              <a:ext cx="4152899" cy="533400"/>
-            </a:xfrm>
-            <a:prstGeom prst="rect">
-              <a:avLst/>
-            </a:prstGeom>
-          </p:spPr>
-          <p:style>
-            <a:lnRef idx="2">
-              <a:schemeClr val="accent1">
-                <a:shade val="20000"/>
-              </a:schemeClr>
-            </a:lnRef>
-            <a:fillRef idx="1">
-              <a:schemeClr val="accent1"/>
-            </a:fillRef>
-            <a:effectRef idx="0">
-              <a:schemeClr val="accent1"/>
-            </a:effectRef>
-            <a:fontRef idx="minor">
-              <a:schemeClr val="lt1"/>
-            </a:fontRef>
-          </p:style>
-          <p:txBody>
-            <a:bodyPr anchor="ctr"/>
-            <a:p>
-              <a:pPr marL="0" algn="ctr" latinLnBrk="1" hangingPunct="1"/>
-              <a:r>
-                <a:rPr xmlns:mc="http://schemas.openxmlformats.org/markup-compatibility/2006" xmlns:hp="http://schemas.haansoft.com/office/presentation/8.0" lang="ko-KR" altLang="en-US" sz="1800" b="0" i="0" spc="5" mc:Ignorable="hp" hp:hslEmbossed="0">
-                  <a:solidFill>
-                    <a:schemeClr val="lt1"/>
-                  </a:solidFill>
-                  <a:latin typeface="+mn-lt"/>
-                  <a:ea typeface="+mn-ea"/>
-                  <a:cs typeface="+mn-cs"/>
-                </a:rPr>
-                <a:t>오픈소스 라이선스</a:t>
-              </a:r>
-              <a:endParaRPr xmlns:mc="http://schemas.openxmlformats.org/markup-compatibility/2006" xmlns:hp="http://schemas.haansoft.com/office/presentation/8.0" lang="ko-KR" altLang="en-US" sz="1800" b="0" i="0" spc="5" mc:Ignorable="hp" hp:hslEmbossed="0">
+          </a:xfrm>
+          <a:prstGeom prst="rect">
+            <a:avLst/>
+          </a:prstGeom>
+          <a:solidFill>
+            <a:schemeClr val="bg1"/>
+          </a:solidFill>
+        </p:spPr>
+        <p:style>
+          <a:lnRef idx="2">
+            <a:schemeClr val="accent1">
+              <a:shade val="20000"/>
+            </a:schemeClr>
+          </a:lnRef>
+          <a:fillRef idx="1">
+            <a:schemeClr val="accent1"/>
+          </a:fillRef>
+          <a:effectRef idx="0">
+            <a:schemeClr val="accent1"/>
+          </a:effectRef>
+          <a:fontRef idx="minor">
+            <a:schemeClr val="lt1"/>
+          </a:fontRef>
+        </p:style>
+      </p:sp>
+      <p:sp>
+        <p:nvSpPr>
+          <p:cNvPr id="173" name="직사각형 156"/>
+          <p:cNvSpPr/>
+          <p:nvPr/>
+        </p:nvSpPr>
+        <p:spPr>
+          <a:xfrm>
+            <a:off x="569768" y="388792"/>
+            <a:ext cx="4152899" cy="533400"/>
+          </a:xfrm>
+          <a:prstGeom prst="rect">
+            <a:avLst/>
+          </a:prstGeom>
+          <a:solidFill>
+            <a:schemeClr val="bg1">
+              <a:lumMod val="90000"/>
+            </a:schemeClr>
+          </a:solidFill>
+        </p:spPr>
+        <p:style>
+          <a:lnRef idx="2">
+            <a:schemeClr val="accent1">
+              <a:shade val="20000"/>
+            </a:schemeClr>
+          </a:lnRef>
+          <a:fillRef idx="1">
+            <a:schemeClr val="accent1"/>
+          </a:fillRef>
+          <a:effectRef idx="0">
+            <a:schemeClr val="accent1"/>
+          </a:effectRef>
+          <a:fontRef idx="minor">
+            <a:schemeClr val="lt1"/>
+          </a:fontRef>
+        </p:style>
+        <p:txBody>
+          <a:bodyPr anchor="ctr"/>
+          <a:p>
+            <a:pPr algn="ctr"/>
+            <a:r>
+              <a:rPr lang="ko-KR" altLang="en-US">
                 <a:solidFill>
-                  <a:schemeClr val="lt1"/>
+                  <a:schemeClr val="tx1"/>
+                </a:solidFill>
+              </a:rPr>
+              <a:t>로그아웃</a:t>
+            </a:r>
+            <a:endParaRPr lang="ko-KR" altLang="en-US">
+              <a:solidFill>
+                <a:schemeClr val="tx1"/>
+              </a:solidFill>
+            </a:endParaRPr>
+          </a:p>
+        </p:txBody>
+      </p:sp>
+      <p:sp>
+        <p:nvSpPr>
+          <p:cNvPr id="177" name="직사각형 156"/>
+          <p:cNvSpPr/>
+          <p:nvPr/>
+        </p:nvSpPr>
+        <p:spPr>
+          <a:xfrm>
+            <a:off x="585886" y="1078023"/>
+            <a:ext cx="4152899" cy="533400"/>
+          </a:xfrm>
+          <a:prstGeom prst="rect">
+            <a:avLst/>
+          </a:prstGeom>
+          <a:solidFill>
+            <a:schemeClr val="bg1">
+              <a:lumMod val="90000"/>
+            </a:schemeClr>
+          </a:solidFill>
+        </p:spPr>
+        <p:style>
+          <a:lnRef idx="2">
+            <a:schemeClr val="accent1">
+              <a:shade val="20000"/>
+            </a:schemeClr>
+          </a:lnRef>
+          <a:fillRef idx="1">
+            <a:schemeClr val="accent1"/>
+          </a:fillRef>
+          <a:effectRef idx="0">
+            <a:schemeClr val="accent1"/>
+          </a:effectRef>
+          <a:fontRef idx="minor">
+            <a:schemeClr val="lt1"/>
+          </a:fontRef>
+        </p:style>
+        <p:txBody>
+          <a:bodyPr anchor="ctr"/>
+          <a:p>
+            <a:pPr algn="ctr"/>
+            <a:r>
+              <a:rPr lang="ko-KR" altLang="en-US">
+                <a:solidFill>
+                  <a:schemeClr val="tx1"/>
+                </a:solidFill>
+              </a:rPr>
+              <a:t>내 메모</a:t>
+            </a:r>
+            <a:endParaRPr lang="ko-KR" altLang="en-US">
+              <a:solidFill>
+                <a:schemeClr val="tx1"/>
+              </a:solidFill>
+            </a:endParaRPr>
+          </a:p>
+        </p:txBody>
+      </p:sp>
+      <p:sp>
+        <p:nvSpPr>
+          <p:cNvPr id="181" name="직사각형 156"/>
+          <p:cNvSpPr/>
+          <p:nvPr/>
+        </p:nvSpPr>
+        <p:spPr>
+          <a:xfrm>
+            <a:off x="585886" y="1900636"/>
+            <a:ext cx="4152899" cy="533400"/>
+          </a:xfrm>
+          <a:prstGeom prst="rect">
+            <a:avLst/>
+          </a:prstGeom>
+          <a:solidFill>
+            <a:schemeClr val="bg1">
+              <a:lumMod val="90000"/>
+            </a:schemeClr>
+          </a:solidFill>
+        </p:spPr>
+        <p:style>
+          <a:lnRef idx="2">
+            <a:schemeClr val="accent1">
+              <a:shade val="20000"/>
+            </a:schemeClr>
+          </a:lnRef>
+          <a:fillRef idx="1">
+            <a:schemeClr val="accent1"/>
+          </a:fillRef>
+          <a:effectRef idx="0">
+            <a:schemeClr val="accent1"/>
+          </a:effectRef>
+          <a:fontRef idx="minor">
+            <a:schemeClr val="lt1"/>
+          </a:fontRef>
+        </p:style>
+        <p:txBody>
+          <a:bodyPr anchor="ctr"/>
+          <a:p>
+            <a:pPr marL="0" algn="ctr" latinLnBrk="1" hangingPunct="1"/>
+            <a:r>
+              <a:rPr xmlns:mc="http://schemas.openxmlformats.org/markup-compatibility/2006" xmlns:hp="http://schemas.haansoft.com/office/presentation/8.0" lang="ko-KR" altLang="en-US" sz="1800" b="0" i="0" spc="5" mc:Ignorable="hp" hp:hslEmbossed="0">
+                <a:solidFill>
+                  <a:schemeClr val="tx1"/>
                 </a:solidFill>
                 <a:latin typeface="+mn-lt"/>
                 <a:ea typeface="+mn-ea"/>
                 <a:cs typeface="+mn-cs"/>
-              </a:endParaRPr>
-            </a:p>
-          </p:txBody>
-        </p:sp>
-        <p:sp>
-          <p:nvSpPr>
-            <p:cNvPr id="182" name="직사각형 156"/>
-            <p:cNvSpPr/>
-            <p:nvPr/>
-          </p:nvSpPr>
-          <p:spPr>
-            <a:xfrm>
-              <a:off x="6624736" y="2746919"/>
-              <a:ext cx="4152899" cy="533400"/>
-            </a:xfrm>
-            <a:prstGeom prst="rect">
-              <a:avLst/>
-            </a:prstGeom>
-          </p:spPr>
-          <p:style>
-            <a:lnRef idx="2">
-              <a:schemeClr val="accent1">
-                <a:shade val="20000"/>
-              </a:schemeClr>
-            </a:lnRef>
-            <a:fillRef idx="1">
-              <a:schemeClr val="accent1"/>
-            </a:fillRef>
-            <a:effectRef idx="0">
-              <a:schemeClr val="accent1"/>
-            </a:effectRef>
-            <a:fontRef idx="minor">
-              <a:schemeClr val="lt1"/>
-            </a:fontRef>
-          </p:style>
-          <p:txBody>
-            <a:bodyPr anchor="ctr"/>
-            <a:p>
-              <a:pPr marL="0" algn="ctr" latinLnBrk="1" hangingPunct="1"/>
-              <a:r>
-                <a:rPr xmlns:mc="http://schemas.openxmlformats.org/markup-compatibility/2006" xmlns:hp="http://schemas.haansoft.com/office/presentation/8.0" lang="ko-KR" altLang="en-US" sz="1800" b="0" i="0" spc="5" mc:Ignorable="hp" hp:hslEmbossed="0">
-                  <a:solidFill>
-                    <a:schemeClr val="lt1"/>
-                  </a:solidFill>
-                  <a:latin typeface="+mn-lt"/>
-                  <a:ea typeface="+mn-ea"/>
-                  <a:cs typeface="+mn-cs"/>
-                </a:rPr>
-                <a:t>도움말</a:t>
-              </a:r>
-              <a:endParaRPr xmlns:mc="http://schemas.openxmlformats.org/markup-compatibility/2006" xmlns:hp="http://schemas.haansoft.com/office/presentation/8.0" lang="ko-KR" altLang="en-US" sz="1800" b="0" i="0" spc="5" mc:Ignorable="hp" hp:hslEmbossed="0">
+              </a:rPr>
+              <a:t>오픈소스 라이선스</a:t>
+            </a:r>
+            <a:endParaRPr xmlns:mc="http://schemas.openxmlformats.org/markup-compatibility/2006" xmlns:hp="http://schemas.haansoft.com/office/presentation/8.0" lang="ko-KR" altLang="en-US" sz="1800" b="0" i="0" spc="5" mc:Ignorable="hp" hp:hslEmbossed="0">
+              <a:solidFill>
+                <a:schemeClr val="tx1"/>
+              </a:solidFill>
+              <a:latin typeface="+mn-lt"/>
+              <a:ea typeface="+mn-ea"/>
+              <a:cs typeface="+mn-cs"/>
+            </a:endParaRPr>
+          </a:p>
+        </p:txBody>
+      </p:sp>
+      <p:sp>
+        <p:nvSpPr>
+          <p:cNvPr id="182" name="직사각형 156"/>
+          <p:cNvSpPr/>
+          <p:nvPr/>
+        </p:nvSpPr>
+        <p:spPr>
+          <a:xfrm>
+            <a:off x="585886" y="2708818"/>
+            <a:ext cx="4152899" cy="533400"/>
+          </a:xfrm>
+          <a:prstGeom prst="rect">
+            <a:avLst/>
+          </a:prstGeom>
+          <a:solidFill>
+            <a:schemeClr val="bg1">
+              <a:lumMod val="90000"/>
+            </a:schemeClr>
+          </a:solidFill>
+        </p:spPr>
+        <p:style>
+          <a:lnRef idx="2">
+            <a:schemeClr val="accent1">
+              <a:shade val="20000"/>
+            </a:schemeClr>
+          </a:lnRef>
+          <a:fillRef idx="1">
+            <a:schemeClr val="accent1"/>
+          </a:fillRef>
+          <a:effectRef idx="0">
+            <a:schemeClr val="accent1"/>
+          </a:effectRef>
+          <a:fontRef idx="minor">
+            <a:schemeClr val="lt1"/>
+          </a:fontRef>
+        </p:style>
+        <p:txBody>
+          <a:bodyPr anchor="ctr"/>
+          <a:p>
+            <a:pPr marL="0" algn="ctr" latinLnBrk="1" hangingPunct="1"/>
+            <a:r>
+              <a:rPr xmlns:mc="http://schemas.openxmlformats.org/markup-compatibility/2006" xmlns:hp="http://schemas.haansoft.com/office/presentation/8.0" lang="ko-KR" altLang="en-US" sz="1800" b="0" i="0" spc="5" mc:Ignorable="hp" hp:hslEmbossed="0">
                 <a:solidFill>
-                  <a:schemeClr val="lt1"/>
+                  <a:schemeClr val="tx1"/>
                 </a:solidFill>
                 <a:latin typeface="+mn-lt"/>
                 <a:ea typeface="+mn-ea"/>
                 <a:cs typeface="+mn-cs"/>
-              </a:endParaRPr>
-            </a:p>
-          </p:txBody>
-        </p:sp>
-        <p:sp>
-          <p:nvSpPr>
-            <p:cNvPr id="184" name="직사각형 156"/>
-            <p:cNvSpPr/>
-            <p:nvPr/>
-          </p:nvSpPr>
-          <p:spPr>
-            <a:xfrm>
-              <a:off x="6624736" y="3429000"/>
-              <a:ext cx="4152899" cy="533400"/>
-            </a:xfrm>
-            <a:prstGeom prst="rect">
-              <a:avLst/>
-            </a:prstGeom>
-          </p:spPr>
-          <p:style>
-            <a:lnRef idx="2">
-              <a:schemeClr val="accent1">
-                <a:shade val="20000"/>
-              </a:schemeClr>
-            </a:lnRef>
-            <a:fillRef idx="1">
-              <a:schemeClr val="accent1"/>
-            </a:fillRef>
-            <a:effectRef idx="0">
-              <a:schemeClr val="accent1"/>
-            </a:effectRef>
-            <a:fontRef idx="minor">
-              <a:schemeClr val="lt1"/>
-            </a:fontRef>
-          </p:style>
-          <p:txBody>
-            <a:bodyPr anchor="ctr"/>
-            <a:p>
-              <a:pPr marL="0" algn="ctr" latinLnBrk="1" hangingPunct="1"/>
-              <a:r>
-                <a:rPr xmlns:mc="http://schemas.openxmlformats.org/markup-compatibility/2006" xmlns:hp="http://schemas.haansoft.com/office/presentation/8.0" lang="ko-KR" altLang="en-US" sz="1800" b="0" i="0" spc="5" mc:Ignorable="hp" hp:hslEmbossed="0">
-                  <a:solidFill>
-                    <a:schemeClr val="lt1"/>
-                  </a:solidFill>
-                  <a:latin typeface="+mn-lt"/>
-                  <a:ea typeface="+mn-ea"/>
-                  <a:cs typeface="+mn-cs"/>
-                </a:rPr>
-                <a:t>앱 정보</a:t>
-              </a:r>
-              <a:endParaRPr xmlns:mc="http://schemas.openxmlformats.org/markup-compatibility/2006" xmlns:hp="http://schemas.haansoft.com/office/presentation/8.0" lang="ko-KR" altLang="en-US" sz="1800" b="0" i="0" spc="5" mc:Ignorable="hp" hp:hslEmbossed="0">
+              </a:rPr>
+              <a:t>도움말</a:t>
+            </a:r>
+            <a:endParaRPr xmlns:mc="http://schemas.openxmlformats.org/markup-compatibility/2006" xmlns:hp="http://schemas.haansoft.com/office/presentation/8.0" lang="ko-KR" altLang="en-US" sz="1800" b="0" i="0" spc="5" mc:Ignorable="hp" hp:hslEmbossed="0">
+              <a:solidFill>
+                <a:schemeClr val="tx1"/>
+              </a:solidFill>
+              <a:latin typeface="+mn-lt"/>
+              <a:ea typeface="+mn-ea"/>
+              <a:cs typeface="+mn-cs"/>
+            </a:endParaRPr>
+          </a:p>
+        </p:txBody>
+      </p:sp>
+      <p:sp>
+        <p:nvSpPr>
+          <p:cNvPr id="184" name="직사각형 156"/>
+          <p:cNvSpPr/>
+          <p:nvPr/>
+        </p:nvSpPr>
+        <p:spPr>
+          <a:xfrm>
+            <a:off x="585886" y="3390899"/>
+            <a:ext cx="4152899" cy="533400"/>
+          </a:xfrm>
+          <a:prstGeom prst="rect">
+            <a:avLst/>
+          </a:prstGeom>
+          <a:solidFill>
+            <a:schemeClr val="bg1">
+              <a:lumMod val="90000"/>
+            </a:schemeClr>
+          </a:solidFill>
+        </p:spPr>
+        <p:style>
+          <a:lnRef idx="2">
+            <a:schemeClr val="accent1">
+              <a:shade val="20000"/>
+            </a:schemeClr>
+          </a:lnRef>
+          <a:fillRef idx="1">
+            <a:schemeClr val="accent1"/>
+          </a:fillRef>
+          <a:effectRef idx="0">
+            <a:schemeClr val="accent1"/>
+          </a:effectRef>
+          <a:fontRef idx="minor">
+            <a:schemeClr val="lt1"/>
+          </a:fontRef>
+        </p:style>
+        <p:txBody>
+          <a:bodyPr anchor="ctr"/>
+          <a:p>
+            <a:pPr marL="0" algn="ctr" latinLnBrk="1" hangingPunct="1"/>
+            <a:r>
+              <a:rPr xmlns:mc="http://schemas.openxmlformats.org/markup-compatibility/2006" xmlns:hp="http://schemas.haansoft.com/office/presentation/8.0" lang="ko-KR" altLang="en-US" sz="1800" b="0" i="0" spc="5" mc:Ignorable="hp" hp:hslEmbossed="0">
                 <a:solidFill>
-                  <a:schemeClr val="lt1"/>
+                  <a:schemeClr val="tx1"/>
                 </a:solidFill>
                 <a:latin typeface="+mn-lt"/>
                 <a:ea typeface="+mn-ea"/>
                 <a:cs typeface="+mn-cs"/>
-              </a:endParaRPr>
-            </a:p>
-          </p:txBody>
-        </p:sp>
-      </p:grpSp>
-      <p:grpSp>
-        <p:nvGrpSpPr>
-          <p:cNvPr id="197" name="그룹 196"/>
-          <p:cNvGrpSpPr/>
-          <p:nvPr/>
-        </p:nvGrpSpPr>
-        <p:grpSpPr>
-          <a:xfrm rot="0">
+              </a:rPr>
+              <a:t>앱 정보</a:t>
+            </a:r>
+            <a:endParaRPr xmlns:mc="http://schemas.openxmlformats.org/markup-compatibility/2006" xmlns:hp="http://schemas.haansoft.com/office/presentation/8.0" lang="ko-KR" altLang="en-US" sz="1800" b="0" i="0" spc="5" mc:Ignorable="hp" hp:hslEmbossed="0">
+              <a:solidFill>
+                <a:schemeClr val="tx1"/>
+              </a:solidFill>
+              <a:latin typeface="+mn-lt"/>
+              <a:ea typeface="+mn-ea"/>
+              <a:cs typeface="+mn-cs"/>
+            </a:endParaRPr>
+          </a:p>
+        </p:txBody>
+      </p:sp>
+      <p:sp>
+        <p:nvSpPr>
+          <p:cNvPr id="188" name="직사각형 149"/>
+          <p:cNvSpPr/>
+          <p:nvPr/>
+        </p:nvSpPr>
+        <p:spPr>
+          <a:xfrm>
+            <a:off x="8286752" y="2352674"/>
+            <a:ext cx="1123949" cy="200025"/>
+          </a:xfrm>
+          <a:prstGeom prst="rect">
+            <a:avLst/>
+          </a:prstGeom>
+          <a:solidFill>
+            <a:schemeClr val="bg1"/>
+          </a:solidFill>
+          <a:ln>
+            <a:noFill/>
+          </a:ln>
+        </p:spPr>
+        <p:style>
+          <a:lnRef idx="2">
+            <a:schemeClr val="accent1">
+              <a:shade val="20000"/>
+            </a:schemeClr>
+          </a:lnRef>
+          <a:fillRef idx="1">
+            <a:schemeClr val="accent1"/>
+          </a:fillRef>
+          <a:effectRef idx="0">
+            <a:schemeClr val="accent1"/>
+          </a:effectRef>
+          <a:fontRef idx="minor">
+            <a:schemeClr val="lt1"/>
+          </a:fontRef>
+        </p:style>
+      </p:sp>
+      <p:sp>
+        <p:nvSpPr>
+          <p:cNvPr id="189" name="TextBox 140"/>
+          <p:cNvSpPr txBox="1"/>
+          <p:nvPr/>
+        </p:nvSpPr>
+        <p:spPr>
+          <a:xfrm>
+            <a:off x="7653829" y="2689315"/>
+            <a:ext cx="249555" cy="297897"/>
+          </a:xfrm>
+          <a:prstGeom prst="rect">
+            <a:avLst/>
+          </a:prstGeom>
+          <a:noFill/>
+        </p:spPr>
+        <p:txBody>
+          <a:bodyPr wrap="square">
+            <a:spAutoFit/>
+          </a:bodyPr>
+          <a:lstStyle/>
+          <a:p>
+            <a:pPr algn="ctr"/>
+            <a:endParaRPr lang="ko-KR" altLang="en-US" sz="1400"/>
+          </a:p>
+        </p:txBody>
+      </p:sp>
+      <p:sp>
+        <p:nvSpPr>
+          <p:cNvPr id="190" name="직사각형 145"/>
+          <p:cNvSpPr/>
+          <p:nvPr/>
+        </p:nvSpPr>
+        <p:spPr>
+          <a:xfrm>
+            <a:off x="6597769" y="2257492"/>
+            <a:ext cx="568800" cy="162000"/>
+          </a:xfrm>
+          <a:prstGeom prst="rect">
+            <a:avLst/>
+          </a:prstGeom>
+          <a:solidFill>
+            <a:schemeClr val="bg1"/>
+          </a:solidFill>
+          <a:ln>
+            <a:noFill/>
+          </a:ln>
+        </p:spPr>
+        <p:style>
+          <a:lnRef idx="2">
+            <a:schemeClr val="accent1">
+              <a:shade val="20000"/>
+            </a:schemeClr>
+          </a:lnRef>
+          <a:fillRef idx="1">
+            <a:schemeClr val="accent1"/>
+          </a:fillRef>
+          <a:effectRef idx="0">
+            <a:schemeClr val="accent1"/>
+          </a:effectRef>
+          <a:fontRef idx="minor">
+            <a:schemeClr val="lt1"/>
+          </a:fontRef>
+        </p:style>
+        <p:txBody>
+          <a:bodyPr vert="horz" wrap="square" lIns="91440" tIns="45720" rIns="91440" bIns="45720" anchor="t"/>
+          <a:p>
+            <a:pPr/>
+            <a:endParaRPr lang="en-US" altLang="ko-KR"/>
+          </a:p>
+        </p:txBody>
+      </p:sp>
+      <p:sp>
+        <p:nvSpPr>
+          <p:cNvPr id="191" name="직사각형 152"/>
+          <p:cNvSpPr/>
+          <p:nvPr/>
+        </p:nvSpPr>
+        <p:spPr>
+          <a:xfrm>
             <a:off x="5525945" y="217342"/>
             <a:ext cx="4343400" cy="5924550"/>
-            <a:chOff x="6421294" y="217342"/>
-            <a:chExt cx="4343400" cy="5924550"/>
-          </a:xfrm>
-        </p:grpSpPr>
-        <p:sp>
-          <p:nvSpPr>
-            <p:cNvPr id="188" name="직사각형 149"/>
-            <p:cNvSpPr/>
-            <p:nvPr/>
-          </p:nvSpPr>
-          <p:spPr>
-            <a:xfrm>
-              <a:off x="9182102" y="2352674"/>
-              <a:ext cx="1123949" cy="200025"/>
-            </a:xfrm>
-            <a:prstGeom prst="rect">
-              <a:avLst/>
-            </a:prstGeom>
-            <a:solidFill>
-              <a:schemeClr val="bg1"/>
-            </a:solidFill>
-            <a:ln>
-              <a:noFill/>
-            </a:ln>
-          </p:spPr>
-          <p:style>
-            <a:lnRef idx="2">
-              <a:schemeClr val="accent1">
-                <a:shade val="20000"/>
-              </a:schemeClr>
-            </a:lnRef>
-            <a:fillRef idx="1">
-              <a:schemeClr val="accent1"/>
-            </a:fillRef>
-            <a:effectRef idx="0">
-              <a:schemeClr val="accent1"/>
-            </a:effectRef>
-            <a:fontRef idx="minor">
-              <a:schemeClr val="lt1"/>
-            </a:fontRef>
-          </p:style>
-        </p:sp>
-        <p:sp>
-          <p:nvSpPr>
-            <p:cNvPr id="189" name="TextBox 140"/>
-            <p:cNvSpPr txBox="1"/>
-            <p:nvPr/>
-          </p:nvSpPr>
-          <p:spPr>
-            <a:xfrm>
-              <a:off x="8549178" y="2689315"/>
-              <a:ext cx="249555" cy="297897"/>
-            </a:xfrm>
-            <a:prstGeom prst="rect">
-              <a:avLst/>
-            </a:prstGeom>
-            <a:noFill/>
-          </p:spPr>
-          <p:txBody>
-            <a:bodyPr wrap="square">
-              <a:spAutoFit/>
-            </a:bodyPr>
-            <a:lstStyle/>
-            <a:p>
-              <a:pPr algn="ctr"/>
-              <a:endParaRPr lang="ko-KR" altLang="en-US" sz="1400"/>
-            </a:p>
-          </p:txBody>
-        </p:sp>
-        <p:sp>
-          <p:nvSpPr>
-            <p:cNvPr id="190" name="직사각형 145"/>
-            <p:cNvSpPr/>
-            <p:nvPr/>
-          </p:nvSpPr>
-          <p:spPr>
-            <a:xfrm>
-              <a:off x="7493118" y="2257492"/>
-              <a:ext cx="568800" cy="162000"/>
-            </a:xfrm>
-            <a:prstGeom prst="rect">
-              <a:avLst/>
-            </a:prstGeom>
-            <a:solidFill>
-              <a:schemeClr val="bg1"/>
-            </a:solidFill>
-            <a:ln>
-              <a:noFill/>
-            </a:ln>
-          </p:spPr>
-          <p:style>
-            <a:lnRef idx="2">
-              <a:schemeClr val="accent1">
-                <a:shade val="20000"/>
-              </a:schemeClr>
-            </a:lnRef>
-            <a:fillRef idx="1">
-              <a:schemeClr val="accent1"/>
-            </a:fillRef>
-            <a:effectRef idx="0">
-              <a:schemeClr val="accent1"/>
-            </a:effectRef>
-            <a:fontRef idx="minor">
-              <a:schemeClr val="lt1"/>
-            </a:fontRef>
-          </p:style>
-          <p:txBody>
-            <a:bodyPr vert="horz" wrap="square" lIns="91440" tIns="45720" rIns="91440" bIns="45720" anchor="t"/>
-            <a:p>
-              <a:pPr/>
-              <a:endParaRPr lang="en-US" altLang="ko-KR"/>
-            </a:p>
-          </p:txBody>
-        </p:sp>
-        <p:sp>
-          <p:nvSpPr>
-            <p:cNvPr id="191" name="직사각형 152"/>
-            <p:cNvSpPr/>
-            <p:nvPr/>
-          </p:nvSpPr>
-          <p:spPr>
-            <a:xfrm>
-              <a:off x="6421294" y="217342"/>
-              <a:ext cx="4343400" cy="5924550"/>
-            </a:xfrm>
-            <a:prstGeom prst="rect">
-              <a:avLst/>
-            </a:prstGeom>
-          </p:spPr>
-          <p:style>
-            <a:lnRef idx="2">
-              <a:schemeClr val="accent1">
-                <a:shade val="20000"/>
-              </a:schemeClr>
-            </a:lnRef>
-            <a:fillRef idx="1">
-              <a:schemeClr val="accent1"/>
-            </a:fillRef>
-            <a:effectRef idx="0">
-              <a:schemeClr val="accent1"/>
-            </a:effectRef>
-            <a:fontRef idx="minor">
-              <a:schemeClr val="lt1"/>
-            </a:fontRef>
-          </p:style>
-        </p:sp>
-        <p:sp>
-          <p:nvSpPr>
-            <p:cNvPr id="193" name="직사각형 156"/>
-            <p:cNvSpPr/>
-            <p:nvPr/>
-          </p:nvSpPr>
-          <p:spPr>
-            <a:xfrm>
-              <a:off x="6529486" y="1039923"/>
-              <a:ext cx="4152899" cy="533400"/>
-            </a:xfrm>
-            <a:prstGeom prst="rect">
-              <a:avLst/>
-            </a:prstGeom>
-          </p:spPr>
-          <p:style>
-            <a:lnRef idx="2">
-              <a:schemeClr val="accent1">
-                <a:shade val="20000"/>
-              </a:schemeClr>
-            </a:lnRef>
-            <a:fillRef idx="1">
-              <a:schemeClr val="accent1"/>
-            </a:fillRef>
-            <a:effectRef idx="0">
-              <a:schemeClr val="accent1"/>
-            </a:effectRef>
-            <a:fontRef idx="minor">
-              <a:schemeClr val="lt1"/>
-            </a:fontRef>
-          </p:style>
-          <p:txBody>
-            <a:bodyPr anchor="ctr"/>
-            <a:p>
-              <a:pPr algn="ctr"/>
-              <a:r>
-                <a:rPr lang="ko-KR" altLang="en-US"/>
-                <a:t>메모1</a:t>
-              </a:r>
-              <a:endParaRPr lang="ko-KR" altLang="en-US"/>
-            </a:p>
-          </p:txBody>
-        </p:sp>
-        <p:sp>
-          <p:nvSpPr>
-            <p:cNvPr id="194" name="직사각형 156"/>
-            <p:cNvSpPr/>
-            <p:nvPr/>
-          </p:nvSpPr>
-          <p:spPr>
-            <a:xfrm>
-              <a:off x="6529486" y="1862536"/>
-              <a:ext cx="4152899" cy="533400"/>
-            </a:xfrm>
-            <a:prstGeom prst="rect">
-              <a:avLst/>
-            </a:prstGeom>
-          </p:spPr>
-          <p:style>
-            <a:lnRef idx="2">
-              <a:schemeClr val="accent1">
-                <a:shade val="20000"/>
-              </a:schemeClr>
-            </a:lnRef>
-            <a:fillRef idx="1">
-              <a:schemeClr val="accent1"/>
-            </a:fillRef>
-            <a:effectRef idx="0">
-              <a:schemeClr val="accent1"/>
-            </a:effectRef>
-            <a:fontRef idx="minor">
-              <a:schemeClr val="lt1"/>
-            </a:fontRef>
-          </p:style>
-          <p:txBody>
-            <a:bodyPr anchor="ctr"/>
-            <a:p>
-              <a:pPr marL="0" algn="ctr" latinLnBrk="1" hangingPunct="1"/>
-              <a:r>
-                <a:rPr xmlns:mc="http://schemas.openxmlformats.org/markup-compatibility/2006" xmlns:hp="http://schemas.haansoft.com/office/presentation/8.0" lang="ko-KR" altLang="en-US" sz="1800" b="0" i="0" spc="5" mc:Ignorable="hp" hp:hslEmbossed="0">
-                  <a:solidFill>
-                    <a:schemeClr val="lt1"/>
-                  </a:solidFill>
-                  <a:latin typeface="+mn-lt"/>
-                  <a:ea typeface="+mn-ea"/>
-                  <a:cs typeface="+mn-cs"/>
-                </a:rPr>
-                <a:t>메모2</a:t>
-              </a:r>
-              <a:endParaRPr xmlns:mc="http://schemas.openxmlformats.org/markup-compatibility/2006" xmlns:hp="http://schemas.haansoft.com/office/presentation/8.0" lang="ko-KR" altLang="en-US" sz="1800" b="0" i="0" spc="5" mc:Ignorable="hp" hp:hslEmbossed="0">
+          </a:xfrm>
+          <a:prstGeom prst="rect">
+            <a:avLst/>
+          </a:prstGeom>
+          <a:solidFill>
+            <a:schemeClr val="bg1"/>
+          </a:solidFill>
+        </p:spPr>
+        <p:style>
+          <a:lnRef idx="2">
+            <a:schemeClr val="accent1">
+              <a:shade val="20000"/>
+            </a:schemeClr>
+          </a:lnRef>
+          <a:fillRef idx="1">
+            <a:schemeClr val="accent1"/>
+          </a:fillRef>
+          <a:effectRef idx="0">
+            <a:schemeClr val="accent1"/>
+          </a:effectRef>
+          <a:fontRef idx="minor">
+            <a:schemeClr val="lt1"/>
+          </a:fontRef>
+        </p:style>
+      </p:sp>
+      <p:sp>
+        <p:nvSpPr>
+          <p:cNvPr id="193" name="직사각형 156"/>
+          <p:cNvSpPr/>
+          <p:nvPr/>
+        </p:nvSpPr>
+        <p:spPr>
+          <a:xfrm>
+            <a:off x="5634137" y="1039923"/>
+            <a:ext cx="4152899" cy="533400"/>
+          </a:xfrm>
+          <a:prstGeom prst="rect">
+            <a:avLst/>
+          </a:prstGeom>
+          <a:solidFill>
+            <a:schemeClr val="bg1">
+              <a:lumMod val="90000"/>
+            </a:schemeClr>
+          </a:solidFill>
+        </p:spPr>
+        <p:style>
+          <a:lnRef idx="2">
+            <a:schemeClr val="accent1">
+              <a:shade val="20000"/>
+            </a:schemeClr>
+          </a:lnRef>
+          <a:fillRef idx="1">
+            <a:schemeClr val="accent1"/>
+          </a:fillRef>
+          <a:effectRef idx="0">
+            <a:schemeClr val="accent1"/>
+          </a:effectRef>
+          <a:fontRef idx="minor">
+            <a:schemeClr val="lt1"/>
+          </a:fontRef>
+        </p:style>
+        <p:txBody>
+          <a:bodyPr anchor="ctr"/>
+          <a:p>
+            <a:pPr algn="ctr"/>
+            <a:r>
+              <a:rPr lang="ko-KR" altLang="en-US">
                 <a:solidFill>
-                  <a:schemeClr val="lt1"/>
+                  <a:schemeClr val="tx1"/>
+                </a:solidFill>
+              </a:rPr>
+              <a:t>메모1</a:t>
+            </a:r>
+            <a:endParaRPr lang="ko-KR" altLang="en-US">
+              <a:solidFill>
+                <a:schemeClr val="tx1"/>
+              </a:solidFill>
+            </a:endParaRPr>
+          </a:p>
+        </p:txBody>
+      </p:sp>
+      <p:sp>
+        <p:nvSpPr>
+          <p:cNvPr id="194" name="직사각형 156"/>
+          <p:cNvSpPr/>
+          <p:nvPr/>
+        </p:nvSpPr>
+        <p:spPr>
+          <a:xfrm>
+            <a:off x="5634137" y="1862536"/>
+            <a:ext cx="4152899" cy="533400"/>
+          </a:xfrm>
+          <a:prstGeom prst="rect">
+            <a:avLst/>
+          </a:prstGeom>
+          <a:solidFill>
+            <a:schemeClr val="bg1">
+              <a:lumMod val="90000"/>
+            </a:schemeClr>
+          </a:solidFill>
+        </p:spPr>
+        <p:style>
+          <a:lnRef idx="2">
+            <a:schemeClr val="accent1">
+              <a:shade val="20000"/>
+            </a:schemeClr>
+          </a:lnRef>
+          <a:fillRef idx="1">
+            <a:schemeClr val="accent1"/>
+          </a:fillRef>
+          <a:effectRef idx="0">
+            <a:schemeClr val="accent1"/>
+          </a:effectRef>
+          <a:fontRef idx="minor">
+            <a:schemeClr val="lt1"/>
+          </a:fontRef>
+        </p:style>
+        <p:txBody>
+          <a:bodyPr anchor="ctr"/>
+          <a:p>
+            <a:pPr marL="0" algn="ctr" latinLnBrk="1" hangingPunct="1"/>
+            <a:r>
+              <a:rPr xmlns:mc="http://schemas.openxmlformats.org/markup-compatibility/2006" xmlns:hp="http://schemas.haansoft.com/office/presentation/8.0" lang="ko-KR" altLang="en-US" sz="1800" b="0" i="0" spc="5" mc:Ignorable="hp" hp:hslEmbossed="0">
+                <a:solidFill>
+                  <a:schemeClr val="tx1"/>
                 </a:solidFill>
                 <a:latin typeface="+mn-lt"/>
                 <a:ea typeface="+mn-ea"/>
                 <a:cs typeface="+mn-cs"/>
-              </a:endParaRPr>
-            </a:p>
-          </p:txBody>
-        </p:sp>
-        <p:sp>
-          <p:nvSpPr>
-            <p:cNvPr id="195" name="직사각형 156"/>
-            <p:cNvSpPr/>
-            <p:nvPr/>
-          </p:nvSpPr>
-          <p:spPr>
-            <a:xfrm>
-              <a:off x="6529486" y="2670718"/>
-              <a:ext cx="4152899" cy="533400"/>
-            </a:xfrm>
-            <a:prstGeom prst="rect">
-              <a:avLst/>
-            </a:prstGeom>
-          </p:spPr>
-          <p:style>
-            <a:lnRef idx="2">
-              <a:schemeClr val="accent1">
-                <a:shade val="20000"/>
-              </a:schemeClr>
-            </a:lnRef>
-            <a:fillRef idx="1">
-              <a:schemeClr val="accent1"/>
-            </a:fillRef>
-            <a:effectRef idx="0">
-              <a:schemeClr val="accent1"/>
-            </a:effectRef>
-            <a:fontRef idx="minor">
-              <a:schemeClr val="lt1"/>
-            </a:fontRef>
-          </p:style>
-          <p:txBody>
-            <a:bodyPr anchor="ctr"/>
-            <a:p>
-              <a:pPr marL="0" algn="ctr" latinLnBrk="1" hangingPunct="1"/>
-              <a:r>
-                <a:rPr xmlns:mc="http://schemas.openxmlformats.org/markup-compatibility/2006" xmlns:hp="http://schemas.haansoft.com/office/presentation/8.0" lang="ko-KR" altLang="en-US" sz="1800" b="0" i="0" spc="5" mc:Ignorable="hp" hp:hslEmbossed="0">
-                  <a:solidFill>
-                    <a:schemeClr val="lt1"/>
-                  </a:solidFill>
-                  <a:latin typeface="+mn-lt"/>
-                  <a:ea typeface="+mn-ea"/>
-                  <a:cs typeface="+mn-cs"/>
-                </a:rPr>
-                <a:t>메모3</a:t>
-              </a:r>
-              <a:endParaRPr xmlns:mc="http://schemas.openxmlformats.org/markup-compatibility/2006" xmlns:hp="http://schemas.haansoft.com/office/presentation/8.0" lang="ko-KR" altLang="en-US" sz="1800" b="0" i="0" spc="5" mc:Ignorable="hp" hp:hslEmbossed="0">
+              </a:rPr>
+              <a:t>메모2</a:t>
+            </a:r>
+            <a:endParaRPr xmlns:mc="http://schemas.openxmlformats.org/markup-compatibility/2006" xmlns:hp="http://schemas.haansoft.com/office/presentation/8.0" lang="ko-KR" altLang="en-US" sz="1800" b="0" i="0" spc="5" mc:Ignorable="hp" hp:hslEmbossed="0">
+              <a:solidFill>
+                <a:schemeClr val="tx1"/>
+              </a:solidFill>
+              <a:latin typeface="+mn-lt"/>
+              <a:ea typeface="+mn-ea"/>
+              <a:cs typeface="+mn-cs"/>
+            </a:endParaRPr>
+          </a:p>
+        </p:txBody>
+      </p:sp>
+      <p:sp>
+        <p:nvSpPr>
+          <p:cNvPr id="195" name="직사각형 156"/>
+          <p:cNvSpPr/>
+          <p:nvPr/>
+        </p:nvSpPr>
+        <p:spPr>
+          <a:xfrm>
+            <a:off x="5634137" y="2670718"/>
+            <a:ext cx="4152899" cy="533400"/>
+          </a:xfrm>
+          <a:prstGeom prst="rect">
+            <a:avLst/>
+          </a:prstGeom>
+          <a:solidFill>
+            <a:schemeClr val="bg1">
+              <a:lumMod val="90000"/>
+            </a:schemeClr>
+          </a:solidFill>
+        </p:spPr>
+        <p:style>
+          <a:lnRef idx="2">
+            <a:schemeClr val="accent1">
+              <a:shade val="20000"/>
+            </a:schemeClr>
+          </a:lnRef>
+          <a:fillRef idx="1">
+            <a:schemeClr val="accent1"/>
+          </a:fillRef>
+          <a:effectRef idx="0">
+            <a:schemeClr val="accent1"/>
+          </a:effectRef>
+          <a:fontRef idx="minor">
+            <a:schemeClr val="lt1"/>
+          </a:fontRef>
+        </p:style>
+        <p:txBody>
+          <a:bodyPr anchor="ctr"/>
+          <a:p>
+            <a:pPr marL="0" algn="ctr" latinLnBrk="1" hangingPunct="1"/>
+            <a:r>
+              <a:rPr xmlns:mc="http://schemas.openxmlformats.org/markup-compatibility/2006" xmlns:hp="http://schemas.haansoft.com/office/presentation/8.0" lang="ko-KR" altLang="en-US" sz="1800" b="0" i="0" spc="5" mc:Ignorable="hp" hp:hslEmbossed="0">
                 <a:solidFill>
-                  <a:schemeClr val="lt1"/>
+                  <a:schemeClr val="tx1"/>
                 </a:solidFill>
                 <a:latin typeface="+mn-lt"/>
                 <a:ea typeface="+mn-ea"/>
                 <a:cs typeface="+mn-cs"/>
-              </a:endParaRPr>
-            </a:p>
-          </p:txBody>
-        </p:sp>
-        <p:sp>
-          <p:nvSpPr>
-            <p:cNvPr id="196" name="직사각형 156"/>
-            <p:cNvSpPr/>
-            <p:nvPr/>
-          </p:nvSpPr>
-          <p:spPr>
-            <a:xfrm>
-              <a:off x="6529486" y="3352799"/>
-              <a:ext cx="4152899" cy="533400"/>
-            </a:xfrm>
-            <a:prstGeom prst="rect">
-              <a:avLst/>
-            </a:prstGeom>
-          </p:spPr>
-          <p:style>
-            <a:lnRef idx="2">
-              <a:schemeClr val="accent1">
-                <a:shade val="20000"/>
-              </a:schemeClr>
-            </a:lnRef>
-            <a:fillRef idx="1">
-              <a:schemeClr val="accent1"/>
-            </a:fillRef>
-            <a:effectRef idx="0">
-              <a:schemeClr val="accent1"/>
-            </a:effectRef>
-            <a:fontRef idx="minor">
-              <a:schemeClr val="lt1"/>
-            </a:fontRef>
-          </p:style>
-          <p:txBody>
-            <a:bodyPr anchor="ctr"/>
-            <a:p>
-              <a:pPr marL="0" algn="ctr" latinLnBrk="1" hangingPunct="1"/>
-              <a:r>
-                <a:rPr xmlns:mc="http://schemas.openxmlformats.org/markup-compatibility/2006" xmlns:hp="http://schemas.haansoft.com/office/presentation/8.0" lang="ko-KR" altLang="en-US" sz="1800" b="0" i="0" spc="5" mc:Ignorable="hp" hp:hslEmbossed="0">
-                  <a:solidFill>
-                    <a:schemeClr val="lt1"/>
-                  </a:solidFill>
-                  <a:latin typeface="+mn-lt"/>
-                  <a:ea typeface="+mn-ea"/>
-                  <a:cs typeface="+mn-cs"/>
-                </a:rPr>
-                <a:t>메모4</a:t>
-              </a:r>
-              <a:endParaRPr xmlns:mc="http://schemas.openxmlformats.org/markup-compatibility/2006" xmlns:hp="http://schemas.haansoft.com/office/presentation/8.0" lang="ko-KR" altLang="en-US" sz="1800" b="0" i="0" spc="5" mc:Ignorable="hp" hp:hslEmbossed="0">
+              </a:rPr>
+              <a:t>메모3</a:t>
+            </a:r>
+            <a:endParaRPr xmlns:mc="http://schemas.openxmlformats.org/markup-compatibility/2006" xmlns:hp="http://schemas.haansoft.com/office/presentation/8.0" lang="ko-KR" altLang="en-US" sz="1800" b="0" i="0" spc="5" mc:Ignorable="hp" hp:hslEmbossed="0">
+              <a:solidFill>
+                <a:schemeClr val="tx1"/>
+              </a:solidFill>
+              <a:latin typeface="+mn-lt"/>
+              <a:ea typeface="+mn-ea"/>
+              <a:cs typeface="+mn-cs"/>
+            </a:endParaRPr>
+          </a:p>
+        </p:txBody>
+      </p:sp>
+      <p:sp>
+        <p:nvSpPr>
+          <p:cNvPr id="196" name="직사각형 156"/>
+          <p:cNvSpPr/>
+          <p:nvPr/>
+        </p:nvSpPr>
+        <p:spPr>
+          <a:xfrm>
+            <a:off x="5634137" y="3352799"/>
+            <a:ext cx="4152899" cy="533400"/>
+          </a:xfrm>
+          <a:prstGeom prst="rect">
+            <a:avLst/>
+          </a:prstGeom>
+          <a:solidFill>
+            <a:schemeClr val="bg1">
+              <a:lumMod val="90000"/>
+            </a:schemeClr>
+          </a:solidFill>
+        </p:spPr>
+        <p:style>
+          <a:lnRef idx="2">
+            <a:schemeClr val="accent1">
+              <a:shade val="20000"/>
+            </a:schemeClr>
+          </a:lnRef>
+          <a:fillRef idx="1">
+            <a:schemeClr val="accent1"/>
+          </a:fillRef>
+          <a:effectRef idx="0">
+            <a:schemeClr val="accent1"/>
+          </a:effectRef>
+          <a:fontRef idx="minor">
+            <a:schemeClr val="lt1"/>
+          </a:fontRef>
+        </p:style>
+        <p:txBody>
+          <a:bodyPr anchor="ctr"/>
+          <a:p>
+            <a:pPr marL="0" algn="ctr" latinLnBrk="1" hangingPunct="1"/>
+            <a:r>
+              <a:rPr xmlns:mc="http://schemas.openxmlformats.org/markup-compatibility/2006" xmlns:hp="http://schemas.haansoft.com/office/presentation/8.0" lang="ko-KR" altLang="en-US" sz="1800" b="0" i="0" spc="5" mc:Ignorable="hp" hp:hslEmbossed="0">
                 <a:solidFill>
-                  <a:schemeClr val="lt1"/>
+                  <a:schemeClr val="tx1"/>
                 </a:solidFill>
                 <a:latin typeface="+mn-lt"/>
                 <a:ea typeface="+mn-ea"/>
                 <a:cs typeface="+mn-cs"/>
-              </a:endParaRPr>
-            </a:p>
-          </p:txBody>
-        </p:sp>
-      </p:grpSp>
+              </a:rPr>
+              <a:t>메모4</a:t>
+            </a:r>
+            <a:endParaRPr xmlns:mc="http://schemas.openxmlformats.org/markup-compatibility/2006" xmlns:hp="http://schemas.haansoft.com/office/presentation/8.0" lang="ko-KR" altLang="en-US" sz="1800" b="0" i="0" spc="5" mc:Ignorable="hp" hp:hslEmbossed="0">
+              <a:solidFill>
+                <a:schemeClr val="tx1"/>
+              </a:solidFill>
+              <a:latin typeface="+mn-lt"/>
+              <a:ea typeface="+mn-ea"/>
+              <a:cs typeface="+mn-cs"/>
+            </a:endParaRPr>
+          </a:p>
+        </p:txBody>
+      </p:sp>
       <p:sp>
         <p:nvSpPr>
           <p:cNvPr id="176" name="오른쪽 화살표 175"/>
@@ -6498,6 +6848,9 @@
               <a:gd name="adj2" fmla="val 50000"/>
             </a:avLst>
           </a:prstGeom>
+          <a:solidFill>
+            <a:srgbClr val="f9f9c7"/>
+          </a:solidFill>
         </p:spPr>
         <p:style>
           <a:lnRef idx="2">
@@ -6520,10 +6873,18 @@
           <a:p>
             <a:pPr algn="ctr"/>
             <a:r>
-              <a:rPr lang="en-US" altLang="ko-KR"/>
+              <a:rPr lang="en-US" altLang="ko-KR">
+                <a:solidFill>
+                  <a:schemeClr val="tx1"/>
+                </a:solidFill>
+              </a:rPr>
               <a:t>Click!!!</a:t>
             </a:r>
-            <a:endParaRPr lang="en-US" altLang="ko-KR"/>
+            <a:endParaRPr lang="en-US" altLang="ko-KR">
+              <a:solidFill>
+                <a:schemeClr val="tx1"/>
+              </a:solidFill>
+            </a:endParaRPr>
           </a:p>
         </p:txBody>
       </p:sp>
@@ -6577,6 +6938,9 @@
           <a:prstGeom prst="rect">
             <a:avLst/>
           </a:prstGeom>
+          <a:solidFill>
+            <a:schemeClr val="bg1"/>
+          </a:solidFill>
         </p:spPr>
         <p:style>
           <a:lnRef idx="2">
@@ -6609,6 +6973,11 @@
           <a:prstGeom prst="rect">
             <a:avLst/>
           </a:prstGeom>
+          <a:solidFill>
+            <a:schemeClr val="bg1">
+              <a:lumMod val="90000"/>
+            </a:schemeClr>
+          </a:solidFill>
         </p:spPr>
         <p:style>
           <a:lnRef idx="2">
@@ -6631,10 +7000,18 @@
           <a:p>
             <a:pPr algn="ctr"/>
             <a:r>
-              <a:rPr lang="ko-KR" altLang="en-US"/>
+              <a:rPr lang="ko-KR" altLang="en-US">
+                <a:solidFill>
+                  <a:schemeClr val="tx1"/>
+                </a:solidFill>
+              </a:rPr>
               <a:t>날짜 지정</a:t>
             </a:r>
-            <a:endParaRPr lang="ko-KR" altLang="en-US"/>
+            <a:endParaRPr lang="ko-KR" altLang="en-US">
+              <a:solidFill>
+                <a:schemeClr val="tx1"/>
+              </a:solidFill>
+            </a:endParaRPr>
           </a:p>
         </p:txBody>
       </p:sp>
@@ -6652,6 +7029,11 @@
           <a:prstGeom prst="rect">
             <a:avLst/>
           </a:prstGeom>
+          <a:solidFill>
+            <a:schemeClr val="bg1">
+              <a:lumMod val="90000"/>
+            </a:schemeClr>
+          </a:solidFill>
         </p:spPr>
         <p:style>
           <a:lnRef idx="2">
@@ -6674,10 +7056,18 @@
           <a:p>
             <a:pPr algn="ctr"/>
             <a:r>
-              <a:rPr lang="ko-KR" altLang="en-US"/>
+              <a:rPr lang="ko-KR" altLang="en-US">
+                <a:solidFill>
+                  <a:schemeClr val="tx1"/>
+                </a:solidFill>
+              </a:rPr>
               <a:t>수정</a:t>
             </a:r>
-            <a:endParaRPr lang="ko-KR" altLang="en-US"/>
+            <a:endParaRPr lang="ko-KR" altLang="en-US">
+              <a:solidFill>
+                <a:schemeClr val="tx1"/>
+              </a:solidFill>
+            </a:endParaRPr>
           </a:p>
         </p:txBody>
       </p:sp>
@@ -6695,6 +7085,11 @@
           <a:prstGeom prst="rect">
             <a:avLst/>
           </a:prstGeom>
+          <a:solidFill>
+            <a:schemeClr val="bg1">
+              <a:lumMod val="90000"/>
+            </a:schemeClr>
+          </a:solidFill>
         </p:spPr>
         <p:style>
           <a:lnRef idx="2">
@@ -6717,10 +7112,18 @@
           <a:p>
             <a:pPr algn="ctr"/>
             <a:r>
-              <a:rPr lang="ko-KR" altLang="en-US"/>
+              <a:rPr lang="ko-KR" altLang="en-US">
+                <a:solidFill>
+                  <a:schemeClr val="tx1"/>
+                </a:solidFill>
+              </a:rPr>
               <a:t>삭제</a:t>
             </a:r>
-            <a:endParaRPr lang="ko-KR" altLang="en-US"/>
+            <a:endParaRPr lang="ko-KR" altLang="en-US">
+              <a:solidFill>
+                <a:schemeClr val="tx1"/>
+              </a:solidFill>
+            </a:endParaRPr>
           </a:p>
         </p:txBody>
       </p:sp>
@@ -6775,468 +7178,15 @@
           </a:p>
         </p:txBody>
       </p:sp>
-      <p:grpSp>
-        <p:nvGrpSpPr>
-          <p:cNvPr id="163" name="그룹 162"/>
-          <p:cNvGrpSpPr/>
-          <p:nvPr/>
-        </p:nvGrpSpPr>
-        <p:grpSpPr>
-          <a:xfrm rot="0">
-            <a:off x="877180" y="484162"/>
-            <a:ext cx="4343400" cy="5924550"/>
-            <a:chOff x="3838575" y="476250"/>
-            <a:chExt cx="4343400" cy="5924550"/>
-          </a:xfrm>
-        </p:grpSpPr>
-        <p:sp>
-          <p:nvSpPr>
-            <p:cNvPr id="141" name="TextBox 140"/>
-            <p:cNvSpPr txBox="1"/>
-            <p:nvPr/>
-          </p:nvSpPr>
-          <p:spPr>
-            <a:xfrm>
-              <a:off x="5966460" y="2948223"/>
-              <a:ext cx="249555" cy="297897"/>
-            </a:xfrm>
-            <a:prstGeom prst="rect">
-              <a:avLst/>
-            </a:prstGeom>
-            <a:noFill/>
-          </p:spPr>
-          <p:txBody>
-            <a:bodyPr wrap="none">
-              <a:spAutoFit/>
-            </a:bodyPr>
-            <a:lstStyle/>
-            <a:p>
-              <a:pPr algn="ctr"/>
-              <a:endParaRPr lang="ko-KR" altLang="en-US" sz="1400"/>
-            </a:p>
-          </p:txBody>
-        </p:sp>
-        <p:sp>
-          <p:nvSpPr>
-            <p:cNvPr id="146" name="직사각형 145"/>
-            <p:cNvSpPr/>
-            <p:nvPr/>
-          </p:nvSpPr>
-          <p:spPr>
-            <a:xfrm>
-              <a:off x="4910400" y="2516400"/>
-              <a:ext cx="568800" cy="162000"/>
-            </a:xfrm>
-            <a:prstGeom prst="rect">
-              <a:avLst/>
-            </a:prstGeom>
-            <a:solidFill>
-              <a:schemeClr val="bg1"/>
-            </a:solidFill>
-            <a:ln>
-              <a:noFill/>
-            </a:ln>
-          </p:spPr>
-          <p:style>
-            <a:lnRef idx="2">
-              <a:schemeClr val="accent1">
-                <a:shade val="20000"/>
-              </a:schemeClr>
-            </a:lnRef>
-            <a:fillRef idx="1">
-              <a:schemeClr val="accent1"/>
-            </a:fillRef>
-            <a:effectRef idx="0">
-              <a:schemeClr val="accent1"/>
-            </a:effectRef>
-            <a:fontRef idx="minor">
-              <a:schemeClr val="lt1"/>
-            </a:fontRef>
-          </p:style>
-          <p:txBody>
-            <a:bodyPr vert="horz" wrap="square" lIns="91440" tIns="45720" rIns="91440" bIns="45720" anchor="t"/>
-            <a:p>
-              <a:pPr/>
-              <a:endParaRPr lang="en-US" altLang="ko-KR"/>
-            </a:p>
-          </p:txBody>
-        </p:sp>
-        <p:sp>
-          <p:nvSpPr>
-            <p:cNvPr id="153" name="직사각형 152"/>
-            <p:cNvSpPr/>
-            <p:nvPr/>
-          </p:nvSpPr>
-          <p:spPr>
-            <a:xfrm>
-              <a:off x="3838575" y="476250"/>
-              <a:ext cx="4343400" cy="5924550"/>
-            </a:xfrm>
-            <a:prstGeom prst="rect">
-              <a:avLst/>
-            </a:prstGeom>
-          </p:spPr>
-          <p:style>
-            <a:lnRef idx="2">
-              <a:schemeClr val="accent1">
-                <a:shade val="20000"/>
-              </a:schemeClr>
-            </a:lnRef>
-            <a:fillRef idx="1">
-              <a:schemeClr val="accent1"/>
-            </a:fillRef>
-            <a:effectRef idx="0">
-              <a:schemeClr val="accent1"/>
-            </a:effectRef>
-            <a:fontRef idx="minor">
-              <a:schemeClr val="lt1"/>
-            </a:fontRef>
-          </p:style>
-        </p:sp>
-        <p:sp>
-          <p:nvSpPr>
-            <p:cNvPr id="155" name="직사각형 154"/>
-            <p:cNvSpPr/>
-            <p:nvPr/>
-          </p:nvSpPr>
-          <p:spPr>
-            <a:xfrm>
-              <a:off x="3990975" y="5905500"/>
-              <a:ext cx="4019549" cy="361950"/>
-            </a:xfrm>
-            <a:prstGeom prst="rect">
-              <a:avLst/>
-            </a:prstGeom>
-          </p:spPr>
-          <p:style>
-            <a:lnRef idx="2">
-              <a:schemeClr val="accent1">
-                <a:shade val="20000"/>
-              </a:schemeClr>
-            </a:lnRef>
-            <a:fillRef idx="1">
-              <a:schemeClr val="accent1"/>
-            </a:fillRef>
-            <a:effectRef idx="0">
-              <a:schemeClr val="accent1"/>
-            </a:effectRef>
-            <a:fontRef idx="minor">
-              <a:schemeClr val="lt1"/>
-            </a:fontRef>
-          </p:style>
-        </p:sp>
-        <p:sp>
-          <p:nvSpPr>
-            <p:cNvPr id="156" name="직사각형 155"/>
-            <p:cNvSpPr/>
-            <p:nvPr/>
-          </p:nvSpPr>
-          <p:spPr>
-            <a:xfrm>
-              <a:off x="3996444" y="5472112"/>
-              <a:ext cx="428625" cy="309562"/>
-            </a:xfrm>
-            <a:prstGeom prst="rect">
-              <a:avLst/>
-            </a:prstGeom>
-          </p:spPr>
-          <p:style>
-            <a:lnRef idx="2">
-              <a:schemeClr val="accent1">
-                <a:shade val="20000"/>
-              </a:schemeClr>
-            </a:lnRef>
-            <a:fillRef idx="1">
-              <a:schemeClr val="accent1"/>
-            </a:fillRef>
-            <a:effectRef idx="0">
-              <a:schemeClr val="accent1"/>
-            </a:effectRef>
-            <a:fontRef idx="minor">
-              <a:schemeClr val="lt1"/>
-            </a:fontRef>
-          </p:style>
-          <p:txBody>
-            <a:bodyPr anchor="ctr"/>
-            <a:p>
-              <a:pPr algn="ctr"/>
-              <a:r>
-                <a:rPr lang="ko-KR" altLang="en-US"/>
-                <a:t>#</a:t>
-              </a:r>
-              <a:endParaRPr lang="ko-KR" altLang="en-US"/>
-            </a:p>
-          </p:txBody>
-        </p:sp>
-        <p:sp>
-          <p:nvSpPr>
-            <p:cNvPr id="157" name="직사각형 156"/>
-            <p:cNvSpPr/>
-            <p:nvPr/>
-          </p:nvSpPr>
-          <p:spPr>
-            <a:xfrm>
-              <a:off x="3930650" y="609600"/>
-              <a:ext cx="4152899" cy="533400"/>
-            </a:xfrm>
-            <a:prstGeom prst="rect">
-              <a:avLst/>
-            </a:prstGeom>
-          </p:spPr>
-          <p:style>
-            <a:lnRef idx="2">
-              <a:schemeClr val="accent1">
-                <a:shade val="20000"/>
-              </a:schemeClr>
-            </a:lnRef>
-            <a:fillRef idx="1">
-              <a:schemeClr val="accent1"/>
-            </a:fillRef>
-            <a:effectRef idx="0">
-              <a:schemeClr val="accent1"/>
-            </a:effectRef>
-            <a:fontRef idx="minor">
-              <a:schemeClr val="lt1"/>
-            </a:fontRef>
-          </p:style>
-        </p:sp>
-        <p:sp>
-          <p:nvSpPr>
-            <p:cNvPr id="158" name="직사각형 157"/>
-            <p:cNvSpPr/>
-            <p:nvPr/>
-          </p:nvSpPr>
-          <p:spPr>
-            <a:xfrm>
-              <a:off x="7615237" y="652462"/>
-              <a:ext cx="419100" cy="447674"/>
-            </a:xfrm>
-            <a:prstGeom prst="rect">
-              <a:avLst/>
-            </a:prstGeom>
-          </p:spPr>
-          <p:style>
-            <a:lnRef idx="2">
-              <a:schemeClr val="accent1">
-                <a:shade val="20000"/>
-              </a:schemeClr>
-            </a:lnRef>
-            <a:fillRef idx="1">
-              <a:schemeClr val="accent1"/>
-            </a:fillRef>
-            <a:effectRef idx="0">
-              <a:schemeClr val="accent1"/>
-            </a:effectRef>
-            <a:fontRef idx="minor">
-              <a:schemeClr val="lt1"/>
-            </a:fontRef>
-          </p:style>
-        </p:sp>
-        <p:sp>
-          <p:nvSpPr>
-            <p:cNvPr id="159" name="실행 단추: 앞으로 또는 다음 158">
-              <a:hlinkClick action="ppaction://hlinkshowjump?jump=nextslide" highlightClick="1"/>
-            </p:cNvPr>
-            <p:cNvSpPr/>
-            <p:nvPr/>
-          </p:nvSpPr>
-          <p:spPr>
-            <a:xfrm>
-              <a:off x="7559040" y="5931511"/>
-              <a:ext cx="396240" cy="297180"/>
-            </a:xfrm>
-            <a:prstGeom prst="actionButtonForwardNext">
-              <a:avLst/>
-            </a:prstGeom>
-          </p:spPr>
-          <p:style>
-            <a:lnRef idx="2">
-              <a:schemeClr val="accent1">
-                <a:shade val="20000"/>
-              </a:schemeClr>
-            </a:lnRef>
-            <a:fillRef idx="1">
-              <a:schemeClr val="accent1"/>
-            </a:fillRef>
-            <a:effectRef idx="0">
-              <a:schemeClr val="accent1"/>
-            </a:effectRef>
-            <a:fontRef idx="minor">
-              <a:schemeClr val="lt1"/>
-            </a:fontRef>
-          </p:style>
-        </p:sp>
-        <p:sp>
-          <p:nvSpPr>
-            <p:cNvPr id="160" name="사각형 설명선 159"/>
-            <p:cNvSpPr/>
-            <p:nvPr/>
-          </p:nvSpPr>
-          <p:spPr>
-            <a:xfrm>
-              <a:off x="6915150" y="1352550"/>
-              <a:ext cx="1092199" cy="406400"/>
-            </a:xfrm>
-            <a:prstGeom prst="wedgeRectCallout">
-              <a:avLst>
-                <a:gd name="adj1" fmla="val -9056"/>
-                <a:gd name="adj2" fmla="val 75811"/>
-              </a:avLst>
-            </a:prstGeom>
-          </p:spPr>
-          <p:style>
-            <a:lnRef idx="2">
-              <a:schemeClr val="accent1">
-                <a:shade val="20000"/>
-              </a:schemeClr>
-            </a:lnRef>
-            <a:fillRef idx="1">
-              <a:schemeClr val="accent1"/>
-            </a:fillRef>
-            <a:effectRef idx="0">
-              <a:schemeClr val="accent1"/>
-            </a:effectRef>
-            <a:fontRef idx="minor">
-              <a:schemeClr val="lt1"/>
-            </a:fontRef>
-          </p:style>
-          <p:txBody>
-            <a:bodyPr anchor="ctr"/>
-            <a:p>
-              <a:pPr algn="ctr"/>
-              <a:r>
-                <a:rPr lang="ko-KR" altLang="en-US"/>
-                <a:t>#과제</a:t>
-              </a:r>
-              <a:endParaRPr lang="ko-KR" altLang="en-US"/>
-            </a:p>
-          </p:txBody>
-        </p:sp>
-        <p:sp>
-          <p:nvSpPr>
-            <p:cNvPr id="162" name="사각형 설명선 161"/>
-            <p:cNvSpPr/>
-            <p:nvPr/>
-          </p:nvSpPr>
-          <p:spPr>
-            <a:xfrm>
-              <a:off x="4025901" y="1987551"/>
-              <a:ext cx="2349500" cy="2870199"/>
-            </a:xfrm>
-            <a:prstGeom prst="wedgeRectCallout">
-              <a:avLst>
-                <a:gd name="adj1" fmla="val -37216"/>
-                <a:gd name="adj2" fmla="val 60962"/>
-              </a:avLst>
-            </a:prstGeom>
-          </p:spPr>
-          <p:style>
-            <a:lnRef idx="2">
-              <a:schemeClr val="accent1">
-                <a:shade val="20000"/>
-              </a:schemeClr>
-            </a:lnRef>
-            <a:fillRef idx="1">
-              <a:schemeClr val="accent1"/>
-            </a:fillRef>
-            <a:effectRef idx="0">
-              <a:schemeClr val="accent1"/>
-            </a:effectRef>
-            <a:fontRef idx="minor">
-              <a:schemeClr val="lt1"/>
-            </a:fontRef>
-          </p:style>
-          <p:txBody>
-            <a:bodyPr anchor="ctr"/>
-            <a:lstStyle/>
-            <a:p>
-              <a:pPr/>
-              <a:r>
-                <a:rPr lang="ko-KR" altLang="en-US" sz="1700"/>
-                <a:t>#과제</a:t>
-              </a:r>
-              <a:endParaRPr lang="ko-KR" altLang="en-US" sz="1700"/>
-            </a:p>
-            <a:p>
-              <a:pPr/>
-              <a:r>
-                <a:rPr lang="ko-KR" altLang="en-US" sz="1700"/>
-                <a:t>9/13 </a:t>
-              </a:r>
-              <a:endParaRPr lang="ko-KR" altLang="en-US" sz="1700"/>
-            </a:p>
-            <a:p>
-              <a:pPr/>
-              <a:r>
-                <a:rPr lang="ko-KR" altLang="en-US" sz="1700"/>
-                <a:t>13:00 오소 과제</a:t>
-              </a:r>
-              <a:endParaRPr lang="ko-KR" altLang="en-US" sz="1700"/>
-            </a:p>
-            <a:p>
-              <a:pPr/>
-              <a:r>
-                <a:rPr lang="ko-KR" altLang="en-US" sz="1700"/>
-                <a:t>23:59 응통 과제</a:t>
-              </a:r>
-              <a:endParaRPr lang="ko-KR" altLang="en-US" sz="1700"/>
-            </a:p>
-            <a:p>
-              <a:pPr/>
-              <a:endParaRPr lang="ko-KR" altLang="en-US" sz="1700"/>
-            </a:p>
-            <a:p>
-              <a:pPr/>
-              <a:r>
-                <a:rPr lang="ko-KR" altLang="en-US" sz="1700"/>
-                <a:t>9/17</a:t>
-              </a:r>
-              <a:endParaRPr lang="ko-KR" altLang="en-US" sz="1700"/>
-            </a:p>
-            <a:p>
-              <a:pPr/>
-              <a:r>
-                <a:rPr lang="ko-KR" altLang="en-US" sz="1700"/>
-                <a:t>23:59 컴구 과제</a:t>
-              </a:r>
-              <a:endParaRPr lang="ko-KR" altLang="en-US" sz="1700"/>
-            </a:p>
-            <a:p>
-              <a:pPr/>
-              <a:endParaRPr lang="ko-KR" altLang="en-US" sz="1700"/>
-            </a:p>
-            <a:p>
-              <a:pPr/>
-              <a:r>
-                <a:rPr lang="en-US" altLang="ko-KR" sz="1700"/>
-                <a:t>Null</a:t>
-              </a:r>
-              <a:endParaRPr lang="en-US" altLang="ko-KR" sz="1700"/>
-            </a:p>
-            <a:p>
-              <a:pPr/>
-              <a:r>
-                <a:rPr lang="ko-KR" altLang="en-US" sz="1700"/>
-                <a:t>교양발표준비</a:t>
-              </a:r>
-              <a:endParaRPr lang="ko-KR" altLang="en-US" sz="1700"/>
-            </a:p>
-            <a:p>
-              <a:pPr/>
-              <a:endParaRPr lang="ko-KR" altLang="en-US" sz="1700"/>
-            </a:p>
-          </p:txBody>
-        </p:sp>
-      </p:grpSp>
-      <p:sp>
-        <p:nvSpPr>
-          <p:cNvPr id="165" name="TextBox 140"/>
+      <p:sp>
+        <p:nvSpPr>
+          <p:cNvPr id="141" name="TextBox 140"/>
           <p:cNvSpPr txBox="1"/>
           <p:nvPr/>
         </p:nvSpPr>
         <p:spPr>
           <a:xfrm>
-            <a:off x="9405862" y="2948223"/>
+            <a:off x="3005065" y="2956135"/>
             <a:ext cx="249555" cy="297897"/>
           </a:xfrm>
           <a:prstGeom prst="rect">
@@ -7257,13 +7207,13 @@
       </p:sp>
       <p:sp>
         <p:nvSpPr>
-          <p:cNvPr id="166" name="직사각형 145"/>
-          <p:cNvSpPr/>
-          <p:nvPr/>
-        </p:nvSpPr>
-        <p:spPr>
-          <a:xfrm>
-            <a:off x="8349803" y="2516400"/>
+          <p:cNvPr id="146" name="직사각형 145"/>
+          <p:cNvSpPr/>
+          <p:nvPr/>
+        </p:nvSpPr>
+        <p:spPr>
+          <a:xfrm>
+            <a:off x="1949005" y="2524312"/>
             <a:ext cx="568800" cy="162000"/>
           </a:xfrm>
           <a:prstGeom prst="rect">
@@ -7302,18 +7252,21 @@
       </p:sp>
       <p:sp>
         <p:nvSpPr>
-          <p:cNvPr id="167" name="직사각형 152"/>
-          <p:cNvSpPr/>
-          <p:nvPr/>
-        </p:nvSpPr>
-        <p:spPr>
-          <a:xfrm>
-            <a:off x="7277979" y="476250"/>
+          <p:cNvPr id="153" name="직사각형 152"/>
+          <p:cNvSpPr/>
+          <p:nvPr/>
+        </p:nvSpPr>
+        <p:spPr>
+          <a:xfrm>
+            <a:off x="877180" y="484162"/>
             <a:ext cx="4343400" cy="5924550"/>
           </a:xfrm>
           <a:prstGeom prst="rect">
             <a:avLst/>
           </a:prstGeom>
+          <a:solidFill>
+            <a:schemeClr val="bg1"/>
+          </a:solidFill>
         </p:spPr>
         <p:style>
           <a:lnRef idx="2">
@@ -7334,18 +7287,23 @@
       </p:sp>
       <p:sp>
         <p:nvSpPr>
-          <p:cNvPr id="168" name="직사각형 154"/>
-          <p:cNvSpPr/>
-          <p:nvPr/>
-        </p:nvSpPr>
-        <p:spPr>
-          <a:xfrm>
-            <a:off x="7430379" y="5905500"/>
+          <p:cNvPr id="155" name="직사각형 154"/>
+          <p:cNvSpPr/>
+          <p:nvPr/>
+        </p:nvSpPr>
+        <p:spPr>
+          <a:xfrm>
+            <a:off x="1029580" y="5913412"/>
             <a:ext cx="4019549" cy="361950"/>
           </a:xfrm>
           <a:prstGeom prst="rect">
             <a:avLst/>
           </a:prstGeom>
+          <a:solidFill>
+            <a:schemeClr val="bg1">
+              <a:lumMod val="90000"/>
+            </a:schemeClr>
+          </a:solidFill>
         </p:spPr>
         <p:style>
           <a:lnRef idx="2">
@@ -7366,18 +7324,23 @@
       </p:sp>
       <p:sp>
         <p:nvSpPr>
-          <p:cNvPr id="169" name="직사각형 155"/>
-          <p:cNvSpPr/>
-          <p:nvPr/>
-        </p:nvSpPr>
-        <p:spPr>
-          <a:xfrm>
-            <a:off x="7435847" y="5472112"/>
+          <p:cNvPr id="156" name="직사각형 155"/>
+          <p:cNvSpPr/>
+          <p:nvPr/>
+        </p:nvSpPr>
+        <p:spPr>
+          <a:xfrm>
+            <a:off x="1035049" y="5480024"/>
             <a:ext cx="428625" cy="309562"/>
           </a:xfrm>
           <a:prstGeom prst="rect">
             <a:avLst/>
           </a:prstGeom>
+          <a:solidFill>
+            <a:schemeClr val="bg1">
+              <a:lumMod val="90000"/>
+            </a:schemeClr>
+          </a:solidFill>
         </p:spPr>
         <p:style>
           <a:lnRef idx="2">
@@ -7400,27 +7363,40 @@
           <a:p>
             <a:pPr algn="ctr"/>
             <a:r>
-              <a:rPr lang="ko-KR" altLang="en-US"/>
+              <a:rPr lang="ko-KR" altLang="en-US">
+                <a:solidFill>
+                  <a:schemeClr val="tx1"/>
+                </a:solidFill>
+              </a:rPr>
               <a:t>#</a:t>
             </a:r>
-            <a:endParaRPr lang="ko-KR" altLang="en-US"/>
-          </a:p>
-        </p:txBody>
-      </p:sp>
-      <p:sp>
-        <p:nvSpPr>
-          <p:cNvPr id="170" name="직사각형 156"/>
-          <p:cNvSpPr/>
-          <p:nvPr/>
-        </p:nvSpPr>
-        <p:spPr>
-          <a:xfrm>
-            <a:off x="7370053" y="609600"/>
+            <a:endParaRPr lang="ko-KR" altLang="en-US">
+              <a:solidFill>
+                <a:schemeClr val="tx1"/>
+              </a:solidFill>
+            </a:endParaRPr>
+          </a:p>
+        </p:txBody>
+      </p:sp>
+      <p:sp>
+        <p:nvSpPr>
+          <p:cNvPr id="157" name="직사각형 156"/>
+          <p:cNvSpPr/>
+          <p:nvPr/>
+        </p:nvSpPr>
+        <p:spPr>
+          <a:xfrm>
+            <a:off x="969255" y="617512"/>
             <a:ext cx="4152899" cy="533400"/>
           </a:xfrm>
           <a:prstGeom prst="rect">
             <a:avLst/>
           </a:prstGeom>
+          <a:solidFill>
+            <a:schemeClr val="bg1">
+              <a:lumMod val="90000"/>
+            </a:schemeClr>
+          </a:solidFill>
         </p:spPr>
         <p:style>
           <a:lnRef idx="2">
@@ -7441,18 +7417,21 @@
       </p:sp>
       <p:sp>
         <p:nvSpPr>
-          <p:cNvPr id="171" name="직사각형 157"/>
-          <p:cNvSpPr/>
-          <p:nvPr/>
-        </p:nvSpPr>
-        <p:spPr>
-          <a:xfrm>
-            <a:off x="11054640" y="652462"/>
+          <p:cNvPr id="158" name="직사각형 157"/>
+          <p:cNvSpPr/>
+          <p:nvPr/>
+        </p:nvSpPr>
+        <p:spPr>
+          <a:xfrm>
+            <a:off x="4653842" y="660374"/>
             <a:ext cx="419100" cy="447674"/>
           </a:xfrm>
           <a:prstGeom prst="rect">
             <a:avLst/>
           </a:prstGeom>
+          <a:solidFill>
+            <a:schemeClr val="bg1"/>
+          </a:solidFill>
         </p:spPr>
         <p:style>
           <a:lnRef idx="2">
@@ -7473,7 +7452,7 @@
       </p:sp>
       <p:sp>
         <p:nvSpPr>
-          <p:cNvPr id="172" name="실행 단추: 앞으로 또는 다음 158">
+          <p:cNvPr id="159" name="실행 단추: 앞으로 또는 다음 158">
             <a:hlinkClick action="ppaction://hlinkshowjump?jump=nextslide" highlightClick="1"/>
           </p:cNvPr>
           <p:cNvSpPr/>
@@ -7481,12 +7460,17 @@
         </p:nvSpPr>
         <p:spPr>
           <a:xfrm>
-            <a:off x="10998443" y="5931512"/>
+            <a:off x="4597645" y="5939423"/>
             <a:ext cx="396240" cy="297180"/>
           </a:xfrm>
           <a:prstGeom prst="actionButtonForwardNext">
             <a:avLst/>
           </a:prstGeom>
+          <a:solidFill>
+            <a:schemeClr val="bg1">
+              <a:lumMod val="90000"/>
+            </a:schemeClr>
+          </a:solidFill>
         </p:spPr>
         <p:style>
           <a:lnRef idx="2">
@@ -7507,13 +7491,13 @@
       </p:sp>
       <p:sp>
         <p:nvSpPr>
-          <p:cNvPr id="173" name="사각형 설명선 159"/>
-          <p:cNvSpPr/>
-          <p:nvPr/>
-        </p:nvSpPr>
-        <p:spPr>
-          <a:xfrm>
-            <a:off x="10354553" y="1352550"/>
+          <p:cNvPr id="160" name="사각형 설명선 159"/>
+          <p:cNvSpPr/>
+          <p:nvPr/>
+        </p:nvSpPr>
+        <p:spPr>
+          <a:xfrm>
+            <a:off x="3953755" y="1360462"/>
             <a:ext cx="1092199" cy="406400"/>
           </a:xfrm>
           <a:prstGeom prst="wedgeRectCallout">
@@ -7522,6 +7506,11 @@
               <a:gd name="adj2" fmla="val 75811"/>
             </a:avLst>
           </a:prstGeom>
+          <a:solidFill>
+            <a:schemeClr val="bg1">
+              <a:lumMod val="90000"/>
+            </a:schemeClr>
+          </a:solidFill>
         </p:spPr>
         <p:style>
           <a:lnRef idx="2">
@@ -7544,23 +7533,31 @@
           <a:p>
             <a:pPr algn="ctr"/>
             <a:r>
-              <a:rPr lang="ko-KR" altLang="en-US"/>
-              <a:t>#9/13</a:t>
-            </a:r>
-            <a:endParaRPr lang="ko-KR" altLang="en-US"/>
-          </a:p>
-        </p:txBody>
-      </p:sp>
-      <p:sp>
-        <p:nvSpPr>
-          <p:cNvPr id="174" name="사각형 설명선 161"/>
-          <p:cNvSpPr/>
-          <p:nvPr/>
-        </p:nvSpPr>
-        <p:spPr>
-          <a:xfrm>
-            <a:off x="7465304" y="1987551"/>
-            <a:ext cx="2413000" cy="1289048"/>
+              <a:rPr lang="ko-KR" altLang="en-US">
+                <a:solidFill>
+                  <a:schemeClr val="tx1"/>
+                </a:solidFill>
+              </a:rPr>
+              <a:t>#과제</a:t>
+            </a:r>
+            <a:endParaRPr lang="ko-KR" altLang="en-US">
+              <a:solidFill>
+                <a:schemeClr val="tx1"/>
+              </a:solidFill>
+            </a:endParaRPr>
+          </a:p>
+        </p:txBody>
+      </p:sp>
+      <p:sp>
+        <p:nvSpPr>
+          <p:cNvPr id="162" name="사각형 설명선 161"/>
+          <p:cNvSpPr/>
+          <p:nvPr/>
+        </p:nvSpPr>
+        <p:spPr>
+          <a:xfrm>
+            <a:off x="1064506" y="1995463"/>
+            <a:ext cx="2349500" cy="2870199"/>
           </a:xfrm>
           <a:prstGeom prst="wedgeRectCallout">
             <a:avLst>
@@ -7568,6 +7565,11 @@
               <a:gd name="adj2" fmla="val 60962"/>
             </a:avLst>
           </a:prstGeom>
+          <a:solidFill>
+            <a:schemeClr val="bg1">
+              <a:lumMod val="90000"/>
+            </a:schemeClr>
+          </a:solidFill>
         </p:spPr>
         <p:style>
           <a:lnRef idx="2">
@@ -7591,34 +7593,1963 @@
           <a:p>
             <a:pPr/>
             <a:r>
-              <a:rPr lang="ko-KR" altLang="en-US" sz="1700"/>
+              <a:rPr lang="ko-KR" altLang="en-US" sz="1700">
+                <a:solidFill>
+                  <a:schemeClr val="tx1"/>
+                </a:solidFill>
+              </a:rPr>
+              <a:t>#과제</a:t>
+            </a:r>
+            <a:endParaRPr lang="ko-KR" altLang="en-US" sz="1700">
+              <a:solidFill>
+                <a:schemeClr val="tx1"/>
+              </a:solidFill>
+            </a:endParaRPr>
+          </a:p>
+          <a:p>
+            <a:pPr/>
+            <a:r>
+              <a:rPr lang="ko-KR" altLang="en-US" sz="1700">
+                <a:solidFill>
+                  <a:schemeClr val="tx1"/>
+                </a:solidFill>
+              </a:rPr>
+              <a:t>9/13 </a:t>
+            </a:r>
+            <a:endParaRPr lang="ko-KR" altLang="en-US" sz="1700">
+              <a:solidFill>
+                <a:schemeClr val="tx1"/>
+              </a:solidFill>
+            </a:endParaRPr>
+          </a:p>
+          <a:p>
+            <a:pPr/>
+            <a:r>
+              <a:rPr lang="ko-KR" altLang="en-US" sz="1700">
+                <a:solidFill>
+                  <a:schemeClr val="tx1"/>
+                </a:solidFill>
+              </a:rPr>
+              <a:t>13:00 오소 과제</a:t>
+            </a:r>
+            <a:endParaRPr lang="ko-KR" altLang="en-US" sz="1700">
+              <a:solidFill>
+                <a:schemeClr val="tx1"/>
+              </a:solidFill>
+            </a:endParaRPr>
+          </a:p>
+          <a:p>
+            <a:pPr/>
+            <a:r>
+              <a:rPr lang="ko-KR" altLang="en-US" sz="1700">
+                <a:solidFill>
+                  <a:schemeClr val="tx1"/>
+                </a:solidFill>
+              </a:rPr>
+              <a:t>23:59 응통 과제</a:t>
+            </a:r>
+            <a:endParaRPr lang="ko-KR" altLang="en-US" sz="1700">
+              <a:solidFill>
+                <a:schemeClr val="tx1"/>
+              </a:solidFill>
+            </a:endParaRPr>
+          </a:p>
+          <a:p>
+            <a:pPr/>
+            <a:endParaRPr lang="ko-KR" altLang="en-US" sz="1700">
+              <a:solidFill>
+                <a:schemeClr val="tx1"/>
+              </a:solidFill>
+            </a:endParaRPr>
+          </a:p>
+          <a:p>
+            <a:pPr/>
+            <a:r>
+              <a:rPr lang="ko-KR" altLang="en-US" sz="1700">
+                <a:solidFill>
+                  <a:schemeClr val="tx1"/>
+                </a:solidFill>
+              </a:rPr>
+              <a:t>9/17</a:t>
+            </a:r>
+            <a:endParaRPr lang="ko-KR" altLang="en-US" sz="1700">
+              <a:solidFill>
+                <a:schemeClr val="tx1"/>
+              </a:solidFill>
+            </a:endParaRPr>
+          </a:p>
+          <a:p>
+            <a:pPr/>
+            <a:r>
+              <a:rPr lang="ko-KR" altLang="en-US" sz="1700">
+                <a:solidFill>
+                  <a:schemeClr val="tx1"/>
+                </a:solidFill>
+              </a:rPr>
+              <a:t>23:59 컴구 과제</a:t>
+            </a:r>
+            <a:endParaRPr lang="ko-KR" altLang="en-US" sz="1700">
+              <a:solidFill>
+                <a:schemeClr val="tx1"/>
+              </a:solidFill>
+            </a:endParaRPr>
+          </a:p>
+          <a:p>
+            <a:pPr/>
+            <a:endParaRPr lang="ko-KR" altLang="en-US" sz="1700">
+              <a:solidFill>
+                <a:schemeClr val="tx1"/>
+              </a:solidFill>
+            </a:endParaRPr>
+          </a:p>
+          <a:p>
+            <a:pPr/>
+            <a:r>
+              <a:rPr lang="en-US" altLang="ko-KR" sz="1700">
+                <a:solidFill>
+                  <a:schemeClr val="tx1"/>
+                </a:solidFill>
+              </a:rPr>
+              <a:t>Null</a:t>
+            </a:r>
+            <a:endParaRPr lang="en-US" altLang="ko-KR" sz="1700">
+              <a:solidFill>
+                <a:schemeClr val="tx1"/>
+              </a:solidFill>
+            </a:endParaRPr>
+          </a:p>
+          <a:p>
+            <a:pPr/>
+            <a:r>
+              <a:rPr lang="ko-KR" altLang="en-US" sz="1700">
+                <a:solidFill>
+                  <a:schemeClr val="tx1"/>
+                </a:solidFill>
+              </a:rPr>
+              <a:t>교양발표준비</a:t>
+            </a:r>
+            <a:endParaRPr lang="ko-KR" altLang="en-US" sz="1700">
+              <a:solidFill>
+                <a:schemeClr val="tx1"/>
+              </a:solidFill>
+            </a:endParaRPr>
+          </a:p>
+          <a:p>
+            <a:pPr/>
+            <a:endParaRPr lang="ko-KR" altLang="en-US" sz="1700">
+              <a:solidFill>
+                <a:schemeClr val="tx1"/>
+              </a:solidFill>
+            </a:endParaRPr>
+          </a:p>
+        </p:txBody>
+      </p:sp>
+      <p:sp>
+        <p:nvSpPr>
+          <p:cNvPr id="165" name="TextBox 140"/>
+          <p:cNvSpPr txBox="1"/>
+          <p:nvPr/>
+        </p:nvSpPr>
+        <p:spPr>
+          <a:xfrm>
+            <a:off x="9405862" y="2948223"/>
+            <a:ext cx="249555" cy="297897"/>
+          </a:xfrm>
+          <a:prstGeom prst="rect">
+            <a:avLst/>
+          </a:prstGeom>
+          <a:noFill/>
+        </p:spPr>
+        <p:txBody>
+          <a:bodyPr wrap="none">
+            <a:spAutoFit/>
+          </a:bodyPr>
+          <a:lstStyle/>
+          <a:p>
+            <a:pPr algn="ctr"/>
+            <a:endParaRPr lang="ko-KR" altLang="en-US" sz="1400"/>
+          </a:p>
+        </p:txBody>
+      </p:sp>
+      <p:sp>
+        <p:nvSpPr>
+          <p:cNvPr id="166" name="직사각형 145"/>
+          <p:cNvSpPr/>
+          <p:nvPr/>
+        </p:nvSpPr>
+        <p:spPr>
+          <a:xfrm>
+            <a:off x="8349803" y="2516400"/>
+            <a:ext cx="568800" cy="162000"/>
+          </a:xfrm>
+          <a:prstGeom prst="rect">
+            <a:avLst/>
+          </a:prstGeom>
+          <a:solidFill>
+            <a:schemeClr val="bg1"/>
+          </a:solidFill>
+          <a:ln>
+            <a:noFill/>
+          </a:ln>
+        </p:spPr>
+        <p:style>
+          <a:lnRef idx="2">
+            <a:schemeClr val="accent1">
+              <a:shade val="20000"/>
+            </a:schemeClr>
+          </a:lnRef>
+          <a:fillRef idx="1">
+            <a:schemeClr val="accent1"/>
+          </a:fillRef>
+          <a:effectRef idx="0">
+            <a:schemeClr val="accent1"/>
+          </a:effectRef>
+          <a:fontRef idx="minor">
+            <a:schemeClr val="lt1"/>
+          </a:fontRef>
+        </p:style>
+        <p:txBody>
+          <a:bodyPr vert="horz" wrap="square" lIns="91440" tIns="45720" rIns="91440" bIns="45720" anchor="t"/>
+          <a:p>
+            <a:pPr/>
+            <a:endParaRPr lang="en-US" altLang="ko-KR"/>
+          </a:p>
+        </p:txBody>
+      </p:sp>
+      <p:sp>
+        <p:nvSpPr>
+          <p:cNvPr id="167" name="직사각형 152"/>
+          <p:cNvSpPr/>
+          <p:nvPr/>
+        </p:nvSpPr>
+        <p:spPr>
+          <a:xfrm>
+            <a:off x="7277979" y="476250"/>
+            <a:ext cx="4343400" cy="5924550"/>
+          </a:xfrm>
+          <a:prstGeom prst="rect">
+            <a:avLst/>
+          </a:prstGeom>
+          <a:solidFill>
+            <a:schemeClr val="bg1"/>
+          </a:solidFill>
+        </p:spPr>
+        <p:style>
+          <a:lnRef idx="2">
+            <a:schemeClr val="accent1">
+              <a:shade val="20000"/>
+            </a:schemeClr>
+          </a:lnRef>
+          <a:fillRef idx="1">
+            <a:schemeClr val="accent1"/>
+          </a:fillRef>
+          <a:effectRef idx="0">
+            <a:schemeClr val="accent1"/>
+          </a:effectRef>
+          <a:fontRef idx="minor">
+            <a:schemeClr val="lt1"/>
+          </a:fontRef>
+        </p:style>
+      </p:sp>
+      <p:sp>
+        <p:nvSpPr>
+          <p:cNvPr id="168" name="직사각형 154"/>
+          <p:cNvSpPr/>
+          <p:nvPr/>
+        </p:nvSpPr>
+        <p:spPr>
+          <a:xfrm>
+            <a:off x="7430379" y="5905500"/>
+            <a:ext cx="4019549" cy="361950"/>
+          </a:xfrm>
+          <a:prstGeom prst="rect">
+            <a:avLst/>
+          </a:prstGeom>
+          <a:solidFill>
+            <a:schemeClr val="bg1">
+              <a:lumMod val="90000"/>
+            </a:schemeClr>
+          </a:solidFill>
+        </p:spPr>
+        <p:style>
+          <a:lnRef idx="2">
+            <a:schemeClr val="accent1">
+              <a:shade val="20000"/>
+            </a:schemeClr>
+          </a:lnRef>
+          <a:fillRef idx="1">
+            <a:schemeClr val="accent1"/>
+          </a:fillRef>
+          <a:effectRef idx="0">
+            <a:schemeClr val="accent1"/>
+          </a:effectRef>
+          <a:fontRef idx="minor">
+            <a:schemeClr val="lt1"/>
+          </a:fontRef>
+        </p:style>
+      </p:sp>
+      <p:sp>
+        <p:nvSpPr>
+          <p:cNvPr id="169" name="직사각형 155"/>
+          <p:cNvSpPr/>
+          <p:nvPr/>
+        </p:nvSpPr>
+        <p:spPr>
+          <a:xfrm>
+            <a:off x="7435847" y="5472112"/>
+            <a:ext cx="428625" cy="309562"/>
+          </a:xfrm>
+          <a:prstGeom prst="rect">
+            <a:avLst/>
+          </a:prstGeom>
+          <a:solidFill>
+            <a:schemeClr val="bg1">
+              <a:lumMod val="90000"/>
+            </a:schemeClr>
+          </a:solidFill>
+        </p:spPr>
+        <p:style>
+          <a:lnRef idx="2">
+            <a:schemeClr val="accent1">
+              <a:shade val="20000"/>
+            </a:schemeClr>
+          </a:lnRef>
+          <a:fillRef idx="1">
+            <a:schemeClr val="accent1"/>
+          </a:fillRef>
+          <a:effectRef idx="0">
+            <a:schemeClr val="accent1"/>
+          </a:effectRef>
+          <a:fontRef idx="minor">
+            <a:schemeClr val="lt1"/>
+          </a:fontRef>
+        </p:style>
+        <p:txBody>
+          <a:bodyPr anchor="ctr"/>
+          <a:p>
+            <a:pPr algn="ctr"/>
+            <a:r>
+              <a:rPr lang="ko-KR" altLang="en-US">
+                <a:solidFill>
+                  <a:schemeClr val="tx1"/>
+                </a:solidFill>
+              </a:rPr>
+              <a:t>#</a:t>
+            </a:r>
+            <a:endParaRPr lang="ko-KR" altLang="en-US">
+              <a:solidFill>
+                <a:schemeClr val="tx1"/>
+              </a:solidFill>
+            </a:endParaRPr>
+          </a:p>
+        </p:txBody>
+      </p:sp>
+      <p:sp>
+        <p:nvSpPr>
+          <p:cNvPr id="170" name="직사각형 156"/>
+          <p:cNvSpPr/>
+          <p:nvPr/>
+        </p:nvSpPr>
+        <p:spPr>
+          <a:xfrm>
+            <a:off x="7370053" y="609600"/>
+            <a:ext cx="4152899" cy="533400"/>
+          </a:xfrm>
+          <a:prstGeom prst="rect">
+            <a:avLst/>
+          </a:prstGeom>
+          <a:solidFill>
+            <a:schemeClr val="bg1">
+              <a:lumMod val="90000"/>
+            </a:schemeClr>
+          </a:solidFill>
+        </p:spPr>
+        <p:style>
+          <a:lnRef idx="2">
+            <a:schemeClr val="accent1">
+              <a:shade val="20000"/>
+            </a:schemeClr>
+          </a:lnRef>
+          <a:fillRef idx="1">
+            <a:schemeClr val="accent1"/>
+          </a:fillRef>
+          <a:effectRef idx="0">
+            <a:schemeClr val="accent1"/>
+          </a:effectRef>
+          <a:fontRef idx="minor">
+            <a:schemeClr val="lt1"/>
+          </a:fontRef>
+        </p:style>
+      </p:sp>
+      <p:sp>
+        <p:nvSpPr>
+          <p:cNvPr id="171" name="직사각형 157"/>
+          <p:cNvSpPr/>
+          <p:nvPr/>
+        </p:nvSpPr>
+        <p:spPr>
+          <a:xfrm>
+            <a:off x="11054640" y="652462"/>
+            <a:ext cx="419100" cy="447674"/>
+          </a:xfrm>
+          <a:prstGeom prst="rect">
+            <a:avLst/>
+          </a:prstGeom>
+          <a:solidFill>
+            <a:schemeClr val="bg1"/>
+          </a:solidFill>
+        </p:spPr>
+        <p:style>
+          <a:lnRef idx="2">
+            <a:schemeClr val="accent1">
+              <a:shade val="20000"/>
+            </a:schemeClr>
+          </a:lnRef>
+          <a:fillRef idx="1">
+            <a:schemeClr val="accent1"/>
+          </a:fillRef>
+          <a:effectRef idx="0">
+            <a:schemeClr val="accent1"/>
+          </a:effectRef>
+          <a:fontRef idx="minor">
+            <a:schemeClr val="lt1"/>
+          </a:fontRef>
+        </p:style>
+      </p:sp>
+      <p:sp>
+        <p:nvSpPr>
+          <p:cNvPr id="172" name="실행 단추: 앞으로 또는 다음 158">
+            <a:hlinkClick action="ppaction://hlinkshowjump?jump=nextslide" highlightClick="1"/>
+          </p:cNvPr>
+          <p:cNvSpPr/>
+          <p:nvPr/>
+        </p:nvSpPr>
+        <p:spPr>
+          <a:xfrm>
+            <a:off x="10998443" y="5931512"/>
+            <a:ext cx="396240" cy="297180"/>
+          </a:xfrm>
+          <a:prstGeom prst="actionButtonForwardNext">
+            <a:avLst/>
+          </a:prstGeom>
+          <a:solidFill>
+            <a:schemeClr val="bg1">
+              <a:lumMod val="90000"/>
+            </a:schemeClr>
+          </a:solidFill>
+        </p:spPr>
+        <p:style>
+          <a:lnRef idx="2">
+            <a:schemeClr val="accent1">
+              <a:shade val="20000"/>
+            </a:schemeClr>
+          </a:lnRef>
+          <a:fillRef idx="1">
+            <a:schemeClr val="accent1"/>
+          </a:fillRef>
+          <a:effectRef idx="0">
+            <a:schemeClr val="accent1"/>
+          </a:effectRef>
+          <a:fontRef idx="minor">
+            <a:schemeClr val="lt1"/>
+          </a:fontRef>
+        </p:style>
+      </p:sp>
+      <p:sp>
+        <p:nvSpPr>
+          <p:cNvPr id="173" name="사각형 설명선 159"/>
+          <p:cNvSpPr/>
+          <p:nvPr/>
+        </p:nvSpPr>
+        <p:spPr>
+          <a:xfrm>
+            <a:off x="10354553" y="1352550"/>
+            <a:ext cx="1092199" cy="406400"/>
+          </a:xfrm>
+          <a:prstGeom prst="wedgeRectCallout">
+            <a:avLst>
+              <a:gd name="adj1" fmla="val -9056"/>
+              <a:gd name="adj2" fmla="val 75811"/>
+            </a:avLst>
+          </a:prstGeom>
+          <a:solidFill>
+            <a:schemeClr val="bg1">
+              <a:lumMod val="90000"/>
+            </a:schemeClr>
+          </a:solidFill>
+        </p:spPr>
+        <p:style>
+          <a:lnRef idx="2">
+            <a:schemeClr val="accent1">
+              <a:shade val="20000"/>
+            </a:schemeClr>
+          </a:lnRef>
+          <a:fillRef idx="1">
+            <a:schemeClr val="accent1"/>
+          </a:fillRef>
+          <a:effectRef idx="0">
+            <a:schemeClr val="accent1"/>
+          </a:effectRef>
+          <a:fontRef idx="minor">
+            <a:schemeClr val="lt1"/>
+          </a:fontRef>
+        </p:style>
+        <p:txBody>
+          <a:bodyPr anchor="ctr"/>
+          <a:p>
+            <a:pPr algn="ctr"/>
+            <a:r>
+              <a:rPr lang="ko-KR" altLang="en-US">
+                <a:solidFill>
+                  <a:schemeClr val="tx1"/>
+                </a:solidFill>
+              </a:rPr>
               <a:t>#9/13</a:t>
             </a:r>
-            <a:endParaRPr lang="ko-KR" altLang="en-US" sz="1700"/>
-          </a:p>
-          <a:p>
-            <a:pPr/>
-            <a:r>
-              <a:rPr lang="ko-KR" altLang="en-US" sz="1700"/>
+            <a:endParaRPr lang="ko-KR" altLang="en-US">
+              <a:solidFill>
+                <a:schemeClr val="tx1"/>
+              </a:solidFill>
+            </a:endParaRPr>
+          </a:p>
+        </p:txBody>
+      </p:sp>
+      <p:sp>
+        <p:nvSpPr>
+          <p:cNvPr id="174" name="사각형 설명선 161"/>
+          <p:cNvSpPr/>
+          <p:nvPr/>
+        </p:nvSpPr>
+        <p:spPr>
+          <a:xfrm>
+            <a:off x="7465304" y="1987551"/>
+            <a:ext cx="2413000" cy="1289048"/>
+          </a:xfrm>
+          <a:prstGeom prst="wedgeRectCallout">
+            <a:avLst>
+              <a:gd name="adj1" fmla="val -37216"/>
+              <a:gd name="adj2" fmla="val 60962"/>
+            </a:avLst>
+          </a:prstGeom>
+          <a:solidFill>
+            <a:schemeClr val="bg1">
+              <a:lumMod val="90000"/>
+            </a:schemeClr>
+          </a:solidFill>
+        </p:spPr>
+        <p:style>
+          <a:lnRef idx="2">
+            <a:schemeClr val="accent1">
+              <a:shade val="20000"/>
+            </a:schemeClr>
+          </a:lnRef>
+          <a:fillRef idx="1">
+            <a:schemeClr val="accent1"/>
+          </a:fillRef>
+          <a:effectRef idx="0">
+            <a:schemeClr val="accent1"/>
+          </a:effectRef>
+          <a:fontRef idx="minor">
+            <a:schemeClr val="lt1"/>
+          </a:fontRef>
+        </p:style>
+        <p:txBody>
+          <a:bodyPr anchor="ctr"/>
+          <a:lstStyle/>
+          <a:p>
+            <a:pPr/>
+            <a:r>
+              <a:rPr lang="ko-KR" altLang="en-US" sz="1700">
+                <a:solidFill>
+                  <a:schemeClr val="tx1"/>
+                </a:solidFill>
+              </a:rPr>
+              <a:t>#9/13</a:t>
+            </a:r>
+            <a:endParaRPr lang="ko-KR" altLang="en-US" sz="1700">
+              <a:solidFill>
+                <a:schemeClr val="tx1"/>
+              </a:solidFill>
+            </a:endParaRPr>
+          </a:p>
+          <a:p>
+            <a:pPr/>
+            <a:r>
+              <a:rPr lang="ko-KR" altLang="en-US" sz="1700">
+                <a:solidFill>
+                  <a:schemeClr val="tx1"/>
+                </a:solidFill>
+              </a:rPr>
               <a:t>13:00 오소 과제</a:t>
             </a:r>
-            <a:endParaRPr lang="ko-KR" altLang="en-US" sz="1700"/>
-          </a:p>
-          <a:p>
-            <a:pPr/>
-            <a:r>
-              <a:rPr lang="ko-KR" altLang="en-US" sz="1700"/>
+            <a:endParaRPr lang="ko-KR" altLang="en-US" sz="1700">
+              <a:solidFill>
+                <a:schemeClr val="tx1"/>
+              </a:solidFill>
+            </a:endParaRPr>
+          </a:p>
+          <a:p>
+            <a:pPr/>
+            <a:r>
+              <a:rPr lang="ko-KR" altLang="en-US" sz="1700">
+                <a:solidFill>
+                  <a:schemeClr val="tx1"/>
+                </a:solidFill>
+              </a:rPr>
               <a:t>17:00 저녁데이트</a:t>
             </a:r>
-            <a:endParaRPr lang="ko-KR" altLang="en-US" sz="1700"/>
-          </a:p>
-          <a:p>
-            <a:pPr/>
-            <a:r>
-              <a:rPr lang="ko-KR" altLang="en-US" sz="1700"/>
+            <a:endParaRPr lang="ko-KR" altLang="en-US" sz="1700">
+              <a:solidFill>
+                <a:schemeClr val="tx1"/>
+              </a:solidFill>
+            </a:endParaRPr>
+          </a:p>
+          <a:p>
+            <a:pPr/>
+            <a:r>
+              <a:rPr lang="ko-KR" altLang="en-US" sz="1700">
+                <a:solidFill>
+                  <a:schemeClr val="tx1"/>
+                </a:solidFill>
+              </a:rPr>
               <a:t>23:59 응통 과제</a:t>
             </a:r>
-            <a:endParaRPr lang="ko-KR" altLang="en-US" sz="1700"/>
+            <a:endParaRPr lang="ko-KR" altLang="en-US" sz="1700">
+              <a:solidFill>
+                <a:schemeClr val="tx1"/>
+              </a:solidFill>
+            </a:endParaRPr>
+          </a:p>
+        </p:txBody>
+      </p:sp>
+    </p:spTree>
+  </p:cSld>
+  <p:clrMapOvr>
+    <a:masterClrMapping/>
+  </p:clrMapOvr>
+</p:sld>
+</file>
+
+<file path=ppt/slides/slide14.xml><?xml version="1.0" encoding="utf-8"?>
+<p:sld xmlns:r="http://schemas.openxmlformats.org/officeDocument/2006/relationships" xmlns:c="http://schemas.openxmlformats.org/drawingml/2006/chart" xmlns:a="http://schemas.openxmlformats.org/drawingml/2006/main" xmlns:dgm="http://schemas.openxmlformats.org/drawingml/2006/diagram" xmlns:dsp="http://schemas.microsoft.com/office/drawing/2008/diagram" xmlns:p="http://schemas.openxmlformats.org/presentationml/2006/main">
+  <p:cSld>
+    <p:spTree>
+      <p:nvGrpSpPr>
+        <p:cNvPr id="1" name=""/>
+        <p:cNvGrpSpPr/>
+        <p:nvPr/>
+      </p:nvGrpSpPr>
+      <p:grpSpPr>
+        <a:xfrm>
+          <a:off x="0" y="0"/>
+          <a:ext cx="0" cy="0"/>
+          <a:chOff x="0" y="0"/>
+          <a:chExt cx="0" cy="0"/>
+        </a:xfrm>
+      </p:grpSpPr>
+      <p:sp>
+        <p:nvSpPr>
+          <p:cNvPr id="132" name="직사각형 131"/>
+          <p:cNvSpPr/>
+          <p:nvPr/>
+        </p:nvSpPr>
+        <p:spPr>
+          <a:xfrm>
+            <a:off x="254532" y="2582876"/>
+            <a:ext cx="11436474" cy="291769"/>
+          </a:xfrm>
+          <a:prstGeom prst="rect">
+            <a:avLst/>
+          </a:prstGeom>
+        </p:spPr>
+        <p:txBody>
+          <a:bodyPr wrap="square">
+            <a:spAutoFit/>
+          </a:bodyPr>
+          <a:lstStyle/>
+          <a:p>
+            <a:pPr lvl="0"/>
+            <a:endParaRPr lang="ko-KR" altLang="en-US" sz="1400"/>
+          </a:p>
+        </p:txBody>
+      </p:sp>
+      <p:sp>
+        <p:nvSpPr>
+          <p:cNvPr id="141" name="TextBox 140"/>
+          <p:cNvSpPr txBox="1"/>
+          <p:nvPr/>
+        </p:nvSpPr>
+        <p:spPr>
+          <a:xfrm>
+            <a:off x="3005065" y="2956135"/>
+            <a:ext cx="249555" cy="297897"/>
+          </a:xfrm>
+          <a:prstGeom prst="rect">
+            <a:avLst/>
+          </a:prstGeom>
+          <a:noFill/>
+        </p:spPr>
+        <p:txBody>
+          <a:bodyPr wrap="none">
+            <a:spAutoFit/>
+          </a:bodyPr>
+          <a:lstStyle/>
+          <a:p>
+            <a:pPr algn="ctr"/>
+            <a:endParaRPr lang="ko-KR" altLang="en-US" sz="1400"/>
+          </a:p>
+        </p:txBody>
+      </p:sp>
+      <p:sp>
+        <p:nvSpPr>
+          <p:cNvPr id="146" name="직사각형 145"/>
+          <p:cNvSpPr/>
+          <p:nvPr/>
+        </p:nvSpPr>
+        <p:spPr>
+          <a:xfrm>
+            <a:off x="1949005" y="2524312"/>
+            <a:ext cx="568800" cy="162000"/>
+          </a:xfrm>
+          <a:prstGeom prst="rect">
+            <a:avLst/>
+          </a:prstGeom>
+          <a:solidFill>
+            <a:schemeClr val="bg1"/>
+          </a:solidFill>
+          <a:ln>
+            <a:noFill/>
+          </a:ln>
+        </p:spPr>
+        <p:style>
+          <a:lnRef idx="2">
+            <a:schemeClr val="accent1">
+              <a:shade val="20000"/>
+            </a:schemeClr>
+          </a:lnRef>
+          <a:fillRef idx="1">
+            <a:schemeClr val="accent1"/>
+          </a:fillRef>
+          <a:effectRef idx="0">
+            <a:schemeClr val="accent1"/>
+          </a:effectRef>
+          <a:fontRef idx="minor">
+            <a:schemeClr val="lt1"/>
+          </a:fontRef>
+        </p:style>
+        <p:txBody>
+          <a:bodyPr vert="horz" wrap="square" lIns="91440" tIns="45720" rIns="91440" bIns="45720" anchor="t"/>
+          <a:p>
+            <a:pPr/>
+            <a:endParaRPr lang="en-US" altLang="ko-KR"/>
+          </a:p>
+        </p:txBody>
+      </p:sp>
+      <p:sp>
+        <p:nvSpPr>
+          <p:cNvPr id="153" name="직사각형 152"/>
+          <p:cNvSpPr/>
+          <p:nvPr/>
+        </p:nvSpPr>
+        <p:spPr>
+          <a:xfrm>
+            <a:off x="877180" y="484162"/>
+            <a:ext cx="4343400" cy="5924550"/>
+          </a:xfrm>
+          <a:prstGeom prst="rect">
+            <a:avLst/>
+          </a:prstGeom>
+          <a:solidFill>
+            <a:schemeClr val="bg1"/>
+          </a:solidFill>
+        </p:spPr>
+        <p:style>
+          <a:lnRef idx="2">
+            <a:schemeClr val="accent1">
+              <a:shade val="20000"/>
+            </a:schemeClr>
+          </a:lnRef>
+          <a:fillRef idx="1">
+            <a:schemeClr val="accent1"/>
+          </a:fillRef>
+          <a:effectRef idx="0">
+            <a:schemeClr val="accent1"/>
+          </a:effectRef>
+          <a:fontRef idx="minor">
+            <a:schemeClr val="lt1"/>
+          </a:fontRef>
+        </p:style>
+      </p:sp>
+      <p:sp>
+        <p:nvSpPr>
+          <p:cNvPr id="157" name="직사각형 156"/>
+          <p:cNvSpPr/>
+          <p:nvPr/>
+        </p:nvSpPr>
+        <p:spPr>
+          <a:xfrm>
+            <a:off x="969255" y="617512"/>
+            <a:ext cx="4152899" cy="533400"/>
+          </a:xfrm>
+          <a:prstGeom prst="rect">
+            <a:avLst/>
+          </a:prstGeom>
+          <a:solidFill>
+            <a:schemeClr val="bg1">
+              <a:lumMod val="90000"/>
+            </a:schemeClr>
+          </a:solidFill>
+        </p:spPr>
+        <p:style>
+          <a:lnRef idx="2">
+            <a:schemeClr val="accent1">
+              <a:shade val="20000"/>
+            </a:schemeClr>
+          </a:lnRef>
+          <a:fillRef idx="1">
+            <a:schemeClr val="accent1"/>
+          </a:fillRef>
+          <a:effectRef idx="0">
+            <a:schemeClr val="accent1"/>
+          </a:effectRef>
+          <a:fontRef idx="minor">
+            <a:schemeClr val="lt1"/>
+          </a:fontRef>
+        </p:style>
+      </p:sp>
+      <p:sp>
+        <p:nvSpPr>
+          <p:cNvPr id="158" name="직사각형 157"/>
+          <p:cNvSpPr/>
+          <p:nvPr/>
+        </p:nvSpPr>
+        <p:spPr>
+          <a:xfrm>
+            <a:off x="4653842" y="660374"/>
+            <a:ext cx="419100" cy="447674"/>
+          </a:xfrm>
+          <a:prstGeom prst="rect">
+            <a:avLst/>
+          </a:prstGeom>
+          <a:solidFill>
+            <a:schemeClr val="bg1"/>
+          </a:solidFill>
+        </p:spPr>
+        <p:style>
+          <a:lnRef idx="2">
+            <a:schemeClr val="accent1">
+              <a:shade val="20000"/>
+            </a:schemeClr>
+          </a:lnRef>
+          <a:fillRef idx="1">
+            <a:schemeClr val="accent1"/>
+          </a:fillRef>
+          <a:effectRef idx="0">
+            <a:schemeClr val="accent1"/>
+          </a:effectRef>
+          <a:fontRef idx="minor">
+            <a:schemeClr val="lt1"/>
+          </a:fontRef>
+        </p:style>
+      </p:sp>
+      <p:sp>
+        <p:nvSpPr>
+          <p:cNvPr id="159" name="실행 단추: 앞으로 또는 다음 158">
+            <a:hlinkClick action="ppaction://hlinkshowjump?jump=nextslide" highlightClick="1"/>
+          </p:cNvPr>
+          <p:cNvSpPr/>
+          <p:nvPr/>
+        </p:nvSpPr>
+        <p:spPr>
+          <a:xfrm>
+            <a:off x="4597645" y="5939423"/>
+            <a:ext cx="396240" cy="297180"/>
+          </a:xfrm>
+          <a:prstGeom prst="actionButtonForwardNext">
+            <a:avLst/>
+          </a:prstGeom>
+          <a:solidFill>
+            <a:schemeClr val="bg1">
+              <a:lumMod val="90000"/>
+            </a:schemeClr>
+          </a:solidFill>
+        </p:spPr>
+        <p:style>
+          <a:lnRef idx="2">
+            <a:schemeClr val="accent1">
+              <a:shade val="20000"/>
+            </a:schemeClr>
+          </a:lnRef>
+          <a:fillRef idx="1">
+            <a:schemeClr val="accent1"/>
+          </a:fillRef>
+          <a:effectRef idx="0">
+            <a:schemeClr val="accent1"/>
+          </a:effectRef>
+          <a:fontRef idx="minor">
+            <a:schemeClr val="lt1"/>
+          </a:fontRef>
+        </p:style>
+      </p:sp>
+      <p:sp>
+        <p:nvSpPr>
+          <p:cNvPr id="160" name="사각형 설명선 159"/>
+          <p:cNvSpPr/>
+          <p:nvPr/>
+        </p:nvSpPr>
+        <p:spPr>
+          <a:xfrm>
+            <a:off x="3953755" y="1360462"/>
+            <a:ext cx="1092199" cy="406400"/>
+          </a:xfrm>
+          <a:prstGeom prst="wedgeRectCallout">
+            <a:avLst>
+              <a:gd name="adj1" fmla="val -9056"/>
+              <a:gd name="adj2" fmla="val 75811"/>
+            </a:avLst>
+          </a:prstGeom>
+          <a:solidFill>
+            <a:schemeClr val="bg1">
+              <a:lumMod val="90000"/>
+            </a:schemeClr>
+          </a:solidFill>
+        </p:spPr>
+        <p:style>
+          <a:lnRef idx="2">
+            <a:schemeClr val="accent1">
+              <a:shade val="20000"/>
+            </a:schemeClr>
+          </a:lnRef>
+          <a:fillRef idx="1">
+            <a:schemeClr val="accent1"/>
+          </a:fillRef>
+          <a:effectRef idx="0">
+            <a:schemeClr val="accent1"/>
+          </a:effectRef>
+          <a:fontRef idx="minor">
+            <a:schemeClr val="lt1"/>
+          </a:fontRef>
+        </p:style>
+        <p:txBody>
+          <a:bodyPr anchor="ctr"/>
+          <a:p>
+            <a:pPr algn="ctr"/>
+            <a:r>
+              <a:rPr lang="ko-KR" altLang="en-US">
+                <a:solidFill>
+                  <a:schemeClr val="tx1"/>
+                </a:solidFill>
+              </a:rPr>
+              <a:t>#학식</a:t>
+            </a:r>
+            <a:endParaRPr lang="ko-KR" altLang="en-US">
+              <a:solidFill>
+                <a:schemeClr val="tx1"/>
+              </a:solidFill>
+            </a:endParaRPr>
+          </a:p>
+        </p:txBody>
+      </p:sp>
+      <p:sp>
+        <p:nvSpPr>
+          <p:cNvPr id="162" name="사각형 설명선 161"/>
+          <p:cNvSpPr/>
+          <p:nvPr/>
+        </p:nvSpPr>
+        <p:spPr>
+          <a:xfrm>
+            <a:off x="1064506" y="1918332"/>
+            <a:ext cx="2349500" cy="2666999"/>
+          </a:xfrm>
+          <a:prstGeom prst="wedgeRectCallout">
+            <a:avLst>
+              <a:gd name="adj1" fmla="val -37216"/>
+              <a:gd name="adj2" fmla="val 60962"/>
+            </a:avLst>
+          </a:prstGeom>
+          <a:solidFill>
+            <a:schemeClr val="bg1">
+              <a:lumMod val="90000"/>
+            </a:schemeClr>
+          </a:solidFill>
+        </p:spPr>
+        <p:style>
+          <a:lnRef idx="2">
+            <a:schemeClr val="accent1">
+              <a:shade val="20000"/>
+            </a:schemeClr>
+          </a:lnRef>
+          <a:fillRef idx="1">
+            <a:schemeClr val="accent1"/>
+          </a:fillRef>
+          <a:effectRef idx="0">
+            <a:schemeClr val="accent1"/>
+          </a:effectRef>
+          <a:fontRef idx="minor">
+            <a:schemeClr val="lt1"/>
+          </a:fontRef>
+        </p:style>
+        <p:txBody>
+          <a:bodyPr anchor="ctr"/>
+          <a:lstStyle/>
+          <a:p>
+            <a:pPr/>
+            <a:r>
+              <a:rPr lang="ko-KR" altLang="en-US" sz="1200">
+                <a:solidFill>
+                  <a:schemeClr val="tx1"/>
+                </a:solidFill>
+              </a:rPr>
+              <a:t>&lt;아침&gt;</a:t>
+            </a:r>
+            <a:endParaRPr lang="ko-KR" altLang="en-US" sz="1200">
+              <a:solidFill>
+                <a:schemeClr val="tx1"/>
+              </a:solidFill>
+            </a:endParaRPr>
+          </a:p>
+          <a:p>
+            <a:pPr/>
+            <a:r>
+              <a:rPr lang="ko-KR" altLang="en-US" sz="1200">
+                <a:solidFill>
+                  <a:schemeClr val="tx1"/>
+                </a:solidFill>
+              </a:rPr>
+              <a:t>[학생식당]</a:t>
+            </a:r>
+            <a:endParaRPr lang="ko-KR" altLang="en-US" sz="1200">
+              <a:solidFill>
+                <a:schemeClr val="tx1"/>
+              </a:solidFill>
+            </a:endParaRPr>
+          </a:p>
+          <a:p>
+            <a:pPr/>
+            <a:r>
+              <a:rPr lang="ko-KR" altLang="en-US" sz="1200">
+                <a:solidFill>
+                  <a:schemeClr val="tx1"/>
+                </a:solidFill>
+              </a:rPr>
+              <a:t>착한아침</a:t>
+            </a:r>
+            <a:endParaRPr lang="ko-KR" altLang="en-US" sz="1200">
+              <a:solidFill>
+                <a:schemeClr val="tx1"/>
+              </a:solidFill>
+            </a:endParaRPr>
+          </a:p>
+          <a:p>
+            <a:pPr/>
+            <a:r>
+              <a:rPr lang="ko-KR" altLang="en-US" sz="1200">
+                <a:solidFill>
+                  <a:schemeClr val="tx1"/>
+                </a:solidFill>
+              </a:rPr>
+              <a:t>-북어채해장국 2500</a:t>
+            </a:r>
+            <a:endParaRPr lang="ko-KR" altLang="en-US" sz="1200">
+              <a:solidFill>
+                <a:schemeClr val="tx1"/>
+              </a:solidFill>
+            </a:endParaRPr>
+          </a:p>
+          <a:p>
+            <a:pPr/>
+            <a:endParaRPr lang="ko-KR" altLang="en-US" sz="1200">
+              <a:solidFill>
+                <a:schemeClr val="tx1"/>
+              </a:solidFill>
+            </a:endParaRPr>
+          </a:p>
+          <a:p>
+            <a:pPr/>
+            <a:r>
+              <a:rPr lang="ko-KR" altLang="en-US" sz="1200">
+                <a:solidFill>
+                  <a:schemeClr val="tx1"/>
+                </a:solidFill>
+              </a:rPr>
+              <a:t>[한울식당]</a:t>
+            </a:r>
+            <a:endParaRPr lang="ko-KR" altLang="en-US" sz="1200">
+              <a:solidFill>
+                <a:schemeClr val="tx1"/>
+              </a:solidFill>
+            </a:endParaRPr>
+          </a:p>
+          <a:p>
+            <a:pPr/>
+            <a:r>
+              <a:rPr lang="ko-KR" altLang="en-US" sz="1200">
+                <a:solidFill>
+                  <a:schemeClr val="tx1"/>
+                </a:solidFill>
+              </a:rPr>
+              <a:t>石火랑</a:t>
+            </a:r>
+            <a:endParaRPr lang="ko-KR" altLang="en-US" sz="1200">
+              <a:solidFill>
+                <a:schemeClr val="tx1"/>
+              </a:solidFill>
+            </a:endParaRPr>
+          </a:p>
+          <a:p>
+            <a:pPr/>
+            <a:r>
+              <a:rPr lang="ko-KR" altLang="en-US" sz="1200">
+                <a:solidFill>
+                  <a:schemeClr val="tx1"/>
+                </a:solidFill>
+              </a:rPr>
+              <a:t>-새우야채죽 2900</a:t>
+            </a:r>
+            <a:endParaRPr lang="ko-KR" altLang="en-US" sz="1200">
+              <a:solidFill>
+                <a:schemeClr val="tx1"/>
+              </a:solidFill>
+            </a:endParaRPr>
+          </a:p>
+          <a:p>
+            <a:pPr/>
+            <a:endParaRPr lang="ko-KR" altLang="en-US" sz="1200">
+              <a:solidFill>
+                <a:schemeClr val="tx1"/>
+              </a:solidFill>
+            </a:endParaRPr>
+          </a:p>
+          <a:p>
+            <a:pPr/>
+            <a:r>
+              <a:rPr lang="ko-KR" altLang="en-US" sz="1200">
+                <a:solidFill>
+                  <a:schemeClr val="tx1"/>
+                </a:solidFill>
+              </a:rPr>
+              <a:t>[생활관식당]</a:t>
+            </a:r>
+            <a:endParaRPr lang="ko-KR" altLang="en-US" sz="1200">
+              <a:solidFill>
+                <a:schemeClr val="tx1"/>
+              </a:solidFill>
+            </a:endParaRPr>
+          </a:p>
+          <a:p>
+            <a:pPr/>
+            <a:r>
+              <a:rPr lang="ko-KR" altLang="en-US" sz="1200">
+                <a:solidFill>
+                  <a:schemeClr val="tx1"/>
+                </a:solidFill>
+              </a:rPr>
+              <a:t>미니조식뷔페</a:t>
+            </a:r>
+            <a:endParaRPr lang="ko-KR" altLang="en-US" sz="1200">
+              <a:solidFill>
+                <a:schemeClr val="tx1"/>
+              </a:solidFill>
+            </a:endParaRPr>
+          </a:p>
+          <a:p>
+            <a:pPr/>
+            <a:r>
+              <a:rPr lang="ko-KR" altLang="en-US" sz="1200">
+                <a:solidFill>
+                  <a:schemeClr val="tx1"/>
+                </a:solidFill>
+              </a:rPr>
+              <a:t>-미니조식뷔페, 숯불향제육불고기, 쌀밥, 미역국, 비엔나케찹조림</a:t>
+            </a:r>
+            <a:endParaRPr lang="ko-KR" altLang="en-US" sz="1200">
+              <a:solidFill>
+                <a:schemeClr val="tx1"/>
+              </a:solidFill>
+            </a:endParaRPr>
+          </a:p>
+        </p:txBody>
+      </p:sp>
+      <p:sp>
+        <p:nvSpPr>
+          <p:cNvPr id="165" name="TextBox 140"/>
+          <p:cNvSpPr txBox="1"/>
+          <p:nvPr/>
+        </p:nvSpPr>
+        <p:spPr>
+          <a:xfrm>
+            <a:off x="9405862" y="2948223"/>
+            <a:ext cx="249555" cy="297897"/>
+          </a:xfrm>
+          <a:prstGeom prst="rect">
+            <a:avLst/>
+          </a:prstGeom>
+          <a:noFill/>
+        </p:spPr>
+        <p:txBody>
+          <a:bodyPr wrap="none">
+            <a:spAutoFit/>
+          </a:bodyPr>
+          <a:lstStyle/>
+          <a:p>
+            <a:pPr algn="ctr"/>
+            <a:endParaRPr lang="ko-KR" altLang="en-US" sz="1400"/>
+          </a:p>
+        </p:txBody>
+      </p:sp>
+      <p:sp>
+        <p:nvSpPr>
+          <p:cNvPr id="166" name="직사각형 145"/>
+          <p:cNvSpPr/>
+          <p:nvPr/>
+        </p:nvSpPr>
+        <p:spPr>
+          <a:xfrm>
+            <a:off x="8349803" y="2516400"/>
+            <a:ext cx="568800" cy="162000"/>
+          </a:xfrm>
+          <a:prstGeom prst="rect">
+            <a:avLst/>
+          </a:prstGeom>
+          <a:solidFill>
+            <a:schemeClr val="bg1"/>
+          </a:solidFill>
+          <a:ln>
+            <a:noFill/>
+          </a:ln>
+        </p:spPr>
+        <p:style>
+          <a:lnRef idx="2">
+            <a:schemeClr val="accent1">
+              <a:shade val="20000"/>
+            </a:schemeClr>
+          </a:lnRef>
+          <a:fillRef idx="1">
+            <a:schemeClr val="accent1"/>
+          </a:fillRef>
+          <a:effectRef idx="0">
+            <a:schemeClr val="accent1"/>
+          </a:effectRef>
+          <a:fontRef idx="minor">
+            <a:schemeClr val="lt1"/>
+          </a:fontRef>
+        </p:style>
+        <p:txBody>
+          <a:bodyPr vert="horz" wrap="square" lIns="91440" tIns="45720" rIns="91440" bIns="45720" anchor="t"/>
+          <a:p>
+            <a:pPr/>
+            <a:endParaRPr lang="en-US" altLang="ko-KR"/>
+          </a:p>
+        </p:txBody>
+      </p:sp>
+      <p:sp>
+        <p:nvSpPr>
+          <p:cNvPr id="167" name="직사각형 152"/>
+          <p:cNvSpPr/>
+          <p:nvPr/>
+        </p:nvSpPr>
+        <p:spPr>
+          <a:xfrm>
+            <a:off x="7277979" y="476250"/>
+            <a:ext cx="4343400" cy="5924550"/>
+          </a:xfrm>
+          <a:prstGeom prst="rect">
+            <a:avLst/>
+          </a:prstGeom>
+          <a:solidFill>
+            <a:schemeClr val="bg1"/>
+          </a:solidFill>
+        </p:spPr>
+        <p:style>
+          <a:lnRef idx="2">
+            <a:schemeClr val="accent1">
+              <a:shade val="20000"/>
+            </a:schemeClr>
+          </a:lnRef>
+          <a:fillRef idx="1">
+            <a:schemeClr val="accent1"/>
+          </a:fillRef>
+          <a:effectRef idx="0">
+            <a:schemeClr val="accent1"/>
+          </a:effectRef>
+          <a:fontRef idx="minor">
+            <a:schemeClr val="lt1"/>
+          </a:fontRef>
+        </p:style>
+      </p:sp>
+      <p:sp>
+        <p:nvSpPr>
+          <p:cNvPr id="168" name="직사각형 154"/>
+          <p:cNvSpPr/>
+          <p:nvPr/>
+        </p:nvSpPr>
+        <p:spPr>
+          <a:xfrm>
+            <a:off x="7430379" y="5905500"/>
+            <a:ext cx="4019549" cy="361950"/>
+          </a:xfrm>
+          <a:prstGeom prst="rect">
+            <a:avLst/>
+          </a:prstGeom>
+          <a:solidFill>
+            <a:schemeClr val="bg1">
+              <a:lumMod val="90000"/>
+            </a:schemeClr>
+          </a:solidFill>
+        </p:spPr>
+        <p:style>
+          <a:lnRef idx="2">
+            <a:schemeClr val="accent1">
+              <a:shade val="20000"/>
+            </a:schemeClr>
+          </a:lnRef>
+          <a:fillRef idx="1">
+            <a:schemeClr val="accent1"/>
+          </a:fillRef>
+          <a:effectRef idx="0">
+            <a:schemeClr val="accent1"/>
+          </a:effectRef>
+          <a:fontRef idx="minor">
+            <a:schemeClr val="lt1"/>
+          </a:fontRef>
+        </p:style>
+      </p:sp>
+      <p:sp>
+        <p:nvSpPr>
+          <p:cNvPr id="169" name="직사각형 155"/>
+          <p:cNvSpPr/>
+          <p:nvPr/>
+        </p:nvSpPr>
+        <p:spPr>
+          <a:xfrm>
+            <a:off x="7435847" y="5472112"/>
+            <a:ext cx="428625" cy="309562"/>
+          </a:xfrm>
+          <a:prstGeom prst="rect">
+            <a:avLst/>
+          </a:prstGeom>
+          <a:solidFill>
+            <a:schemeClr val="bg1">
+              <a:lumMod val="90000"/>
+            </a:schemeClr>
+          </a:solidFill>
+        </p:spPr>
+        <p:style>
+          <a:lnRef idx="2">
+            <a:schemeClr val="accent1">
+              <a:shade val="20000"/>
+            </a:schemeClr>
+          </a:lnRef>
+          <a:fillRef idx="1">
+            <a:schemeClr val="accent1"/>
+          </a:fillRef>
+          <a:effectRef idx="0">
+            <a:schemeClr val="accent1"/>
+          </a:effectRef>
+          <a:fontRef idx="minor">
+            <a:schemeClr val="lt1"/>
+          </a:fontRef>
+        </p:style>
+        <p:txBody>
+          <a:bodyPr anchor="ctr"/>
+          <a:p>
+            <a:pPr algn="ctr"/>
+            <a:r>
+              <a:rPr lang="ko-KR" altLang="en-US">
+                <a:solidFill>
+                  <a:schemeClr val="tx1"/>
+                </a:solidFill>
+              </a:rPr>
+              <a:t>#</a:t>
+            </a:r>
+            <a:endParaRPr lang="ko-KR" altLang="en-US">
+              <a:solidFill>
+                <a:schemeClr val="tx1"/>
+              </a:solidFill>
+            </a:endParaRPr>
+          </a:p>
+        </p:txBody>
+      </p:sp>
+      <p:sp>
+        <p:nvSpPr>
+          <p:cNvPr id="170" name="직사각형 156"/>
+          <p:cNvSpPr/>
+          <p:nvPr/>
+        </p:nvSpPr>
+        <p:spPr>
+          <a:xfrm>
+            <a:off x="7370053" y="609600"/>
+            <a:ext cx="4152899" cy="533400"/>
+          </a:xfrm>
+          <a:prstGeom prst="rect">
+            <a:avLst/>
+          </a:prstGeom>
+          <a:solidFill>
+            <a:schemeClr val="bg1">
+              <a:lumMod val="90000"/>
+            </a:schemeClr>
+          </a:solidFill>
+        </p:spPr>
+        <p:style>
+          <a:lnRef idx="2">
+            <a:schemeClr val="accent1">
+              <a:shade val="20000"/>
+            </a:schemeClr>
+          </a:lnRef>
+          <a:fillRef idx="1">
+            <a:schemeClr val="accent1"/>
+          </a:fillRef>
+          <a:effectRef idx="0">
+            <a:schemeClr val="accent1"/>
+          </a:effectRef>
+          <a:fontRef idx="minor">
+            <a:schemeClr val="lt1"/>
+          </a:fontRef>
+        </p:style>
+      </p:sp>
+      <p:sp>
+        <p:nvSpPr>
+          <p:cNvPr id="171" name="직사각형 157"/>
+          <p:cNvSpPr/>
+          <p:nvPr/>
+        </p:nvSpPr>
+        <p:spPr>
+          <a:xfrm>
+            <a:off x="11054640" y="652462"/>
+            <a:ext cx="419100" cy="447674"/>
+          </a:xfrm>
+          <a:prstGeom prst="rect">
+            <a:avLst/>
+          </a:prstGeom>
+          <a:solidFill>
+            <a:schemeClr val="bg1"/>
+          </a:solidFill>
+        </p:spPr>
+        <p:style>
+          <a:lnRef idx="2">
+            <a:schemeClr val="accent1">
+              <a:shade val="20000"/>
+            </a:schemeClr>
+          </a:lnRef>
+          <a:fillRef idx="1">
+            <a:schemeClr val="accent1"/>
+          </a:fillRef>
+          <a:effectRef idx="0">
+            <a:schemeClr val="accent1"/>
+          </a:effectRef>
+          <a:fontRef idx="minor">
+            <a:schemeClr val="lt1"/>
+          </a:fontRef>
+        </p:style>
+      </p:sp>
+      <p:sp>
+        <p:nvSpPr>
+          <p:cNvPr id="175" name="사각형 설명선 161"/>
+          <p:cNvSpPr/>
+          <p:nvPr/>
+        </p:nvSpPr>
+        <p:spPr>
+          <a:xfrm>
+            <a:off x="1070880" y="5007396"/>
+            <a:ext cx="2349500" cy="1054100"/>
+          </a:xfrm>
+          <a:prstGeom prst="wedgeRectCallout">
+            <a:avLst>
+              <a:gd name="adj1" fmla="val -37216"/>
+              <a:gd name="adj2" fmla="val 60962"/>
+            </a:avLst>
+          </a:prstGeom>
+          <a:solidFill>
+            <a:schemeClr val="bg1">
+              <a:lumMod val="90000"/>
+            </a:schemeClr>
+          </a:solidFill>
+        </p:spPr>
+        <p:style>
+          <a:lnRef idx="2">
+            <a:schemeClr val="accent1">
+              <a:shade val="20000"/>
+            </a:schemeClr>
+          </a:lnRef>
+          <a:fillRef idx="1">
+            <a:schemeClr val="accent1"/>
+          </a:fillRef>
+          <a:effectRef idx="0">
+            <a:schemeClr val="accent1"/>
+          </a:effectRef>
+          <a:fontRef idx="minor">
+            <a:schemeClr val="lt1"/>
+          </a:fontRef>
+        </p:style>
+        <p:txBody>
+          <a:bodyPr anchor="ctr"/>
+          <a:lstStyle/>
+          <a:p>
+            <a:pPr/>
+            <a:r>
+              <a:rPr lang="ko-KR" altLang="en-US" sz="1200">
+                <a:solidFill>
+                  <a:schemeClr val="tx1"/>
+                </a:solidFill>
+              </a:rPr>
+              <a:t>&lt;점심&gt;</a:t>
+            </a:r>
+            <a:endParaRPr lang="ko-KR" altLang="en-US" sz="1200">
+              <a:solidFill>
+                <a:schemeClr val="tx1"/>
+              </a:solidFill>
+            </a:endParaRPr>
+          </a:p>
+          <a:p>
+            <a:pPr/>
+            <a:endParaRPr lang="ko-KR" altLang="en-US" sz="1200">
+              <a:solidFill>
+                <a:schemeClr val="tx1"/>
+              </a:solidFill>
+            </a:endParaRPr>
+          </a:p>
+          <a:p>
+            <a:pPr/>
+            <a:endParaRPr lang="ko-KR" altLang="en-US" sz="1200">
+              <a:solidFill>
+                <a:schemeClr val="tx1"/>
+              </a:solidFill>
+            </a:endParaRPr>
+          </a:p>
+          <a:p>
+            <a:pPr/>
+            <a:endParaRPr lang="ko-KR" altLang="en-US" sz="1200">
+              <a:solidFill>
+                <a:schemeClr val="tx1"/>
+              </a:solidFill>
+            </a:endParaRPr>
+          </a:p>
+        </p:txBody>
+      </p:sp>
+      <p:sp>
+        <p:nvSpPr>
+          <p:cNvPr id="172" name="실행 단추: 앞으로 또는 다음 158">
+            <a:hlinkClick action="ppaction://hlinkshowjump?jump=nextslide" highlightClick="1"/>
+          </p:cNvPr>
+          <p:cNvSpPr/>
+          <p:nvPr/>
+        </p:nvSpPr>
+        <p:spPr>
+          <a:xfrm>
+            <a:off x="10998443" y="5931512"/>
+            <a:ext cx="396240" cy="297180"/>
+          </a:xfrm>
+          <a:prstGeom prst="actionButtonForwardNext">
+            <a:avLst/>
+          </a:prstGeom>
+          <a:solidFill>
+            <a:schemeClr val="bg1">
+              <a:lumMod val="90000"/>
+            </a:schemeClr>
+          </a:solidFill>
+        </p:spPr>
+        <p:style>
+          <a:lnRef idx="2">
+            <a:schemeClr val="accent1">
+              <a:shade val="20000"/>
+            </a:schemeClr>
+          </a:lnRef>
+          <a:fillRef idx="1">
+            <a:schemeClr val="accent1"/>
+          </a:fillRef>
+          <a:effectRef idx="0">
+            <a:schemeClr val="accent1"/>
+          </a:effectRef>
+          <a:fontRef idx="minor">
+            <a:schemeClr val="lt1"/>
+          </a:fontRef>
+        </p:style>
+      </p:sp>
+      <p:sp>
+        <p:nvSpPr>
+          <p:cNvPr id="173" name="사각형 설명선 159"/>
+          <p:cNvSpPr/>
+          <p:nvPr/>
+        </p:nvSpPr>
+        <p:spPr>
+          <a:xfrm>
+            <a:off x="10354553" y="1352550"/>
+            <a:ext cx="1092199" cy="406400"/>
+          </a:xfrm>
+          <a:prstGeom prst="wedgeRectCallout">
+            <a:avLst>
+              <a:gd name="adj1" fmla="val -9056"/>
+              <a:gd name="adj2" fmla="val 75811"/>
+            </a:avLst>
+          </a:prstGeom>
+          <a:solidFill>
+            <a:schemeClr val="bg1">
+              <a:lumMod val="90000"/>
+            </a:schemeClr>
+          </a:solidFill>
+        </p:spPr>
+        <p:style>
+          <a:lnRef idx="2">
+            <a:schemeClr val="accent1">
+              <a:shade val="20000"/>
+            </a:schemeClr>
+          </a:lnRef>
+          <a:fillRef idx="1">
+            <a:schemeClr val="accent1"/>
+          </a:fillRef>
+          <a:effectRef idx="0">
+            <a:schemeClr val="accent1"/>
+          </a:effectRef>
+          <a:fontRef idx="minor">
+            <a:schemeClr val="lt1"/>
+          </a:fontRef>
+        </p:style>
+        <p:txBody>
+          <a:bodyPr anchor="ctr"/>
+          <a:p>
+            <a:pPr algn="ctr"/>
+            <a:r>
+              <a:rPr lang="ko-KR" altLang="en-US">
+                <a:solidFill>
+                  <a:schemeClr val="tx1"/>
+                </a:solidFill>
+              </a:rPr>
+              <a:t>#날씨</a:t>
+            </a:r>
+            <a:endParaRPr lang="ko-KR" altLang="en-US">
+              <a:solidFill>
+                <a:schemeClr val="tx1"/>
+              </a:solidFill>
+            </a:endParaRPr>
+          </a:p>
+        </p:txBody>
+      </p:sp>
+      <p:sp>
+        <p:nvSpPr>
+          <p:cNvPr id="174" name="사각형 설명선 161"/>
+          <p:cNvSpPr/>
+          <p:nvPr/>
+        </p:nvSpPr>
+        <p:spPr>
+          <a:xfrm>
+            <a:off x="7465304" y="1987551"/>
+            <a:ext cx="2489200" cy="2863848"/>
+          </a:xfrm>
+          <a:prstGeom prst="wedgeRectCallout">
+            <a:avLst>
+              <a:gd name="adj1" fmla="val -37216"/>
+              <a:gd name="adj2" fmla="val 60962"/>
+            </a:avLst>
+          </a:prstGeom>
+          <a:solidFill>
+            <a:schemeClr val="bg1">
+              <a:lumMod val="90000"/>
+            </a:schemeClr>
+          </a:solidFill>
+        </p:spPr>
+        <p:style>
+          <a:lnRef idx="2">
+            <a:schemeClr val="accent1">
+              <a:shade val="20000"/>
+            </a:schemeClr>
+          </a:lnRef>
+          <a:fillRef idx="1">
+            <a:schemeClr val="accent1"/>
+          </a:fillRef>
+          <a:effectRef idx="0">
+            <a:schemeClr val="accent1"/>
+          </a:effectRef>
+          <a:fontRef idx="minor">
+            <a:schemeClr val="lt1"/>
+          </a:fontRef>
+        </p:style>
+        <p:txBody>
+          <a:bodyPr anchor="ctr"/>
+          <a:lstStyle/>
+          <a:p>
+            <a:pPr/>
+            <a:r>
+              <a:rPr lang="ko-KR" altLang="en-US" sz="1300">
+                <a:solidFill>
+                  <a:schemeClr val="tx1"/>
+                </a:solidFill>
+              </a:rPr>
+              <a:t>서울 (구름)→(구름) 19℃/25℃</a:t>
+            </a:r>
+            <a:endParaRPr lang="ko-KR" altLang="en-US" sz="1300">
+              <a:solidFill>
+                <a:schemeClr val="tx1"/>
+              </a:solidFill>
+            </a:endParaRPr>
+          </a:p>
+          <a:p>
+            <a:pPr/>
+            <a:r>
+              <a:rPr lang="ko-KR" altLang="en-US" sz="1300">
+                <a:solidFill>
+                  <a:schemeClr val="tx1"/>
+                </a:solidFill>
+              </a:rPr>
+              <a:t>인천 (구름)→(구름) 20℃/24℃</a:t>
+            </a:r>
+            <a:endParaRPr lang="ko-KR" altLang="en-US" sz="1300">
+              <a:solidFill>
+                <a:schemeClr val="tx1"/>
+              </a:solidFill>
+            </a:endParaRPr>
+          </a:p>
+          <a:p>
+            <a:pPr/>
+            <a:r>
+              <a:rPr lang="ko-KR" altLang="en-US" sz="1300">
+                <a:solidFill>
+                  <a:schemeClr val="tx1"/>
+                </a:solidFill>
+              </a:rPr>
+              <a:t>춘천 (구름)→(구름) 14℃/25℃</a:t>
+            </a:r>
+            <a:endParaRPr lang="ko-KR" altLang="en-US" sz="1300">
+              <a:solidFill>
+                <a:schemeClr val="tx1"/>
+              </a:solidFill>
+            </a:endParaRPr>
+          </a:p>
+          <a:p>
+            <a:pPr/>
+            <a:r>
+              <a:rPr lang="ko-KR" altLang="en-US" sz="1300">
+                <a:solidFill>
+                  <a:schemeClr val="tx1"/>
+                </a:solidFill>
+              </a:rPr>
+              <a:t>강릉 (구름)→(구름) 15℃/24℃</a:t>
+            </a:r>
+            <a:endParaRPr lang="ko-KR" altLang="en-US" sz="1300">
+              <a:solidFill>
+                <a:schemeClr val="tx1"/>
+              </a:solidFill>
+            </a:endParaRPr>
+          </a:p>
+          <a:p>
+            <a:pPr/>
+            <a:r>
+              <a:rPr lang="ko-KR" altLang="en-US" sz="1300">
+                <a:solidFill>
+                  <a:schemeClr val="tx1"/>
+                </a:solidFill>
+              </a:rPr>
+              <a:t>청주 (구름)→(구름) 17℃/24℃</a:t>
+            </a:r>
+            <a:endParaRPr lang="ko-KR" altLang="en-US" sz="1300">
+              <a:solidFill>
+                <a:schemeClr val="tx1"/>
+              </a:solidFill>
+            </a:endParaRPr>
+          </a:p>
+          <a:p>
+            <a:pPr/>
+            <a:r>
+              <a:rPr lang="ko-KR" altLang="en-US" sz="1300">
+                <a:solidFill>
+                  <a:schemeClr val="tx1"/>
+                </a:solidFill>
+              </a:rPr>
+              <a:t>대전 (구름)→(구름) 17℃/23℃</a:t>
+            </a:r>
+            <a:endParaRPr lang="ko-KR" altLang="en-US" sz="1300">
+              <a:solidFill>
+                <a:schemeClr val="tx1"/>
+              </a:solidFill>
+            </a:endParaRPr>
+          </a:p>
+          <a:p>
+            <a:pPr/>
+            <a:r>
+              <a:rPr lang="ko-KR" altLang="en-US" sz="1300">
+                <a:solidFill>
+                  <a:schemeClr val="tx1"/>
+                </a:solidFill>
+              </a:rPr>
+              <a:t>전주 (구름)→(구름) 19℃/25℃</a:t>
+            </a:r>
+            <a:endParaRPr lang="ko-KR" altLang="en-US" sz="1300">
+              <a:solidFill>
+                <a:schemeClr val="tx1"/>
+              </a:solidFill>
+            </a:endParaRPr>
+          </a:p>
+          <a:p>
+            <a:pPr/>
+            <a:r>
+              <a:rPr lang="ko-KR" altLang="en-US" sz="1300">
+                <a:solidFill>
+                  <a:schemeClr val="tx1"/>
+                </a:solidFill>
+              </a:rPr>
+              <a:t>광주 (구름)→(비) 19℃/26℃</a:t>
+            </a:r>
+            <a:endParaRPr lang="ko-KR" altLang="en-US" sz="1300">
+              <a:solidFill>
+                <a:schemeClr val="tx1"/>
+              </a:solidFill>
+            </a:endParaRPr>
+          </a:p>
+          <a:p>
+            <a:pPr/>
+            <a:r>
+              <a:rPr lang="ko-KR" altLang="en-US" sz="1300">
+                <a:solidFill>
+                  <a:schemeClr val="tx1"/>
+                </a:solidFill>
+              </a:rPr>
+              <a:t>대구 (구름)→(구름) 19℃/26℃</a:t>
+            </a:r>
+            <a:endParaRPr lang="ko-KR" altLang="en-US" sz="1300">
+              <a:solidFill>
+                <a:schemeClr val="tx1"/>
+              </a:solidFill>
+            </a:endParaRPr>
+          </a:p>
+          <a:p>
+            <a:pPr/>
+            <a:r>
+              <a:rPr lang="ko-KR" altLang="en-US" sz="1300">
+                <a:solidFill>
+                  <a:schemeClr val="tx1"/>
+                </a:solidFill>
+              </a:rPr>
+              <a:t>울산 (구름)→(구름) 19℃/25℃</a:t>
+            </a:r>
+            <a:endParaRPr lang="ko-KR" altLang="en-US" sz="1300">
+              <a:solidFill>
+                <a:schemeClr val="tx1"/>
+              </a:solidFill>
+            </a:endParaRPr>
+          </a:p>
+          <a:p>
+            <a:pPr/>
+            <a:r>
+              <a:rPr lang="ko-KR" altLang="en-US" sz="1300">
+                <a:solidFill>
+                  <a:schemeClr val="tx1"/>
+                </a:solidFill>
+              </a:rPr>
+              <a:t>부산 (구름)→(비) 21℃/26℃</a:t>
+            </a:r>
+            <a:endParaRPr lang="ko-KR" altLang="en-US" sz="1300">
+              <a:solidFill>
+                <a:schemeClr val="tx1"/>
+              </a:solidFill>
+            </a:endParaRPr>
+          </a:p>
+          <a:p>
+            <a:pPr/>
+            <a:r>
+              <a:rPr lang="ko-KR" altLang="en-US" sz="1300">
+                <a:solidFill>
+                  <a:schemeClr val="tx1"/>
+                </a:solidFill>
+              </a:rPr>
+              <a:t>제주 (구름)→(비) 23℃/26℃</a:t>
+            </a:r>
+            <a:endParaRPr lang="ko-KR" altLang="en-US" sz="1300">
+              <a:solidFill>
+                <a:schemeClr val="tx1"/>
+              </a:solidFill>
+            </a:endParaRPr>
+          </a:p>
+        </p:txBody>
+      </p:sp>
+      <p:sp>
+        <p:nvSpPr>
+          <p:cNvPr id="155" name="직사각형 154"/>
+          <p:cNvSpPr/>
+          <p:nvPr/>
+        </p:nvSpPr>
+        <p:spPr>
+          <a:xfrm>
+            <a:off x="1029580" y="5913412"/>
+            <a:ext cx="4019549" cy="361950"/>
+          </a:xfrm>
+          <a:prstGeom prst="rect">
+            <a:avLst/>
+          </a:prstGeom>
+          <a:solidFill>
+            <a:schemeClr val="bg1">
+              <a:lumMod val="90000"/>
+            </a:schemeClr>
+          </a:solidFill>
+        </p:spPr>
+        <p:style>
+          <a:lnRef idx="2">
+            <a:schemeClr val="accent1">
+              <a:shade val="20000"/>
+            </a:schemeClr>
+          </a:lnRef>
+          <a:fillRef idx="1">
+            <a:schemeClr val="accent1"/>
+          </a:fillRef>
+          <a:effectRef idx="0">
+            <a:schemeClr val="accent1"/>
+          </a:effectRef>
+          <a:fontRef idx="minor">
+            <a:schemeClr val="lt1"/>
+          </a:fontRef>
+        </p:style>
+      </p:sp>
+      <p:sp>
+        <p:nvSpPr>
+          <p:cNvPr id="156" name="직사각형 155"/>
+          <p:cNvSpPr/>
+          <p:nvPr/>
+        </p:nvSpPr>
+        <p:spPr>
+          <a:xfrm>
+            <a:off x="1035049" y="5480024"/>
+            <a:ext cx="428625" cy="309562"/>
+          </a:xfrm>
+          <a:prstGeom prst="rect">
+            <a:avLst/>
+          </a:prstGeom>
+          <a:solidFill>
+            <a:schemeClr val="bg1">
+              <a:lumMod val="90000"/>
+            </a:schemeClr>
+          </a:solidFill>
+        </p:spPr>
+        <p:style>
+          <a:lnRef idx="2">
+            <a:schemeClr val="accent1">
+              <a:shade val="20000"/>
+            </a:schemeClr>
+          </a:lnRef>
+          <a:fillRef idx="1">
+            <a:schemeClr val="accent1"/>
+          </a:fillRef>
+          <a:effectRef idx="0">
+            <a:schemeClr val="accent1"/>
+          </a:effectRef>
+          <a:fontRef idx="minor">
+            <a:schemeClr val="lt1"/>
+          </a:fontRef>
+        </p:style>
+        <p:txBody>
+          <a:bodyPr anchor="ctr"/>
+          <a:p>
+            <a:pPr algn="ctr"/>
+            <a:r>
+              <a:rPr lang="ko-KR" altLang="en-US">
+                <a:solidFill>
+                  <a:schemeClr val="tx1"/>
+                </a:solidFill>
+              </a:rPr>
+              <a:t>#</a:t>
+            </a:r>
+            <a:endParaRPr lang="ko-KR" altLang="en-US">
+              <a:solidFill>
+                <a:schemeClr val="tx1"/>
+              </a:solidFill>
+            </a:endParaRPr>
           </a:p>
         </p:txBody>
       </p:sp>
@@ -11591,12 +13522,15 @@
         </p:nvSpPr>
         <p:spPr>
           <a:xfrm>
-            <a:off x="3838575" y="476250"/>
-            <a:ext cx="4343400" cy="5924550"/>
-          </a:xfrm>
-          <a:prstGeom prst="rect">
-            <a:avLst/>
-          </a:prstGeom>
+            <a:off x="3837600" y="475200"/>
+            <a:ext cx="4341600" cy="5925600"/>
+          </a:xfrm>
+          <a:prstGeom prst="rect">
+            <a:avLst/>
+          </a:prstGeom>
+          <a:solidFill>
+            <a:schemeClr val="bg1"/>
+          </a:solidFill>
         </p:spPr>
         <p:style>
           <a:lnRef idx="2">
@@ -11629,6 +13563,11 @@
           <a:prstGeom prst="rect">
             <a:avLst/>
           </a:prstGeom>
+          <a:solidFill>
+            <a:schemeClr val="bg1">
+              <a:lumMod val="90000"/>
+            </a:schemeClr>
+          </a:solidFill>
         </p:spPr>
         <p:style>
           <a:lnRef idx="2">
@@ -11661,6 +13600,11 @@
           <a:prstGeom prst="rect">
             <a:avLst/>
           </a:prstGeom>
+          <a:solidFill>
+            <a:schemeClr val="bg1">
+              <a:lumMod val="90000"/>
+            </a:schemeClr>
+          </a:solidFill>
         </p:spPr>
         <p:style>
           <a:lnRef idx="2">
@@ -11683,10 +13627,18 @@
           <a:p>
             <a:pPr algn="ctr"/>
             <a:r>
-              <a:rPr lang="ko-KR" altLang="en-US"/>
+              <a:rPr lang="ko-KR" altLang="en-US">
+                <a:solidFill>
+                  <a:schemeClr val="tx1"/>
+                </a:solidFill>
+              </a:rPr>
               <a:t>#</a:t>
             </a:r>
-            <a:endParaRPr lang="ko-KR" altLang="en-US"/>
+            <a:endParaRPr lang="ko-KR" altLang="en-US">
+              <a:solidFill>
+                <a:schemeClr val="tx1"/>
+              </a:solidFill>
+            </a:endParaRPr>
           </a:p>
         </p:txBody>
       </p:sp>
@@ -11704,6 +13656,11 @@
           <a:prstGeom prst="rect">
             <a:avLst/>
           </a:prstGeom>
+          <a:solidFill>
+            <a:schemeClr val="bg1">
+              <a:lumMod val="90000"/>
+            </a:schemeClr>
+          </a:solidFill>
         </p:spPr>
         <p:style>
           <a:lnRef idx="2">
@@ -11736,6 +13693,9 @@
           <a:prstGeom prst="rect">
             <a:avLst/>
           </a:prstGeom>
+          <a:solidFill>
+            <a:schemeClr val="bg1"/>
+          </a:solidFill>
         </p:spPr>
         <p:style>
           <a:lnRef idx="2">
@@ -11764,12 +13724,17 @@
         </p:nvSpPr>
         <p:spPr>
           <a:xfrm>
-            <a:off x="7559040" y="5931511"/>
+            <a:off x="7559040" y="5940660"/>
             <a:ext cx="396240" cy="297180"/>
           </a:xfrm>
           <a:prstGeom prst="actionButtonForwardNext">
             <a:avLst/>
           </a:prstGeom>
+          <a:solidFill>
+            <a:schemeClr val="bg1">
+              <a:lumMod val="85000"/>
+            </a:schemeClr>
+          </a:solidFill>
         </p:spPr>
         <p:style>
           <a:lnRef idx="2">
